--- a/doc/design.pptx
+++ b/doc/design.pptx
@@ -272,7 +272,7 @@
           <a:p>
             <a:fld id="{D6C33A7A-5ABB-BC4F-84D2-CC4D1B9660F6}" type="datetimeFigureOut">
               <a:rPr lang="ja-JP" altLang="en-US"/>
-              <a:t>2023/3/6</a:t>
+              <a:t>2023/4/4</a:t>
             </a:fld>
             <a:endParaRPr kumimoji="1" lang="ja-JP" altLang="en-US"/>
           </a:p>
@@ -502,7 +502,7 @@
           <a:p>
             <a:fld id="{D6C33A7A-5ABB-BC4F-84D2-CC4D1B9660F6}" type="datetimeFigureOut">
               <a:rPr lang="ja-JP" altLang="en-US"/>
-              <a:t>2023/3/6</a:t>
+              <a:t>2023/4/4</a:t>
             </a:fld>
             <a:endParaRPr kumimoji="1" lang="ja-JP" altLang="en-US"/>
           </a:p>
@@ -742,7 +742,7 @@
           <a:p>
             <a:fld id="{D6C33A7A-5ABB-BC4F-84D2-CC4D1B9660F6}" type="datetimeFigureOut">
               <a:rPr lang="ja-JP" altLang="en-US"/>
-              <a:t>2023/3/6</a:t>
+              <a:t>2023/4/4</a:t>
             </a:fld>
             <a:endParaRPr kumimoji="1" lang="ja-JP" altLang="en-US"/>
           </a:p>
@@ -972,7 +972,7 @@
           <a:p>
             <a:fld id="{D6C33A7A-5ABB-BC4F-84D2-CC4D1B9660F6}" type="datetimeFigureOut">
               <a:rPr lang="ja-JP" altLang="en-US"/>
-              <a:t>2023/3/6</a:t>
+              <a:t>2023/4/4</a:t>
             </a:fld>
             <a:endParaRPr kumimoji="1" lang="ja-JP" altLang="en-US"/>
           </a:p>
@@ -1247,7 +1247,7 @@
           <a:p>
             <a:fld id="{D6C33A7A-5ABB-BC4F-84D2-CC4D1B9660F6}" type="datetimeFigureOut">
               <a:rPr lang="ja-JP" altLang="en-US"/>
-              <a:t>2023/3/6</a:t>
+              <a:t>2023/4/4</a:t>
             </a:fld>
             <a:endParaRPr kumimoji="1" lang="ja-JP" altLang="en-US"/>
           </a:p>
@@ -1576,7 +1576,7 @@
           <a:p>
             <a:fld id="{D6C33A7A-5ABB-BC4F-84D2-CC4D1B9660F6}" type="datetimeFigureOut">
               <a:rPr lang="ja-JP" altLang="en-US"/>
-              <a:t>2023/3/6</a:t>
+              <a:t>2023/4/4</a:t>
             </a:fld>
             <a:endParaRPr kumimoji="1" lang="ja-JP" altLang="en-US"/>
           </a:p>
@@ -2052,7 +2052,7 @@
           <a:p>
             <a:fld id="{D6C33A7A-5ABB-BC4F-84D2-CC4D1B9660F6}" type="datetimeFigureOut">
               <a:rPr lang="ja-JP" altLang="en-US"/>
-              <a:t>2023/3/6</a:t>
+              <a:t>2023/4/4</a:t>
             </a:fld>
             <a:endParaRPr kumimoji="1" lang="ja-JP" altLang="en-US"/>
           </a:p>
@@ -2193,7 +2193,7 @@
           <a:p>
             <a:fld id="{D6C33A7A-5ABB-BC4F-84D2-CC4D1B9660F6}" type="datetimeFigureOut">
               <a:rPr lang="ja-JP" altLang="en-US"/>
-              <a:t>2023/3/6</a:t>
+              <a:t>2023/4/4</a:t>
             </a:fld>
             <a:endParaRPr kumimoji="1" lang="ja-JP" altLang="en-US"/>
           </a:p>
@@ -2306,7 +2306,7 @@
           <a:p>
             <a:fld id="{D6C33A7A-5ABB-BC4F-84D2-CC4D1B9660F6}" type="datetimeFigureOut">
               <a:rPr lang="ja-JP" altLang="en-US"/>
-              <a:t>2023/3/6</a:t>
+              <a:t>2023/4/4</a:t>
             </a:fld>
             <a:endParaRPr kumimoji="1" lang="ja-JP" altLang="en-US"/>
           </a:p>
@@ -2649,7 +2649,7 @@
           <a:p>
             <a:fld id="{D6C33A7A-5ABB-BC4F-84D2-CC4D1B9660F6}" type="datetimeFigureOut">
               <a:rPr lang="ja-JP" altLang="en-US"/>
-              <a:t>2023/3/6</a:t>
+              <a:t>2023/4/4</a:t>
             </a:fld>
             <a:endParaRPr kumimoji="1" lang="ja-JP" altLang="en-US"/>
           </a:p>
@@ -2937,7 +2937,7 @@
           <a:p>
             <a:fld id="{D6C33A7A-5ABB-BC4F-84D2-CC4D1B9660F6}" type="datetimeFigureOut">
               <a:rPr lang="ja-JP" altLang="en-US"/>
-              <a:t>2023/3/6</a:t>
+              <a:t>2023/4/4</a:t>
             </a:fld>
             <a:endParaRPr kumimoji="1" lang="ja-JP" altLang="en-US"/>
           </a:p>
@@ -3210,7 +3210,7 @@
           <a:p>
             <a:fld id="{D6C33A7A-5ABB-BC4F-84D2-CC4D1B9660F6}" type="datetimeFigureOut">
               <a:rPr lang="ja-JP" altLang="en-US"/>
-              <a:t>2023/3/6</a:t>
+              <a:t>2023/4/4</a:t>
             </a:fld>
             <a:endParaRPr kumimoji="1" lang="ja-JP" altLang="en-US"/>
           </a:p>
@@ -14147,7 +14147,11 @@
               <a:rPr kumimoji="1" lang="en-US" altLang="ja-JP" dirty="0"/>
             </a:br>
             <a:r>
-              <a:rPr kumimoji="1" lang="en-US" altLang="ja-JP" dirty="0" err="1"/>
+              <a:rPr kumimoji="1" lang="en-US" altLang="ja-JP" dirty="0" err="1">
+                <a:solidFill>
+                  <a:srgbClr val="FF0000"/>
+                </a:solidFill>
+              </a:rPr>
               <a:t>delta_tps</a:t>
             </a:r>
             <a:r>
@@ -14186,8 +14190,16 @@
           </a:p>
           <a:p>
             <a:r>
+              <a:rPr lang="en-US" altLang="ja-JP" dirty="0">
+                <a:solidFill>
+                  <a:srgbClr val="FF0000"/>
+                </a:solidFill>
+              </a:rPr>
+              <a:t>time_to0</a:t>
+            </a:r>
+            <a:r>
               <a:rPr lang="en-US" altLang="ja-JP" dirty="0"/>
-              <a:t>time_to0[sec] = tempo0_time – crnt_time</a:t>
+              <a:t>[sec] = tempo0_time – crnt_time</a:t>
             </a:r>
           </a:p>
           <a:p>
@@ -14227,11 +14239,11 @@
           <a:p>
             <a:r>
               <a:rPr lang="en-US" altLang="ja-JP" dirty="0"/>
-              <a:t>&lt;</a:t>
+              <a:t>&lt;rit.</a:t>
             </a:r>
             <a:r>
               <a:rPr lang="ja-JP" altLang="en-US" dirty="0"/>
-              <a:t>作り方</a:t>
+              <a:t>初期値の作り方</a:t>
             </a:r>
             <a:r>
               <a:rPr lang="en-US" altLang="ja-JP" dirty="0"/>
@@ -14284,7 +14296,15 @@
             </a:r>
             <a:r>
               <a:rPr lang="en-US" altLang="ja-JP"/>
-              <a:t> tick(t0_addup_tick) </a:t>
+              <a:t> tick</a:t>
+            </a:r>
+            <a:r>
+              <a:rPr lang="en-US" altLang="ja-JP">
+                <a:solidFill>
+                  <a:srgbClr val="FF0000"/>
+                </a:solidFill>
+              </a:rPr>
+              <a:t>(t0_addup_tick) </a:t>
             </a:r>
             <a:r>
               <a:rPr lang="ja-JP" altLang="en-US"/>

--- a/doc/design.pptx
+++ b/doc/design.pptx
@@ -272,7 +272,7 @@
           <a:p>
             <a:fld id="{D6C33A7A-5ABB-BC4F-84D2-CC4D1B9660F6}" type="datetimeFigureOut">
               <a:rPr lang="ja-JP" altLang="en-US"/>
-              <a:t>2023/4/4</a:t>
+              <a:t>2023/4/20</a:t>
             </a:fld>
             <a:endParaRPr kumimoji="1" lang="ja-JP" altLang="en-US"/>
           </a:p>
@@ -502,7 +502,7 @@
           <a:p>
             <a:fld id="{D6C33A7A-5ABB-BC4F-84D2-CC4D1B9660F6}" type="datetimeFigureOut">
               <a:rPr lang="ja-JP" altLang="en-US"/>
-              <a:t>2023/4/4</a:t>
+              <a:t>2023/4/20</a:t>
             </a:fld>
             <a:endParaRPr kumimoji="1" lang="ja-JP" altLang="en-US"/>
           </a:p>
@@ -742,7 +742,7 @@
           <a:p>
             <a:fld id="{D6C33A7A-5ABB-BC4F-84D2-CC4D1B9660F6}" type="datetimeFigureOut">
               <a:rPr lang="ja-JP" altLang="en-US"/>
-              <a:t>2023/4/4</a:t>
+              <a:t>2023/4/20</a:t>
             </a:fld>
             <a:endParaRPr kumimoji="1" lang="ja-JP" altLang="en-US"/>
           </a:p>
@@ -972,7 +972,7 @@
           <a:p>
             <a:fld id="{D6C33A7A-5ABB-BC4F-84D2-CC4D1B9660F6}" type="datetimeFigureOut">
               <a:rPr lang="ja-JP" altLang="en-US"/>
-              <a:t>2023/4/4</a:t>
+              <a:t>2023/4/20</a:t>
             </a:fld>
             <a:endParaRPr kumimoji="1" lang="ja-JP" altLang="en-US"/>
           </a:p>
@@ -1247,7 +1247,7 @@
           <a:p>
             <a:fld id="{D6C33A7A-5ABB-BC4F-84D2-CC4D1B9660F6}" type="datetimeFigureOut">
               <a:rPr lang="ja-JP" altLang="en-US"/>
-              <a:t>2023/4/4</a:t>
+              <a:t>2023/4/20</a:t>
             </a:fld>
             <a:endParaRPr kumimoji="1" lang="ja-JP" altLang="en-US"/>
           </a:p>
@@ -1576,7 +1576,7 @@
           <a:p>
             <a:fld id="{D6C33A7A-5ABB-BC4F-84D2-CC4D1B9660F6}" type="datetimeFigureOut">
               <a:rPr lang="ja-JP" altLang="en-US"/>
-              <a:t>2023/4/4</a:t>
+              <a:t>2023/4/20</a:t>
             </a:fld>
             <a:endParaRPr kumimoji="1" lang="ja-JP" altLang="en-US"/>
           </a:p>
@@ -2052,7 +2052,7 @@
           <a:p>
             <a:fld id="{D6C33A7A-5ABB-BC4F-84D2-CC4D1B9660F6}" type="datetimeFigureOut">
               <a:rPr lang="ja-JP" altLang="en-US"/>
-              <a:t>2023/4/4</a:t>
+              <a:t>2023/4/20</a:t>
             </a:fld>
             <a:endParaRPr kumimoji="1" lang="ja-JP" altLang="en-US"/>
           </a:p>
@@ -2193,7 +2193,7 @@
           <a:p>
             <a:fld id="{D6C33A7A-5ABB-BC4F-84D2-CC4D1B9660F6}" type="datetimeFigureOut">
               <a:rPr lang="ja-JP" altLang="en-US"/>
-              <a:t>2023/4/4</a:t>
+              <a:t>2023/4/20</a:t>
             </a:fld>
             <a:endParaRPr kumimoji="1" lang="ja-JP" altLang="en-US"/>
           </a:p>
@@ -2306,7 +2306,7 @@
           <a:p>
             <a:fld id="{D6C33A7A-5ABB-BC4F-84D2-CC4D1B9660F6}" type="datetimeFigureOut">
               <a:rPr lang="ja-JP" altLang="en-US"/>
-              <a:t>2023/4/4</a:t>
+              <a:t>2023/4/20</a:t>
             </a:fld>
             <a:endParaRPr kumimoji="1" lang="ja-JP" altLang="en-US"/>
           </a:p>
@@ -2649,7 +2649,7 @@
           <a:p>
             <a:fld id="{D6C33A7A-5ABB-BC4F-84D2-CC4D1B9660F6}" type="datetimeFigureOut">
               <a:rPr lang="ja-JP" altLang="en-US"/>
-              <a:t>2023/4/4</a:t>
+              <a:t>2023/4/20</a:t>
             </a:fld>
             <a:endParaRPr kumimoji="1" lang="ja-JP" altLang="en-US"/>
           </a:p>
@@ -2937,7 +2937,7 @@
           <a:p>
             <a:fld id="{D6C33A7A-5ABB-BC4F-84D2-CC4D1B9660F6}" type="datetimeFigureOut">
               <a:rPr lang="ja-JP" altLang="en-US"/>
-              <a:t>2023/4/4</a:t>
+              <a:t>2023/4/20</a:t>
             </a:fld>
             <a:endParaRPr kumimoji="1" lang="ja-JP" altLang="en-US"/>
           </a:p>
@@ -3210,7 +3210,7 @@
           <a:p>
             <a:fld id="{D6C33A7A-5ABB-BC4F-84D2-CC4D1B9660F6}" type="datetimeFigureOut">
               <a:rPr lang="ja-JP" altLang="en-US"/>
-              <a:t>2023/4/4</a:t>
+              <a:t>2023/4/20</a:t>
             </a:fld>
             <a:endParaRPr kumimoji="1" lang="ja-JP" altLang="en-US"/>
           </a:p>
@@ -9513,7 +9513,7 @@
         </p:nvSpPr>
         <p:spPr>
           <a:xfrm>
-            <a:off x="1613338" y="1250730"/>
+            <a:off x="1613337" y="4902492"/>
             <a:ext cx="8965324" cy="420414"/>
           </a:xfrm>
           <a:prstGeom prst="rect">
@@ -9589,7 +9589,7 @@
         </p:nvSpPr>
         <p:spPr>
           <a:xfrm>
-            <a:off x="1613337" y="2133600"/>
+            <a:off x="1613337" y="5860057"/>
             <a:ext cx="8965324" cy="420414"/>
           </a:xfrm>
           <a:prstGeom prst="rect">
@@ -9665,7 +9665,7 @@
         </p:nvSpPr>
         <p:spPr>
           <a:xfrm>
-            <a:off x="1613337" y="3016470"/>
+            <a:off x="1613338" y="1510593"/>
             <a:ext cx="8965324" cy="420414"/>
           </a:xfrm>
           <a:prstGeom prst="rect">
@@ -9754,7 +9754,7 @@
         </p:nvSpPr>
         <p:spPr>
           <a:xfrm>
-            <a:off x="1613337" y="5586090"/>
+            <a:off x="1613337" y="3944928"/>
             <a:ext cx="8965324" cy="420414"/>
           </a:xfrm>
           <a:prstGeom prst="rect">
@@ -9843,7 +9843,7 @@
         </p:nvSpPr>
         <p:spPr>
           <a:xfrm>
-            <a:off x="1770989" y="3669422"/>
+            <a:off x="1770990" y="2163545"/>
             <a:ext cx="1681656" cy="525674"/>
           </a:xfrm>
           <a:prstGeom prst="roundRect">
@@ -9904,7 +9904,7 @@
         </p:nvSpPr>
         <p:spPr>
           <a:xfrm>
-            <a:off x="3547237" y="3669422"/>
+            <a:off x="3547238" y="2163545"/>
             <a:ext cx="1681656" cy="525674"/>
           </a:xfrm>
           <a:prstGeom prst="roundRect">
@@ -9965,7 +9965,7 @@
         </p:nvSpPr>
         <p:spPr>
           <a:xfrm>
-            <a:off x="5323485" y="3669421"/>
+            <a:off x="5323486" y="2163544"/>
             <a:ext cx="1681656" cy="525674"/>
           </a:xfrm>
           <a:prstGeom prst="roundRect">
@@ -10026,7 +10026,7 @@
         </p:nvSpPr>
         <p:spPr>
           <a:xfrm>
-            <a:off x="7110245" y="3669420"/>
+            <a:off x="7110246" y="2163543"/>
             <a:ext cx="1681656" cy="525674"/>
           </a:xfrm>
           <a:prstGeom prst="roundRect">
@@ -10087,7 +10087,7 @@
         </p:nvSpPr>
         <p:spPr>
           <a:xfrm>
-            <a:off x="1770989" y="4462675"/>
+            <a:off x="1770990" y="2956798"/>
             <a:ext cx="3457904" cy="525674"/>
           </a:xfrm>
           <a:prstGeom prst="roundRect">
@@ -10148,7 +10148,7 @@
         </p:nvSpPr>
         <p:spPr>
           <a:xfrm>
-            <a:off x="5381293" y="4462675"/>
+            <a:off x="5381294" y="2956798"/>
             <a:ext cx="3457904" cy="525674"/>
           </a:xfrm>
           <a:prstGeom prst="roundRect">
@@ -10209,7 +10209,7 @@
         </p:nvSpPr>
         <p:spPr>
           <a:xfrm>
-            <a:off x="8897005" y="3679933"/>
+            <a:off x="8897006" y="2174056"/>
             <a:ext cx="1681656" cy="525674"/>
           </a:xfrm>
           <a:prstGeom prst="roundRect">

--- a/doc/design.pptx
+++ b/doc/design.pptx
@@ -17,8 +17,9 @@
     <p:sldId id="257" r:id="rId11"/>
     <p:sldId id="258" r:id="rId12"/>
     <p:sldId id="260" r:id="rId13"/>
-    <p:sldId id="266" r:id="rId14"/>
-    <p:sldId id="269" r:id="rId15"/>
+    <p:sldId id="272" r:id="rId14"/>
+    <p:sldId id="266" r:id="rId15"/>
+    <p:sldId id="269" r:id="rId16"/>
   </p:sldIdLst>
   <p:sldSz cx="12192000" cy="6858000"/>
   <p:notesSz cx="6858000" cy="9144000"/>
@@ -272,7 +273,7 @@
           <a:p>
             <a:fld id="{D6C33A7A-5ABB-BC4F-84D2-CC4D1B9660F6}" type="datetimeFigureOut">
               <a:rPr lang="ja-JP" altLang="en-US"/>
-              <a:t>2023/4/20</a:t>
+              <a:t>2023/5/1</a:t>
             </a:fld>
             <a:endParaRPr kumimoji="1" lang="ja-JP" altLang="en-US"/>
           </a:p>
@@ -502,7 +503,7 @@
           <a:p>
             <a:fld id="{D6C33A7A-5ABB-BC4F-84D2-CC4D1B9660F6}" type="datetimeFigureOut">
               <a:rPr lang="ja-JP" altLang="en-US"/>
-              <a:t>2023/4/20</a:t>
+              <a:t>2023/5/1</a:t>
             </a:fld>
             <a:endParaRPr kumimoji="1" lang="ja-JP" altLang="en-US"/>
           </a:p>
@@ -742,7 +743,7 @@
           <a:p>
             <a:fld id="{D6C33A7A-5ABB-BC4F-84D2-CC4D1B9660F6}" type="datetimeFigureOut">
               <a:rPr lang="ja-JP" altLang="en-US"/>
-              <a:t>2023/4/20</a:t>
+              <a:t>2023/5/1</a:t>
             </a:fld>
             <a:endParaRPr kumimoji="1" lang="ja-JP" altLang="en-US"/>
           </a:p>
@@ -972,7 +973,7 @@
           <a:p>
             <a:fld id="{D6C33A7A-5ABB-BC4F-84D2-CC4D1B9660F6}" type="datetimeFigureOut">
               <a:rPr lang="ja-JP" altLang="en-US"/>
-              <a:t>2023/4/20</a:t>
+              <a:t>2023/5/1</a:t>
             </a:fld>
             <a:endParaRPr kumimoji="1" lang="ja-JP" altLang="en-US"/>
           </a:p>
@@ -1247,7 +1248,7 @@
           <a:p>
             <a:fld id="{D6C33A7A-5ABB-BC4F-84D2-CC4D1B9660F6}" type="datetimeFigureOut">
               <a:rPr lang="ja-JP" altLang="en-US"/>
-              <a:t>2023/4/20</a:t>
+              <a:t>2023/5/1</a:t>
             </a:fld>
             <a:endParaRPr kumimoji="1" lang="ja-JP" altLang="en-US"/>
           </a:p>
@@ -1576,7 +1577,7 @@
           <a:p>
             <a:fld id="{D6C33A7A-5ABB-BC4F-84D2-CC4D1B9660F6}" type="datetimeFigureOut">
               <a:rPr lang="ja-JP" altLang="en-US"/>
-              <a:t>2023/4/20</a:t>
+              <a:t>2023/5/1</a:t>
             </a:fld>
             <a:endParaRPr kumimoji="1" lang="ja-JP" altLang="en-US"/>
           </a:p>
@@ -2052,7 +2053,7 @@
           <a:p>
             <a:fld id="{D6C33A7A-5ABB-BC4F-84D2-CC4D1B9660F6}" type="datetimeFigureOut">
               <a:rPr lang="ja-JP" altLang="en-US"/>
-              <a:t>2023/4/20</a:t>
+              <a:t>2023/5/1</a:t>
             </a:fld>
             <a:endParaRPr kumimoji="1" lang="ja-JP" altLang="en-US"/>
           </a:p>
@@ -2193,7 +2194,7 @@
           <a:p>
             <a:fld id="{D6C33A7A-5ABB-BC4F-84D2-CC4D1B9660F6}" type="datetimeFigureOut">
               <a:rPr lang="ja-JP" altLang="en-US"/>
-              <a:t>2023/4/20</a:t>
+              <a:t>2023/5/1</a:t>
             </a:fld>
             <a:endParaRPr kumimoji="1" lang="ja-JP" altLang="en-US"/>
           </a:p>
@@ -2306,7 +2307,7 @@
           <a:p>
             <a:fld id="{D6C33A7A-5ABB-BC4F-84D2-CC4D1B9660F6}" type="datetimeFigureOut">
               <a:rPr lang="ja-JP" altLang="en-US"/>
-              <a:t>2023/4/20</a:t>
+              <a:t>2023/5/1</a:t>
             </a:fld>
             <a:endParaRPr kumimoji="1" lang="ja-JP" altLang="en-US"/>
           </a:p>
@@ -2649,7 +2650,7 @@
           <a:p>
             <a:fld id="{D6C33A7A-5ABB-BC4F-84D2-CC4D1B9660F6}" type="datetimeFigureOut">
               <a:rPr lang="ja-JP" altLang="en-US"/>
-              <a:t>2023/4/20</a:t>
+              <a:t>2023/5/1</a:t>
             </a:fld>
             <a:endParaRPr kumimoji="1" lang="ja-JP" altLang="en-US"/>
           </a:p>
@@ -2937,7 +2938,7 @@
           <a:p>
             <a:fld id="{D6C33A7A-5ABB-BC4F-84D2-CC4D1B9660F6}" type="datetimeFigureOut">
               <a:rPr lang="ja-JP" altLang="en-US"/>
-              <a:t>2023/4/20</a:t>
+              <a:t>2023/5/1</a:t>
             </a:fld>
             <a:endParaRPr kumimoji="1" lang="ja-JP" altLang="en-US"/>
           </a:p>
@@ -3210,7 +3211,7 @@
           <a:p>
             <a:fld id="{D6C33A7A-5ABB-BC4F-84D2-CC4D1B9660F6}" type="datetimeFigureOut">
               <a:rPr lang="ja-JP" altLang="en-US"/>
-              <a:t>2023/4/20</a:t>
+              <a:t>2023/5/1</a:t>
             </a:fld>
             <a:endParaRPr kumimoji="1" lang="ja-JP" altLang="en-US"/>
           </a:p>
@@ -4831,7 +4832,7 @@
         <p:spPr>
           <a:xfrm>
             <a:off x="6645744" y="1592980"/>
-            <a:ext cx="4300783" cy="2585323"/>
+            <a:ext cx="4300783" cy="2862322"/>
           </a:xfrm>
           <a:prstGeom prst="rect">
             <a:avLst/>
@@ -4913,7 +4914,15 @@
             </a:pPr>
             <a:r>
               <a:rPr kumimoji="1" lang="ja-JP" altLang="en-US"/>
-              <a:t>等距離なら下を選択</a:t>
+              <a:t>等距離の場合、</a:t>
+            </a:r>
+            <a:r>
+              <a:rPr kumimoji="1" lang="en-US" altLang="ja-JP"/>
+              <a:t>”!”</a:t>
+            </a:r>
+            <a:r>
+              <a:rPr kumimoji="1" lang="ja-JP" altLang="en-US"/>
+              <a:t>指定があれば上を選択、デフォルトは下を選択</a:t>
             </a:r>
             <a:r>
               <a:rPr kumimoji="1" lang="en-US" altLang="ja-JP"/>
@@ -6100,7 +6109,7 @@
                   <a:srgbClr val="FF0000"/>
                 </a:solidFill>
               </a:rPr>
-              <a:t>(arp)</a:t>
+              <a:t>(arp1)</a:t>
             </a:r>
             <a:br>
               <a:rPr lang="en-US" altLang="ja-JP"/>
@@ -7052,6 +7061,51 @@
             <a:r>
               <a:rPr kumimoji="1" lang="ja-JP" altLang="en-US"/>
               <a:t>半音以内</a:t>
+            </a:r>
+          </a:p>
+        </p:txBody>
+      </p:sp>
+      <p:sp>
+        <p:nvSpPr>
+          <p:cNvPr id="24" name="テキスト ボックス 23">
+            <a:extLst>
+              <a:ext uri="{FF2B5EF4-FFF2-40B4-BE49-F238E27FC236}">
+                <a16:creationId xmlns:a16="http://schemas.microsoft.com/office/drawing/2014/main" id="{AEED4CBC-5301-5670-E18D-6C16C36CB20A}"/>
+              </a:ext>
+            </a:extLst>
+          </p:cNvPr>
+          <p:cNvSpPr txBox="1"/>
+          <p:nvPr/>
+        </p:nvSpPr>
+        <p:spPr>
+          <a:xfrm>
+            <a:off x="146013" y="188590"/>
+            <a:ext cx="2936715" cy="707886"/>
+          </a:xfrm>
+          <a:prstGeom prst="rect">
+            <a:avLst/>
+          </a:prstGeom>
+          <a:noFill/>
+          <a:ln w="28575">
+            <a:solidFill>
+              <a:srgbClr val="FF0000"/>
+            </a:solidFill>
+          </a:ln>
+        </p:spPr>
+        <p:txBody>
+          <a:bodyPr wrap="square" rtlCol="0">
+            <a:spAutoFit/>
+          </a:bodyPr>
+          <a:lstStyle/>
+          <a:p>
+            <a:pPr algn="ctr"/>
+            <a:r>
+              <a:rPr kumimoji="1" lang="ja-JP" altLang="en-US" sz="4000" b="1">
+                <a:solidFill>
+                  <a:srgbClr val="FF0000"/>
+                </a:solidFill>
+              </a:rPr>
+              <a:t>現在不採用</a:t>
             </a:r>
           </a:p>
         </p:txBody>
@@ -8047,7 +8101,7 @@
                   <a:srgbClr val="FF0000"/>
                 </a:solidFill>
               </a:rPr>
-              <a:t>(arp)</a:t>
+              <a:t>(arp1)</a:t>
             </a:r>
             <a:endParaRPr lang="en-US" altLang="ja-JP"/>
           </a:p>
@@ -8869,6 +8923,51 @@
               <a:latin typeface="Courier New" panose="02070309020205020404" pitchFamily="49" charset="0"/>
               <a:cs typeface="Courier New" panose="02070309020205020404" pitchFamily="49" charset="0"/>
             </a:endParaRPr>
+          </a:p>
+        </p:txBody>
+      </p:sp>
+      <p:sp>
+        <p:nvSpPr>
+          <p:cNvPr id="16" name="テキスト ボックス 15">
+            <a:extLst>
+              <a:ext uri="{FF2B5EF4-FFF2-40B4-BE49-F238E27FC236}">
+                <a16:creationId xmlns:a16="http://schemas.microsoft.com/office/drawing/2014/main" id="{32032B5E-C260-2F7D-E5BA-DE52663F94A7}"/>
+              </a:ext>
+            </a:extLst>
+          </p:cNvPr>
+          <p:cNvSpPr txBox="1"/>
+          <p:nvPr/>
+        </p:nvSpPr>
+        <p:spPr>
+          <a:xfrm>
+            <a:off x="146013" y="188590"/>
+            <a:ext cx="2936715" cy="707886"/>
+          </a:xfrm>
+          <a:prstGeom prst="rect">
+            <a:avLst/>
+          </a:prstGeom>
+          <a:noFill/>
+          <a:ln w="28575">
+            <a:solidFill>
+              <a:srgbClr val="FF0000"/>
+            </a:solidFill>
+          </a:ln>
+        </p:spPr>
+        <p:txBody>
+          <a:bodyPr wrap="square" rtlCol="0">
+            <a:spAutoFit/>
+          </a:bodyPr>
+          <a:lstStyle/>
+          <a:p>
+            <a:pPr algn="ctr"/>
+            <a:r>
+              <a:rPr kumimoji="1" lang="ja-JP" altLang="en-US" sz="4000" b="1">
+                <a:solidFill>
+                  <a:srgbClr val="FF0000"/>
+                </a:solidFill>
+              </a:rPr>
+              <a:t>現在不採用</a:t>
+            </a:r>
           </a:p>
         </p:txBody>
       </p:sp>
@@ -8904,37 +9003,1634 @@
       </p:grpSpPr>
       <p:sp>
         <p:nvSpPr>
-          <p:cNvPr id="2" name="タイトル 1">
-            <a:extLst>
-              <a:ext uri="{FF2B5EF4-FFF2-40B4-BE49-F238E27FC236}">
-                <a16:creationId xmlns:a16="http://schemas.microsoft.com/office/drawing/2014/main" id="{BC830D72-A909-8CD3-44C3-2846873D555D}"/>
-              </a:ext>
-            </a:extLst>
-          </p:cNvPr>
-          <p:cNvSpPr>
-            <a:spLocks noGrp="1"/>
-          </p:cNvSpPr>
-          <p:nvPr>
-            <p:ph type="ctrTitle"/>
-          </p:nvPr>
-        </p:nvSpPr>
-        <p:spPr/>
-        <p:txBody>
-          <a:bodyPr/>
-          <a:lstStyle/>
-          <a:p>
+          <p:cNvPr id="2" name="正方形/長方形 1">
+            <a:extLst>
+              <a:ext uri="{FF2B5EF4-FFF2-40B4-BE49-F238E27FC236}">
+                <a16:creationId xmlns:a16="http://schemas.microsoft.com/office/drawing/2014/main" id="{6B8DBFD4-D76A-3810-FBC5-D9FA0569718D}"/>
+              </a:ext>
+            </a:extLst>
+          </p:cNvPr>
+          <p:cNvSpPr/>
+          <p:nvPr/>
+        </p:nvSpPr>
+        <p:spPr>
+          <a:xfrm>
+            <a:off x="1719583" y="961581"/>
+            <a:ext cx="424069" cy="5208105"/>
+          </a:xfrm>
+          <a:prstGeom prst="rect">
+            <a:avLst/>
+          </a:prstGeom>
+          <a:noFill/>
+          <a:ln w="38100"/>
+        </p:spPr>
+        <p:style>
+          <a:lnRef idx="2">
+            <a:schemeClr val="accent1">
+              <a:shade val="50000"/>
+            </a:schemeClr>
+          </a:lnRef>
+          <a:fillRef idx="1">
+            <a:schemeClr val="accent1"/>
+          </a:fillRef>
+          <a:effectRef idx="0">
+            <a:schemeClr val="accent1"/>
+          </a:effectRef>
+          <a:fontRef idx="minor">
+            <a:schemeClr val="lt1"/>
+          </a:fontRef>
+        </p:style>
+        <p:txBody>
+          <a:bodyPr rtlCol="0" anchor="ctr"/>
+          <a:lstStyle/>
+          <a:p>
+            <a:pPr algn="ctr"/>
+            <a:endParaRPr kumimoji="1" lang="ja-JP" altLang="en-US" b="1">
+              <a:ln w="10160">
+                <a:solidFill>
+                  <a:schemeClr val="accent5"/>
+                </a:solidFill>
+                <a:prstDash val="solid"/>
+              </a:ln>
+              <a:solidFill>
+                <a:srgbClr val="FFFFFF"/>
+              </a:solidFill>
+              <a:effectLst>
+                <a:outerShdw blurRad="38100" dist="22860" dir="5400000" algn="tl" rotWithShape="0">
+                  <a:srgbClr val="000000">
+                    <a:alpha val="30000"/>
+                  </a:srgbClr>
+                </a:outerShdw>
+              </a:effectLst>
+            </a:endParaRPr>
+          </a:p>
+        </p:txBody>
+      </p:sp>
+      <p:sp>
+        <p:nvSpPr>
+          <p:cNvPr id="3" name="正方形/長方形 2">
+            <a:extLst>
+              <a:ext uri="{FF2B5EF4-FFF2-40B4-BE49-F238E27FC236}">
+                <a16:creationId xmlns:a16="http://schemas.microsoft.com/office/drawing/2014/main" id="{2A2FF4B7-BEAA-23E4-9E3B-0FE95E68AE72}"/>
+              </a:ext>
+            </a:extLst>
+          </p:cNvPr>
+          <p:cNvSpPr/>
+          <p:nvPr/>
+        </p:nvSpPr>
+        <p:spPr>
+          <a:xfrm>
+            <a:off x="1719583" y="1492468"/>
+            <a:ext cx="424069" cy="378373"/>
+          </a:xfrm>
+          <a:prstGeom prst="rect">
+            <a:avLst/>
+          </a:prstGeom>
+        </p:spPr>
+        <p:style>
+          <a:lnRef idx="2">
+            <a:schemeClr val="accent1">
+              <a:shade val="50000"/>
+            </a:schemeClr>
+          </a:lnRef>
+          <a:fillRef idx="1">
+            <a:schemeClr val="accent1"/>
+          </a:fillRef>
+          <a:effectRef idx="0">
+            <a:schemeClr val="accent1"/>
+          </a:effectRef>
+          <a:fontRef idx="minor">
+            <a:schemeClr val="lt1"/>
+          </a:fontRef>
+        </p:style>
+        <p:txBody>
+          <a:bodyPr rtlCol="0" anchor="ctr"/>
+          <a:lstStyle/>
+          <a:p>
+            <a:pPr algn="ctr"/>
+            <a:endParaRPr kumimoji="1" lang="ja-JP" altLang="en-US"/>
+          </a:p>
+        </p:txBody>
+      </p:sp>
+      <p:sp>
+        <p:nvSpPr>
+          <p:cNvPr id="4" name="正方形/長方形 3">
+            <a:extLst>
+              <a:ext uri="{FF2B5EF4-FFF2-40B4-BE49-F238E27FC236}">
+                <a16:creationId xmlns:a16="http://schemas.microsoft.com/office/drawing/2014/main" id="{DF50B33A-B664-44E4-E78B-05FFD895F8AD}"/>
+              </a:ext>
+            </a:extLst>
+          </p:cNvPr>
+          <p:cNvSpPr/>
+          <p:nvPr/>
+        </p:nvSpPr>
+        <p:spPr>
+          <a:xfrm>
+            <a:off x="1719583" y="2932385"/>
+            <a:ext cx="424069" cy="378373"/>
+          </a:xfrm>
+          <a:prstGeom prst="rect">
+            <a:avLst/>
+          </a:prstGeom>
+        </p:spPr>
+        <p:style>
+          <a:lnRef idx="2">
+            <a:schemeClr val="accent1">
+              <a:shade val="50000"/>
+            </a:schemeClr>
+          </a:lnRef>
+          <a:fillRef idx="1">
+            <a:schemeClr val="accent1"/>
+          </a:fillRef>
+          <a:effectRef idx="0">
+            <a:schemeClr val="accent1"/>
+          </a:effectRef>
+          <a:fontRef idx="minor">
+            <a:schemeClr val="lt1"/>
+          </a:fontRef>
+        </p:style>
+        <p:txBody>
+          <a:bodyPr rtlCol="0" anchor="ctr"/>
+          <a:lstStyle/>
+          <a:p>
+            <a:pPr algn="ctr"/>
+            <a:endParaRPr kumimoji="1" lang="ja-JP" altLang="en-US"/>
+          </a:p>
+        </p:txBody>
+      </p:sp>
+      <p:sp>
+        <p:nvSpPr>
+          <p:cNvPr id="5" name="正方形/長方形 4">
+            <a:extLst>
+              <a:ext uri="{FF2B5EF4-FFF2-40B4-BE49-F238E27FC236}">
+                <a16:creationId xmlns:a16="http://schemas.microsoft.com/office/drawing/2014/main" id="{6AAB6C35-58D5-DCCF-C7E4-3716199A0ABA}"/>
+              </a:ext>
+            </a:extLst>
+          </p:cNvPr>
+          <p:cNvSpPr/>
+          <p:nvPr/>
+        </p:nvSpPr>
+        <p:spPr>
+          <a:xfrm>
+            <a:off x="1717297" y="4882055"/>
+            <a:ext cx="424069" cy="378373"/>
+          </a:xfrm>
+          <a:prstGeom prst="rect">
+            <a:avLst/>
+          </a:prstGeom>
+        </p:spPr>
+        <p:style>
+          <a:lnRef idx="2">
+            <a:schemeClr val="accent1">
+              <a:shade val="50000"/>
+            </a:schemeClr>
+          </a:lnRef>
+          <a:fillRef idx="1">
+            <a:schemeClr val="accent1"/>
+          </a:fillRef>
+          <a:effectRef idx="0">
+            <a:schemeClr val="accent1"/>
+          </a:effectRef>
+          <a:fontRef idx="minor">
+            <a:schemeClr val="lt1"/>
+          </a:fontRef>
+        </p:style>
+        <p:txBody>
+          <a:bodyPr rtlCol="0" anchor="ctr"/>
+          <a:lstStyle/>
+          <a:p>
+            <a:pPr algn="ctr"/>
+            <a:endParaRPr kumimoji="1" lang="ja-JP" altLang="en-US"/>
+          </a:p>
+        </p:txBody>
+      </p:sp>
+      <p:sp>
+        <p:nvSpPr>
+          <p:cNvPr id="6" name="テキスト ボックス 5">
+            <a:extLst>
+              <a:ext uri="{FF2B5EF4-FFF2-40B4-BE49-F238E27FC236}">
+                <a16:creationId xmlns:a16="http://schemas.microsoft.com/office/drawing/2014/main" id="{2B4E1F72-668E-7356-099C-0D0F086E8944}"/>
+              </a:ext>
+            </a:extLst>
+          </p:cNvPr>
+          <p:cNvSpPr txBox="1"/>
+          <p:nvPr/>
+        </p:nvSpPr>
+        <p:spPr>
+          <a:xfrm>
+            <a:off x="1223311" y="1501509"/>
+            <a:ext cx="472966" cy="369332"/>
+          </a:xfrm>
+          <a:prstGeom prst="rect">
+            <a:avLst/>
+          </a:prstGeom>
+          <a:noFill/>
+        </p:spPr>
+        <p:txBody>
+          <a:bodyPr wrap="square" rtlCol="0">
+            <a:spAutoFit/>
+          </a:bodyPr>
+          <a:lstStyle/>
+          <a:p>
+            <a:pPr algn="ctr"/>
             <a:r>
               <a:rPr kumimoji="1" lang="en-US" altLang="ja-JP" dirty="0"/>
-              <a:t>Thread Design</a:t>
+              <a:t>1</a:t>
             </a:r>
             <a:endParaRPr kumimoji="1" lang="ja-JP" altLang="en-US"/>
+          </a:p>
+        </p:txBody>
+      </p:sp>
+      <p:sp>
+        <p:nvSpPr>
+          <p:cNvPr id="7" name="テキスト ボックス 6">
+            <a:extLst>
+              <a:ext uri="{FF2B5EF4-FFF2-40B4-BE49-F238E27FC236}">
+                <a16:creationId xmlns:a16="http://schemas.microsoft.com/office/drawing/2014/main" id="{28AEFA7F-21AE-70AE-673B-FD3DFCE807B1}"/>
+              </a:ext>
+            </a:extLst>
+          </p:cNvPr>
+          <p:cNvSpPr txBox="1"/>
+          <p:nvPr/>
+        </p:nvSpPr>
+        <p:spPr>
+          <a:xfrm>
+            <a:off x="1223311" y="2962446"/>
+            <a:ext cx="472966" cy="369332"/>
+          </a:xfrm>
+          <a:prstGeom prst="rect">
+            <a:avLst/>
+          </a:prstGeom>
+          <a:noFill/>
+        </p:spPr>
+        <p:txBody>
+          <a:bodyPr wrap="square" rtlCol="0">
+            <a:spAutoFit/>
+          </a:bodyPr>
+          <a:lstStyle/>
+          <a:p>
+            <a:pPr algn="ctr"/>
+            <a:r>
+              <a:rPr kumimoji="1" lang="en-US" altLang="ja-JP" dirty="0"/>
+              <a:t>2</a:t>
+            </a:r>
+            <a:endParaRPr kumimoji="1" lang="ja-JP" altLang="en-US"/>
+          </a:p>
+        </p:txBody>
+      </p:sp>
+      <p:sp>
+        <p:nvSpPr>
+          <p:cNvPr id="8" name="テキスト ボックス 7">
+            <a:extLst>
+              <a:ext uri="{FF2B5EF4-FFF2-40B4-BE49-F238E27FC236}">
+                <a16:creationId xmlns:a16="http://schemas.microsoft.com/office/drawing/2014/main" id="{A7AAEB01-D158-6C33-4384-BDE24C3AC892}"/>
+              </a:ext>
+            </a:extLst>
+          </p:cNvPr>
+          <p:cNvSpPr txBox="1"/>
+          <p:nvPr/>
+        </p:nvSpPr>
+        <p:spPr>
+          <a:xfrm>
+            <a:off x="1221025" y="4886575"/>
+            <a:ext cx="472966" cy="369332"/>
+          </a:xfrm>
+          <a:prstGeom prst="rect">
+            <a:avLst/>
+          </a:prstGeom>
+          <a:noFill/>
+        </p:spPr>
+        <p:txBody>
+          <a:bodyPr wrap="square" rtlCol="0">
+            <a:spAutoFit/>
+          </a:bodyPr>
+          <a:lstStyle/>
+          <a:p>
+            <a:pPr algn="ctr"/>
+            <a:r>
+              <a:rPr lang="en-US" altLang="ja-JP" dirty="0"/>
+              <a:t>3</a:t>
+            </a:r>
+            <a:endParaRPr kumimoji="1" lang="ja-JP" altLang="en-US"/>
+          </a:p>
+        </p:txBody>
+      </p:sp>
+      <p:sp>
+        <p:nvSpPr>
+          <p:cNvPr id="9" name="テキスト ボックス 8">
+            <a:extLst>
+              <a:ext uri="{FF2B5EF4-FFF2-40B4-BE49-F238E27FC236}">
+                <a16:creationId xmlns:a16="http://schemas.microsoft.com/office/drawing/2014/main" id="{85EACB3F-1576-950D-ACEB-7D15949CCDBD}"/>
+              </a:ext>
+            </a:extLst>
+          </p:cNvPr>
+          <p:cNvSpPr txBox="1"/>
+          <p:nvPr/>
+        </p:nvSpPr>
+        <p:spPr>
+          <a:xfrm>
+            <a:off x="1098554" y="506951"/>
+            <a:ext cx="1661553" cy="369332"/>
+          </a:xfrm>
+          <a:prstGeom prst="rect">
+            <a:avLst/>
+          </a:prstGeom>
+          <a:noFill/>
+        </p:spPr>
+        <p:txBody>
+          <a:bodyPr wrap="square" rtlCol="0">
+            <a:spAutoFit/>
+          </a:bodyPr>
+          <a:lstStyle/>
+          <a:p>
+            <a:pPr algn="ctr"/>
+            <a:r>
+              <a:rPr kumimoji="1" lang="en-US" altLang="ja-JP" dirty="0"/>
+              <a:t>Original(thru)</a:t>
+            </a:r>
+            <a:endParaRPr kumimoji="1" lang="ja-JP" altLang="en-US"/>
+          </a:p>
+        </p:txBody>
+      </p:sp>
+      <p:sp>
+        <p:nvSpPr>
+          <p:cNvPr id="10" name="正方形/長方形 9">
+            <a:extLst>
+              <a:ext uri="{FF2B5EF4-FFF2-40B4-BE49-F238E27FC236}">
+                <a16:creationId xmlns:a16="http://schemas.microsoft.com/office/drawing/2014/main" id="{1B461B80-0596-5742-09E1-ABF170CBE2E2}"/>
+              </a:ext>
+            </a:extLst>
+          </p:cNvPr>
+          <p:cNvSpPr/>
+          <p:nvPr/>
+        </p:nvSpPr>
+        <p:spPr>
+          <a:xfrm>
+            <a:off x="4351740" y="961581"/>
+            <a:ext cx="424069" cy="5208105"/>
+          </a:xfrm>
+          <a:prstGeom prst="rect">
+            <a:avLst/>
+          </a:prstGeom>
+          <a:noFill/>
+          <a:ln w="38100">
+            <a:solidFill>
+              <a:schemeClr val="tx1"/>
+            </a:solidFill>
+          </a:ln>
+        </p:spPr>
+        <p:style>
+          <a:lnRef idx="2">
+            <a:schemeClr val="accent1">
+              <a:shade val="50000"/>
+            </a:schemeClr>
+          </a:lnRef>
+          <a:fillRef idx="1">
+            <a:schemeClr val="accent1"/>
+          </a:fillRef>
+          <a:effectRef idx="0">
+            <a:schemeClr val="accent1"/>
+          </a:effectRef>
+          <a:fontRef idx="minor">
+            <a:schemeClr val="lt1"/>
+          </a:fontRef>
+        </p:style>
+        <p:txBody>
+          <a:bodyPr rtlCol="0" anchor="ctr"/>
+          <a:lstStyle/>
+          <a:p>
+            <a:pPr algn="ctr"/>
+            <a:endParaRPr kumimoji="1" lang="ja-JP" altLang="en-US" b="1">
+              <a:ln w="10160">
+                <a:solidFill>
+                  <a:schemeClr val="accent5"/>
+                </a:solidFill>
+                <a:prstDash val="solid"/>
+              </a:ln>
+              <a:solidFill>
+                <a:srgbClr val="FFFFFF"/>
+              </a:solidFill>
+              <a:effectLst>
+                <a:outerShdw blurRad="38100" dist="22860" dir="5400000" algn="tl" rotWithShape="0">
+                  <a:srgbClr val="000000">
+                    <a:alpha val="30000"/>
+                  </a:srgbClr>
+                </a:outerShdw>
+              </a:effectLst>
+            </a:endParaRPr>
+          </a:p>
+        </p:txBody>
+      </p:sp>
+      <p:sp>
+        <p:nvSpPr>
+          <p:cNvPr id="11" name="正方形/長方形 10">
+            <a:extLst>
+              <a:ext uri="{FF2B5EF4-FFF2-40B4-BE49-F238E27FC236}">
+                <a16:creationId xmlns:a16="http://schemas.microsoft.com/office/drawing/2014/main" id="{57871D86-1E8E-40BB-E480-D912F5CBE96A}"/>
+              </a:ext>
+            </a:extLst>
+          </p:cNvPr>
+          <p:cNvSpPr/>
+          <p:nvPr/>
+        </p:nvSpPr>
+        <p:spPr>
+          <a:xfrm>
+            <a:off x="4354026" y="1114095"/>
+            <a:ext cx="424069" cy="378373"/>
+          </a:xfrm>
+          <a:prstGeom prst="rect">
+            <a:avLst/>
+          </a:prstGeom>
+          <a:solidFill>
+            <a:schemeClr val="bg1">
+              <a:lumMod val="65000"/>
+            </a:schemeClr>
+          </a:solidFill>
+          <a:ln>
+            <a:solidFill>
+              <a:schemeClr val="tx1"/>
+            </a:solidFill>
+          </a:ln>
+        </p:spPr>
+        <p:style>
+          <a:lnRef idx="2">
+            <a:schemeClr val="accent1">
+              <a:shade val="50000"/>
+            </a:schemeClr>
+          </a:lnRef>
+          <a:fillRef idx="1">
+            <a:schemeClr val="accent1"/>
+          </a:fillRef>
+          <a:effectRef idx="0">
+            <a:schemeClr val="accent1"/>
+          </a:effectRef>
+          <a:fontRef idx="minor">
+            <a:schemeClr val="lt1"/>
+          </a:fontRef>
+        </p:style>
+        <p:txBody>
+          <a:bodyPr rtlCol="0" anchor="ctr"/>
+          <a:lstStyle/>
+          <a:p>
+            <a:pPr algn="ctr"/>
+            <a:endParaRPr kumimoji="1" lang="ja-JP" altLang="en-US"/>
+          </a:p>
+        </p:txBody>
+      </p:sp>
+      <p:sp>
+        <p:nvSpPr>
+          <p:cNvPr id="12" name="正方形/長方形 11">
+            <a:extLst>
+              <a:ext uri="{FF2B5EF4-FFF2-40B4-BE49-F238E27FC236}">
+                <a16:creationId xmlns:a16="http://schemas.microsoft.com/office/drawing/2014/main" id="{A39E601E-81CB-4A9D-4BBA-CA5C24172BFB}"/>
+              </a:ext>
+            </a:extLst>
+          </p:cNvPr>
+          <p:cNvSpPr/>
+          <p:nvPr/>
+        </p:nvSpPr>
+        <p:spPr>
+          <a:xfrm>
+            <a:off x="4356312" y="2354258"/>
+            <a:ext cx="419497" cy="378373"/>
+          </a:xfrm>
+          <a:prstGeom prst="rect">
+            <a:avLst/>
+          </a:prstGeom>
+          <a:solidFill>
+            <a:schemeClr val="bg1">
+              <a:lumMod val="65000"/>
+            </a:schemeClr>
+          </a:solidFill>
+          <a:ln>
+            <a:solidFill>
+              <a:schemeClr val="tx1"/>
+            </a:solidFill>
+          </a:ln>
+        </p:spPr>
+        <p:style>
+          <a:lnRef idx="2">
+            <a:schemeClr val="accent1">
+              <a:shade val="50000"/>
+            </a:schemeClr>
+          </a:lnRef>
+          <a:fillRef idx="1">
+            <a:schemeClr val="accent1"/>
+          </a:fillRef>
+          <a:effectRef idx="0">
+            <a:schemeClr val="accent1"/>
+          </a:effectRef>
+          <a:fontRef idx="minor">
+            <a:schemeClr val="lt1"/>
+          </a:fontRef>
+        </p:style>
+        <p:txBody>
+          <a:bodyPr rtlCol="0" anchor="ctr"/>
+          <a:lstStyle/>
+          <a:p>
+            <a:pPr algn="ctr"/>
+            <a:endParaRPr kumimoji="1" lang="ja-JP" altLang="en-US"/>
+          </a:p>
+        </p:txBody>
+      </p:sp>
+      <p:sp>
+        <p:nvSpPr>
+          <p:cNvPr id="13" name="正方形/長方形 12">
+            <a:extLst>
+              <a:ext uri="{FF2B5EF4-FFF2-40B4-BE49-F238E27FC236}">
+                <a16:creationId xmlns:a16="http://schemas.microsoft.com/office/drawing/2014/main" id="{58218C41-0062-F40D-B142-9F783C58FC82}"/>
+              </a:ext>
+            </a:extLst>
+          </p:cNvPr>
+          <p:cNvSpPr/>
+          <p:nvPr/>
+        </p:nvSpPr>
+        <p:spPr>
+          <a:xfrm>
+            <a:off x="4356312" y="4385469"/>
+            <a:ext cx="419497" cy="378373"/>
+          </a:xfrm>
+          <a:prstGeom prst="rect">
+            <a:avLst/>
+          </a:prstGeom>
+          <a:solidFill>
+            <a:schemeClr val="bg1">
+              <a:lumMod val="65000"/>
+            </a:schemeClr>
+          </a:solidFill>
+          <a:ln>
+            <a:solidFill>
+              <a:schemeClr val="tx1"/>
+            </a:solidFill>
+          </a:ln>
+        </p:spPr>
+        <p:style>
+          <a:lnRef idx="2">
+            <a:schemeClr val="accent1">
+              <a:shade val="50000"/>
+            </a:schemeClr>
+          </a:lnRef>
+          <a:fillRef idx="1">
+            <a:schemeClr val="accent1"/>
+          </a:fillRef>
+          <a:effectRef idx="0">
+            <a:schemeClr val="accent1"/>
+          </a:effectRef>
+          <a:fontRef idx="minor">
+            <a:schemeClr val="lt1"/>
+          </a:fontRef>
+        </p:style>
+        <p:txBody>
+          <a:bodyPr rtlCol="0" anchor="ctr"/>
+          <a:lstStyle/>
+          <a:p>
+            <a:pPr algn="ctr"/>
+            <a:endParaRPr kumimoji="1" lang="ja-JP" altLang="en-US"/>
+          </a:p>
+        </p:txBody>
+      </p:sp>
+      <p:sp>
+        <p:nvSpPr>
+          <p:cNvPr id="14" name="テキスト ボックス 13">
+            <a:extLst>
+              <a:ext uri="{FF2B5EF4-FFF2-40B4-BE49-F238E27FC236}">
+                <a16:creationId xmlns:a16="http://schemas.microsoft.com/office/drawing/2014/main" id="{04B94035-C350-89F5-0A09-60D1C3A027DF}"/>
+              </a:ext>
+            </a:extLst>
+          </p:cNvPr>
+          <p:cNvSpPr txBox="1"/>
+          <p:nvPr/>
+        </p:nvSpPr>
+        <p:spPr>
+          <a:xfrm>
+            <a:off x="3837586" y="2339804"/>
+            <a:ext cx="472966" cy="369332"/>
+          </a:xfrm>
+          <a:prstGeom prst="rect">
+            <a:avLst/>
+          </a:prstGeom>
+          <a:noFill/>
+          <a:ln>
+            <a:noFill/>
+          </a:ln>
+        </p:spPr>
+        <p:txBody>
+          <a:bodyPr wrap="square" rtlCol="0">
+            <a:spAutoFit/>
+          </a:bodyPr>
+          <a:lstStyle/>
+          <a:p>
+            <a:pPr algn="ctr"/>
+            <a:r>
+              <a:rPr kumimoji="1" lang="en-US" altLang="ja-JP" dirty="0"/>
+              <a:t>1</a:t>
+            </a:r>
+            <a:endParaRPr kumimoji="1" lang="ja-JP" altLang="en-US"/>
+          </a:p>
+        </p:txBody>
+      </p:sp>
+      <p:sp>
+        <p:nvSpPr>
+          <p:cNvPr id="17" name="テキスト ボックス 16">
+            <a:extLst>
+              <a:ext uri="{FF2B5EF4-FFF2-40B4-BE49-F238E27FC236}">
+                <a16:creationId xmlns:a16="http://schemas.microsoft.com/office/drawing/2014/main" id="{7E9A3AFF-4000-4A95-1922-D1818A7C4376}"/>
+              </a:ext>
+            </a:extLst>
+          </p:cNvPr>
+          <p:cNvSpPr txBox="1"/>
+          <p:nvPr/>
+        </p:nvSpPr>
+        <p:spPr>
+          <a:xfrm>
+            <a:off x="3730711" y="506951"/>
+            <a:ext cx="1661553" cy="369332"/>
+          </a:xfrm>
+          <a:prstGeom prst="rect">
+            <a:avLst/>
+          </a:prstGeom>
+          <a:noFill/>
+        </p:spPr>
+        <p:txBody>
+          <a:bodyPr wrap="square" rtlCol="0">
+            <a:spAutoFit/>
+          </a:bodyPr>
+          <a:lstStyle/>
+          <a:p>
+            <a:pPr algn="ctr"/>
+            <a:r>
+              <a:rPr kumimoji="1" lang="ja-JP" altLang="en-US" dirty="0"/>
+              <a:t>特定の和音</a:t>
+            </a:r>
+            <a:endParaRPr kumimoji="1" lang="ja-JP" altLang="en-US"/>
+          </a:p>
+        </p:txBody>
+      </p:sp>
+      <p:sp>
+        <p:nvSpPr>
+          <p:cNvPr id="18" name="正方形/長方形 17">
+            <a:extLst>
+              <a:ext uri="{FF2B5EF4-FFF2-40B4-BE49-F238E27FC236}">
+                <a16:creationId xmlns:a16="http://schemas.microsoft.com/office/drawing/2014/main" id="{338AE43A-BC73-B759-B85C-602C8C999BC8}"/>
+              </a:ext>
+            </a:extLst>
+          </p:cNvPr>
+          <p:cNvSpPr/>
+          <p:nvPr/>
+        </p:nvSpPr>
+        <p:spPr>
+          <a:xfrm>
+            <a:off x="4349454" y="3641890"/>
+            <a:ext cx="419497" cy="378373"/>
+          </a:xfrm>
+          <a:prstGeom prst="rect">
+            <a:avLst/>
+          </a:prstGeom>
+          <a:solidFill>
+            <a:schemeClr val="bg1">
+              <a:lumMod val="65000"/>
+            </a:schemeClr>
+          </a:solidFill>
+          <a:ln>
+            <a:solidFill>
+              <a:schemeClr val="tx1"/>
+            </a:solidFill>
+          </a:ln>
+        </p:spPr>
+        <p:style>
+          <a:lnRef idx="2">
+            <a:schemeClr val="accent1">
+              <a:shade val="50000"/>
+            </a:schemeClr>
+          </a:lnRef>
+          <a:fillRef idx="1">
+            <a:schemeClr val="accent1"/>
+          </a:fillRef>
+          <a:effectRef idx="0">
+            <a:schemeClr val="accent1"/>
+          </a:effectRef>
+          <a:fontRef idx="minor">
+            <a:schemeClr val="lt1"/>
+          </a:fontRef>
+        </p:style>
+        <p:txBody>
+          <a:bodyPr rtlCol="0" anchor="ctr"/>
+          <a:lstStyle/>
+          <a:p>
+            <a:pPr algn="ctr"/>
+            <a:endParaRPr kumimoji="1" lang="ja-JP" altLang="en-US"/>
+          </a:p>
+        </p:txBody>
+      </p:sp>
+      <p:sp>
+        <p:nvSpPr>
+          <p:cNvPr id="19" name="正方形/長方形 18">
+            <a:extLst>
+              <a:ext uri="{FF2B5EF4-FFF2-40B4-BE49-F238E27FC236}">
+                <a16:creationId xmlns:a16="http://schemas.microsoft.com/office/drawing/2014/main" id="{741CFCC9-71EC-904A-B05E-EDAAFDB886E5}"/>
+              </a:ext>
+            </a:extLst>
+          </p:cNvPr>
+          <p:cNvSpPr/>
+          <p:nvPr/>
+        </p:nvSpPr>
+        <p:spPr>
+          <a:xfrm>
+            <a:off x="4356312" y="5412826"/>
+            <a:ext cx="419497" cy="378373"/>
+          </a:xfrm>
+          <a:prstGeom prst="rect">
+            <a:avLst/>
+          </a:prstGeom>
+          <a:solidFill>
+            <a:schemeClr val="bg1">
+              <a:lumMod val="65000"/>
+            </a:schemeClr>
+          </a:solidFill>
+          <a:ln>
+            <a:solidFill>
+              <a:schemeClr val="tx1"/>
+            </a:solidFill>
+          </a:ln>
+        </p:spPr>
+        <p:style>
+          <a:lnRef idx="2">
+            <a:schemeClr val="accent1">
+              <a:shade val="50000"/>
+            </a:schemeClr>
+          </a:lnRef>
+          <a:fillRef idx="1">
+            <a:schemeClr val="accent1"/>
+          </a:fillRef>
+          <a:effectRef idx="0">
+            <a:schemeClr val="accent1"/>
+          </a:effectRef>
+          <a:fontRef idx="minor">
+            <a:schemeClr val="lt1"/>
+          </a:fontRef>
+        </p:style>
+        <p:txBody>
+          <a:bodyPr rtlCol="0" anchor="ctr"/>
+          <a:lstStyle/>
+          <a:p>
+            <a:pPr algn="ctr"/>
+            <a:endParaRPr kumimoji="1" lang="ja-JP" altLang="en-US"/>
+          </a:p>
+        </p:txBody>
+      </p:sp>
+      <p:cxnSp>
+        <p:nvCxnSpPr>
+          <p:cNvPr id="21" name="直線矢印コネクタ 20">
+            <a:extLst>
+              <a:ext uri="{FF2B5EF4-FFF2-40B4-BE49-F238E27FC236}">
+                <a16:creationId xmlns:a16="http://schemas.microsoft.com/office/drawing/2014/main" id="{39FD9575-F4FA-99FB-4C27-5047DB53E8DD}"/>
+              </a:ext>
+            </a:extLst>
+          </p:cNvPr>
+          <p:cNvCxnSpPr>
+            <a:cxnSpLocks/>
+          </p:cNvCxnSpPr>
+          <p:nvPr/>
+        </p:nvCxnSpPr>
+        <p:spPr>
+          <a:xfrm>
+            <a:off x="2307583" y="3147112"/>
+            <a:ext cx="1912884" cy="0"/>
+          </a:xfrm>
+          <a:prstGeom prst="straightConnector1">
+            <a:avLst/>
+          </a:prstGeom>
+          <a:ln w="38100">
+            <a:tailEnd type="triangle"/>
+          </a:ln>
+        </p:spPr>
+        <p:style>
+          <a:lnRef idx="1">
+            <a:schemeClr val="accent1"/>
+          </a:lnRef>
+          <a:fillRef idx="0">
+            <a:schemeClr val="accent1"/>
+          </a:fillRef>
+          <a:effectRef idx="0">
+            <a:schemeClr val="accent1"/>
+          </a:effectRef>
+          <a:fontRef idx="minor">
+            <a:schemeClr val="tx1"/>
+          </a:fontRef>
+        </p:style>
+      </p:cxnSp>
+      <p:cxnSp>
+        <p:nvCxnSpPr>
+          <p:cNvPr id="24" name="直線矢印コネクタ 23">
+            <a:extLst>
+              <a:ext uri="{FF2B5EF4-FFF2-40B4-BE49-F238E27FC236}">
+                <a16:creationId xmlns:a16="http://schemas.microsoft.com/office/drawing/2014/main" id="{4AD87837-DA07-87A3-1D8D-18358C3C4E74}"/>
+              </a:ext>
+            </a:extLst>
+          </p:cNvPr>
+          <p:cNvCxnSpPr/>
+          <p:nvPr/>
+        </p:nvCxnSpPr>
+        <p:spPr>
+          <a:xfrm flipV="1">
+            <a:off x="4888503" y="2700781"/>
+            <a:ext cx="0" cy="367861"/>
+          </a:xfrm>
+          <a:prstGeom prst="straightConnector1">
+            <a:avLst/>
+          </a:prstGeom>
+          <a:ln w="38100">
+            <a:solidFill>
+              <a:srgbClr val="00B0F0"/>
+            </a:solidFill>
+            <a:tailEnd type="triangle"/>
+          </a:ln>
+        </p:spPr>
+        <p:style>
+          <a:lnRef idx="1">
+            <a:schemeClr val="accent1"/>
+          </a:lnRef>
+          <a:fillRef idx="0">
+            <a:schemeClr val="accent1"/>
+          </a:fillRef>
+          <a:effectRef idx="0">
+            <a:schemeClr val="accent1"/>
+          </a:effectRef>
+          <a:fontRef idx="minor">
+            <a:schemeClr val="tx1"/>
+          </a:fontRef>
+        </p:style>
+      </p:cxnSp>
+      <p:cxnSp>
+        <p:nvCxnSpPr>
+          <p:cNvPr id="25" name="直線矢印コネクタ 24">
+            <a:extLst>
+              <a:ext uri="{FF2B5EF4-FFF2-40B4-BE49-F238E27FC236}">
+                <a16:creationId xmlns:a16="http://schemas.microsoft.com/office/drawing/2014/main" id="{88A7349F-7D05-A7D9-F030-1F8C3CD9F503}"/>
+              </a:ext>
+            </a:extLst>
+          </p:cNvPr>
+          <p:cNvCxnSpPr>
+            <a:cxnSpLocks/>
+          </p:cNvCxnSpPr>
+          <p:nvPr/>
+        </p:nvCxnSpPr>
+        <p:spPr>
+          <a:xfrm>
+            <a:off x="4888503" y="3147112"/>
+            <a:ext cx="0" cy="575802"/>
+          </a:xfrm>
+          <a:prstGeom prst="straightConnector1">
+            <a:avLst/>
+          </a:prstGeom>
+          <a:ln w="38100">
+            <a:solidFill>
+              <a:srgbClr val="00B0F0"/>
+            </a:solidFill>
+            <a:tailEnd type="triangle"/>
+          </a:ln>
+        </p:spPr>
+        <p:style>
+          <a:lnRef idx="1">
+            <a:schemeClr val="accent1"/>
+          </a:lnRef>
+          <a:fillRef idx="0">
+            <a:schemeClr val="accent1"/>
+          </a:fillRef>
+          <a:effectRef idx="0">
+            <a:schemeClr val="accent1"/>
+          </a:effectRef>
+          <a:fontRef idx="minor">
+            <a:schemeClr val="tx1"/>
+          </a:fontRef>
+        </p:style>
+      </p:cxnSp>
+      <p:sp>
+        <p:nvSpPr>
+          <p:cNvPr id="29" name="テキスト ボックス 28">
+            <a:extLst>
+              <a:ext uri="{FF2B5EF4-FFF2-40B4-BE49-F238E27FC236}">
+                <a16:creationId xmlns:a16="http://schemas.microsoft.com/office/drawing/2014/main" id="{54080721-A32A-6E75-D6FD-B1DDD99E7D76}"/>
+              </a:ext>
+            </a:extLst>
+          </p:cNvPr>
+          <p:cNvSpPr txBox="1"/>
+          <p:nvPr/>
+        </p:nvSpPr>
+        <p:spPr>
+          <a:xfrm>
+            <a:off x="4898678" y="2343089"/>
+            <a:ext cx="693683" cy="369332"/>
+          </a:xfrm>
+          <a:prstGeom prst="rect">
+            <a:avLst/>
+          </a:prstGeom>
+          <a:noFill/>
+        </p:spPr>
+        <p:txBody>
+          <a:bodyPr wrap="square" rtlCol="0">
+            <a:spAutoFit/>
+          </a:bodyPr>
+          <a:lstStyle/>
+          <a:p>
+            <a:r>
+              <a:rPr kumimoji="1" lang="ja-JP" altLang="en-US"/>
+              <a:t>近い</a:t>
+            </a:r>
+          </a:p>
+        </p:txBody>
+      </p:sp>
+      <p:sp>
+        <p:nvSpPr>
+          <p:cNvPr id="30" name="テキスト ボックス 29">
+            <a:extLst>
+              <a:ext uri="{FF2B5EF4-FFF2-40B4-BE49-F238E27FC236}">
+                <a16:creationId xmlns:a16="http://schemas.microsoft.com/office/drawing/2014/main" id="{EA8B60B6-C12D-EA96-638E-121DA0F05709}"/>
+              </a:ext>
+            </a:extLst>
+          </p:cNvPr>
+          <p:cNvSpPr txBox="1"/>
+          <p:nvPr/>
+        </p:nvSpPr>
+        <p:spPr>
+          <a:xfrm>
+            <a:off x="4955403" y="3301140"/>
+            <a:ext cx="684539" cy="369332"/>
+          </a:xfrm>
+          <a:prstGeom prst="rect">
+            <a:avLst/>
+          </a:prstGeom>
+          <a:noFill/>
+        </p:spPr>
+        <p:txBody>
+          <a:bodyPr wrap="square" rtlCol="0">
+            <a:spAutoFit/>
+          </a:bodyPr>
+          <a:lstStyle/>
+          <a:p>
+            <a:r>
+              <a:rPr kumimoji="1" lang="ja-JP" altLang="en-US"/>
+              <a:t>遠い</a:t>
+            </a:r>
+          </a:p>
+        </p:txBody>
+      </p:sp>
+      <p:sp>
+        <p:nvSpPr>
+          <p:cNvPr id="31" name="円/楕円 30">
+            <a:extLst>
+              <a:ext uri="{FF2B5EF4-FFF2-40B4-BE49-F238E27FC236}">
+                <a16:creationId xmlns:a16="http://schemas.microsoft.com/office/drawing/2014/main" id="{A28718F9-4DB7-BFC7-D3BE-A1691AE06721}"/>
+              </a:ext>
+            </a:extLst>
+          </p:cNvPr>
+          <p:cNvSpPr/>
+          <p:nvPr/>
+        </p:nvSpPr>
+        <p:spPr>
+          <a:xfrm>
+            <a:off x="4812503" y="1103185"/>
+            <a:ext cx="1010535" cy="449662"/>
+          </a:xfrm>
+          <a:prstGeom prst="ellipse">
+            <a:avLst/>
+          </a:prstGeom>
+          <a:noFill/>
+          <a:ln w="19050">
+            <a:solidFill>
+              <a:srgbClr val="FF0000"/>
+            </a:solidFill>
+          </a:ln>
+        </p:spPr>
+        <p:style>
+          <a:lnRef idx="2">
+            <a:schemeClr val="accent1">
+              <a:shade val="50000"/>
+            </a:schemeClr>
+          </a:lnRef>
+          <a:fillRef idx="1">
+            <a:schemeClr val="accent1"/>
+          </a:fillRef>
+          <a:effectRef idx="0">
+            <a:schemeClr val="accent1"/>
+          </a:effectRef>
+          <a:fontRef idx="minor">
+            <a:schemeClr val="lt1"/>
+          </a:fontRef>
+        </p:style>
+        <p:txBody>
+          <a:bodyPr rtlCol="0" anchor="ctr"/>
+          <a:lstStyle/>
+          <a:p>
+            <a:pPr algn="ctr"/>
+            <a:endParaRPr kumimoji="1" lang="ja-JP" altLang="en-US"/>
+          </a:p>
+        </p:txBody>
+      </p:sp>
+      <p:sp>
+        <p:nvSpPr>
+          <p:cNvPr id="33" name="正方形/長方形 32">
+            <a:extLst>
+              <a:ext uri="{FF2B5EF4-FFF2-40B4-BE49-F238E27FC236}">
+                <a16:creationId xmlns:a16="http://schemas.microsoft.com/office/drawing/2014/main" id="{627BF610-F676-EE8F-4DCC-B24B09C1026D}"/>
+              </a:ext>
+            </a:extLst>
+          </p:cNvPr>
+          <p:cNvSpPr/>
+          <p:nvPr/>
+        </p:nvSpPr>
+        <p:spPr>
+          <a:xfrm>
+            <a:off x="1245473" y="2921874"/>
+            <a:ext cx="424070" cy="388884"/>
+          </a:xfrm>
+          <a:prstGeom prst="rect">
+            <a:avLst/>
+          </a:prstGeom>
+          <a:noFill/>
+          <a:ln w="19050">
+            <a:solidFill>
+              <a:srgbClr val="FF0000"/>
+            </a:solidFill>
+          </a:ln>
+        </p:spPr>
+        <p:style>
+          <a:lnRef idx="2">
+            <a:schemeClr val="accent1">
+              <a:shade val="50000"/>
+            </a:schemeClr>
+          </a:lnRef>
+          <a:fillRef idx="1">
+            <a:schemeClr val="accent1"/>
+          </a:fillRef>
+          <a:effectRef idx="0">
+            <a:schemeClr val="accent1"/>
+          </a:effectRef>
+          <a:fontRef idx="minor">
+            <a:schemeClr val="lt1"/>
+          </a:fontRef>
+        </p:style>
+        <p:txBody>
+          <a:bodyPr rtlCol="0" anchor="ctr"/>
+          <a:lstStyle/>
+          <a:p>
+            <a:pPr algn="ctr"/>
+            <a:endParaRPr kumimoji="1" lang="ja-JP" altLang="en-US"/>
+          </a:p>
+        </p:txBody>
+      </p:sp>
+      <p:sp>
+        <p:nvSpPr>
+          <p:cNvPr id="34" name="正方形/長方形 33">
+            <a:extLst>
+              <a:ext uri="{FF2B5EF4-FFF2-40B4-BE49-F238E27FC236}">
+                <a16:creationId xmlns:a16="http://schemas.microsoft.com/office/drawing/2014/main" id="{AD070E90-4D77-BAF5-7EBE-3C36FBDE2310}"/>
+              </a:ext>
+            </a:extLst>
+          </p:cNvPr>
+          <p:cNvSpPr/>
+          <p:nvPr/>
+        </p:nvSpPr>
+        <p:spPr>
+          <a:xfrm>
+            <a:off x="3862034" y="1103185"/>
+            <a:ext cx="424070" cy="388884"/>
+          </a:xfrm>
+          <a:prstGeom prst="rect">
+            <a:avLst/>
+          </a:prstGeom>
+          <a:noFill/>
+          <a:ln w="19050">
+            <a:solidFill>
+              <a:srgbClr val="FF0000"/>
+            </a:solidFill>
+          </a:ln>
+        </p:spPr>
+        <p:style>
+          <a:lnRef idx="2">
+            <a:schemeClr val="accent1">
+              <a:shade val="50000"/>
+            </a:schemeClr>
+          </a:lnRef>
+          <a:fillRef idx="1">
+            <a:schemeClr val="accent1"/>
+          </a:fillRef>
+          <a:effectRef idx="0">
+            <a:schemeClr val="accent1"/>
+          </a:effectRef>
+          <a:fontRef idx="minor">
+            <a:schemeClr val="lt1"/>
+          </a:fontRef>
+        </p:style>
+        <p:txBody>
+          <a:bodyPr rtlCol="0" anchor="ctr"/>
+          <a:lstStyle/>
+          <a:p>
+            <a:pPr algn="ctr"/>
+            <a:endParaRPr kumimoji="1" lang="ja-JP" altLang="en-US"/>
+          </a:p>
+        </p:txBody>
+      </p:sp>
+      <p:sp>
+        <p:nvSpPr>
+          <p:cNvPr id="35" name="テキスト ボックス 34">
+            <a:extLst>
+              <a:ext uri="{FF2B5EF4-FFF2-40B4-BE49-F238E27FC236}">
+                <a16:creationId xmlns:a16="http://schemas.microsoft.com/office/drawing/2014/main" id="{C9F08309-7612-DE4A-BE13-D6328ACAAF2B}"/>
+              </a:ext>
+            </a:extLst>
+          </p:cNvPr>
+          <p:cNvSpPr txBox="1"/>
+          <p:nvPr/>
+        </p:nvSpPr>
+        <p:spPr>
+          <a:xfrm>
+            <a:off x="6599641" y="1624638"/>
+            <a:ext cx="4415868" cy="3539430"/>
+          </a:xfrm>
+          <a:prstGeom prst="rect">
+            <a:avLst/>
+          </a:prstGeom>
+          <a:noFill/>
+        </p:spPr>
+        <p:txBody>
+          <a:bodyPr wrap="square" rtlCol="0">
+            <a:spAutoFit/>
+          </a:bodyPr>
+          <a:lstStyle/>
+          <a:p>
+            <a:r>
+              <a:rPr lang="ja-JP" altLang="en-US" b="1">
+                <a:solidFill>
+                  <a:srgbClr val="FF0000"/>
+                </a:solidFill>
+              </a:rPr>
+              <a:t>同音回避型和音変換</a:t>
+            </a:r>
+            <a:r>
+              <a:rPr lang="en-US" altLang="ja-JP" b="1">
+                <a:solidFill>
+                  <a:srgbClr val="FF0000"/>
+                </a:solidFill>
+              </a:rPr>
+              <a:t>2</a:t>
+            </a:r>
+            <a:r>
+              <a:rPr lang="en-US" altLang="ja-JP" b="1" dirty="0">
+                <a:solidFill>
+                  <a:srgbClr val="FF0000"/>
+                </a:solidFill>
+              </a:rPr>
+              <a:t>(arp2)</a:t>
+            </a:r>
+          </a:p>
+          <a:p>
+            <a:r>
+              <a:rPr lang="en-US" altLang="ja-JP"/>
+              <a:t>arp_org</a:t>
+            </a:r>
+            <a:r>
+              <a:rPr lang="ja-JP" altLang="en-US"/>
+              <a:t>では不必要に音が遠くに飛ぶ場合があるので、</a:t>
+            </a:r>
+            <a:r>
+              <a:rPr lang="en-US" altLang="ja-JP"/>
+              <a:t>com</a:t>
+            </a:r>
+            <a:r>
+              <a:rPr lang="ja-JP" altLang="en-US"/>
+              <a:t>ベースのシンプルな方法にした</a:t>
+            </a:r>
+            <a:endParaRPr lang="en-US" altLang="ja-JP" dirty="0"/>
+          </a:p>
+          <a:p>
+            <a:r>
+              <a:rPr lang="ja-JP" altLang="en-US"/>
+              <a:t>下から上のアルペジオの音を、ある和音の音に変換</a:t>
+            </a:r>
+            <a:r>
+              <a:rPr lang="en-US" altLang="ja-JP" dirty="0"/>
+              <a:t>(Translate)</a:t>
+            </a:r>
+            <a:r>
+              <a:rPr lang="ja-JP" altLang="en-US"/>
+              <a:t>する例</a:t>
+            </a:r>
+            <a:endParaRPr lang="en-US" altLang="ja-JP"/>
+          </a:p>
+          <a:p>
+            <a:pPr marL="342900" indent="-342900">
+              <a:buFont typeface="+mj-lt"/>
+              <a:buAutoNum type="arabicPeriod"/>
+            </a:pPr>
+            <a:r>
+              <a:rPr lang="en-US" altLang="ja-JP" sz="1600">
+                <a:highlight>
+                  <a:srgbClr val="C0C0C0"/>
+                </a:highlight>
+              </a:rPr>
+              <a:t>[</a:t>
+            </a:r>
+            <a:r>
+              <a:rPr lang="ja-JP" altLang="en-US" sz="1600">
+                <a:highlight>
+                  <a:srgbClr val="C0C0C0"/>
+                </a:highlight>
+              </a:rPr>
+              <a:t>第一段階</a:t>
+            </a:r>
+            <a:r>
+              <a:rPr lang="en-US" altLang="ja-JP" sz="1600">
+                <a:highlight>
+                  <a:srgbClr val="C0C0C0"/>
+                </a:highlight>
+              </a:rPr>
+              <a:t>]</a:t>
+            </a:r>
+            <a:r>
+              <a:rPr lang="ja-JP" altLang="en-US" sz="1600"/>
+              <a:t>まず</a:t>
+            </a:r>
+            <a:r>
+              <a:rPr lang="en-US" altLang="ja-JP" sz="1600"/>
+              <a:t>table</a:t>
+            </a:r>
+            <a:r>
+              <a:rPr lang="ja-JP" altLang="en-US" sz="1600"/>
+              <a:t>を通して一番近い音</a:t>
+            </a:r>
+            <a:r>
+              <a:rPr lang="en-US" altLang="ja-JP" sz="1600"/>
+              <a:t>1</a:t>
+            </a:r>
+            <a:r>
+              <a:rPr lang="ja-JP" altLang="en-US" sz="1600"/>
+              <a:t>が選ばれる（</a:t>
+            </a:r>
+            <a:r>
+              <a:rPr lang="en-US" altLang="ja-JP" sz="1600"/>
+              <a:t>Com</a:t>
+            </a:r>
+            <a:r>
+              <a:rPr lang="ja-JP" altLang="en-US" sz="1600"/>
+              <a:t>と同じ方法）</a:t>
+            </a:r>
+            <a:endParaRPr lang="en-US" altLang="ja-JP" sz="1600"/>
+          </a:p>
+          <a:p>
+            <a:pPr marL="342900" indent="-342900">
+              <a:buFont typeface="+mj-lt"/>
+              <a:buAutoNum type="arabicPeriod"/>
+            </a:pPr>
+            <a:r>
+              <a:rPr kumimoji="1" lang="en-US" altLang="ja-JP" sz="1600">
+                <a:highlight>
+                  <a:srgbClr val="C0C0C0"/>
+                </a:highlight>
+              </a:rPr>
+              <a:t>[</a:t>
+            </a:r>
+            <a:r>
+              <a:rPr kumimoji="1" lang="ja-JP" altLang="en-US" sz="1600">
+                <a:highlight>
+                  <a:srgbClr val="C0C0C0"/>
+                </a:highlight>
+              </a:rPr>
+              <a:t>第二段階</a:t>
+            </a:r>
+            <a:r>
+              <a:rPr kumimoji="1" lang="en-US" altLang="ja-JP" sz="1600">
+                <a:highlight>
+                  <a:srgbClr val="C0C0C0"/>
+                </a:highlight>
+              </a:rPr>
+              <a:t>]</a:t>
+            </a:r>
+            <a:r>
+              <a:rPr kumimoji="1" lang="en-US" altLang="ja-JP" sz="1600"/>
+              <a:t>1</a:t>
+            </a:r>
+            <a:r>
+              <a:rPr kumimoji="1" lang="ja-JP" altLang="en-US" sz="1600"/>
+              <a:t>の音程</a:t>
+            </a:r>
+            <a:r>
+              <a:rPr lang="ja-JP" altLang="en-US" sz="1600"/>
+              <a:t>が</a:t>
+            </a:r>
+            <a:r>
+              <a:rPr kumimoji="1" lang="ja-JP" altLang="en-US" sz="1600"/>
+              <a:t>前音程と同じか、アルぺジオの方向が違う時、</a:t>
+            </a:r>
+            <a:r>
+              <a:rPr kumimoji="1" lang="en-US" altLang="ja-JP" sz="1600"/>
+              <a:t>Analyze</a:t>
+            </a:r>
+            <a:r>
+              <a:rPr kumimoji="1" lang="ja-JP" altLang="en-US" sz="1600"/>
+              <a:t>時と方向が同じ</a:t>
+            </a:r>
+            <a:r>
+              <a:rPr kumimoji="1" lang="en-US" altLang="ja-JP" sz="1600"/>
+              <a:t>2</a:t>
+            </a:r>
+            <a:r>
+              <a:rPr kumimoji="1" lang="ja-JP" altLang="en-US" sz="1600"/>
+              <a:t>が選ばれる</a:t>
+            </a:r>
+            <a:endParaRPr kumimoji="1" lang="en-US" altLang="ja-JP" sz="1600"/>
+          </a:p>
+          <a:p>
+            <a:pPr marL="285750" indent="-285750">
+              <a:buFont typeface="Arial" panose="020B0604020202020204" pitchFamily="34" charset="0"/>
+              <a:buChar char="•"/>
+            </a:pPr>
+            <a:r>
+              <a:rPr kumimoji="1" lang="ja-JP" altLang="en-US"/>
+              <a:t>第一段階が等距離の場合、</a:t>
+            </a:r>
+            <a:r>
+              <a:rPr kumimoji="1" lang="en-US" altLang="ja-JP"/>
+              <a:t>”!”</a:t>
+            </a:r>
+            <a:r>
+              <a:rPr kumimoji="1" lang="ja-JP" altLang="en-US"/>
+              <a:t>指定があれば上を選択、デフォルトは下を選択</a:t>
+            </a:r>
+          </a:p>
+        </p:txBody>
+      </p:sp>
+      <p:sp>
+        <p:nvSpPr>
+          <p:cNvPr id="36" name="テキスト ボックス 35">
+            <a:extLst>
+              <a:ext uri="{FF2B5EF4-FFF2-40B4-BE49-F238E27FC236}">
+                <a16:creationId xmlns:a16="http://schemas.microsoft.com/office/drawing/2014/main" id="{F2F37298-4719-7DB1-AAAA-BFF79B6C0809}"/>
+              </a:ext>
+            </a:extLst>
+          </p:cNvPr>
+          <p:cNvSpPr txBox="1"/>
+          <p:nvPr/>
+        </p:nvSpPr>
+        <p:spPr>
+          <a:xfrm>
+            <a:off x="9149497" y="229952"/>
+            <a:ext cx="2886559" cy="461665"/>
+          </a:xfrm>
+          <a:prstGeom prst="rect">
+            <a:avLst/>
+          </a:prstGeom>
+          <a:noFill/>
+        </p:spPr>
+        <p:txBody>
+          <a:bodyPr wrap="square" rtlCol="0">
+            <a:spAutoFit/>
+          </a:bodyPr>
+          <a:lstStyle/>
+          <a:p>
+            <a:pPr algn="ctr"/>
+            <a:r>
+              <a:rPr kumimoji="1" lang="en-US" altLang="ja-JP" sz="2400" dirty="0">
+                <a:latin typeface="+mn-ea"/>
+              </a:rPr>
+              <a:t>Translation Logic</a:t>
+            </a:r>
+            <a:endParaRPr kumimoji="1" lang="ja-JP" altLang="en-US" sz="2400">
+              <a:latin typeface="+mn-ea"/>
+            </a:endParaRPr>
+          </a:p>
+        </p:txBody>
+      </p:sp>
+      <p:sp>
+        <p:nvSpPr>
+          <p:cNvPr id="37" name="テキスト ボックス 36">
+            <a:extLst>
+              <a:ext uri="{FF2B5EF4-FFF2-40B4-BE49-F238E27FC236}">
+                <a16:creationId xmlns:a16="http://schemas.microsoft.com/office/drawing/2014/main" id="{F41F6CEF-1D10-7EBE-7491-7F77DE50334F}"/>
+              </a:ext>
+            </a:extLst>
+          </p:cNvPr>
+          <p:cNvSpPr txBox="1"/>
+          <p:nvPr/>
+        </p:nvSpPr>
+        <p:spPr>
+          <a:xfrm>
+            <a:off x="6645744" y="961581"/>
+            <a:ext cx="4026952" cy="369332"/>
+          </a:xfrm>
+          <a:prstGeom prst="rect">
+            <a:avLst/>
+          </a:prstGeom>
+          <a:noFill/>
+        </p:spPr>
+        <p:txBody>
+          <a:bodyPr wrap="square" rtlCol="0">
+            <a:spAutoFit/>
+          </a:bodyPr>
+          <a:lstStyle/>
+          <a:p>
+            <a:r>
+              <a:rPr lang="en-US" altLang="ja-JP" dirty="0">
+                <a:latin typeface="Courier New" panose="02070309020205020404" pitchFamily="49" charset="0"/>
+                <a:cs typeface="Courier New" panose="02070309020205020404" pitchFamily="49" charset="0"/>
+              </a:rPr>
+              <a:t>def </a:t>
+            </a:r>
+            <a:r>
+              <a:rPr lang="en" altLang="ja-JP" b="0" dirty="0">
+                <a:effectLst/>
+                <a:latin typeface="Courier New" panose="02070309020205020404" pitchFamily="49" charset="0"/>
+                <a:cs typeface="Courier New" panose="02070309020205020404" pitchFamily="49" charset="0"/>
+              </a:rPr>
+              <a:t>_</a:t>
+            </a:r>
+            <a:r>
+              <a:rPr lang="en" altLang="ja-JP" b="0" dirty="0" err="1">
+                <a:effectLst/>
+                <a:latin typeface="Courier New" panose="02070309020205020404" pitchFamily="49" charset="0"/>
+                <a:cs typeface="Courier New" panose="02070309020205020404" pitchFamily="49" charset="0"/>
+              </a:rPr>
+              <a:t>translate_note_arp2</a:t>
+            </a:r>
+            <a:r>
+              <a:rPr lang="en" altLang="ja-JP" b="0">
+                <a:effectLst/>
+                <a:latin typeface="Courier New" panose="02070309020205020404" pitchFamily="49" charset="0"/>
+                <a:cs typeface="Courier New" panose="02070309020205020404" pitchFamily="49" charset="0"/>
+              </a:rPr>
+              <a:t>():</a:t>
+            </a:r>
+            <a:endParaRPr lang="en-US" altLang="ja-JP">
+              <a:latin typeface="Courier New" panose="02070309020205020404" pitchFamily="49" charset="0"/>
+              <a:cs typeface="Courier New" panose="02070309020205020404" pitchFamily="49" charset="0"/>
+            </a:endParaRPr>
+          </a:p>
+        </p:txBody>
+      </p:sp>
+      <p:sp>
+        <p:nvSpPr>
+          <p:cNvPr id="16" name="テキスト ボックス 15">
+            <a:extLst>
+              <a:ext uri="{FF2B5EF4-FFF2-40B4-BE49-F238E27FC236}">
+                <a16:creationId xmlns:a16="http://schemas.microsoft.com/office/drawing/2014/main" id="{6E27C2C6-55AE-E02C-CC0A-AD7D99990DD7}"/>
+              </a:ext>
+            </a:extLst>
+          </p:cNvPr>
+          <p:cNvSpPr txBox="1"/>
+          <p:nvPr/>
+        </p:nvSpPr>
+        <p:spPr>
+          <a:xfrm>
+            <a:off x="2827172" y="2339804"/>
+            <a:ext cx="1061129" cy="369332"/>
+          </a:xfrm>
+          <a:prstGeom prst="rect">
+            <a:avLst/>
+          </a:prstGeom>
+          <a:noFill/>
+        </p:spPr>
+        <p:txBody>
+          <a:bodyPr wrap="square" rtlCol="0">
+            <a:spAutoFit/>
+          </a:bodyPr>
+          <a:lstStyle/>
+          <a:p>
+            <a:pPr algn="ctr"/>
+            <a:r>
+              <a:rPr lang="ja-JP" altLang="en-US" dirty="0"/>
+              <a:t>前音程</a:t>
+            </a:r>
+            <a:r>
+              <a:rPr lang="en-US" altLang="ja-JP" dirty="0"/>
+              <a:t>?</a:t>
+            </a:r>
+            <a:endParaRPr kumimoji="1" lang="ja-JP" altLang="en-US"/>
+          </a:p>
+        </p:txBody>
+      </p:sp>
+      <p:sp>
+        <p:nvSpPr>
+          <p:cNvPr id="23" name="テキスト ボックス 22">
+            <a:extLst>
+              <a:ext uri="{FF2B5EF4-FFF2-40B4-BE49-F238E27FC236}">
+                <a16:creationId xmlns:a16="http://schemas.microsoft.com/office/drawing/2014/main" id="{890F9837-80C2-AD7B-C312-E98761537D73}"/>
+              </a:ext>
+            </a:extLst>
+          </p:cNvPr>
+          <p:cNvSpPr txBox="1"/>
+          <p:nvPr/>
+        </p:nvSpPr>
+        <p:spPr>
+          <a:xfrm>
+            <a:off x="3837586" y="1115161"/>
+            <a:ext cx="472966" cy="369332"/>
+          </a:xfrm>
+          <a:prstGeom prst="rect">
+            <a:avLst/>
+          </a:prstGeom>
+          <a:noFill/>
+          <a:ln>
+            <a:noFill/>
+          </a:ln>
+        </p:spPr>
+        <p:txBody>
+          <a:bodyPr wrap="square" rtlCol="0">
+            <a:spAutoFit/>
+          </a:bodyPr>
+          <a:lstStyle/>
+          <a:p>
+            <a:pPr algn="ctr"/>
+            <a:r>
+              <a:rPr lang="en-US" altLang="ja-JP" dirty="0"/>
+              <a:t>2</a:t>
+            </a:r>
+            <a:endParaRPr kumimoji="1" lang="ja-JP" altLang="en-US"/>
+          </a:p>
+        </p:txBody>
+      </p:sp>
+      <p:cxnSp>
+        <p:nvCxnSpPr>
+          <p:cNvPr id="26" name="直線矢印コネクタ 25">
+            <a:extLst>
+              <a:ext uri="{FF2B5EF4-FFF2-40B4-BE49-F238E27FC236}">
+                <a16:creationId xmlns:a16="http://schemas.microsoft.com/office/drawing/2014/main" id="{62C20355-A795-8D4D-1C26-99C8E4CA4BFD}"/>
+              </a:ext>
+            </a:extLst>
+          </p:cNvPr>
+          <p:cNvCxnSpPr>
+            <a:cxnSpLocks/>
+          </p:cNvCxnSpPr>
+          <p:nvPr/>
+        </p:nvCxnSpPr>
+        <p:spPr>
+          <a:xfrm flipV="1">
+            <a:off x="4898678" y="1467974"/>
+            <a:ext cx="6154" cy="886284"/>
+          </a:xfrm>
+          <a:prstGeom prst="straightConnector1">
+            <a:avLst/>
+          </a:prstGeom>
+          <a:ln w="38100">
+            <a:solidFill>
+              <a:srgbClr val="00B0F0"/>
+            </a:solidFill>
+            <a:tailEnd type="triangle"/>
+          </a:ln>
+        </p:spPr>
+        <p:style>
+          <a:lnRef idx="1">
+            <a:schemeClr val="accent1"/>
+          </a:lnRef>
+          <a:fillRef idx="0">
+            <a:schemeClr val="accent1"/>
+          </a:fillRef>
+          <a:effectRef idx="0">
+            <a:schemeClr val="accent1"/>
+          </a:effectRef>
+          <a:fontRef idx="minor">
+            <a:schemeClr val="tx1"/>
+          </a:fontRef>
+        </p:style>
+      </p:cxnSp>
+      <p:sp>
+        <p:nvSpPr>
+          <p:cNvPr id="28" name="テキスト ボックス 27">
+            <a:extLst>
+              <a:ext uri="{FF2B5EF4-FFF2-40B4-BE49-F238E27FC236}">
+                <a16:creationId xmlns:a16="http://schemas.microsoft.com/office/drawing/2014/main" id="{9761B6C8-530D-E825-D607-350B660BD70E}"/>
+              </a:ext>
+            </a:extLst>
+          </p:cNvPr>
+          <p:cNvSpPr txBox="1"/>
+          <p:nvPr/>
+        </p:nvSpPr>
+        <p:spPr>
+          <a:xfrm>
+            <a:off x="4898678" y="1151104"/>
+            <a:ext cx="930514" cy="369332"/>
+          </a:xfrm>
+          <a:prstGeom prst="rect">
+            <a:avLst/>
+          </a:prstGeom>
+          <a:noFill/>
+        </p:spPr>
+        <p:txBody>
+          <a:bodyPr wrap="square" rtlCol="0">
+            <a:spAutoFit/>
+          </a:bodyPr>
+          <a:lstStyle/>
+          <a:p>
+            <a:r>
+              <a:rPr kumimoji="1" lang="ja-JP" altLang="en-US"/>
+              <a:t>次の音</a:t>
+            </a:r>
           </a:p>
         </p:txBody>
       </p:sp>
     </p:spTree>
     <p:extLst>
       <p:ext uri="{BB962C8B-B14F-4D97-AF65-F5344CB8AC3E}">
-        <p14:creationId xmlns:p14="http://schemas.microsoft.com/office/powerpoint/2010/main" val="1589082768"/>
+        <p14:creationId xmlns:p14="http://schemas.microsoft.com/office/powerpoint/2010/main" val="47678640"/>
       </p:ext>
     </p:extLst>
   </p:cSld>
@@ -8963,6 +10659,65 @@
       </p:grpSpPr>
       <p:sp>
         <p:nvSpPr>
+          <p:cNvPr id="2" name="タイトル 1">
+            <a:extLst>
+              <a:ext uri="{FF2B5EF4-FFF2-40B4-BE49-F238E27FC236}">
+                <a16:creationId xmlns:a16="http://schemas.microsoft.com/office/drawing/2014/main" id="{BC830D72-A909-8CD3-44C3-2846873D555D}"/>
+              </a:ext>
+            </a:extLst>
+          </p:cNvPr>
+          <p:cNvSpPr>
+            <a:spLocks noGrp="1"/>
+          </p:cNvSpPr>
+          <p:nvPr>
+            <p:ph type="ctrTitle"/>
+          </p:nvPr>
+        </p:nvSpPr>
+        <p:spPr/>
+        <p:txBody>
+          <a:bodyPr/>
+          <a:lstStyle/>
+          <a:p>
+            <a:r>
+              <a:rPr kumimoji="1" lang="en-US" altLang="ja-JP" dirty="0"/>
+              <a:t>Thread Design</a:t>
+            </a:r>
+            <a:endParaRPr kumimoji="1" lang="ja-JP" altLang="en-US"/>
+          </a:p>
+        </p:txBody>
+      </p:sp>
+    </p:spTree>
+    <p:extLst>
+      <p:ext uri="{BB962C8B-B14F-4D97-AF65-F5344CB8AC3E}">
+        <p14:creationId xmlns:p14="http://schemas.microsoft.com/office/powerpoint/2010/main" val="1589082768"/>
+      </p:ext>
+    </p:extLst>
+  </p:cSld>
+  <p:clrMapOvr>
+    <a:masterClrMapping/>
+  </p:clrMapOvr>
+</p:sld>
+</file>
+
+<file path=ppt/slides/slide15.xml><?xml version="1.0" encoding="utf-8"?>
+<p:sld xmlns:a="http://schemas.openxmlformats.org/drawingml/2006/main" xmlns:r="http://schemas.openxmlformats.org/officeDocument/2006/relationships" xmlns:p="http://schemas.openxmlformats.org/presentationml/2006/main">
+  <p:cSld>
+    <p:spTree>
+      <p:nvGrpSpPr>
+        <p:cNvPr id="1" name=""/>
+        <p:cNvGrpSpPr/>
+        <p:nvPr/>
+      </p:nvGrpSpPr>
+      <p:grpSpPr>
+        <a:xfrm>
+          <a:off x="0" y="0"/>
+          <a:ext cx="0" cy="0"/>
+          <a:chOff x="0" y="0"/>
+          <a:chExt cx="0" cy="0"/>
+        </a:xfrm>
+      </p:grpSpPr>
+      <p:sp>
+        <p:nvSpPr>
           <p:cNvPr id="4" name="正方形/長方形 3">
             <a:extLst>
               <a:ext uri="{FF2B5EF4-FFF2-40B4-BE49-F238E27FC236}">
@@ -9379,8 +11134,8 @@
         </p:nvSpPr>
         <p:spPr>
           <a:xfrm>
-            <a:off x="4805854" y="2677143"/>
-            <a:ext cx="2012732" cy="276999"/>
+            <a:off x="4487919" y="2301766"/>
+            <a:ext cx="2448909" cy="338554"/>
           </a:xfrm>
           <a:prstGeom prst="rect">
             <a:avLst/>
@@ -9394,19 +11149,19 @@
           <a:lstStyle/>
           <a:p>
             <a:r>
-              <a:rPr kumimoji="1" lang="en-US" altLang="ja-JP" sz="1200"/>
+              <a:rPr kumimoji="1" lang="en-US" altLang="ja-JP" sz="1600"/>
               <a:t>format</a:t>
             </a:r>
             <a:r>
-              <a:rPr kumimoji="1" lang="ja-JP" altLang="en-US" sz="1200"/>
-              <a:t>は</a:t>
-            </a:r>
-            <a:r>
-              <a:rPr kumimoji="1" lang="en-US" altLang="ja-JP" sz="1200"/>
+              <a:rPr lang="en-US" altLang="ja-JP" sz="1600"/>
+              <a:t>: </a:t>
+            </a:r>
+            <a:r>
+              <a:rPr kumimoji="1" lang="en-US" altLang="ja-JP" sz="1600"/>
               <a:t>lpnlib.rs</a:t>
             </a:r>
             <a:r>
-              <a:rPr kumimoji="1" lang="ja-JP" altLang="en-US" sz="1200"/>
+              <a:rPr kumimoji="1" lang="ja-JP" altLang="en-US" sz="1600"/>
               <a:t>に記載</a:t>
             </a:r>
           </a:p>
@@ -9426,8 +11181,8 @@
         </p:nvSpPr>
         <p:spPr>
           <a:xfrm>
-            <a:off x="7357243" y="4752541"/>
-            <a:ext cx="2543502" cy="461665"/>
+            <a:off x="7357243" y="4750336"/>
+            <a:ext cx="2543502" cy="830997"/>
           </a:xfrm>
           <a:prstGeom prst="rect">
             <a:avLst/>
@@ -9441,29 +11196,29 @@
           <a:lstStyle/>
           <a:p>
             <a:r>
-              <a:rPr kumimoji="1" lang="en-US" altLang="ja-JP" sz="1200"/>
-              <a:t>“n______”</a:t>
-            </a:r>
-          </a:p>
-          <a:p>
-            <a:r>
-              <a:rPr kumimoji="1" lang="ja-JP" altLang="en-US" sz="1200"/>
+              <a:rPr kumimoji="1" lang="en-US" altLang="ja-JP" sz="1600"/>
+              <a:t>format: “n______”</a:t>
+            </a:r>
+          </a:p>
+          <a:p>
+            <a:r>
+              <a:rPr kumimoji="1" lang="ja-JP" altLang="en-US" sz="1600"/>
               <a:t>冒頭の</a:t>
             </a:r>
             <a:r>
-              <a:rPr kumimoji="1" lang="en-US" altLang="ja-JP" sz="1200"/>
+              <a:rPr kumimoji="1" lang="en-US" altLang="ja-JP" sz="1600"/>
               <a:t>n</a:t>
             </a:r>
             <a:r>
-              <a:rPr kumimoji="1" lang="ja-JP" altLang="en-US" sz="1200"/>
+              <a:rPr kumimoji="1" lang="ja-JP" altLang="en-US" sz="1600"/>
               <a:t>が</a:t>
             </a:r>
             <a:r>
-              <a:rPr kumimoji="1" lang="en-US" altLang="ja-JP" sz="1200"/>
+              <a:rPr kumimoji="1" lang="en-US" altLang="ja-JP" sz="1600"/>
               <a:t>indicator </a:t>
             </a:r>
             <a:r>
-              <a:rPr kumimoji="1" lang="ja-JP" altLang="en-US" sz="1200"/>
+              <a:rPr kumimoji="1" lang="ja-JP" altLang="en-US" sz="1600"/>
               <a:t>の位置を表す</a:t>
             </a:r>
           </a:p>

--- a/doc/design.pptx
+++ b/doc/design.pptx
@@ -273,7 +273,7 @@
           <a:p>
             <a:fld id="{D6C33A7A-5ABB-BC4F-84D2-CC4D1B9660F6}" type="datetimeFigureOut">
               <a:rPr lang="ja-JP" altLang="en-US"/>
-              <a:t>2023/5/1</a:t>
+              <a:t>2023/11/17</a:t>
             </a:fld>
             <a:endParaRPr kumimoji="1" lang="ja-JP" altLang="en-US"/>
           </a:p>
@@ -503,7 +503,7 @@
           <a:p>
             <a:fld id="{D6C33A7A-5ABB-BC4F-84D2-CC4D1B9660F6}" type="datetimeFigureOut">
               <a:rPr lang="ja-JP" altLang="en-US"/>
-              <a:t>2023/5/1</a:t>
+              <a:t>2023/11/17</a:t>
             </a:fld>
             <a:endParaRPr kumimoji="1" lang="ja-JP" altLang="en-US"/>
           </a:p>
@@ -743,7 +743,7 @@
           <a:p>
             <a:fld id="{D6C33A7A-5ABB-BC4F-84D2-CC4D1B9660F6}" type="datetimeFigureOut">
               <a:rPr lang="ja-JP" altLang="en-US"/>
-              <a:t>2023/5/1</a:t>
+              <a:t>2023/11/17</a:t>
             </a:fld>
             <a:endParaRPr kumimoji="1" lang="ja-JP" altLang="en-US"/>
           </a:p>
@@ -973,7 +973,7 @@
           <a:p>
             <a:fld id="{D6C33A7A-5ABB-BC4F-84D2-CC4D1B9660F6}" type="datetimeFigureOut">
               <a:rPr lang="ja-JP" altLang="en-US"/>
-              <a:t>2023/5/1</a:t>
+              <a:t>2023/11/17</a:t>
             </a:fld>
             <a:endParaRPr kumimoji="1" lang="ja-JP" altLang="en-US"/>
           </a:p>
@@ -1248,7 +1248,7 @@
           <a:p>
             <a:fld id="{D6C33A7A-5ABB-BC4F-84D2-CC4D1B9660F6}" type="datetimeFigureOut">
               <a:rPr lang="ja-JP" altLang="en-US"/>
-              <a:t>2023/5/1</a:t>
+              <a:t>2023/11/17</a:t>
             </a:fld>
             <a:endParaRPr kumimoji="1" lang="ja-JP" altLang="en-US"/>
           </a:p>
@@ -1577,7 +1577,7 @@
           <a:p>
             <a:fld id="{D6C33A7A-5ABB-BC4F-84D2-CC4D1B9660F6}" type="datetimeFigureOut">
               <a:rPr lang="ja-JP" altLang="en-US"/>
-              <a:t>2023/5/1</a:t>
+              <a:t>2023/11/17</a:t>
             </a:fld>
             <a:endParaRPr kumimoji="1" lang="ja-JP" altLang="en-US"/>
           </a:p>
@@ -2053,7 +2053,7 @@
           <a:p>
             <a:fld id="{D6C33A7A-5ABB-BC4F-84D2-CC4D1B9660F6}" type="datetimeFigureOut">
               <a:rPr lang="ja-JP" altLang="en-US"/>
-              <a:t>2023/5/1</a:t>
+              <a:t>2023/11/17</a:t>
             </a:fld>
             <a:endParaRPr kumimoji="1" lang="ja-JP" altLang="en-US"/>
           </a:p>
@@ -2194,7 +2194,7 @@
           <a:p>
             <a:fld id="{D6C33A7A-5ABB-BC4F-84D2-CC4D1B9660F6}" type="datetimeFigureOut">
               <a:rPr lang="ja-JP" altLang="en-US"/>
-              <a:t>2023/5/1</a:t>
+              <a:t>2023/11/17</a:t>
             </a:fld>
             <a:endParaRPr kumimoji="1" lang="ja-JP" altLang="en-US"/>
           </a:p>
@@ -2307,7 +2307,7 @@
           <a:p>
             <a:fld id="{D6C33A7A-5ABB-BC4F-84D2-CC4D1B9660F6}" type="datetimeFigureOut">
               <a:rPr lang="ja-JP" altLang="en-US"/>
-              <a:t>2023/5/1</a:t>
+              <a:t>2023/11/17</a:t>
             </a:fld>
             <a:endParaRPr kumimoji="1" lang="ja-JP" altLang="en-US"/>
           </a:p>
@@ -2650,7 +2650,7 @@
           <a:p>
             <a:fld id="{D6C33A7A-5ABB-BC4F-84D2-CC4D1B9660F6}" type="datetimeFigureOut">
               <a:rPr lang="ja-JP" altLang="en-US"/>
-              <a:t>2023/5/1</a:t>
+              <a:t>2023/11/17</a:t>
             </a:fld>
             <a:endParaRPr kumimoji="1" lang="ja-JP" altLang="en-US"/>
           </a:p>
@@ -2938,7 +2938,7 @@
           <a:p>
             <a:fld id="{D6C33A7A-5ABB-BC4F-84D2-CC4D1B9660F6}" type="datetimeFigureOut">
               <a:rPr lang="ja-JP" altLang="en-US"/>
-              <a:t>2023/5/1</a:t>
+              <a:t>2023/11/17</a:t>
             </a:fld>
             <a:endParaRPr kumimoji="1" lang="ja-JP" altLang="en-US"/>
           </a:p>
@@ -3211,7 +3211,7 @@
           <a:p>
             <a:fld id="{D6C33A7A-5ABB-BC4F-84D2-CC4D1B9660F6}" type="datetimeFigureOut">
               <a:rPr lang="ja-JP" altLang="en-US"/>
-              <a:t>2023/5/1</a:t>
+              <a:t>2023/11/17</a:t>
             </a:fld>
             <a:endParaRPr kumimoji="1" lang="ja-JP" altLang="en-US"/>
           </a:p>
@@ -11219,8 +11219,156 @@
             </a:r>
             <a:r>
               <a:rPr kumimoji="1" lang="ja-JP" altLang="en-US" sz="1600"/>
-              <a:t>の位置を表す</a:t>
-            </a:r>
+              <a:t>の位置などを表す</a:t>
+            </a:r>
+          </a:p>
+        </p:txBody>
+      </p:sp>
+      <p:sp>
+        <p:nvSpPr>
+          <p:cNvPr id="7" name="テキスト ボックス 6">
+            <a:extLst>
+              <a:ext uri="{FF2B5EF4-FFF2-40B4-BE49-F238E27FC236}">
+                <a16:creationId xmlns:a16="http://schemas.microsoft.com/office/drawing/2014/main" id="{92B28E96-BE76-C5A8-E844-0A5692B7F400}"/>
+              </a:ext>
+            </a:extLst>
+          </p:cNvPr>
+          <p:cNvSpPr txBox="1"/>
+          <p:nvPr/>
+        </p:nvSpPr>
+        <p:spPr>
+          <a:xfrm>
+            <a:off x="4309241" y="6278461"/>
+            <a:ext cx="3048001" cy="369332"/>
+          </a:xfrm>
+          <a:prstGeom prst="rect">
+            <a:avLst/>
+          </a:prstGeom>
+          <a:noFill/>
+        </p:spPr>
+        <p:txBody>
+          <a:bodyPr wrap="square" rtlCol="0">
+            <a:spAutoFit/>
+          </a:bodyPr>
+          <a:lstStyle/>
+          <a:p>
+            <a:r>
+              <a:rPr kumimoji="1" lang="en-US" altLang="ja-JP"/>
+              <a:t>for ElapseStack::periodic()</a:t>
+            </a:r>
+            <a:endParaRPr kumimoji="1" lang="ja-JP" altLang="en-US"/>
+          </a:p>
+        </p:txBody>
+      </p:sp>
+      <p:sp>
+        <p:nvSpPr>
+          <p:cNvPr id="13" name="テキスト ボックス 12">
+            <a:extLst>
+              <a:ext uri="{FF2B5EF4-FFF2-40B4-BE49-F238E27FC236}">
+                <a16:creationId xmlns:a16="http://schemas.microsoft.com/office/drawing/2014/main" id="{D2488643-FFFC-1F6D-0F95-4C85F61DB7B7}"/>
+              </a:ext>
+            </a:extLst>
+          </p:cNvPr>
+          <p:cNvSpPr txBox="1"/>
+          <p:nvPr/>
+        </p:nvSpPr>
+        <p:spPr>
+          <a:xfrm>
+            <a:off x="8550823" y="724649"/>
+            <a:ext cx="1062858" cy="369332"/>
+          </a:xfrm>
+          <a:prstGeom prst="rect">
+            <a:avLst/>
+          </a:prstGeom>
+          <a:noFill/>
+        </p:spPr>
+        <p:txBody>
+          <a:bodyPr wrap="square" rtlCol="0">
+            <a:spAutoFit/>
+          </a:bodyPr>
+          <a:lstStyle/>
+          <a:p>
+            <a:r>
+              <a:rPr kumimoji="1" lang="en-US" altLang="ja-JP"/>
+              <a:t>ui_hndr</a:t>
+            </a:r>
+            <a:endParaRPr kumimoji="1" lang="ja-JP" altLang="en-US"/>
+          </a:p>
+        </p:txBody>
+      </p:sp>
+      <p:sp>
+        <p:nvSpPr>
+          <p:cNvPr id="14" name="テキスト ボックス 13">
+            <a:extLst>
+              <a:ext uri="{FF2B5EF4-FFF2-40B4-BE49-F238E27FC236}">
+                <a16:creationId xmlns:a16="http://schemas.microsoft.com/office/drawing/2014/main" id="{725298DA-F87C-66A8-4854-D202CCC7A756}"/>
+              </a:ext>
+            </a:extLst>
+          </p:cNvPr>
+          <p:cNvSpPr txBox="1"/>
+          <p:nvPr/>
+        </p:nvSpPr>
+        <p:spPr>
+          <a:xfrm>
+            <a:off x="5544864" y="724649"/>
+            <a:ext cx="1391964" cy="369332"/>
+          </a:xfrm>
+          <a:prstGeom prst="rect">
+            <a:avLst/>
+          </a:prstGeom>
+          <a:noFill/>
+        </p:spPr>
+        <p:txBody>
+          <a:bodyPr wrap="square" rtlCol="0">
+            <a:spAutoFit/>
+          </a:bodyPr>
+          <a:lstStyle/>
+          <a:p>
+            <a:r>
+              <a:rPr lang="en-US" altLang="ja-JP"/>
+              <a:t>msg</a:t>
+            </a:r>
+            <a:r>
+              <a:rPr kumimoji="1" lang="en-US" altLang="ja-JP"/>
+              <a:t>_hndr</a:t>
+            </a:r>
+            <a:endParaRPr kumimoji="1" lang="ja-JP" altLang="en-US"/>
+          </a:p>
+        </p:txBody>
+      </p:sp>
+      <p:sp>
+        <p:nvSpPr>
+          <p:cNvPr id="15" name="テキスト ボックス 14">
+            <a:extLst>
+              <a:ext uri="{FF2B5EF4-FFF2-40B4-BE49-F238E27FC236}">
+                <a16:creationId xmlns:a16="http://schemas.microsoft.com/office/drawing/2014/main" id="{5FA1E93E-D97F-A281-DB96-D588B5486149}"/>
+              </a:ext>
+            </a:extLst>
+          </p:cNvPr>
+          <p:cNvSpPr txBox="1"/>
+          <p:nvPr/>
+        </p:nvSpPr>
+        <p:spPr>
+          <a:xfrm>
+            <a:off x="8628993" y="6278461"/>
+            <a:ext cx="1062858" cy="369332"/>
+          </a:xfrm>
+          <a:prstGeom prst="rect">
+            <a:avLst/>
+          </a:prstGeom>
+          <a:noFill/>
+        </p:spPr>
+        <p:txBody>
+          <a:bodyPr wrap="square" rtlCol="0">
+            <a:spAutoFit/>
+          </a:bodyPr>
+          <a:lstStyle/>
+          <a:p>
+            <a:r>
+              <a:rPr kumimoji="1" lang="en-US" altLang="ja-JP"/>
+              <a:t>ui_hndr</a:t>
+            </a:r>
+            <a:endParaRPr kumimoji="1" lang="ja-JP" altLang="en-US"/>
           </a:p>
         </p:txBody>
       </p:sp>

--- a/doc/design.pptx
+++ b/doc/design.pptx
@@ -273,7 +273,7 @@
           <a:p>
             <a:fld id="{D6C33A7A-5ABB-BC4F-84D2-CC4D1B9660F6}" type="datetimeFigureOut">
               <a:rPr lang="ja-JP" altLang="en-US"/>
-              <a:t>2023/11/17</a:t>
+              <a:t>2023/11/30</a:t>
             </a:fld>
             <a:endParaRPr kumimoji="1" lang="ja-JP" altLang="en-US"/>
           </a:p>
@@ -503,7 +503,7 @@
           <a:p>
             <a:fld id="{D6C33A7A-5ABB-BC4F-84D2-CC4D1B9660F6}" type="datetimeFigureOut">
               <a:rPr lang="ja-JP" altLang="en-US"/>
-              <a:t>2023/11/17</a:t>
+              <a:t>2023/11/30</a:t>
             </a:fld>
             <a:endParaRPr kumimoji="1" lang="ja-JP" altLang="en-US"/>
           </a:p>
@@ -743,7 +743,7 @@
           <a:p>
             <a:fld id="{D6C33A7A-5ABB-BC4F-84D2-CC4D1B9660F6}" type="datetimeFigureOut">
               <a:rPr lang="ja-JP" altLang="en-US"/>
-              <a:t>2023/11/17</a:t>
+              <a:t>2023/11/30</a:t>
             </a:fld>
             <a:endParaRPr kumimoji="1" lang="ja-JP" altLang="en-US"/>
           </a:p>
@@ -973,7 +973,7 @@
           <a:p>
             <a:fld id="{D6C33A7A-5ABB-BC4F-84D2-CC4D1B9660F6}" type="datetimeFigureOut">
               <a:rPr lang="ja-JP" altLang="en-US"/>
-              <a:t>2023/11/17</a:t>
+              <a:t>2023/11/30</a:t>
             </a:fld>
             <a:endParaRPr kumimoji="1" lang="ja-JP" altLang="en-US"/>
           </a:p>
@@ -1248,7 +1248,7 @@
           <a:p>
             <a:fld id="{D6C33A7A-5ABB-BC4F-84D2-CC4D1B9660F6}" type="datetimeFigureOut">
               <a:rPr lang="ja-JP" altLang="en-US"/>
-              <a:t>2023/11/17</a:t>
+              <a:t>2023/11/30</a:t>
             </a:fld>
             <a:endParaRPr kumimoji="1" lang="ja-JP" altLang="en-US"/>
           </a:p>
@@ -1577,7 +1577,7 @@
           <a:p>
             <a:fld id="{D6C33A7A-5ABB-BC4F-84D2-CC4D1B9660F6}" type="datetimeFigureOut">
               <a:rPr lang="ja-JP" altLang="en-US"/>
-              <a:t>2023/11/17</a:t>
+              <a:t>2023/11/30</a:t>
             </a:fld>
             <a:endParaRPr kumimoji="1" lang="ja-JP" altLang="en-US"/>
           </a:p>
@@ -2053,7 +2053,7 @@
           <a:p>
             <a:fld id="{D6C33A7A-5ABB-BC4F-84D2-CC4D1B9660F6}" type="datetimeFigureOut">
               <a:rPr lang="ja-JP" altLang="en-US"/>
-              <a:t>2023/11/17</a:t>
+              <a:t>2023/11/30</a:t>
             </a:fld>
             <a:endParaRPr kumimoji="1" lang="ja-JP" altLang="en-US"/>
           </a:p>
@@ -2194,7 +2194,7 @@
           <a:p>
             <a:fld id="{D6C33A7A-5ABB-BC4F-84D2-CC4D1B9660F6}" type="datetimeFigureOut">
               <a:rPr lang="ja-JP" altLang="en-US"/>
-              <a:t>2023/11/17</a:t>
+              <a:t>2023/11/30</a:t>
             </a:fld>
             <a:endParaRPr kumimoji="1" lang="ja-JP" altLang="en-US"/>
           </a:p>
@@ -2307,7 +2307,7 @@
           <a:p>
             <a:fld id="{D6C33A7A-5ABB-BC4F-84D2-CC4D1B9660F6}" type="datetimeFigureOut">
               <a:rPr lang="ja-JP" altLang="en-US"/>
-              <a:t>2023/11/17</a:t>
+              <a:t>2023/11/30</a:t>
             </a:fld>
             <a:endParaRPr kumimoji="1" lang="ja-JP" altLang="en-US"/>
           </a:p>
@@ -2650,7 +2650,7 @@
           <a:p>
             <a:fld id="{D6C33A7A-5ABB-BC4F-84D2-CC4D1B9660F6}" type="datetimeFigureOut">
               <a:rPr lang="ja-JP" altLang="en-US"/>
-              <a:t>2023/11/17</a:t>
+              <a:t>2023/11/30</a:t>
             </a:fld>
             <a:endParaRPr kumimoji="1" lang="ja-JP" altLang="en-US"/>
           </a:p>
@@ -2938,7 +2938,7 @@
           <a:p>
             <a:fld id="{D6C33A7A-5ABB-BC4F-84D2-CC4D1B9660F6}" type="datetimeFigureOut">
               <a:rPr lang="ja-JP" altLang="en-US"/>
-              <a:t>2023/11/17</a:t>
+              <a:t>2023/11/30</a:t>
             </a:fld>
             <a:endParaRPr kumimoji="1" lang="ja-JP" altLang="en-US"/>
           </a:p>
@@ -3211,7 +3211,7 @@
           <a:p>
             <a:fld id="{D6C33A7A-5ABB-BC4F-84D2-CC4D1B9660F6}" type="datetimeFigureOut">
               <a:rPr lang="ja-JP" altLang="en-US"/>
-              <a:t>2023/11/17</a:t>
+              <a:t>2023/11/30</a:t>
             </a:fld>
             <a:endParaRPr kumimoji="1" lang="ja-JP" altLang="en-US"/>
           </a:p>
@@ -12466,7 +12466,7 @@
         <p:spPr>
           <a:xfrm>
             <a:off x="7610153" y="1271757"/>
-            <a:ext cx="4185746" cy="4025460"/>
+            <a:ext cx="4185746" cy="4771691"/>
           </a:xfrm>
           <a:prstGeom prst="rect">
             <a:avLst/>
@@ -12477,7 +12477,12 @@
             </a:srgbClr>
           </a:solidFill>
           <a:ln>
-            <a:noFill/>
+            <a:solidFill>
+              <a:schemeClr val="accent2">
+                <a:lumMod val="60000"/>
+                <a:lumOff val="40000"/>
+              </a:schemeClr>
+            </a:solidFill>
           </a:ln>
         </p:spPr>
         <p:style>
@@ -12535,7 +12540,12 @@
             </a:srgbClr>
           </a:solidFill>
           <a:ln>
-            <a:noFill/>
+            <a:solidFill>
+              <a:schemeClr val="accent5">
+                <a:lumMod val="60000"/>
+                <a:lumOff val="40000"/>
+              </a:schemeClr>
+            </a:solidFill>
           </a:ln>
         </p:spPr>
         <p:style>
@@ -12994,8 +13004,8 @@
         </p:nvSpPr>
         <p:spPr>
           <a:xfrm>
-            <a:off x="6934873" y="1982386"/>
-            <a:ext cx="998481" cy="369332"/>
+            <a:off x="6872778" y="2002213"/>
+            <a:ext cx="1074688" cy="369332"/>
           </a:xfrm>
           <a:prstGeom prst="rect">
             <a:avLst/>
@@ -13011,7 +13021,7 @@
             <a:pPr algn="ctr"/>
             <a:r>
               <a:rPr kumimoji="1" lang="en-US" altLang="ja-JP"/>
-              <a:t>MIDI</a:t>
+              <a:t>MIDIlike</a:t>
             </a:r>
             <a:endParaRPr kumimoji="1" lang="ja-JP" altLang="en-US"/>
           </a:p>
@@ -13320,8 +13330,8 @@
         </p:nvCxnSpPr>
         <p:spPr>
           <a:xfrm flipV="1">
-            <a:off x="5465380" y="2674883"/>
-            <a:ext cx="575446" cy="495879"/>
+            <a:off x="5508404" y="2674883"/>
+            <a:ext cx="532422" cy="335425"/>
           </a:xfrm>
           <a:prstGeom prst="straightConnector1">
             <a:avLst/>
@@ -13363,7 +13373,7 @@
         </p:nvSpPr>
         <p:spPr>
           <a:xfrm>
-            <a:off x="4471496" y="3170762"/>
+            <a:off x="4137136" y="2855151"/>
             <a:ext cx="1404450" cy="369332"/>
           </a:xfrm>
           <a:prstGeom prst="rect">
@@ -13400,7 +13410,7 @@
         </p:nvSpPr>
         <p:spPr>
           <a:xfrm>
-            <a:off x="2442999" y="3170762"/>
+            <a:off x="2411800" y="2853652"/>
             <a:ext cx="1246132" cy="369332"/>
           </a:xfrm>
           <a:prstGeom prst="rect">
@@ -13434,14 +13444,15 @@
           </p:cNvPr>
           <p:cNvCxnSpPr>
             <a:cxnSpLocks/>
+            <a:stCxn id="37" idx="3"/>
             <a:endCxn id="36" idx="1"/>
           </p:cNvCxnSpPr>
           <p:nvPr/>
         </p:nvCxnSpPr>
         <p:spPr>
           <a:xfrm>
-            <a:off x="3628370" y="3350200"/>
-            <a:ext cx="843126" cy="5228"/>
+            <a:off x="3657932" y="3038318"/>
+            <a:ext cx="479204" cy="1499"/>
           </a:xfrm>
           <a:prstGeom prst="straightConnector1">
             <a:avLst/>
@@ -13514,43 +13525,6 @@
           </a:fontRef>
         </p:style>
       </p:cxnSp>
-      <p:sp>
-        <p:nvSpPr>
-          <p:cNvPr id="43" name="テキスト ボックス 42">
-            <a:extLst>
-              <a:ext uri="{FF2B5EF4-FFF2-40B4-BE49-F238E27FC236}">
-                <a16:creationId xmlns:a16="http://schemas.microsoft.com/office/drawing/2014/main" id="{153F2787-E50C-4FEB-9949-3EF8B4862F0A}"/>
-              </a:ext>
-            </a:extLst>
-          </p:cNvPr>
-          <p:cNvSpPr txBox="1"/>
-          <p:nvPr/>
-        </p:nvSpPr>
-        <p:spPr>
-          <a:xfrm>
-            <a:off x="9743768" y="1972151"/>
-            <a:ext cx="998481" cy="369332"/>
-          </a:xfrm>
-          <a:prstGeom prst="rect">
-            <a:avLst/>
-          </a:prstGeom>
-          <a:noFill/>
-        </p:spPr>
-        <p:txBody>
-          <a:bodyPr wrap="square" rtlCol="0">
-            <a:spAutoFit/>
-          </a:bodyPr>
-          <a:lstStyle/>
-          <a:p>
-            <a:pPr algn="ctr"/>
-            <a:r>
-              <a:rPr kumimoji="1" lang="en-US" altLang="ja-JP"/>
-              <a:t>MIDI</a:t>
-            </a:r>
-            <a:endParaRPr kumimoji="1" lang="ja-JP" altLang="en-US"/>
-          </a:p>
-        </p:txBody>
-      </p:sp>
       <p:cxnSp>
         <p:nvCxnSpPr>
           <p:cNvPr id="44" name="直線矢印コネクタ 43">
@@ -13562,13 +13536,14 @@
           </p:cNvPr>
           <p:cNvCxnSpPr>
             <a:cxnSpLocks/>
+            <a:endCxn id="46" idx="1"/>
           </p:cNvCxnSpPr>
           <p:nvPr/>
         </p:nvCxnSpPr>
         <p:spPr>
           <a:xfrm>
             <a:off x="9716824" y="2351717"/>
-            <a:ext cx="1074688" cy="0"/>
+            <a:ext cx="991416" cy="0"/>
           </a:xfrm>
           <a:prstGeom prst="straightConnector1">
             <a:avLst/>
@@ -13610,8 +13585,8 @@
         </p:nvSpPr>
         <p:spPr>
           <a:xfrm>
-            <a:off x="10769193" y="2028552"/>
-            <a:ext cx="903212" cy="646331"/>
+            <a:off x="10708240" y="2028551"/>
+            <a:ext cx="784494" cy="646331"/>
           </a:xfrm>
           <a:prstGeom prst="rect">
             <a:avLst/>
@@ -13665,8 +13640,8 @@
         </p:nvCxnSpPr>
         <p:spPr>
           <a:xfrm flipV="1">
-            <a:off x="10645353" y="2685117"/>
-            <a:ext cx="575446" cy="495879"/>
+            <a:off x="9427458" y="2680110"/>
+            <a:ext cx="1191464" cy="790974"/>
           </a:xfrm>
           <a:prstGeom prst="straightConnector1">
             <a:avLst/>
@@ -13708,7 +13683,7 @@
         </p:nvSpPr>
         <p:spPr>
           <a:xfrm>
-            <a:off x="9528626" y="3166295"/>
+            <a:off x="8177878" y="3342148"/>
             <a:ext cx="1404450" cy="369332"/>
           </a:xfrm>
           <a:prstGeom prst="rect">
@@ -13745,7 +13720,7 @@
         </p:nvSpPr>
         <p:spPr>
           <a:xfrm>
-            <a:off x="8022682" y="3170762"/>
+            <a:off x="2421818" y="3357700"/>
             <a:ext cx="1246132" cy="369332"/>
           </a:xfrm>
           <a:prstGeom prst="rect">
@@ -13779,13 +13754,14 @@
           </p:cNvPr>
           <p:cNvCxnSpPr>
             <a:cxnSpLocks/>
+            <a:stCxn id="49" idx="3"/>
           </p:cNvCxnSpPr>
           <p:nvPr/>
         </p:nvCxnSpPr>
         <p:spPr>
-          <a:xfrm>
-            <a:off x="9107898" y="3350200"/>
-            <a:ext cx="608926" cy="0"/>
+          <a:xfrm flipV="1">
+            <a:off x="3667950" y="3533183"/>
+            <a:ext cx="4733762" cy="9183"/>
           </a:xfrm>
           <a:prstGeom prst="straightConnector1">
             <a:avLst/>
@@ -13827,7 +13803,7 @@
         </p:nvSpPr>
         <p:spPr>
           <a:xfrm>
-            <a:off x="7047523" y="3743291"/>
+            <a:off x="6837315" y="3900885"/>
             <a:ext cx="1455013" cy="369332"/>
           </a:xfrm>
           <a:prstGeom prst="rect">
@@ -13949,14 +13925,14 @@
           </p:cNvPr>
           <p:cNvCxnSpPr>
             <a:cxnSpLocks/>
-            <a:endCxn id="36" idx="3"/>
+            <a:stCxn id="49" idx="3"/>
           </p:cNvCxnSpPr>
           <p:nvPr/>
         </p:nvCxnSpPr>
         <p:spPr>
-          <a:xfrm flipH="1">
-            <a:off x="5875946" y="3355428"/>
-            <a:ext cx="2290592" cy="0"/>
+          <a:xfrm flipV="1">
+            <a:off x="3667950" y="3222668"/>
+            <a:ext cx="479204" cy="319698"/>
           </a:xfrm>
           <a:prstGeom prst="straightConnector1">
             <a:avLst/>
@@ -13984,6 +13960,474 @@
           </a:fontRef>
         </p:style>
       </p:cxnSp>
+      <p:sp>
+        <p:nvSpPr>
+          <p:cNvPr id="31" name="テキスト ボックス 30">
+            <a:extLst>
+              <a:ext uri="{FF2B5EF4-FFF2-40B4-BE49-F238E27FC236}">
+                <a16:creationId xmlns:a16="http://schemas.microsoft.com/office/drawing/2014/main" id="{022691CB-4B86-E3B9-99F7-C58DAE03A75F}"/>
+              </a:ext>
+            </a:extLst>
+          </p:cNvPr>
+          <p:cNvSpPr txBox="1"/>
+          <p:nvPr/>
+        </p:nvSpPr>
+        <p:spPr>
+          <a:xfrm>
+            <a:off x="2923522" y="3163307"/>
+            <a:ext cx="1103251" cy="307777"/>
+          </a:xfrm>
+          <a:prstGeom prst="rect">
+            <a:avLst/>
+          </a:prstGeom>
+          <a:noFill/>
+        </p:spPr>
+        <p:txBody>
+          <a:bodyPr wrap="square" rtlCol="0">
+            <a:spAutoFit/>
+          </a:bodyPr>
+          <a:lstStyle/>
+          <a:p>
+            <a:r>
+              <a:rPr kumimoji="1" lang="en-US" altLang="ja-JP" sz="1400"/>
+              <a:t>(octave</a:t>
+            </a:r>
+            <a:r>
+              <a:rPr kumimoji="1" lang="ja-JP" altLang="en-US" sz="1400"/>
+              <a:t>分</a:t>
+            </a:r>
+            <a:r>
+              <a:rPr kumimoji="1" lang="en-US" altLang="ja-JP" sz="1400"/>
+              <a:t>)</a:t>
+            </a:r>
+            <a:endParaRPr kumimoji="1" lang="ja-JP" altLang="en-US" sz="1400"/>
+          </a:p>
+        </p:txBody>
+      </p:sp>
+      <p:sp>
+        <p:nvSpPr>
+          <p:cNvPr id="32" name="テキスト ボックス 31">
+            <a:extLst>
+              <a:ext uri="{FF2B5EF4-FFF2-40B4-BE49-F238E27FC236}">
+                <a16:creationId xmlns:a16="http://schemas.microsoft.com/office/drawing/2014/main" id="{BD31F076-D81C-2335-3615-31156B15A284}"/>
+              </a:ext>
+            </a:extLst>
+          </p:cNvPr>
+          <p:cNvSpPr txBox="1"/>
+          <p:nvPr/>
+        </p:nvSpPr>
+        <p:spPr>
+          <a:xfrm>
+            <a:off x="3876846" y="3520351"/>
+            <a:ext cx="814549" cy="307777"/>
+          </a:xfrm>
+          <a:prstGeom prst="rect">
+            <a:avLst/>
+          </a:prstGeom>
+          <a:noFill/>
+        </p:spPr>
+        <p:txBody>
+          <a:bodyPr wrap="square" rtlCol="0">
+            <a:spAutoFit/>
+          </a:bodyPr>
+          <a:lstStyle/>
+          <a:p>
+            <a:r>
+              <a:rPr kumimoji="1" lang="en-US" altLang="ja-JP" sz="1400"/>
+              <a:t>(0-11)</a:t>
+            </a:r>
+            <a:endParaRPr kumimoji="1" lang="ja-JP" altLang="en-US" sz="1400"/>
+          </a:p>
+        </p:txBody>
+      </p:sp>
+      <p:sp>
+        <p:nvSpPr>
+          <p:cNvPr id="40" name="正方形/長方形 39">
+            <a:extLst>
+              <a:ext uri="{FF2B5EF4-FFF2-40B4-BE49-F238E27FC236}">
+                <a16:creationId xmlns:a16="http://schemas.microsoft.com/office/drawing/2014/main" id="{116E4D8B-4811-48D6-EFA0-B9241EE84774}"/>
+              </a:ext>
+            </a:extLst>
+          </p:cNvPr>
+          <p:cNvSpPr/>
+          <p:nvPr/>
+        </p:nvSpPr>
+        <p:spPr>
+          <a:xfrm>
+            <a:off x="8314186" y="4034645"/>
+            <a:ext cx="1734207" cy="646331"/>
+          </a:xfrm>
+          <a:prstGeom prst="rect">
+            <a:avLst/>
+          </a:prstGeom>
+          <a:ln>
+            <a:solidFill>
+              <a:schemeClr val="tx1"/>
+            </a:solidFill>
+          </a:ln>
+        </p:spPr>
+        <p:style>
+          <a:lnRef idx="2">
+            <a:schemeClr val="accent6"/>
+          </a:lnRef>
+          <a:fillRef idx="1">
+            <a:schemeClr val="lt1"/>
+          </a:fillRef>
+          <a:effectRef idx="0">
+            <a:schemeClr val="accent6"/>
+          </a:effectRef>
+          <a:fontRef idx="minor">
+            <a:schemeClr val="dk1"/>
+          </a:fontRef>
+        </p:style>
+        <p:txBody>
+          <a:bodyPr rtlCol="0" anchor="ctr"/>
+          <a:lstStyle/>
+          <a:p>
+            <a:pPr algn="ctr"/>
+            <a:r>
+              <a:rPr lang="en-US" altLang="ja-JP"/>
+              <a:t>Flow Convert</a:t>
+            </a:r>
+            <a:endParaRPr kumimoji="1" lang="ja-JP" altLang="en-US"/>
+          </a:p>
+        </p:txBody>
+      </p:sp>
+      <p:cxnSp>
+        <p:nvCxnSpPr>
+          <p:cNvPr id="57" name="直線矢印コネクタ 56">
+            <a:extLst>
+              <a:ext uri="{FF2B5EF4-FFF2-40B4-BE49-F238E27FC236}">
+                <a16:creationId xmlns:a16="http://schemas.microsoft.com/office/drawing/2014/main" id="{AA905770-8A9E-3C14-F86E-988317C25870}"/>
+              </a:ext>
+            </a:extLst>
+          </p:cNvPr>
+          <p:cNvCxnSpPr>
+            <a:cxnSpLocks/>
+            <a:stCxn id="18" idx="3"/>
+            <a:endCxn id="40" idx="1"/>
+          </p:cNvCxnSpPr>
+          <p:nvPr/>
+        </p:nvCxnSpPr>
+        <p:spPr>
+          <a:xfrm flipV="1">
+            <a:off x="6907928" y="4357811"/>
+            <a:ext cx="1406258" cy="1383"/>
+          </a:xfrm>
+          <a:prstGeom prst="straightConnector1">
+            <a:avLst/>
+          </a:prstGeom>
+          <a:ln w="19050">
+            <a:solidFill>
+              <a:schemeClr val="tx1"/>
+            </a:solidFill>
+            <a:headEnd type="none" w="med" len="med"/>
+            <a:tailEnd type="arrow" w="med" len="med"/>
+          </a:ln>
+        </p:spPr>
+        <p:style>
+          <a:lnRef idx="1">
+            <a:schemeClr val="accent1"/>
+          </a:lnRef>
+          <a:fillRef idx="0">
+            <a:schemeClr val="accent1"/>
+          </a:fillRef>
+          <a:effectRef idx="0">
+            <a:schemeClr val="accent1"/>
+          </a:effectRef>
+          <a:fontRef idx="minor">
+            <a:schemeClr val="tx1"/>
+          </a:fontRef>
+        </p:style>
+      </p:cxnSp>
+      <p:cxnSp>
+        <p:nvCxnSpPr>
+          <p:cNvPr id="60" name="直線矢印コネクタ 59">
+            <a:extLst>
+              <a:ext uri="{FF2B5EF4-FFF2-40B4-BE49-F238E27FC236}">
+                <a16:creationId xmlns:a16="http://schemas.microsoft.com/office/drawing/2014/main" id="{2941E8F9-A151-F5FA-9003-077BF6AE2E6F}"/>
+              </a:ext>
+            </a:extLst>
+          </p:cNvPr>
+          <p:cNvCxnSpPr>
+            <a:cxnSpLocks/>
+          </p:cNvCxnSpPr>
+          <p:nvPr/>
+        </p:nvCxnSpPr>
+        <p:spPr>
+          <a:xfrm flipV="1">
+            <a:off x="7315765" y="4683659"/>
+            <a:ext cx="1910865" cy="1052012"/>
+          </a:xfrm>
+          <a:prstGeom prst="straightConnector1">
+            <a:avLst/>
+          </a:prstGeom>
+          <a:ln w="19050">
+            <a:solidFill>
+              <a:schemeClr val="tx1"/>
+            </a:solidFill>
+            <a:headEnd type="none" w="med" len="med"/>
+            <a:tailEnd type="arrow" w="med" len="med"/>
+          </a:ln>
+        </p:spPr>
+        <p:style>
+          <a:lnRef idx="1">
+            <a:schemeClr val="accent1"/>
+          </a:lnRef>
+          <a:fillRef idx="0">
+            <a:schemeClr val="accent1"/>
+          </a:fillRef>
+          <a:effectRef idx="0">
+            <a:schemeClr val="accent1"/>
+          </a:effectRef>
+          <a:fontRef idx="minor">
+            <a:schemeClr val="tx1"/>
+          </a:fontRef>
+        </p:style>
+      </p:cxnSp>
+      <p:cxnSp>
+        <p:nvCxnSpPr>
+          <p:cNvPr id="62" name="直線矢印コネクタ 61">
+            <a:extLst>
+              <a:ext uri="{FF2B5EF4-FFF2-40B4-BE49-F238E27FC236}">
+                <a16:creationId xmlns:a16="http://schemas.microsoft.com/office/drawing/2014/main" id="{C3B6D893-C3D1-56AD-2643-A15A3C1DA608}"/>
+              </a:ext>
+            </a:extLst>
+          </p:cNvPr>
+          <p:cNvCxnSpPr>
+            <a:cxnSpLocks/>
+          </p:cNvCxnSpPr>
+          <p:nvPr/>
+        </p:nvCxnSpPr>
+        <p:spPr>
+          <a:xfrm>
+            <a:off x="10042197" y="4366737"/>
+            <a:ext cx="1986749" cy="0"/>
+          </a:xfrm>
+          <a:prstGeom prst="straightConnector1">
+            <a:avLst/>
+          </a:prstGeom>
+          <a:ln w="19050">
+            <a:solidFill>
+              <a:schemeClr val="tx1"/>
+            </a:solidFill>
+            <a:headEnd type="none" w="med" len="med"/>
+            <a:tailEnd type="arrow" w="med" len="med"/>
+          </a:ln>
+        </p:spPr>
+        <p:style>
+          <a:lnRef idx="1">
+            <a:schemeClr val="accent1"/>
+          </a:lnRef>
+          <a:fillRef idx="0">
+            <a:schemeClr val="accent1"/>
+          </a:fillRef>
+          <a:effectRef idx="0">
+            <a:schemeClr val="accent1"/>
+          </a:effectRef>
+          <a:fontRef idx="minor">
+            <a:schemeClr val="tx1"/>
+          </a:fontRef>
+        </p:style>
+      </p:cxnSp>
+      <p:cxnSp>
+        <p:nvCxnSpPr>
+          <p:cNvPr id="64" name="直線矢印コネクタ 63">
+            <a:extLst>
+              <a:ext uri="{FF2B5EF4-FFF2-40B4-BE49-F238E27FC236}">
+                <a16:creationId xmlns:a16="http://schemas.microsoft.com/office/drawing/2014/main" id="{E2B4AD4C-B1C3-1B10-958E-B2C388FF8608}"/>
+              </a:ext>
+            </a:extLst>
+          </p:cNvPr>
+          <p:cNvCxnSpPr>
+            <a:cxnSpLocks/>
+          </p:cNvCxnSpPr>
+          <p:nvPr/>
+        </p:nvCxnSpPr>
+        <p:spPr>
+          <a:xfrm>
+            <a:off x="11672405" y="2351717"/>
+            <a:ext cx="356541" cy="0"/>
+          </a:xfrm>
+          <a:prstGeom prst="straightConnector1">
+            <a:avLst/>
+          </a:prstGeom>
+          <a:ln w="19050">
+            <a:solidFill>
+              <a:schemeClr val="tx1"/>
+            </a:solidFill>
+            <a:headEnd type="none" w="med" len="med"/>
+            <a:tailEnd type="arrow" w="med" len="med"/>
+          </a:ln>
+        </p:spPr>
+        <p:style>
+          <a:lnRef idx="1">
+            <a:schemeClr val="accent1"/>
+          </a:lnRef>
+          <a:fillRef idx="0">
+            <a:schemeClr val="accent1"/>
+          </a:fillRef>
+          <a:effectRef idx="0">
+            <a:schemeClr val="accent1"/>
+          </a:effectRef>
+          <a:fontRef idx="minor">
+            <a:schemeClr val="tx1"/>
+          </a:fontRef>
+        </p:style>
+      </p:cxnSp>
+      <p:cxnSp>
+        <p:nvCxnSpPr>
+          <p:cNvPr id="73" name="直線矢印コネクタ 72">
+            <a:extLst>
+              <a:ext uri="{FF2B5EF4-FFF2-40B4-BE49-F238E27FC236}">
+                <a16:creationId xmlns:a16="http://schemas.microsoft.com/office/drawing/2014/main" id="{224A41C0-D70C-EFA5-084C-EBFB6D003F16}"/>
+              </a:ext>
+            </a:extLst>
+          </p:cNvPr>
+          <p:cNvCxnSpPr>
+            <a:cxnSpLocks/>
+          </p:cNvCxnSpPr>
+          <p:nvPr/>
+        </p:nvCxnSpPr>
+        <p:spPr>
+          <a:xfrm>
+            <a:off x="9268814" y="3669073"/>
+            <a:ext cx="313514" cy="361672"/>
+          </a:xfrm>
+          <a:prstGeom prst="straightConnector1">
+            <a:avLst/>
+          </a:prstGeom>
+          <a:ln w="19050">
+            <a:solidFill>
+              <a:schemeClr val="tx1"/>
+            </a:solidFill>
+            <a:headEnd type="none" w="med" len="med"/>
+            <a:tailEnd type="arrow" w="med" len="med"/>
+          </a:ln>
+        </p:spPr>
+        <p:style>
+          <a:lnRef idx="1">
+            <a:schemeClr val="accent1"/>
+          </a:lnRef>
+          <a:fillRef idx="0">
+            <a:schemeClr val="accent1"/>
+          </a:fillRef>
+          <a:effectRef idx="0">
+            <a:schemeClr val="accent1"/>
+          </a:effectRef>
+          <a:fontRef idx="minor">
+            <a:schemeClr val="tx1"/>
+          </a:fontRef>
+        </p:style>
+      </p:cxnSp>
+      <p:sp>
+        <p:nvSpPr>
+          <p:cNvPr id="76" name="テキスト ボックス 75">
+            <a:extLst>
+              <a:ext uri="{FF2B5EF4-FFF2-40B4-BE49-F238E27FC236}">
+                <a16:creationId xmlns:a16="http://schemas.microsoft.com/office/drawing/2014/main" id="{96AB077B-B5EC-F32F-DFDD-C8ED5B59778A}"/>
+              </a:ext>
+            </a:extLst>
+          </p:cNvPr>
+          <p:cNvSpPr txBox="1"/>
+          <p:nvPr/>
+        </p:nvSpPr>
+        <p:spPr>
+          <a:xfrm>
+            <a:off x="7861564" y="5365442"/>
+            <a:ext cx="2283372" cy="307777"/>
+          </a:xfrm>
+          <a:prstGeom prst="rect">
+            <a:avLst/>
+          </a:prstGeom>
+          <a:noFill/>
+        </p:spPr>
+        <p:txBody>
+          <a:bodyPr wrap="square" rtlCol="0">
+            <a:spAutoFit/>
+          </a:bodyPr>
+          <a:lstStyle/>
+          <a:p>
+            <a:r>
+              <a:rPr kumimoji="1" lang="en-US" altLang="ja-JP" sz="1400"/>
+              <a:t>(0-95): location touched</a:t>
+            </a:r>
+            <a:endParaRPr kumimoji="1" lang="ja-JP" altLang="en-US" sz="1400"/>
+          </a:p>
+        </p:txBody>
+      </p:sp>
+      <p:sp>
+        <p:nvSpPr>
+          <p:cNvPr id="78" name="テキスト ボックス 77">
+            <a:extLst>
+              <a:ext uri="{FF2B5EF4-FFF2-40B4-BE49-F238E27FC236}">
+                <a16:creationId xmlns:a16="http://schemas.microsoft.com/office/drawing/2014/main" id="{53ECEE46-1FA9-E1C1-CA0C-5374D4430DAA}"/>
+              </a:ext>
+            </a:extLst>
+          </p:cNvPr>
+          <p:cNvSpPr txBox="1"/>
+          <p:nvPr/>
+        </p:nvSpPr>
+        <p:spPr>
+          <a:xfrm>
+            <a:off x="6045341" y="5563701"/>
+            <a:ext cx="1408386" cy="369332"/>
+          </a:xfrm>
+          <a:prstGeom prst="rect">
+            <a:avLst/>
+          </a:prstGeom>
+          <a:noFill/>
+        </p:spPr>
+        <p:txBody>
+          <a:bodyPr wrap="square" rtlCol="0">
+            <a:spAutoFit/>
+          </a:bodyPr>
+          <a:lstStyle/>
+          <a:p>
+            <a:r>
+              <a:rPr kumimoji="1" lang="en-US" altLang="ja-JP"/>
+              <a:t>MIDI Flow</a:t>
+            </a:r>
+          </a:p>
+        </p:txBody>
+      </p:sp>
+      <p:sp>
+        <p:nvSpPr>
+          <p:cNvPr id="80" name="テキスト ボックス 79">
+            <a:extLst>
+              <a:ext uri="{FF2B5EF4-FFF2-40B4-BE49-F238E27FC236}">
+                <a16:creationId xmlns:a16="http://schemas.microsoft.com/office/drawing/2014/main" id="{06C27C11-7DF4-86FD-CCD4-9FBDF1227EA0}"/>
+              </a:ext>
+            </a:extLst>
+          </p:cNvPr>
+          <p:cNvSpPr txBox="1"/>
+          <p:nvPr/>
+        </p:nvSpPr>
+        <p:spPr>
+          <a:xfrm>
+            <a:off x="9636999" y="2023234"/>
+            <a:ext cx="1074688" cy="369332"/>
+          </a:xfrm>
+          <a:prstGeom prst="rect">
+            <a:avLst/>
+          </a:prstGeom>
+          <a:noFill/>
+        </p:spPr>
+        <p:txBody>
+          <a:bodyPr wrap="square" rtlCol="0">
+            <a:spAutoFit/>
+          </a:bodyPr>
+          <a:lstStyle/>
+          <a:p>
+            <a:pPr algn="ctr"/>
+            <a:r>
+              <a:rPr kumimoji="1" lang="en-US" altLang="ja-JP"/>
+              <a:t>MIDIlike</a:t>
+            </a:r>
+            <a:endParaRPr kumimoji="1" lang="ja-JP" altLang="en-US"/>
+          </a:p>
+        </p:txBody>
+      </p:sp>
     </p:spTree>
     <p:extLst>
       <p:ext uri="{BB962C8B-B14F-4D97-AF65-F5344CB8AC3E}">

--- a/doc/design.pptx
+++ b/doc/design.pptx
@@ -273,7 +273,7 @@
           <a:p>
             <a:fld id="{D6C33A7A-5ABB-BC4F-84D2-CC4D1B9660F6}" type="datetimeFigureOut">
               <a:rPr lang="ja-JP" altLang="en-US"/>
-              <a:t>2023/11/30</a:t>
+              <a:t>2024/1/13</a:t>
             </a:fld>
             <a:endParaRPr kumimoji="1" lang="ja-JP" altLang="en-US"/>
           </a:p>
@@ -503,7 +503,7 @@
           <a:p>
             <a:fld id="{D6C33A7A-5ABB-BC4F-84D2-CC4D1B9660F6}" type="datetimeFigureOut">
               <a:rPr lang="ja-JP" altLang="en-US"/>
-              <a:t>2023/11/30</a:t>
+              <a:t>2024/1/13</a:t>
             </a:fld>
             <a:endParaRPr kumimoji="1" lang="ja-JP" altLang="en-US"/>
           </a:p>
@@ -743,7 +743,7 @@
           <a:p>
             <a:fld id="{D6C33A7A-5ABB-BC4F-84D2-CC4D1B9660F6}" type="datetimeFigureOut">
               <a:rPr lang="ja-JP" altLang="en-US"/>
-              <a:t>2023/11/30</a:t>
+              <a:t>2024/1/13</a:t>
             </a:fld>
             <a:endParaRPr kumimoji="1" lang="ja-JP" altLang="en-US"/>
           </a:p>
@@ -973,7 +973,7 @@
           <a:p>
             <a:fld id="{D6C33A7A-5ABB-BC4F-84D2-CC4D1B9660F6}" type="datetimeFigureOut">
               <a:rPr lang="ja-JP" altLang="en-US"/>
-              <a:t>2023/11/30</a:t>
+              <a:t>2024/1/13</a:t>
             </a:fld>
             <a:endParaRPr kumimoji="1" lang="ja-JP" altLang="en-US"/>
           </a:p>
@@ -1248,7 +1248,7 @@
           <a:p>
             <a:fld id="{D6C33A7A-5ABB-BC4F-84D2-CC4D1B9660F6}" type="datetimeFigureOut">
               <a:rPr lang="ja-JP" altLang="en-US"/>
-              <a:t>2023/11/30</a:t>
+              <a:t>2024/1/13</a:t>
             </a:fld>
             <a:endParaRPr kumimoji="1" lang="ja-JP" altLang="en-US"/>
           </a:p>
@@ -1577,7 +1577,7 @@
           <a:p>
             <a:fld id="{D6C33A7A-5ABB-BC4F-84D2-CC4D1B9660F6}" type="datetimeFigureOut">
               <a:rPr lang="ja-JP" altLang="en-US"/>
-              <a:t>2023/11/30</a:t>
+              <a:t>2024/1/13</a:t>
             </a:fld>
             <a:endParaRPr kumimoji="1" lang="ja-JP" altLang="en-US"/>
           </a:p>
@@ -2053,7 +2053,7 @@
           <a:p>
             <a:fld id="{D6C33A7A-5ABB-BC4F-84D2-CC4D1B9660F6}" type="datetimeFigureOut">
               <a:rPr lang="ja-JP" altLang="en-US"/>
-              <a:t>2023/11/30</a:t>
+              <a:t>2024/1/13</a:t>
             </a:fld>
             <a:endParaRPr kumimoji="1" lang="ja-JP" altLang="en-US"/>
           </a:p>
@@ -2194,7 +2194,7 @@
           <a:p>
             <a:fld id="{D6C33A7A-5ABB-BC4F-84D2-CC4D1B9660F6}" type="datetimeFigureOut">
               <a:rPr lang="ja-JP" altLang="en-US"/>
-              <a:t>2023/11/30</a:t>
+              <a:t>2024/1/13</a:t>
             </a:fld>
             <a:endParaRPr kumimoji="1" lang="ja-JP" altLang="en-US"/>
           </a:p>
@@ -2307,7 +2307,7 @@
           <a:p>
             <a:fld id="{D6C33A7A-5ABB-BC4F-84D2-CC4D1B9660F6}" type="datetimeFigureOut">
               <a:rPr lang="ja-JP" altLang="en-US"/>
-              <a:t>2023/11/30</a:t>
+              <a:t>2024/1/13</a:t>
             </a:fld>
             <a:endParaRPr kumimoji="1" lang="ja-JP" altLang="en-US"/>
           </a:p>
@@ -2650,7 +2650,7 @@
           <a:p>
             <a:fld id="{D6C33A7A-5ABB-BC4F-84D2-CC4D1B9660F6}" type="datetimeFigureOut">
               <a:rPr lang="ja-JP" altLang="en-US"/>
-              <a:t>2023/11/30</a:t>
+              <a:t>2024/1/13</a:t>
             </a:fld>
             <a:endParaRPr kumimoji="1" lang="ja-JP" altLang="en-US"/>
           </a:p>
@@ -2938,7 +2938,7 @@
           <a:p>
             <a:fld id="{D6C33A7A-5ABB-BC4F-84D2-CC4D1B9660F6}" type="datetimeFigureOut">
               <a:rPr lang="ja-JP" altLang="en-US"/>
-              <a:t>2023/11/30</a:t>
+              <a:t>2024/1/13</a:t>
             </a:fld>
             <a:endParaRPr kumimoji="1" lang="ja-JP" altLang="en-US"/>
           </a:p>
@@ -3211,7 +3211,7 @@
           <a:p>
             <a:fld id="{D6C33A7A-5ABB-BC4F-84D2-CC4D1B9660F6}" type="datetimeFigureOut">
               <a:rPr lang="ja-JP" altLang="en-US"/>
-              <a:t>2023/11/30</a:t>
+              <a:t>2024/1/13</a:t>
             </a:fld>
             <a:endParaRPr kumimoji="1" lang="ja-JP" altLang="en-US"/>
           </a:p>
@@ -16503,15 +16503,15 @@
             </a:r>
             <a:r>
               <a:rPr kumimoji="1" lang="en-US" altLang="ja-JP" dirty="0"/>
-              <a:t>: Tempo</a:t>
+              <a:t>: Tick</a:t>
             </a:r>
             <a:r>
               <a:rPr kumimoji="1" lang="ja-JP" altLang="en-US"/>
-              <a:t>の１秒あたりの変化量を</a:t>
+              <a:t>の１秒あたりの変化量。</a:t>
             </a:r>
             <a:r>
               <a:rPr kumimoji="1" lang="en-US" altLang="ja-JP" dirty="0" err="1"/>
-              <a:t>TickPerSec(bpm</a:t>
+              <a:t>bpm</a:t>
             </a:r>
             <a:r>
               <a:rPr kumimoji="1" lang="ja-JP" altLang="en-US" dirty="0" err="1"/>
@@ -16523,15 +16523,11 @@
             </a:r>
             <a:r>
               <a:rPr kumimoji="1" lang="ja-JP" altLang="en-US" dirty="0" err="1"/>
-              <a:t>をかける</a:t>
-            </a:r>
-            <a:r>
-              <a:rPr kumimoji="1" lang="en-US" altLang="ja-JP" dirty="0" err="1"/>
-              <a:t>)</a:t>
+              <a:t>をかけ</a:t>
             </a:r>
             <a:r>
               <a:rPr kumimoji="1" lang="ja-JP" altLang="en-US"/>
-              <a:t>にしたもの</a:t>
+              <a:t>たもの</a:t>
             </a:r>
             <a:endParaRPr kumimoji="1" lang="en-US" altLang="ja-JP" dirty="0"/>
           </a:p>
@@ -16670,7 +16666,7 @@
             </a:r>
             <a:r>
               <a:rPr lang="ja-JP" altLang="en-US"/>
-              <a:t>が小節頭を超えたとき、</a:t>
+              <a:t>が目標の小節頭を超えたとき、</a:t>
             </a:r>
             <a:r>
               <a:rPr lang="en-US" altLang="ja-JP"/>

--- a/doc/design.pptx
+++ b/doc/design.pptx
@@ -20,6 +20,11 @@
     <p:sldId id="272" r:id="rId14"/>
     <p:sldId id="266" r:id="rId15"/>
     <p:sldId id="269" r:id="rId16"/>
+    <p:sldId id="273" r:id="rId17"/>
+    <p:sldId id="277" r:id="rId18"/>
+    <p:sldId id="276" r:id="rId19"/>
+    <p:sldId id="274" r:id="rId20"/>
+    <p:sldId id="275" r:id="rId21"/>
   </p:sldIdLst>
   <p:sldSz cx="12192000" cy="6858000"/>
   <p:notesSz cx="6858000" cy="9144000"/>
@@ -273,7 +278,7 @@
           <a:p>
             <a:fld id="{D6C33A7A-5ABB-BC4F-84D2-CC4D1B9660F6}" type="datetimeFigureOut">
               <a:rPr lang="ja-JP" altLang="en-US"/>
-              <a:t>2024/1/13</a:t>
+              <a:t>2024/1/20</a:t>
             </a:fld>
             <a:endParaRPr kumimoji="1" lang="ja-JP" altLang="en-US"/>
           </a:p>
@@ -503,7 +508,7 @@
           <a:p>
             <a:fld id="{D6C33A7A-5ABB-BC4F-84D2-CC4D1B9660F6}" type="datetimeFigureOut">
               <a:rPr lang="ja-JP" altLang="en-US"/>
-              <a:t>2024/1/13</a:t>
+              <a:t>2024/1/20</a:t>
             </a:fld>
             <a:endParaRPr kumimoji="1" lang="ja-JP" altLang="en-US"/>
           </a:p>
@@ -743,7 +748,7 @@
           <a:p>
             <a:fld id="{D6C33A7A-5ABB-BC4F-84D2-CC4D1B9660F6}" type="datetimeFigureOut">
               <a:rPr lang="ja-JP" altLang="en-US"/>
-              <a:t>2024/1/13</a:t>
+              <a:t>2024/1/20</a:t>
             </a:fld>
             <a:endParaRPr kumimoji="1" lang="ja-JP" altLang="en-US"/>
           </a:p>
@@ -973,7 +978,7 @@
           <a:p>
             <a:fld id="{D6C33A7A-5ABB-BC4F-84D2-CC4D1B9660F6}" type="datetimeFigureOut">
               <a:rPr lang="ja-JP" altLang="en-US"/>
-              <a:t>2024/1/13</a:t>
+              <a:t>2024/1/20</a:t>
             </a:fld>
             <a:endParaRPr kumimoji="1" lang="ja-JP" altLang="en-US"/>
           </a:p>
@@ -1248,7 +1253,7 @@
           <a:p>
             <a:fld id="{D6C33A7A-5ABB-BC4F-84D2-CC4D1B9660F6}" type="datetimeFigureOut">
               <a:rPr lang="ja-JP" altLang="en-US"/>
-              <a:t>2024/1/13</a:t>
+              <a:t>2024/1/20</a:t>
             </a:fld>
             <a:endParaRPr kumimoji="1" lang="ja-JP" altLang="en-US"/>
           </a:p>
@@ -1577,7 +1582,7 @@
           <a:p>
             <a:fld id="{D6C33A7A-5ABB-BC4F-84D2-CC4D1B9660F6}" type="datetimeFigureOut">
               <a:rPr lang="ja-JP" altLang="en-US"/>
-              <a:t>2024/1/13</a:t>
+              <a:t>2024/1/20</a:t>
             </a:fld>
             <a:endParaRPr kumimoji="1" lang="ja-JP" altLang="en-US"/>
           </a:p>
@@ -2053,7 +2058,7 @@
           <a:p>
             <a:fld id="{D6C33A7A-5ABB-BC4F-84D2-CC4D1B9660F6}" type="datetimeFigureOut">
               <a:rPr lang="ja-JP" altLang="en-US"/>
-              <a:t>2024/1/13</a:t>
+              <a:t>2024/1/20</a:t>
             </a:fld>
             <a:endParaRPr kumimoji="1" lang="ja-JP" altLang="en-US"/>
           </a:p>
@@ -2194,7 +2199,7 @@
           <a:p>
             <a:fld id="{D6C33A7A-5ABB-BC4F-84D2-CC4D1B9660F6}" type="datetimeFigureOut">
               <a:rPr lang="ja-JP" altLang="en-US"/>
-              <a:t>2024/1/13</a:t>
+              <a:t>2024/1/20</a:t>
             </a:fld>
             <a:endParaRPr kumimoji="1" lang="ja-JP" altLang="en-US"/>
           </a:p>
@@ -2307,7 +2312,7 @@
           <a:p>
             <a:fld id="{D6C33A7A-5ABB-BC4F-84D2-CC4D1B9660F6}" type="datetimeFigureOut">
               <a:rPr lang="ja-JP" altLang="en-US"/>
-              <a:t>2024/1/13</a:t>
+              <a:t>2024/1/20</a:t>
             </a:fld>
             <a:endParaRPr kumimoji="1" lang="ja-JP" altLang="en-US"/>
           </a:p>
@@ -2650,7 +2655,7 @@
           <a:p>
             <a:fld id="{D6C33A7A-5ABB-BC4F-84D2-CC4D1B9660F6}" type="datetimeFigureOut">
               <a:rPr lang="ja-JP" altLang="en-US"/>
-              <a:t>2024/1/13</a:t>
+              <a:t>2024/1/20</a:t>
             </a:fld>
             <a:endParaRPr kumimoji="1" lang="ja-JP" altLang="en-US"/>
           </a:p>
@@ -2938,7 +2943,7 @@
           <a:p>
             <a:fld id="{D6C33A7A-5ABB-BC4F-84D2-CC4D1B9660F6}" type="datetimeFigureOut">
               <a:rPr lang="ja-JP" altLang="en-US"/>
-              <a:t>2024/1/13</a:t>
+              <a:t>2024/1/20</a:t>
             </a:fld>
             <a:endParaRPr kumimoji="1" lang="ja-JP" altLang="en-US"/>
           </a:p>
@@ -3211,7 +3216,7 @@
           <a:p>
             <a:fld id="{D6C33A7A-5ABB-BC4F-84D2-CC4D1B9660F6}" type="datetimeFigureOut">
               <a:rPr lang="ja-JP" altLang="en-US"/>
-              <a:t>2024/1/13</a:t>
+              <a:t>2024/1/20</a:t>
             </a:fld>
             <a:endParaRPr kumimoji="1" lang="ja-JP" altLang="en-US"/>
           </a:p>
@@ -11385,6 +11390,3106 @@
 </p:sld>
 </file>
 
+<file path=ppt/slides/slide16.xml><?xml version="1.0" encoding="utf-8"?>
+<p:sld xmlns:a="http://schemas.openxmlformats.org/drawingml/2006/main" xmlns:r="http://schemas.openxmlformats.org/officeDocument/2006/relationships" xmlns:p="http://schemas.openxmlformats.org/presentationml/2006/main">
+  <p:cSld>
+    <p:spTree>
+      <p:nvGrpSpPr>
+        <p:cNvPr id="1" name=""/>
+        <p:cNvGrpSpPr/>
+        <p:nvPr/>
+      </p:nvGrpSpPr>
+      <p:grpSpPr>
+        <a:xfrm>
+          <a:off x="0" y="0"/>
+          <a:ext cx="0" cy="0"/>
+          <a:chOff x="0" y="0"/>
+          <a:chExt cx="0" cy="0"/>
+        </a:xfrm>
+      </p:grpSpPr>
+      <p:sp>
+        <p:nvSpPr>
+          <p:cNvPr id="2" name="タイトル 1">
+            <a:extLst>
+              <a:ext uri="{FF2B5EF4-FFF2-40B4-BE49-F238E27FC236}">
+                <a16:creationId xmlns:a16="http://schemas.microsoft.com/office/drawing/2014/main" id="{BC830D72-A909-8CD3-44C3-2846873D555D}"/>
+              </a:ext>
+            </a:extLst>
+          </p:cNvPr>
+          <p:cNvSpPr>
+            <a:spLocks noGrp="1"/>
+          </p:cNvSpPr>
+          <p:nvPr>
+            <p:ph type="ctrTitle"/>
+          </p:nvPr>
+        </p:nvSpPr>
+        <p:spPr/>
+        <p:txBody>
+          <a:bodyPr/>
+          <a:lstStyle/>
+          <a:p>
+            <a:r>
+              <a:rPr lang="en-US" altLang="ja-JP" dirty="0"/>
+              <a:t>loop</a:t>
+            </a:r>
+            <a:r>
+              <a:rPr kumimoji="1" lang="en-US" altLang="ja-JP" dirty="0"/>
+              <a:t> Design</a:t>
+            </a:r>
+            <a:endParaRPr kumimoji="1" lang="ja-JP" altLang="en-US"/>
+          </a:p>
+        </p:txBody>
+      </p:sp>
+    </p:spTree>
+    <p:extLst>
+      <p:ext uri="{BB962C8B-B14F-4D97-AF65-F5344CB8AC3E}">
+        <p14:creationId xmlns:p14="http://schemas.microsoft.com/office/powerpoint/2010/main" val="3292996918"/>
+      </p:ext>
+    </p:extLst>
+  </p:cSld>
+  <p:clrMapOvr>
+    <a:masterClrMapping/>
+  </p:clrMapOvr>
+</p:sld>
+</file>
+
+<file path=ppt/slides/slide17.xml><?xml version="1.0" encoding="utf-8"?>
+<p:sld xmlns:a="http://schemas.openxmlformats.org/drawingml/2006/main" xmlns:r="http://schemas.openxmlformats.org/officeDocument/2006/relationships" xmlns:p="http://schemas.openxmlformats.org/presentationml/2006/main">
+  <p:cSld>
+    <p:spTree>
+      <p:nvGrpSpPr>
+        <p:cNvPr id="1" name=""/>
+        <p:cNvGrpSpPr/>
+        <p:nvPr/>
+      </p:nvGrpSpPr>
+      <p:grpSpPr>
+        <a:xfrm>
+          <a:off x="0" y="0"/>
+          <a:ext cx="0" cy="0"/>
+          <a:chOff x="0" y="0"/>
+          <a:chExt cx="0" cy="0"/>
+        </a:xfrm>
+      </p:grpSpPr>
+      <p:sp>
+        <p:nvSpPr>
+          <p:cNvPr id="2" name="タイトル 1">
+            <a:extLst>
+              <a:ext uri="{FF2B5EF4-FFF2-40B4-BE49-F238E27FC236}">
+                <a16:creationId xmlns:a16="http://schemas.microsoft.com/office/drawing/2014/main" id="{9C6DFF85-0806-D71D-F53F-072F26D5945A}"/>
+              </a:ext>
+            </a:extLst>
+          </p:cNvPr>
+          <p:cNvSpPr>
+            <a:spLocks noGrp="1"/>
+          </p:cNvSpPr>
+          <p:nvPr>
+            <p:ph type="title"/>
+          </p:nvPr>
+        </p:nvSpPr>
+        <p:spPr/>
+        <p:txBody>
+          <a:bodyPr/>
+          <a:lstStyle/>
+          <a:p>
+            <a:r>
+              <a:rPr kumimoji="1" lang="en-US" altLang="ja-JP"/>
+              <a:t>loop priority regulation</a:t>
+            </a:r>
+            <a:endParaRPr kumimoji="1" lang="ja-JP" altLang="en-US"/>
+          </a:p>
+        </p:txBody>
+      </p:sp>
+      <p:sp>
+        <p:nvSpPr>
+          <p:cNvPr id="3" name="コンテンツ プレースホルダー 2">
+            <a:extLst>
+              <a:ext uri="{FF2B5EF4-FFF2-40B4-BE49-F238E27FC236}">
+                <a16:creationId xmlns:a16="http://schemas.microsoft.com/office/drawing/2014/main" id="{C43C2C71-3749-D070-7DFC-9C4247C23C00}"/>
+              </a:ext>
+            </a:extLst>
+          </p:cNvPr>
+          <p:cNvSpPr>
+            <a:spLocks noGrp="1"/>
+          </p:cNvSpPr>
+          <p:nvPr>
+            <p:ph idx="1"/>
+          </p:nvPr>
+        </p:nvSpPr>
+        <p:spPr/>
+        <p:txBody>
+          <a:bodyPr>
+            <a:normAutofit fontScale="92500" lnSpcReduction="20000"/>
+          </a:bodyPr>
+          <a:lstStyle/>
+          <a:p>
+            <a:pPr>
+              <a:lnSpc>
+                <a:spcPct val="150000"/>
+              </a:lnSpc>
+            </a:pPr>
+            <a:r>
+              <a:rPr lang="ja-JP" altLang="en-US" sz="1800"/>
+              <a:t>現在再生中の</a:t>
+            </a:r>
+            <a:r>
+              <a:rPr lang="en-US" altLang="ja-JP" sz="1800"/>
+              <a:t>loop</a:t>
+            </a:r>
+            <a:r>
+              <a:rPr lang="ja-JP" altLang="en-US" sz="1800"/>
+              <a:t>を置き換える</a:t>
+            </a:r>
+            <a:r>
+              <a:rPr lang="en-US" altLang="ja-JP" sz="1800"/>
+              <a:t> Phrase/Composition </a:t>
+            </a:r>
+            <a:r>
+              <a:rPr lang="ja-JP" altLang="en-US" sz="1800"/>
+              <a:t>を入力しても、</a:t>
+            </a:r>
+            <a:r>
+              <a:rPr lang="ja-JP" altLang="en-US" sz="1800">
+                <a:solidFill>
+                  <a:srgbClr val="FF0000"/>
+                </a:solidFill>
+              </a:rPr>
+              <a:t>再生中の</a:t>
+            </a:r>
+            <a:r>
+              <a:rPr lang="en-US" altLang="ja-JP" sz="1800">
+                <a:solidFill>
+                  <a:srgbClr val="FF0000"/>
+                </a:solidFill>
+              </a:rPr>
+              <a:t>loop</a:t>
+            </a:r>
+            <a:r>
+              <a:rPr lang="ja-JP" altLang="en-US" sz="1800">
+                <a:solidFill>
+                  <a:srgbClr val="FF0000"/>
+                </a:solidFill>
+              </a:rPr>
+              <a:t>が終了しないと次の</a:t>
+            </a:r>
+            <a:r>
+              <a:rPr lang="en-US" altLang="ja-JP" sz="1800">
+                <a:solidFill>
+                  <a:srgbClr val="FF0000"/>
+                </a:solidFill>
+              </a:rPr>
+              <a:t>loop</a:t>
+            </a:r>
+            <a:r>
+              <a:rPr lang="ja-JP" altLang="en-US" sz="1800">
+                <a:solidFill>
+                  <a:srgbClr val="FF0000"/>
+                </a:solidFill>
+              </a:rPr>
+              <a:t>は始まらない</a:t>
+            </a:r>
+            <a:endParaRPr lang="en-US" altLang="ja-JP" sz="1800">
+              <a:solidFill>
+                <a:srgbClr val="FF0000"/>
+              </a:solidFill>
+            </a:endParaRPr>
+          </a:p>
+          <a:p>
+            <a:pPr>
+              <a:lnSpc>
+                <a:spcPct val="150000"/>
+              </a:lnSpc>
+            </a:pPr>
+            <a:r>
+              <a:rPr kumimoji="1" lang="en-US" altLang="ja-JP" sz="1800"/>
+              <a:t>variation</a:t>
+            </a:r>
+            <a:r>
+              <a:rPr kumimoji="1" lang="ja-JP" altLang="en-US" sz="1800"/>
+              <a:t>は、</a:t>
+            </a:r>
+            <a:r>
+              <a:rPr kumimoji="1" lang="en-US" altLang="ja-JP" sz="1800"/>
+              <a:t>composition</a:t>
+            </a:r>
+            <a:r>
+              <a:rPr kumimoji="1" lang="ja-JP" altLang="en-US" sz="1800"/>
+              <a:t>から自動的に指定される</a:t>
+            </a:r>
+            <a:r>
+              <a:rPr kumimoji="1" lang="en-US" altLang="ja-JP" sz="1800"/>
+              <a:t>phrase</a:t>
+            </a:r>
+            <a:r>
+              <a:rPr kumimoji="1" lang="ja-JP" altLang="en-US" sz="1800"/>
+              <a:t>である</a:t>
+            </a:r>
+            <a:endParaRPr kumimoji="1" lang="en-US" altLang="ja-JP" sz="1800"/>
+          </a:p>
+          <a:p>
+            <a:pPr lvl="1">
+              <a:lnSpc>
+                <a:spcPct val="150000"/>
+              </a:lnSpc>
+            </a:pPr>
+            <a:r>
+              <a:rPr kumimoji="1" lang="en-US" altLang="ja-JP" sz="1400"/>
+              <a:t>variation</a:t>
+            </a:r>
+            <a:r>
+              <a:rPr kumimoji="1" lang="ja-JP" altLang="en-US" sz="1400"/>
+              <a:t>が再生されたら、そのとき再生されていた</a:t>
+            </a:r>
+            <a:r>
+              <a:rPr kumimoji="1" lang="en-US" altLang="ja-JP" sz="1400"/>
+              <a:t>phrase</a:t>
+            </a:r>
+            <a:r>
+              <a:rPr kumimoji="1" lang="ja-JP" altLang="en-US" sz="1400"/>
+              <a:t>は</a:t>
+            </a:r>
+            <a:r>
+              <a:rPr kumimoji="1" lang="ja-JP" altLang="en-US" sz="1400">
+                <a:solidFill>
+                  <a:srgbClr val="FF0000"/>
+                </a:solidFill>
+              </a:rPr>
+              <a:t>消去</a:t>
+            </a:r>
+            <a:r>
+              <a:rPr kumimoji="1" lang="ja-JP" altLang="en-US" sz="1400"/>
+              <a:t>される</a:t>
+            </a:r>
+            <a:endParaRPr kumimoji="1" lang="en-US" altLang="ja-JP" sz="1400"/>
+          </a:p>
+          <a:p>
+            <a:pPr lvl="1">
+              <a:lnSpc>
+                <a:spcPct val="150000"/>
+              </a:lnSpc>
+            </a:pPr>
+            <a:r>
+              <a:rPr kumimoji="1" lang="en-US" altLang="ja-JP" sz="1400"/>
+              <a:t>vari=0</a:t>
+            </a:r>
+            <a:r>
+              <a:rPr kumimoji="1" lang="ja-JP" altLang="en-US" sz="1400"/>
+              <a:t>（通常入力の</a:t>
+            </a:r>
+            <a:r>
+              <a:rPr kumimoji="1" lang="en-US" altLang="ja-JP" sz="1400"/>
+              <a:t>Phrase</a:t>
+            </a:r>
+            <a:r>
+              <a:rPr kumimoji="1" lang="ja-JP" altLang="en-US" sz="1400"/>
+              <a:t>）の新</a:t>
+            </a:r>
+            <a:r>
+              <a:rPr kumimoji="1" lang="en-US" altLang="ja-JP" sz="1400"/>
+              <a:t>Phrase</a:t>
+            </a:r>
+            <a:r>
+              <a:rPr kumimoji="1" lang="ja-JP" altLang="en-US" sz="1400"/>
+              <a:t>の入力は、</a:t>
+            </a:r>
+            <a:r>
+              <a:rPr kumimoji="1" lang="en-US" altLang="ja-JP" sz="1400"/>
+              <a:t>variation</a:t>
+            </a:r>
+            <a:r>
+              <a:rPr kumimoji="1" lang="ja-JP" altLang="en-US" sz="1400"/>
+              <a:t>再生より優先度が</a:t>
+            </a:r>
+            <a:r>
+              <a:rPr kumimoji="1" lang="ja-JP" altLang="en-US" sz="1400">
+                <a:solidFill>
+                  <a:srgbClr val="FF0000"/>
+                </a:solidFill>
+              </a:rPr>
+              <a:t>低い</a:t>
+            </a:r>
+            <a:endParaRPr kumimoji="1" lang="en-US" altLang="ja-JP" sz="1400">
+              <a:solidFill>
+                <a:srgbClr val="FF0000"/>
+              </a:solidFill>
+            </a:endParaRPr>
+          </a:p>
+          <a:p>
+            <a:pPr>
+              <a:lnSpc>
+                <a:spcPct val="150000"/>
+              </a:lnSpc>
+            </a:pPr>
+            <a:r>
+              <a:rPr lang="en-US" altLang="ja-JP" sz="1800"/>
+              <a:t>sync</a:t>
+            </a:r>
+            <a:r>
+              <a:rPr lang="ja-JP" altLang="en-US" sz="1800"/>
+              <a:t>がパートに指定された場合、次の小節の頭で、</a:t>
+            </a:r>
+            <a:r>
+              <a:rPr lang="en-US" altLang="ja-JP" sz="1800">
+                <a:solidFill>
+                  <a:srgbClr val="FF0000"/>
+                </a:solidFill>
+              </a:rPr>
+              <a:t>Composition</a:t>
+            </a:r>
+            <a:r>
+              <a:rPr lang="ja-JP" altLang="en-US" sz="1800">
+                <a:solidFill>
+                  <a:srgbClr val="FF0000"/>
+                </a:solidFill>
+              </a:rPr>
+              <a:t>の先頭</a:t>
+            </a:r>
+            <a:r>
+              <a:rPr lang="ja-JP" altLang="en-US" sz="1800"/>
+              <a:t>に、</a:t>
+            </a:r>
+            <a:r>
+              <a:rPr lang="en-US" altLang="ja-JP" sz="1800"/>
+              <a:t>Composition</a:t>
+            </a:r>
+            <a:r>
+              <a:rPr lang="ja-JP" altLang="en-US" sz="1800"/>
+              <a:t>がない場合再生中の</a:t>
+            </a:r>
+            <a:r>
+              <a:rPr lang="en-US" altLang="ja-JP" sz="1800">
+                <a:solidFill>
+                  <a:srgbClr val="FF0000"/>
+                </a:solidFill>
+              </a:rPr>
+              <a:t>Phrase</a:t>
+            </a:r>
+            <a:r>
+              <a:rPr lang="ja-JP" altLang="en-US" sz="1800">
+                <a:solidFill>
+                  <a:srgbClr val="FF0000"/>
+                </a:solidFill>
+              </a:rPr>
+              <a:t>の先頭</a:t>
+            </a:r>
+            <a:r>
+              <a:rPr lang="ja-JP" altLang="en-US" sz="1800"/>
+              <a:t>に戻る（最大の優先度）</a:t>
+            </a:r>
+            <a:endParaRPr lang="en-US" altLang="ja-JP" sz="1800"/>
+          </a:p>
+          <a:p>
+            <a:pPr>
+              <a:lnSpc>
+                <a:spcPct val="150000"/>
+              </a:lnSpc>
+            </a:pPr>
+            <a:r>
+              <a:rPr kumimoji="1" lang="ja-JP" altLang="en-US" sz="1800"/>
+              <a:t>次の</a:t>
+            </a:r>
+            <a:r>
+              <a:rPr kumimoji="1" lang="en-US" altLang="ja-JP" sz="1800"/>
+              <a:t>Phrase</a:t>
+            </a:r>
+            <a:r>
+              <a:rPr kumimoji="1" lang="ja-JP" altLang="en-US" sz="1800"/>
+              <a:t>に</a:t>
+            </a:r>
+            <a:r>
+              <a:rPr kumimoji="1" lang="en-US" altLang="ja-JP" sz="1800"/>
+              <a:t>auftakt</a:t>
+            </a:r>
+            <a:r>
+              <a:rPr kumimoji="1" lang="ja-JP" altLang="en-US" sz="1800"/>
+              <a:t>指定があった場合、基本的に</a:t>
+            </a:r>
+            <a:r>
+              <a:rPr kumimoji="1" lang="ja-JP" altLang="en-US" sz="1800">
+                <a:solidFill>
+                  <a:srgbClr val="FF0000"/>
+                </a:solidFill>
+              </a:rPr>
+              <a:t>今の小節が終わる</a:t>
+            </a:r>
+            <a:r>
+              <a:rPr kumimoji="1" lang="en-US" altLang="ja-JP" sz="1800">
+                <a:solidFill>
+                  <a:srgbClr val="FF0000"/>
+                </a:solidFill>
+              </a:rPr>
+              <a:t>1</a:t>
+            </a:r>
+            <a:r>
+              <a:rPr kumimoji="1" lang="ja-JP" altLang="en-US" sz="1800">
+                <a:solidFill>
+                  <a:srgbClr val="FF0000"/>
+                </a:solidFill>
+              </a:rPr>
+              <a:t>小節前に次の</a:t>
+            </a:r>
+            <a:r>
+              <a:rPr kumimoji="1" lang="en-US" altLang="ja-JP" sz="1800">
+                <a:solidFill>
+                  <a:srgbClr val="FF0000"/>
+                </a:solidFill>
+              </a:rPr>
+              <a:t>Phrase</a:t>
+            </a:r>
+            <a:r>
+              <a:rPr kumimoji="1" lang="ja-JP" altLang="en-US" sz="1800">
+                <a:solidFill>
+                  <a:srgbClr val="FF0000"/>
+                </a:solidFill>
+              </a:rPr>
+              <a:t>を再生</a:t>
+            </a:r>
+            <a:r>
+              <a:rPr kumimoji="1" lang="ja-JP" altLang="en-US" sz="1800"/>
+              <a:t>する</a:t>
+            </a:r>
+            <a:endParaRPr lang="en-US" altLang="ja-JP" sz="1800"/>
+          </a:p>
+          <a:p>
+            <a:pPr lvl="1">
+              <a:lnSpc>
+                <a:spcPct val="150000"/>
+              </a:lnSpc>
+            </a:pPr>
+            <a:r>
+              <a:rPr lang="ja-JP" altLang="en-US" sz="1400"/>
+              <a:t>新</a:t>
+            </a:r>
+            <a:r>
+              <a:rPr lang="en-US" altLang="ja-JP" sz="1400"/>
+              <a:t>Phrase</a:t>
+            </a:r>
+            <a:r>
+              <a:rPr lang="ja-JP" altLang="en-US" sz="1400"/>
+              <a:t>に</a:t>
+            </a:r>
+            <a:r>
+              <a:rPr lang="en-US" altLang="ja-JP" sz="1400"/>
+              <a:t>auftakt</a:t>
+            </a:r>
+            <a:r>
+              <a:rPr lang="ja-JP" altLang="en-US" sz="1400"/>
+              <a:t>があった場合、現</a:t>
+            </a:r>
+            <a:r>
+              <a:rPr lang="en-US" altLang="ja-JP" sz="1400"/>
+              <a:t>Phrase</a:t>
+            </a:r>
+            <a:r>
+              <a:rPr lang="ja-JP" altLang="en-US" sz="1400"/>
+              <a:t>が残り１小節になったときに再生する</a:t>
+            </a:r>
+            <a:endParaRPr lang="en-US" altLang="ja-JP" sz="1400"/>
+          </a:p>
+          <a:p>
+            <a:pPr lvl="1">
+              <a:lnSpc>
+                <a:spcPct val="150000"/>
+              </a:lnSpc>
+            </a:pPr>
+            <a:r>
+              <a:rPr kumimoji="1" lang="ja-JP" altLang="en-US" sz="1400"/>
+              <a:t>再生中の</a:t>
+            </a:r>
+            <a:r>
+              <a:rPr kumimoji="1" lang="en-US" altLang="ja-JP" sz="1400"/>
+              <a:t>Phrase</a:t>
+            </a:r>
+            <a:r>
+              <a:rPr lang="ja-JP" altLang="en-US" sz="1400"/>
+              <a:t>に</a:t>
+            </a:r>
+            <a:r>
+              <a:rPr lang="en-US" altLang="ja-JP" sz="1400"/>
+              <a:t>auftakt</a:t>
+            </a:r>
+            <a:r>
+              <a:rPr lang="ja-JP" altLang="en-US" sz="1400"/>
+              <a:t>があった場合、残り１小節になったときに再生する</a:t>
+            </a:r>
+            <a:endParaRPr kumimoji="1" lang="en-US" altLang="ja-JP" sz="1400"/>
+          </a:p>
+          <a:p>
+            <a:pPr lvl="1">
+              <a:lnSpc>
+                <a:spcPct val="150000"/>
+              </a:lnSpc>
+            </a:pPr>
+            <a:r>
+              <a:rPr kumimoji="1" lang="en-US" altLang="ja-JP" sz="1400"/>
+              <a:t>variation</a:t>
+            </a:r>
+            <a:r>
+              <a:rPr kumimoji="1" lang="ja-JP" altLang="en-US" sz="1400"/>
+              <a:t>に</a:t>
+            </a:r>
+            <a:r>
+              <a:rPr kumimoji="1" lang="en-US" altLang="ja-JP" sz="1400"/>
+              <a:t>auftakt</a:t>
+            </a:r>
+            <a:r>
+              <a:rPr kumimoji="1" lang="ja-JP" altLang="en-US" sz="1400"/>
+              <a:t>があった場合、その前の</a:t>
+            </a:r>
+            <a:r>
+              <a:rPr kumimoji="1" lang="en-US" altLang="ja-JP" sz="1400"/>
+              <a:t>phrase</a:t>
+            </a:r>
+            <a:r>
+              <a:rPr kumimoji="1" lang="ja-JP" altLang="en-US" sz="1400"/>
+              <a:t>はその後</a:t>
+            </a:r>
+            <a:r>
+              <a:rPr kumimoji="1" lang="en-US" altLang="ja-JP" sz="1400"/>
+              <a:t>1</a:t>
+            </a:r>
+            <a:r>
+              <a:rPr lang="ja-JP" altLang="en-US" sz="1400"/>
+              <a:t>小節は消去されない</a:t>
+            </a:r>
+            <a:endParaRPr kumimoji="1" lang="en-US" altLang="ja-JP" sz="1400"/>
+          </a:p>
+          <a:p>
+            <a:pPr>
+              <a:lnSpc>
+                <a:spcPct val="150000"/>
+              </a:lnSpc>
+            </a:pPr>
+            <a:endParaRPr kumimoji="1" lang="ja-JP" altLang="en-US" sz="1800"/>
+          </a:p>
+        </p:txBody>
+      </p:sp>
+    </p:spTree>
+    <p:extLst>
+      <p:ext uri="{BB962C8B-B14F-4D97-AF65-F5344CB8AC3E}">
+        <p14:creationId xmlns:p14="http://schemas.microsoft.com/office/powerpoint/2010/main" val="2201250889"/>
+      </p:ext>
+    </p:extLst>
+  </p:cSld>
+  <p:clrMapOvr>
+    <a:masterClrMapping/>
+  </p:clrMapOvr>
+</p:sld>
+</file>
+
+<file path=ppt/slides/slide18.xml><?xml version="1.0" encoding="utf-8"?>
+<p:sld xmlns:a="http://schemas.openxmlformats.org/drawingml/2006/main" xmlns:r="http://schemas.openxmlformats.org/officeDocument/2006/relationships" xmlns:p="http://schemas.openxmlformats.org/presentationml/2006/main">
+  <p:cSld>
+    <p:spTree>
+      <p:nvGrpSpPr>
+        <p:cNvPr id="1" name=""/>
+        <p:cNvGrpSpPr/>
+        <p:nvPr/>
+      </p:nvGrpSpPr>
+      <p:grpSpPr>
+        <a:xfrm>
+          <a:off x="0" y="0"/>
+          <a:ext cx="0" cy="0"/>
+          <a:chOff x="0" y="0"/>
+          <a:chExt cx="0" cy="0"/>
+        </a:xfrm>
+      </p:grpSpPr>
+      <p:sp>
+        <p:nvSpPr>
+          <p:cNvPr id="2" name="正方形/長方形 1">
+            <a:extLst>
+              <a:ext uri="{FF2B5EF4-FFF2-40B4-BE49-F238E27FC236}">
+                <a16:creationId xmlns:a16="http://schemas.microsoft.com/office/drawing/2014/main" id="{744E7DF7-D403-82E5-31BC-545A9370CF7F}"/>
+              </a:ext>
+            </a:extLst>
+          </p:cNvPr>
+          <p:cNvSpPr/>
+          <p:nvPr/>
+        </p:nvSpPr>
+        <p:spPr>
+          <a:xfrm>
+            <a:off x="2604053" y="1570382"/>
+            <a:ext cx="1967947" cy="685800"/>
+          </a:xfrm>
+          <a:prstGeom prst="rect">
+            <a:avLst/>
+          </a:prstGeom>
+          <a:solidFill>
+            <a:schemeClr val="accent1">
+              <a:lumMod val="40000"/>
+              <a:lumOff val="60000"/>
+            </a:schemeClr>
+          </a:solidFill>
+        </p:spPr>
+        <p:style>
+          <a:lnRef idx="2">
+            <a:schemeClr val="accent1">
+              <a:shade val="15000"/>
+            </a:schemeClr>
+          </a:lnRef>
+          <a:fillRef idx="1">
+            <a:schemeClr val="accent1"/>
+          </a:fillRef>
+          <a:effectRef idx="0">
+            <a:schemeClr val="accent1"/>
+          </a:effectRef>
+          <a:fontRef idx="minor">
+            <a:schemeClr val="lt1"/>
+          </a:fontRef>
+        </p:style>
+        <p:txBody>
+          <a:bodyPr rtlCol="0" anchor="ctr"/>
+          <a:lstStyle/>
+          <a:p>
+            <a:pPr algn="ctr"/>
+            <a:r>
+              <a:rPr kumimoji="1" lang="en-US" altLang="ja-JP"/>
+              <a:t>Loop A</a:t>
+            </a:r>
+            <a:endParaRPr kumimoji="1" lang="ja-JP" altLang="en-US"/>
+          </a:p>
+        </p:txBody>
+      </p:sp>
+      <p:sp>
+        <p:nvSpPr>
+          <p:cNvPr id="3" name="正方形/長方形 2">
+            <a:extLst>
+              <a:ext uri="{FF2B5EF4-FFF2-40B4-BE49-F238E27FC236}">
+                <a16:creationId xmlns:a16="http://schemas.microsoft.com/office/drawing/2014/main" id="{53AA318B-28BB-36CD-C3FF-B899F4C4F640}"/>
+              </a:ext>
+            </a:extLst>
+          </p:cNvPr>
+          <p:cNvSpPr/>
+          <p:nvPr/>
+        </p:nvSpPr>
+        <p:spPr>
+          <a:xfrm>
+            <a:off x="4562062" y="1570382"/>
+            <a:ext cx="1967947" cy="685800"/>
+          </a:xfrm>
+          <a:prstGeom prst="rect">
+            <a:avLst/>
+          </a:prstGeom>
+          <a:solidFill>
+            <a:schemeClr val="accent1">
+              <a:lumMod val="40000"/>
+              <a:lumOff val="60000"/>
+            </a:schemeClr>
+          </a:solidFill>
+        </p:spPr>
+        <p:style>
+          <a:lnRef idx="2">
+            <a:schemeClr val="accent1">
+              <a:shade val="15000"/>
+            </a:schemeClr>
+          </a:lnRef>
+          <a:fillRef idx="1">
+            <a:schemeClr val="accent1"/>
+          </a:fillRef>
+          <a:effectRef idx="0">
+            <a:schemeClr val="accent1"/>
+          </a:effectRef>
+          <a:fontRef idx="minor">
+            <a:schemeClr val="lt1"/>
+          </a:fontRef>
+        </p:style>
+        <p:txBody>
+          <a:bodyPr rtlCol="0" anchor="ctr"/>
+          <a:lstStyle/>
+          <a:p>
+            <a:pPr algn="ctr"/>
+            <a:r>
+              <a:rPr kumimoji="1" lang="en-US" altLang="ja-JP"/>
+              <a:t>Loop A</a:t>
+            </a:r>
+            <a:endParaRPr kumimoji="1" lang="ja-JP" altLang="en-US"/>
+          </a:p>
+        </p:txBody>
+      </p:sp>
+      <p:sp>
+        <p:nvSpPr>
+          <p:cNvPr id="4" name="正方形/長方形 3">
+            <a:extLst>
+              <a:ext uri="{FF2B5EF4-FFF2-40B4-BE49-F238E27FC236}">
+                <a16:creationId xmlns:a16="http://schemas.microsoft.com/office/drawing/2014/main" id="{59CADE7D-ABDC-AD68-919F-8F54F5880D12}"/>
+              </a:ext>
+            </a:extLst>
+          </p:cNvPr>
+          <p:cNvSpPr/>
+          <p:nvPr/>
+        </p:nvSpPr>
+        <p:spPr>
+          <a:xfrm>
+            <a:off x="6530010" y="1570382"/>
+            <a:ext cx="1967947" cy="685800"/>
+          </a:xfrm>
+          <a:prstGeom prst="rect">
+            <a:avLst/>
+          </a:prstGeom>
+          <a:solidFill>
+            <a:schemeClr val="accent2">
+              <a:lumMod val="40000"/>
+              <a:lumOff val="60000"/>
+            </a:schemeClr>
+          </a:solidFill>
+        </p:spPr>
+        <p:style>
+          <a:lnRef idx="2">
+            <a:schemeClr val="accent1">
+              <a:shade val="15000"/>
+            </a:schemeClr>
+          </a:lnRef>
+          <a:fillRef idx="1">
+            <a:schemeClr val="accent1"/>
+          </a:fillRef>
+          <a:effectRef idx="0">
+            <a:schemeClr val="accent1"/>
+          </a:effectRef>
+          <a:fontRef idx="minor">
+            <a:schemeClr val="lt1"/>
+          </a:fontRef>
+        </p:style>
+        <p:txBody>
+          <a:bodyPr rtlCol="0" anchor="ctr"/>
+          <a:lstStyle/>
+          <a:p>
+            <a:pPr algn="ctr"/>
+            <a:r>
+              <a:rPr kumimoji="1" lang="en-US" altLang="ja-JP"/>
+              <a:t>Loop B</a:t>
+            </a:r>
+            <a:endParaRPr kumimoji="1" lang="ja-JP" altLang="en-US"/>
+          </a:p>
+        </p:txBody>
+      </p:sp>
+      <p:sp>
+        <p:nvSpPr>
+          <p:cNvPr id="5" name="正方形/長方形 4">
+            <a:extLst>
+              <a:ext uri="{FF2B5EF4-FFF2-40B4-BE49-F238E27FC236}">
+                <a16:creationId xmlns:a16="http://schemas.microsoft.com/office/drawing/2014/main" id="{52364590-653A-3C6F-2578-6F3010260A73}"/>
+              </a:ext>
+            </a:extLst>
+          </p:cNvPr>
+          <p:cNvSpPr/>
+          <p:nvPr/>
+        </p:nvSpPr>
+        <p:spPr>
+          <a:xfrm>
+            <a:off x="8497957" y="1570382"/>
+            <a:ext cx="1967947" cy="685800"/>
+          </a:xfrm>
+          <a:prstGeom prst="rect">
+            <a:avLst/>
+          </a:prstGeom>
+          <a:solidFill>
+            <a:schemeClr val="accent2">
+              <a:lumMod val="40000"/>
+              <a:lumOff val="60000"/>
+            </a:schemeClr>
+          </a:solidFill>
+        </p:spPr>
+        <p:style>
+          <a:lnRef idx="2">
+            <a:schemeClr val="accent1">
+              <a:shade val="15000"/>
+            </a:schemeClr>
+          </a:lnRef>
+          <a:fillRef idx="1">
+            <a:schemeClr val="accent1"/>
+          </a:fillRef>
+          <a:effectRef idx="0">
+            <a:schemeClr val="accent1"/>
+          </a:effectRef>
+          <a:fontRef idx="minor">
+            <a:schemeClr val="lt1"/>
+          </a:fontRef>
+        </p:style>
+        <p:txBody>
+          <a:bodyPr rtlCol="0" anchor="ctr"/>
+          <a:lstStyle/>
+          <a:p>
+            <a:pPr algn="ctr"/>
+            <a:r>
+              <a:rPr kumimoji="1" lang="en-US" altLang="ja-JP"/>
+              <a:t>Loop B</a:t>
+            </a:r>
+            <a:endParaRPr kumimoji="1" lang="ja-JP" altLang="en-US"/>
+          </a:p>
+        </p:txBody>
+      </p:sp>
+      <p:sp>
+        <p:nvSpPr>
+          <p:cNvPr id="6" name="テキスト ボックス 5">
+            <a:extLst>
+              <a:ext uri="{FF2B5EF4-FFF2-40B4-BE49-F238E27FC236}">
+                <a16:creationId xmlns:a16="http://schemas.microsoft.com/office/drawing/2014/main" id="{51EECE68-57DE-9CB2-B504-66DABEC37950}"/>
+              </a:ext>
+            </a:extLst>
+          </p:cNvPr>
+          <p:cNvSpPr txBox="1"/>
+          <p:nvPr/>
+        </p:nvSpPr>
+        <p:spPr>
+          <a:xfrm>
+            <a:off x="979006" y="1728616"/>
+            <a:ext cx="1421295" cy="369332"/>
+          </a:xfrm>
+          <a:prstGeom prst="rect">
+            <a:avLst/>
+          </a:prstGeom>
+          <a:noFill/>
+        </p:spPr>
+        <p:txBody>
+          <a:bodyPr wrap="square" rtlCol="0">
+            <a:spAutoFit/>
+          </a:bodyPr>
+          <a:lstStyle/>
+          <a:p>
+            <a:r>
+              <a:rPr kumimoji="1" lang="ja-JP" altLang="en-US"/>
+              <a:t>通常の</a:t>
+            </a:r>
+            <a:r>
+              <a:rPr kumimoji="1" lang="en-US" altLang="ja-JP"/>
+              <a:t>Loop</a:t>
+            </a:r>
+            <a:endParaRPr kumimoji="1" lang="ja-JP" altLang="en-US"/>
+          </a:p>
+        </p:txBody>
+      </p:sp>
+      <p:sp>
+        <p:nvSpPr>
+          <p:cNvPr id="7" name="正方形/長方形 6">
+            <a:extLst>
+              <a:ext uri="{FF2B5EF4-FFF2-40B4-BE49-F238E27FC236}">
+                <a16:creationId xmlns:a16="http://schemas.microsoft.com/office/drawing/2014/main" id="{C5850C76-3AD8-9296-3393-BC1897E9AD34}"/>
+              </a:ext>
+            </a:extLst>
+          </p:cNvPr>
+          <p:cNvSpPr/>
+          <p:nvPr/>
+        </p:nvSpPr>
+        <p:spPr>
+          <a:xfrm>
+            <a:off x="2604053" y="3071191"/>
+            <a:ext cx="1967947" cy="685800"/>
+          </a:xfrm>
+          <a:prstGeom prst="rect">
+            <a:avLst/>
+          </a:prstGeom>
+          <a:solidFill>
+            <a:schemeClr val="accent1">
+              <a:lumMod val="40000"/>
+              <a:lumOff val="60000"/>
+            </a:schemeClr>
+          </a:solidFill>
+        </p:spPr>
+        <p:style>
+          <a:lnRef idx="2">
+            <a:schemeClr val="accent1">
+              <a:shade val="15000"/>
+            </a:schemeClr>
+          </a:lnRef>
+          <a:fillRef idx="1">
+            <a:schemeClr val="accent1"/>
+          </a:fillRef>
+          <a:effectRef idx="0">
+            <a:schemeClr val="accent1"/>
+          </a:effectRef>
+          <a:fontRef idx="minor">
+            <a:schemeClr val="lt1"/>
+          </a:fontRef>
+        </p:style>
+        <p:txBody>
+          <a:bodyPr rtlCol="0" anchor="ctr"/>
+          <a:lstStyle/>
+          <a:p>
+            <a:pPr algn="ctr"/>
+            <a:r>
+              <a:rPr kumimoji="1" lang="en-US" altLang="ja-JP"/>
+              <a:t>Loop A</a:t>
+            </a:r>
+            <a:endParaRPr kumimoji="1" lang="ja-JP" altLang="en-US"/>
+          </a:p>
+        </p:txBody>
+      </p:sp>
+      <p:sp>
+        <p:nvSpPr>
+          <p:cNvPr id="8" name="正方形/長方形 7">
+            <a:extLst>
+              <a:ext uri="{FF2B5EF4-FFF2-40B4-BE49-F238E27FC236}">
+                <a16:creationId xmlns:a16="http://schemas.microsoft.com/office/drawing/2014/main" id="{2F429AE2-F87D-DF81-F95C-2F825F187465}"/>
+              </a:ext>
+            </a:extLst>
+          </p:cNvPr>
+          <p:cNvSpPr/>
+          <p:nvPr/>
+        </p:nvSpPr>
+        <p:spPr>
+          <a:xfrm>
+            <a:off x="4562062" y="3071191"/>
+            <a:ext cx="1023733" cy="685800"/>
+          </a:xfrm>
+          <a:prstGeom prst="rect">
+            <a:avLst/>
+          </a:prstGeom>
+          <a:solidFill>
+            <a:schemeClr val="accent1">
+              <a:lumMod val="40000"/>
+              <a:lumOff val="60000"/>
+            </a:schemeClr>
+          </a:solidFill>
+        </p:spPr>
+        <p:style>
+          <a:lnRef idx="2">
+            <a:schemeClr val="accent1">
+              <a:shade val="15000"/>
+            </a:schemeClr>
+          </a:lnRef>
+          <a:fillRef idx="1">
+            <a:schemeClr val="accent1"/>
+          </a:fillRef>
+          <a:effectRef idx="0">
+            <a:schemeClr val="accent1"/>
+          </a:effectRef>
+          <a:fontRef idx="minor">
+            <a:schemeClr val="lt1"/>
+          </a:fontRef>
+        </p:style>
+        <p:txBody>
+          <a:bodyPr rtlCol="0" anchor="ctr"/>
+          <a:lstStyle/>
+          <a:p>
+            <a:pPr algn="ctr"/>
+            <a:r>
+              <a:rPr kumimoji="1" lang="en-US" altLang="ja-JP"/>
+              <a:t>Loop A</a:t>
+            </a:r>
+            <a:endParaRPr kumimoji="1" lang="ja-JP" altLang="en-US"/>
+          </a:p>
+        </p:txBody>
+      </p:sp>
+      <p:sp>
+        <p:nvSpPr>
+          <p:cNvPr id="9" name="テキスト ボックス 8">
+            <a:extLst>
+              <a:ext uri="{FF2B5EF4-FFF2-40B4-BE49-F238E27FC236}">
+                <a16:creationId xmlns:a16="http://schemas.microsoft.com/office/drawing/2014/main" id="{2F3D73EF-DC35-5572-C685-493ECFBA1615}"/>
+              </a:ext>
+            </a:extLst>
+          </p:cNvPr>
+          <p:cNvSpPr txBox="1"/>
+          <p:nvPr/>
+        </p:nvSpPr>
+        <p:spPr>
+          <a:xfrm>
+            <a:off x="367755" y="3229425"/>
+            <a:ext cx="2107090" cy="369332"/>
+          </a:xfrm>
+          <a:prstGeom prst="rect">
+            <a:avLst/>
+          </a:prstGeom>
+          <a:noFill/>
+        </p:spPr>
+        <p:txBody>
+          <a:bodyPr wrap="square" rtlCol="0">
+            <a:spAutoFit/>
+          </a:bodyPr>
+          <a:lstStyle/>
+          <a:p>
+            <a:r>
+              <a:rPr lang="en-US" altLang="ja-JP"/>
+              <a:t>variation</a:t>
+            </a:r>
+            <a:r>
+              <a:rPr lang="ja-JP" altLang="en-US"/>
+              <a:t>時の</a:t>
+            </a:r>
+            <a:r>
+              <a:rPr kumimoji="1" lang="en-US" altLang="ja-JP"/>
+              <a:t>Loop</a:t>
+            </a:r>
+            <a:endParaRPr kumimoji="1" lang="ja-JP" altLang="en-US"/>
+          </a:p>
+        </p:txBody>
+      </p:sp>
+      <p:sp>
+        <p:nvSpPr>
+          <p:cNvPr id="11" name="正方形/長方形 10">
+            <a:extLst>
+              <a:ext uri="{FF2B5EF4-FFF2-40B4-BE49-F238E27FC236}">
+                <a16:creationId xmlns:a16="http://schemas.microsoft.com/office/drawing/2014/main" id="{7684D909-BA42-D371-3006-1CF448BD6BF4}"/>
+              </a:ext>
+            </a:extLst>
+          </p:cNvPr>
+          <p:cNvSpPr/>
+          <p:nvPr/>
+        </p:nvSpPr>
+        <p:spPr>
+          <a:xfrm>
+            <a:off x="5585794" y="4229100"/>
+            <a:ext cx="944213" cy="685800"/>
+          </a:xfrm>
+          <a:prstGeom prst="rect">
+            <a:avLst/>
+          </a:prstGeom>
+          <a:solidFill>
+            <a:schemeClr val="accent6">
+              <a:lumMod val="40000"/>
+              <a:lumOff val="60000"/>
+            </a:schemeClr>
+          </a:solidFill>
+          <a:ln>
+            <a:solidFill>
+              <a:schemeClr val="tx1"/>
+            </a:solidFill>
+          </a:ln>
+        </p:spPr>
+        <p:style>
+          <a:lnRef idx="2">
+            <a:schemeClr val="accent1">
+              <a:shade val="15000"/>
+            </a:schemeClr>
+          </a:lnRef>
+          <a:fillRef idx="1">
+            <a:schemeClr val="accent1"/>
+          </a:fillRef>
+          <a:effectRef idx="0">
+            <a:schemeClr val="accent1"/>
+          </a:effectRef>
+          <a:fontRef idx="minor">
+            <a:schemeClr val="lt1"/>
+          </a:fontRef>
+        </p:style>
+        <p:txBody>
+          <a:bodyPr rtlCol="0" anchor="ctr"/>
+          <a:lstStyle/>
+          <a:p>
+            <a:pPr algn="ctr"/>
+            <a:r>
+              <a:rPr kumimoji="1" lang="en-US" altLang="ja-JP"/>
+              <a:t>Loop A vari</a:t>
+            </a:r>
+            <a:endParaRPr kumimoji="1" lang="ja-JP" altLang="en-US"/>
+          </a:p>
+        </p:txBody>
+      </p:sp>
+      <p:cxnSp>
+        <p:nvCxnSpPr>
+          <p:cNvPr id="13" name="直線コネクタ 12">
+            <a:extLst>
+              <a:ext uri="{FF2B5EF4-FFF2-40B4-BE49-F238E27FC236}">
+                <a16:creationId xmlns:a16="http://schemas.microsoft.com/office/drawing/2014/main" id="{E28DF308-D9A5-9705-67D3-DD6E7C0BA3BF}"/>
+              </a:ext>
+            </a:extLst>
+          </p:cNvPr>
+          <p:cNvCxnSpPr/>
+          <p:nvPr/>
+        </p:nvCxnSpPr>
+        <p:spPr>
+          <a:xfrm>
+            <a:off x="5585794" y="2749591"/>
+            <a:ext cx="0" cy="2484782"/>
+          </a:xfrm>
+          <a:prstGeom prst="line">
+            <a:avLst/>
+          </a:prstGeom>
+          <a:ln w="19050">
+            <a:solidFill>
+              <a:schemeClr val="tx1"/>
+            </a:solidFill>
+            <a:prstDash val="dash"/>
+          </a:ln>
+        </p:spPr>
+        <p:style>
+          <a:lnRef idx="1">
+            <a:schemeClr val="accent1"/>
+          </a:lnRef>
+          <a:fillRef idx="0">
+            <a:schemeClr val="accent1"/>
+          </a:fillRef>
+          <a:effectRef idx="0">
+            <a:schemeClr val="accent1"/>
+          </a:effectRef>
+          <a:fontRef idx="minor">
+            <a:schemeClr val="tx1"/>
+          </a:fontRef>
+        </p:style>
+      </p:cxnSp>
+      <p:sp>
+        <p:nvSpPr>
+          <p:cNvPr id="16" name="テキスト ボックス 15">
+            <a:extLst>
+              <a:ext uri="{FF2B5EF4-FFF2-40B4-BE49-F238E27FC236}">
+                <a16:creationId xmlns:a16="http://schemas.microsoft.com/office/drawing/2014/main" id="{C790716C-CBDC-16CF-13E2-5C1EB10C6A2A}"/>
+              </a:ext>
+            </a:extLst>
+          </p:cNvPr>
+          <p:cNvSpPr txBox="1"/>
+          <p:nvPr/>
+        </p:nvSpPr>
+        <p:spPr>
+          <a:xfrm>
+            <a:off x="5585794" y="2517605"/>
+            <a:ext cx="1565413" cy="646331"/>
+          </a:xfrm>
+          <a:prstGeom prst="rect">
+            <a:avLst/>
+          </a:prstGeom>
+          <a:noFill/>
+        </p:spPr>
+        <p:txBody>
+          <a:bodyPr wrap="square" rtlCol="0">
+            <a:spAutoFit/>
+          </a:bodyPr>
+          <a:lstStyle/>
+          <a:p>
+            <a:r>
+              <a:rPr kumimoji="1" lang="en-US" altLang="ja-JP" sz="1200">
+                <a:solidFill>
+                  <a:srgbClr val="FF0000"/>
+                </a:solidFill>
+              </a:rPr>
+              <a:t>Instance2</a:t>
+            </a:r>
+            <a:r>
+              <a:rPr kumimoji="1" lang="ja-JP" altLang="en-US" sz="1200">
+                <a:solidFill>
+                  <a:srgbClr val="FF0000"/>
+                </a:solidFill>
+              </a:rPr>
+              <a:t>はここで強制解放指示</a:t>
+            </a:r>
+            <a:br>
+              <a:rPr kumimoji="1" lang="en-US" altLang="ja-JP" sz="1200">
+                <a:solidFill>
+                  <a:srgbClr val="FF0000"/>
+                </a:solidFill>
+              </a:rPr>
+            </a:br>
+            <a:r>
+              <a:rPr lang="en" altLang="ja-JP" sz="1200" b="0" u="sng">
+                <a:solidFill>
+                  <a:srgbClr val="DCDCAA"/>
+                </a:solidFill>
+                <a:effectLst/>
+                <a:latin typeface="JetBrains Mono" panose="02000009000000000000" pitchFamily="49" charset="0"/>
+              </a:rPr>
+              <a:t>set_destroy</a:t>
+            </a:r>
+            <a:r>
+              <a:rPr lang="en" altLang="ja-JP" sz="1200" b="0">
+                <a:solidFill>
+                  <a:srgbClr val="CCCCCC"/>
+                </a:solidFill>
+                <a:effectLst/>
+                <a:latin typeface="JetBrains Mono" panose="02000009000000000000" pitchFamily="49" charset="0"/>
+              </a:rPr>
+              <a:t>()</a:t>
+            </a:r>
+          </a:p>
+        </p:txBody>
+      </p:sp>
+      <p:sp>
+        <p:nvSpPr>
+          <p:cNvPr id="17" name="テキスト ボックス 16">
+            <a:extLst>
+              <a:ext uri="{FF2B5EF4-FFF2-40B4-BE49-F238E27FC236}">
+                <a16:creationId xmlns:a16="http://schemas.microsoft.com/office/drawing/2014/main" id="{4A13F57B-155E-EF62-6D5A-E637E1D379ED}"/>
+              </a:ext>
+            </a:extLst>
+          </p:cNvPr>
+          <p:cNvSpPr txBox="1"/>
+          <p:nvPr/>
+        </p:nvSpPr>
+        <p:spPr>
+          <a:xfrm>
+            <a:off x="2638838" y="2799162"/>
+            <a:ext cx="1023733" cy="276999"/>
+          </a:xfrm>
+          <a:prstGeom prst="rect">
+            <a:avLst/>
+          </a:prstGeom>
+          <a:noFill/>
+        </p:spPr>
+        <p:txBody>
+          <a:bodyPr wrap="square" rtlCol="0">
+            <a:spAutoFit/>
+          </a:bodyPr>
+          <a:lstStyle/>
+          <a:p>
+            <a:r>
+              <a:rPr kumimoji="1" lang="en-US" altLang="ja-JP" sz="1200" b="1">
+                <a:solidFill>
+                  <a:srgbClr val="0070C0"/>
+                </a:solidFill>
+              </a:rPr>
+              <a:t>Instance1</a:t>
+            </a:r>
+            <a:endParaRPr kumimoji="1" lang="ja-JP" altLang="en-US" sz="1200" b="1">
+              <a:solidFill>
+                <a:srgbClr val="0070C0"/>
+              </a:solidFill>
+            </a:endParaRPr>
+          </a:p>
+        </p:txBody>
+      </p:sp>
+      <p:sp>
+        <p:nvSpPr>
+          <p:cNvPr id="18" name="テキスト ボックス 17">
+            <a:extLst>
+              <a:ext uri="{FF2B5EF4-FFF2-40B4-BE49-F238E27FC236}">
+                <a16:creationId xmlns:a16="http://schemas.microsoft.com/office/drawing/2014/main" id="{57713D9A-5AA6-DC2B-BEA1-97CD48CC23B7}"/>
+              </a:ext>
+            </a:extLst>
+          </p:cNvPr>
+          <p:cNvSpPr txBox="1"/>
+          <p:nvPr/>
+        </p:nvSpPr>
+        <p:spPr>
+          <a:xfrm>
+            <a:off x="4388124" y="2789222"/>
+            <a:ext cx="1023733" cy="276999"/>
+          </a:xfrm>
+          <a:prstGeom prst="rect">
+            <a:avLst/>
+          </a:prstGeom>
+          <a:noFill/>
+        </p:spPr>
+        <p:txBody>
+          <a:bodyPr wrap="square" rtlCol="0">
+            <a:spAutoFit/>
+          </a:bodyPr>
+          <a:lstStyle/>
+          <a:p>
+            <a:r>
+              <a:rPr kumimoji="1" lang="en-US" altLang="ja-JP" sz="1200" b="1">
+                <a:solidFill>
+                  <a:srgbClr val="0070C0"/>
+                </a:solidFill>
+              </a:rPr>
+              <a:t>Instance2</a:t>
+            </a:r>
+            <a:endParaRPr kumimoji="1" lang="ja-JP" altLang="en-US" sz="1200" b="1">
+              <a:solidFill>
+                <a:srgbClr val="0070C0"/>
+              </a:solidFill>
+            </a:endParaRPr>
+          </a:p>
+        </p:txBody>
+      </p:sp>
+      <p:sp>
+        <p:nvSpPr>
+          <p:cNvPr id="19" name="テキスト ボックス 18">
+            <a:extLst>
+              <a:ext uri="{FF2B5EF4-FFF2-40B4-BE49-F238E27FC236}">
+                <a16:creationId xmlns:a16="http://schemas.microsoft.com/office/drawing/2014/main" id="{9E20C6D4-E6C7-824A-88AE-1D35DB21C4A7}"/>
+              </a:ext>
+            </a:extLst>
+          </p:cNvPr>
+          <p:cNvSpPr txBox="1"/>
+          <p:nvPr/>
+        </p:nvSpPr>
+        <p:spPr>
+          <a:xfrm>
+            <a:off x="5585794" y="3853483"/>
+            <a:ext cx="1023733" cy="276999"/>
+          </a:xfrm>
+          <a:prstGeom prst="rect">
+            <a:avLst/>
+          </a:prstGeom>
+          <a:noFill/>
+        </p:spPr>
+        <p:txBody>
+          <a:bodyPr wrap="square" rtlCol="0">
+            <a:spAutoFit/>
+          </a:bodyPr>
+          <a:lstStyle/>
+          <a:p>
+            <a:r>
+              <a:rPr kumimoji="1" lang="en-US" altLang="ja-JP" sz="1200" b="1">
+                <a:solidFill>
+                  <a:srgbClr val="0070C0"/>
+                </a:solidFill>
+              </a:rPr>
+              <a:t>Instance3</a:t>
+            </a:r>
+            <a:endParaRPr kumimoji="1" lang="ja-JP" altLang="en-US" sz="1200" b="1">
+              <a:solidFill>
+                <a:srgbClr val="0070C0"/>
+              </a:solidFill>
+            </a:endParaRPr>
+          </a:p>
+        </p:txBody>
+      </p:sp>
+      <p:sp>
+        <p:nvSpPr>
+          <p:cNvPr id="20" name="テキスト ボックス 19">
+            <a:extLst>
+              <a:ext uri="{FF2B5EF4-FFF2-40B4-BE49-F238E27FC236}">
+                <a16:creationId xmlns:a16="http://schemas.microsoft.com/office/drawing/2014/main" id="{3FDEA68F-6625-E5AE-230D-6D99EB133B63}"/>
+              </a:ext>
+            </a:extLst>
+          </p:cNvPr>
+          <p:cNvSpPr txBox="1"/>
+          <p:nvPr/>
+        </p:nvSpPr>
+        <p:spPr>
+          <a:xfrm>
+            <a:off x="3737113" y="4599823"/>
+            <a:ext cx="1880987" cy="461665"/>
+          </a:xfrm>
+          <a:prstGeom prst="rect">
+            <a:avLst/>
+          </a:prstGeom>
+          <a:noFill/>
+        </p:spPr>
+        <p:txBody>
+          <a:bodyPr wrap="square" rtlCol="0">
+            <a:spAutoFit/>
+          </a:bodyPr>
+          <a:lstStyle/>
+          <a:p>
+            <a:r>
+              <a:rPr kumimoji="1" lang="en-US" altLang="ja-JP" sz="1200">
+                <a:solidFill>
+                  <a:srgbClr val="FF0000"/>
+                </a:solidFill>
+              </a:rPr>
+              <a:t>Instance3</a:t>
+            </a:r>
+            <a:r>
+              <a:rPr kumimoji="1" lang="ja-JP" altLang="en-US" sz="1200">
+                <a:solidFill>
+                  <a:srgbClr val="FF0000"/>
+                </a:solidFill>
+              </a:rPr>
+              <a:t>は、通常通り生成される</a:t>
+            </a:r>
+          </a:p>
+        </p:txBody>
+      </p:sp>
+      <p:sp>
+        <p:nvSpPr>
+          <p:cNvPr id="22" name="テキスト ボックス 21">
+            <a:extLst>
+              <a:ext uri="{FF2B5EF4-FFF2-40B4-BE49-F238E27FC236}">
+                <a16:creationId xmlns:a16="http://schemas.microsoft.com/office/drawing/2014/main" id="{CDDC59D7-BF19-ECB1-0E4B-7205E4F1E223}"/>
+              </a:ext>
+            </a:extLst>
+          </p:cNvPr>
+          <p:cNvSpPr txBox="1"/>
+          <p:nvPr/>
+        </p:nvSpPr>
+        <p:spPr>
+          <a:xfrm>
+            <a:off x="7603435" y="392704"/>
+            <a:ext cx="3945834" cy="646331"/>
+          </a:xfrm>
+          <a:prstGeom prst="rect">
+            <a:avLst/>
+          </a:prstGeom>
+          <a:noFill/>
+        </p:spPr>
+        <p:txBody>
+          <a:bodyPr wrap="square" rtlCol="0">
+            <a:spAutoFit/>
+          </a:bodyPr>
+          <a:lstStyle/>
+          <a:p>
+            <a:r>
+              <a:rPr lang="en-US" altLang="ja-JP"/>
+              <a:t>variation</a:t>
+            </a:r>
+            <a:r>
+              <a:rPr lang="ja-JP" altLang="en-US"/>
+              <a:t>時の</a:t>
+            </a:r>
+            <a:r>
+              <a:rPr lang="en-US" altLang="ja-JP"/>
+              <a:t> PhraseLoop</a:t>
+            </a:r>
+            <a:r>
+              <a:rPr lang="ja-JP" altLang="en-US"/>
+              <a:t>処理</a:t>
+            </a:r>
+            <a:endParaRPr lang="en-US" altLang="ja-JP"/>
+          </a:p>
+          <a:p>
+            <a:r>
+              <a:rPr lang="ja-JP" altLang="en-US"/>
+              <a:t>書法</a:t>
+            </a:r>
+            <a:r>
+              <a:rPr lang="en-US" altLang="ja-JP"/>
+              <a:t>: @n=[xxx]</a:t>
+            </a:r>
+            <a:endParaRPr kumimoji="1" lang="ja-JP" altLang="en-US"/>
+          </a:p>
+        </p:txBody>
+      </p:sp>
+      <p:sp>
+        <p:nvSpPr>
+          <p:cNvPr id="23" name="テキスト ボックス 22">
+            <a:extLst>
+              <a:ext uri="{FF2B5EF4-FFF2-40B4-BE49-F238E27FC236}">
+                <a16:creationId xmlns:a16="http://schemas.microsoft.com/office/drawing/2014/main" id="{F428B83D-1C51-B95B-28C3-91384BBF7BF3}"/>
+              </a:ext>
+            </a:extLst>
+          </p:cNvPr>
+          <p:cNvSpPr txBox="1"/>
+          <p:nvPr/>
+        </p:nvSpPr>
+        <p:spPr>
+          <a:xfrm>
+            <a:off x="6341163" y="1225813"/>
+            <a:ext cx="2156794" cy="276999"/>
+          </a:xfrm>
+          <a:prstGeom prst="rect">
+            <a:avLst/>
+          </a:prstGeom>
+          <a:noFill/>
+        </p:spPr>
+        <p:txBody>
+          <a:bodyPr wrap="square" rtlCol="0">
+            <a:spAutoFit/>
+          </a:bodyPr>
+          <a:lstStyle/>
+          <a:p>
+            <a:r>
+              <a:rPr kumimoji="1" lang="ja-JP" altLang="en-US" sz="1200">
+                <a:solidFill>
+                  <a:srgbClr val="FF0000"/>
+                </a:solidFill>
+              </a:rPr>
+              <a:t>小節区切りで次の</a:t>
+            </a:r>
+            <a:r>
+              <a:rPr kumimoji="1" lang="en-US" altLang="ja-JP" sz="1200">
+                <a:solidFill>
+                  <a:srgbClr val="FF0000"/>
+                </a:solidFill>
+              </a:rPr>
+              <a:t> Loop</a:t>
+            </a:r>
+            <a:endParaRPr kumimoji="1" lang="ja-JP" altLang="en-US" sz="1200">
+              <a:solidFill>
+                <a:srgbClr val="FF0000"/>
+              </a:solidFill>
+            </a:endParaRPr>
+          </a:p>
+        </p:txBody>
+      </p:sp>
+      <p:sp>
+        <p:nvSpPr>
+          <p:cNvPr id="10" name="正方形/長方形 9">
+            <a:extLst>
+              <a:ext uri="{FF2B5EF4-FFF2-40B4-BE49-F238E27FC236}">
+                <a16:creationId xmlns:a16="http://schemas.microsoft.com/office/drawing/2014/main" id="{DAFCA733-C7E6-A0CE-0F58-FE675BBBF32C}"/>
+              </a:ext>
+            </a:extLst>
+          </p:cNvPr>
+          <p:cNvSpPr/>
+          <p:nvPr/>
+        </p:nvSpPr>
+        <p:spPr>
+          <a:xfrm>
+            <a:off x="6537461" y="4229100"/>
+            <a:ext cx="1967947" cy="685800"/>
+          </a:xfrm>
+          <a:prstGeom prst="rect">
+            <a:avLst/>
+          </a:prstGeom>
+          <a:solidFill>
+            <a:schemeClr val="accent1">
+              <a:lumMod val="40000"/>
+              <a:lumOff val="60000"/>
+            </a:schemeClr>
+          </a:solidFill>
+        </p:spPr>
+        <p:style>
+          <a:lnRef idx="2">
+            <a:schemeClr val="accent1">
+              <a:shade val="15000"/>
+            </a:schemeClr>
+          </a:lnRef>
+          <a:fillRef idx="1">
+            <a:schemeClr val="accent1"/>
+          </a:fillRef>
+          <a:effectRef idx="0">
+            <a:schemeClr val="accent1"/>
+          </a:effectRef>
+          <a:fontRef idx="minor">
+            <a:schemeClr val="lt1"/>
+          </a:fontRef>
+        </p:style>
+        <p:txBody>
+          <a:bodyPr rtlCol="0" anchor="ctr"/>
+          <a:lstStyle/>
+          <a:p>
+            <a:pPr algn="ctr"/>
+            <a:r>
+              <a:rPr kumimoji="1" lang="en-US" altLang="ja-JP"/>
+              <a:t>Loop A</a:t>
+            </a:r>
+            <a:endParaRPr kumimoji="1" lang="ja-JP" altLang="en-US"/>
+          </a:p>
+        </p:txBody>
+      </p:sp>
+      <p:sp>
+        <p:nvSpPr>
+          <p:cNvPr id="12" name="テキスト ボックス 11">
+            <a:extLst>
+              <a:ext uri="{FF2B5EF4-FFF2-40B4-BE49-F238E27FC236}">
+                <a16:creationId xmlns:a16="http://schemas.microsoft.com/office/drawing/2014/main" id="{B4577098-4113-103E-78EA-01C036C6F4CB}"/>
+              </a:ext>
+            </a:extLst>
+          </p:cNvPr>
+          <p:cNvSpPr txBox="1"/>
+          <p:nvPr/>
+        </p:nvSpPr>
+        <p:spPr>
+          <a:xfrm>
+            <a:off x="4410487" y="5384241"/>
+            <a:ext cx="2464896" cy="523220"/>
+          </a:xfrm>
+          <a:prstGeom prst="rect">
+            <a:avLst/>
+          </a:prstGeom>
+          <a:noFill/>
+        </p:spPr>
+        <p:txBody>
+          <a:bodyPr wrap="square" rtlCol="0">
+            <a:spAutoFit/>
+          </a:bodyPr>
+          <a:lstStyle/>
+          <a:p>
+            <a:r>
+              <a:rPr kumimoji="1" lang="en-US" altLang="ja-JP" sz="1400" b="1"/>
+              <a:t>composition</a:t>
+            </a:r>
+            <a:r>
+              <a:rPr kumimoji="1" lang="ja-JP" altLang="en-US" sz="1400" b="1"/>
+              <a:t>で指定された</a:t>
+            </a:r>
+            <a:r>
+              <a:rPr kumimoji="1" lang="en-US" altLang="ja-JP" sz="1400" b="1"/>
+              <a:t> variation </a:t>
+            </a:r>
+            <a:r>
+              <a:rPr kumimoji="1" lang="ja-JP" altLang="en-US" sz="1400" b="1"/>
+              <a:t>再生指定の小節頭</a:t>
+            </a:r>
+          </a:p>
+        </p:txBody>
+      </p:sp>
+      <p:cxnSp>
+        <p:nvCxnSpPr>
+          <p:cNvPr id="26" name="直線矢印コネクタ 25">
+            <a:extLst>
+              <a:ext uri="{FF2B5EF4-FFF2-40B4-BE49-F238E27FC236}">
+                <a16:creationId xmlns:a16="http://schemas.microsoft.com/office/drawing/2014/main" id="{A7BA5F11-9BEB-0953-3E44-7AA117DDFD11}"/>
+              </a:ext>
+            </a:extLst>
+          </p:cNvPr>
+          <p:cNvCxnSpPr>
+            <a:cxnSpLocks/>
+          </p:cNvCxnSpPr>
+          <p:nvPr/>
+        </p:nvCxnSpPr>
+        <p:spPr>
+          <a:xfrm>
+            <a:off x="2638838" y="1039035"/>
+            <a:ext cx="919371" cy="0"/>
+          </a:xfrm>
+          <a:prstGeom prst="straightConnector1">
+            <a:avLst/>
+          </a:prstGeom>
+          <a:ln w="38100">
+            <a:solidFill>
+              <a:schemeClr val="tx1"/>
+            </a:solidFill>
+            <a:tailEnd type="triangle"/>
+          </a:ln>
+        </p:spPr>
+        <p:style>
+          <a:lnRef idx="1">
+            <a:schemeClr val="accent1"/>
+          </a:lnRef>
+          <a:fillRef idx="0">
+            <a:schemeClr val="accent1"/>
+          </a:fillRef>
+          <a:effectRef idx="0">
+            <a:schemeClr val="accent1"/>
+          </a:effectRef>
+          <a:fontRef idx="minor">
+            <a:schemeClr val="tx1"/>
+          </a:fontRef>
+        </p:style>
+      </p:cxnSp>
+      <p:sp>
+        <p:nvSpPr>
+          <p:cNvPr id="28" name="テキスト ボックス 27">
+            <a:extLst>
+              <a:ext uri="{FF2B5EF4-FFF2-40B4-BE49-F238E27FC236}">
+                <a16:creationId xmlns:a16="http://schemas.microsoft.com/office/drawing/2014/main" id="{04996D22-7AE2-9310-DDE6-3F6DF9358B66}"/>
+              </a:ext>
+            </a:extLst>
+          </p:cNvPr>
+          <p:cNvSpPr txBox="1"/>
+          <p:nvPr/>
+        </p:nvSpPr>
+        <p:spPr>
+          <a:xfrm>
+            <a:off x="2638838" y="704886"/>
+            <a:ext cx="810040" cy="369332"/>
+          </a:xfrm>
+          <a:prstGeom prst="rect">
+            <a:avLst/>
+          </a:prstGeom>
+          <a:noFill/>
+        </p:spPr>
+        <p:txBody>
+          <a:bodyPr wrap="square" rtlCol="0">
+            <a:spAutoFit/>
+          </a:bodyPr>
+          <a:lstStyle/>
+          <a:p>
+            <a:pPr algn="ctr"/>
+            <a:r>
+              <a:rPr lang="en-US" altLang="ja-JP"/>
+              <a:t>time</a:t>
+            </a:r>
+            <a:endParaRPr kumimoji="1" lang="ja-JP" altLang="en-US"/>
+          </a:p>
+        </p:txBody>
+      </p:sp>
+      <p:sp>
+        <p:nvSpPr>
+          <p:cNvPr id="29" name="テキスト ボックス 28">
+            <a:extLst>
+              <a:ext uri="{FF2B5EF4-FFF2-40B4-BE49-F238E27FC236}">
+                <a16:creationId xmlns:a16="http://schemas.microsoft.com/office/drawing/2014/main" id="{4E4207E5-3A59-11CF-4D89-C2BD5C8804F7}"/>
+              </a:ext>
+            </a:extLst>
+          </p:cNvPr>
+          <p:cNvSpPr txBox="1"/>
+          <p:nvPr/>
+        </p:nvSpPr>
+        <p:spPr>
+          <a:xfrm>
+            <a:off x="248480" y="5234373"/>
+            <a:ext cx="3309715" cy="830997"/>
+          </a:xfrm>
+          <a:prstGeom prst="rect">
+            <a:avLst/>
+          </a:prstGeom>
+          <a:solidFill>
+            <a:srgbClr val="2AFEFF"/>
+          </a:solidFill>
+          <a:ln>
+            <a:noFill/>
+          </a:ln>
+        </p:spPr>
+        <p:txBody>
+          <a:bodyPr wrap="square" rtlCol="0">
+            <a:spAutoFit/>
+          </a:bodyPr>
+          <a:lstStyle/>
+          <a:p>
+            <a:r>
+              <a:rPr kumimoji="1" lang="en-US" altLang="ja-JP" sz="1600">
+                <a:latin typeface="+mj-lt"/>
+              </a:rPr>
+              <a:t>&lt;</a:t>
+            </a:r>
+            <a:r>
+              <a:rPr kumimoji="1" lang="ja-JP" altLang="en-US" sz="1600">
+                <a:latin typeface="+mj-lt"/>
+              </a:rPr>
+              <a:t>用法</a:t>
+            </a:r>
+            <a:r>
+              <a:rPr kumimoji="1" lang="en-US" altLang="ja-JP" sz="1600">
+                <a:latin typeface="+mj-lt"/>
+              </a:rPr>
+              <a:t>&gt;</a:t>
+            </a:r>
+          </a:p>
+          <a:p>
+            <a:r>
+              <a:rPr lang="ja-JP" altLang="en-US" sz="1600">
+                <a:latin typeface="+mj-lt"/>
+              </a:rPr>
+              <a:t>ある</a:t>
+            </a:r>
+            <a:r>
+              <a:rPr lang="en-US" altLang="ja-JP" sz="1600">
+                <a:latin typeface="+mj-lt"/>
+              </a:rPr>
+              <a:t>Loop</a:t>
+            </a:r>
+            <a:r>
+              <a:rPr lang="ja-JP" altLang="en-US" sz="1600">
+                <a:latin typeface="+mj-lt"/>
+              </a:rPr>
+              <a:t>で再生中の一部分だけ別</a:t>
+            </a:r>
+            <a:r>
+              <a:rPr lang="en-US" altLang="ja-JP" sz="1600">
+                <a:latin typeface="+mj-lt"/>
+              </a:rPr>
+              <a:t>Phrase</a:t>
+            </a:r>
+            <a:r>
+              <a:rPr lang="ja-JP" altLang="en-US" sz="1600">
+                <a:latin typeface="+mj-lt"/>
+              </a:rPr>
+              <a:t>に差し替えたい</a:t>
+            </a:r>
+            <a:endParaRPr kumimoji="1" lang="ja-JP" altLang="en-US" sz="1600">
+              <a:latin typeface="+mj-lt"/>
+            </a:endParaRPr>
+          </a:p>
+        </p:txBody>
+      </p:sp>
+    </p:spTree>
+    <p:extLst>
+      <p:ext uri="{BB962C8B-B14F-4D97-AF65-F5344CB8AC3E}">
+        <p14:creationId xmlns:p14="http://schemas.microsoft.com/office/powerpoint/2010/main" val="62876661"/>
+      </p:ext>
+    </p:extLst>
+  </p:cSld>
+  <p:clrMapOvr>
+    <a:masterClrMapping/>
+  </p:clrMapOvr>
+</p:sld>
+</file>
+
+<file path=ppt/slides/slide19.xml><?xml version="1.0" encoding="utf-8"?>
+<p:sld xmlns:a="http://schemas.openxmlformats.org/drawingml/2006/main" xmlns:r="http://schemas.openxmlformats.org/officeDocument/2006/relationships" xmlns:p="http://schemas.openxmlformats.org/presentationml/2006/main">
+  <p:cSld>
+    <p:spTree>
+      <p:nvGrpSpPr>
+        <p:cNvPr id="1" name=""/>
+        <p:cNvGrpSpPr/>
+        <p:nvPr/>
+      </p:nvGrpSpPr>
+      <p:grpSpPr>
+        <a:xfrm>
+          <a:off x="0" y="0"/>
+          <a:ext cx="0" cy="0"/>
+          <a:chOff x="0" y="0"/>
+          <a:chExt cx="0" cy="0"/>
+        </a:xfrm>
+      </p:grpSpPr>
+      <p:sp>
+        <p:nvSpPr>
+          <p:cNvPr id="2" name="正方形/長方形 1">
+            <a:extLst>
+              <a:ext uri="{FF2B5EF4-FFF2-40B4-BE49-F238E27FC236}">
+                <a16:creationId xmlns:a16="http://schemas.microsoft.com/office/drawing/2014/main" id="{744E7DF7-D403-82E5-31BC-545A9370CF7F}"/>
+              </a:ext>
+            </a:extLst>
+          </p:cNvPr>
+          <p:cNvSpPr/>
+          <p:nvPr/>
+        </p:nvSpPr>
+        <p:spPr>
+          <a:xfrm>
+            <a:off x="2604053" y="1570382"/>
+            <a:ext cx="1967947" cy="685800"/>
+          </a:xfrm>
+          <a:prstGeom prst="rect">
+            <a:avLst/>
+          </a:prstGeom>
+          <a:solidFill>
+            <a:schemeClr val="accent1">
+              <a:lumMod val="40000"/>
+              <a:lumOff val="60000"/>
+            </a:schemeClr>
+          </a:solidFill>
+        </p:spPr>
+        <p:style>
+          <a:lnRef idx="2">
+            <a:schemeClr val="accent1">
+              <a:shade val="15000"/>
+            </a:schemeClr>
+          </a:lnRef>
+          <a:fillRef idx="1">
+            <a:schemeClr val="accent1"/>
+          </a:fillRef>
+          <a:effectRef idx="0">
+            <a:schemeClr val="accent1"/>
+          </a:effectRef>
+          <a:fontRef idx="minor">
+            <a:schemeClr val="lt1"/>
+          </a:fontRef>
+        </p:style>
+        <p:txBody>
+          <a:bodyPr rtlCol="0" anchor="ctr"/>
+          <a:lstStyle/>
+          <a:p>
+            <a:pPr algn="ctr"/>
+            <a:r>
+              <a:rPr kumimoji="1" lang="en-US" altLang="ja-JP"/>
+              <a:t>Loop A</a:t>
+            </a:r>
+            <a:endParaRPr kumimoji="1" lang="ja-JP" altLang="en-US"/>
+          </a:p>
+        </p:txBody>
+      </p:sp>
+      <p:sp>
+        <p:nvSpPr>
+          <p:cNvPr id="3" name="正方形/長方形 2">
+            <a:extLst>
+              <a:ext uri="{FF2B5EF4-FFF2-40B4-BE49-F238E27FC236}">
+                <a16:creationId xmlns:a16="http://schemas.microsoft.com/office/drawing/2014/main" id="{53AA318B-28BB-36CD-C3FF-B899F4C4F640}"/>
+              </a:ext>
+            </a:extLst>
+          </p:cNvPr>
+          <p:cNvSpPr/>
+          <p:nvPr/>
+        </p:nvSpPr>
+        <p:spPr>
+          <a:xfrm>
+            <a:off x="4562062" y="1570382"/>
+            <a:ext cx="1967947" cy="685800"/>
+          </a:xfrm>
+          <a:prstGeom prst="rect">
+            <a:avLst/>
+          </a:prstGeom>
+          <a:solidFill>
+            <a:schemeClr val="accent1">
+              <a:lumMod val="40000"/>
+              <a:lumOff val="60000"/>
+            </a:schemeClr>
+          </a:solidFill>
+        </p:spPr>
+        <p:style>
+          <a:lnRef idx="2">
+            <a:schemeClr val="accent1">
+              <a:shade val="15000"/>
+            </a:schemeClr>
+          </a:lnRef>
+          <a:fillRef idx="1">
+            <a:schemeClr val="accent1"/>
+          </a:fillRef>
+          <a:effectRef idx="0">
+            <a:schemeClr val="accent1"/>
+          </a:effectRef>
+          <a:fontRef idx="minor">
+            <a:schemeClr val="lt1"/>
+          </a:fontRef>
+        </p:style>
+        <p:txBody>
+          <a:bodyPr rtlCol="0" anchor="ctr"/>
+          <a:lstStyle/>
+          <a:p>
+            <a:pPr algn="ctr"/>
+            <a:r>
+              <a:rPr kumimoji="1" lang="en-US" altLang="ja-JP"/>
+              <a:t>Loop A</a:t>
+            </a:r>
+            <a:endParaRPr kumimoji="1" lang="ja-JP" altLang="en-US"/>
+          </a:p>
+        </p:txBody>
+      </p:sp>
+      <p:sp>
+        <p:nvSpPr>
+          <p:cNvPr id="4" name="正方形/長方形 3">
+            <a:extLst>
+              <a:ext uri="{FF2B5EF4-FFF2-40B4-BE49-F238E27FC236}">
+                <a16:creationId xmlns:a16="http://schemas.microsoft.com/office/drawing/2014/main" id="{59CADE7D-ABDC-AD68-919F-8F54F5880D12}"/>
+              </a:ext>
+            </a:extLst>
+          </p:cNvPr>
+          <p:cNvSpPr/>
+          <p:nvPr/>
+        </p:nvSpPr>
+        <p:spPr>
+          <a:xfrm>
+            <a:off x="6530010" y="1570382"/>
+            <a:ext cx="1967947" cy="685800"/>
+          </a:xfrm>
+          <a:prstGeom prst="rect">
+            <a:avLst/>
+          </a:prstGeom>
+          <a:solidFill>
+            <a:schemeClr val="accent2">
+              <a:lumMod val="40000"/>
+              <a:lumOff val="60000"/>
+            </a:schemeClr>
+          </a:solidFill>
+        </p:spPr>
+        <p:style>
+          <a:lnRef idx="2">
+            <a:schemeClr val="accent1">
+              <a:shade val="15000"/>
+            </a:schemeClr>
+          </a:lnRef>
+          <a:fillRef idx="1">
+            <a:schemeClr val="accent1"/>
+          </a:fillRef>
+          <a:effectRef idx="0">
+            <a:schemeClr val="accent1"/>
+          </a:effectRef>
+          <a:fontRef idx="minor">
+            <a:schemeClr val="lt1"/>
+          </a:fontRef>
+        </p:style>
+        <p:txBody>
+          <a:bodyPr rtlCol="0" anchor="ctr"/>
+          <a:lstStyle/>
+          <a:p>
+            <a:pPr algn="ctr"/>
+            <a:r>
+              <a:rPr kumimoji="1" lang="en-US" altLang="ja-JP"/>
+              <a:t>Loop B</a:t>
+            </a:r>
+            <a:endParaRPr kumimoji="1" lang="ja-JP" altLang="en-US"/>
+          </a:p>
+        </p:txBody>
+      </p:sp>
+      <p:sp>
+        <p:nvSpPr>
+          <p:cNvPr id="5" name="正方形/長方形 4">
+            <a:extLst>
+              <a:ext uri="{FF2B5EF4-FFF2-40B4-BE49-F238E27FC236}">
+                <a16:creationId xmlns:a16="http://schemas.microsoft.com/office/drawing/2014/main" id="{52364590-653A-3C6F-2578-6F3010260A73}"/>
+              </a:ext>
+            </a:extLst>
+          </p:cNvPr>
+          <p:cNvSpPr/>
+          <p:nvPr/>
+        </p:nvSpPr>
+        <p:spPr>
+          <a:xfrm>
+            <a:off x="8497957" y="1570382"/>
+            <a:ext cx="1967947" cy="685800"/>
+          </a:xfrm>
+          <a:prstGeom prst="rect">
+            <a:avLst/>
+          </a:prstGeom>
+          <a:solidFill>
+            <a:schemeClr val="accent2">
+              <a:lumMod val="40000"/>
+              <a:lumOff val="60000"/>
+            </a:schemeClr>
+          </a:solidFill>
+        </p:spPr>
+        <p:style>
+          <a:lnRef idx="2">
+            <a:schemeClr val="accent1">
+              <a:shade val="15000"/>
+            </a:schemeClr>
+          </a:lnRef>
+          <a:fillRef idx="1">
+            <a:schemeClr val="accent1"/>
+          </a:fillRef>
+          <a:effectRef idx="0">
+            <a:schemeClr val="accent1"/>
+          </a:effectRef>
+          <a:fontRef idx="minor">
+            <a:schemeClr val="lt1"/>
+          </a:fontRef>
+        </p:style>
+        <p:txBody>
+          <a:bodyPr rtlCol="0" anchor="ctr"/>
+          <a:lstStyle/>
+          <a:p>
+            <a:pPr algn="ctr"/>
+            <a:r>
+              <a:rPr kumimoji="1" lang="en-US" altLang="ja-JP"/>
+              <a:t>Loop B</a:t>
+            </a:r>
+            <a:endParaRPr kumimoji="1" lang="ja-JP" altLang="en-US"/>
+          </a:p>
+        </p:txBody>
+      </p:sp>
+      <p:sp>
+        <p:nvSpPr>
+          <p:cNvPr id="6" name="テキスト ボックス 5">
+            <a:extLst>
+              <a:ext uri="{FF2B5EF4-FFF2-40B4-BE49-F238E27FC236}">
+                <a16:creationId xmlns:a16="http://schemas.microsoft.com/office/drawing/2014/main" id="{51EECE68-57DE-9CB2-B504-66DABEC37950}"/>
+              </a:ext>
+            </a:extLst>
+          </p:cNvPr>
+          <p:cNvSpPr txBox="1"/>
+          <p:nvPr/>
+        </p:nvSpPr>
+        <p:spPr>
+          <a:xfrm>
+            <a:off x="979006" y="1728616"/>
+            <a:ext cx="1421295" cy="369332"/>
+          </a:xfrm>
+          <a:prstGeom prst="rect">
+            <a:avLst/>
+          </a:prstGeom>
+          <a:noFill/>
+        </p:spPr>
+        <p:txBody>
+          <a:bodyPr wrap="square" rtlCol="0">
+            <a:spAutoFit/>
+          </a:bodyPr>
+          <a:lstStyle/>
+          <a:p>
+            <a:r>
+              <a:rPr kumimoji="1" lang="ja-JP" altLang="en-US"/>
+              <a:t>通常の</a:t>
+            </a:r>
+            <a:r>
+              <a:rPr kumimoji="1" lang="en-US" altLang="ja-JP"/>
+              <a:t>Loop</a:t>
+            </a:r>
+            <a:endParaRPr kumimoji="1" lang="ja-JP" altLang="en-US"/>
+          </a:p>
+        </p:txBody>
+      </p:sp>
+      <p:sp>
+        <p:nvSpPr>
+          <p:cNvPr id="7" name="正方形/長方形 6">
+            <a:extLst>
+              <a:ext uri="{FF2B5EF4-FFF2-40B4-BE49-F238E27FC236}">
+                <a16:creationId xmlns:a16="http://schemas.microsoft.com/office/drawing/2014/main" id="{C5850C76-3AD8-9296-3393-BC1897E9AD34}"/>
+              </a:ext>
+            </a:extLst>
+          </p:cNvPr>
+          <p:cNvSpPr/>
+          <p:nvPr/>
+        </p:nvSpPr>
+        <p:spPr>
+          <a:xfrm>
+            <a:off x="2604053" y="3071191"/>
+            <a:ext cx="1967947" cy="685800"/>
+          </a:xfrm>
+          <a:prstGeom prst="rect">
+            <a:avLst/>
+          </a:prstGeom>
+          <a:solidFill>
+            <a:schemeClr val="accent1">
+              <a:lumMod val="40000"/>
+              <a:lumOff val="60000"/>
+            </a:schemeClr>
+          </a:solidFill>
+        </p:spPr>
+        <p:style>
+          <a:lnRef idx="2">
+            <a:schemeClr val="accent1">
+              <a:shade val="15000"/>
+            </a:schemeClr>
+          </a:lnRef>
+          <a:fillRef idx="1">
+            <a:schemeClr val="accent1"/>
+          </a:fillRef>
+          <a:effectRef idx="0">
+            <a:schemeClr val="accent1"/>
+          </a:effectRef>
+          <a:fontRef idx="minor">
+            <a:schemeClr val="lt1"/>
+          </a:fontRef>
+        </p:style>
+        <p:txBody>
+          <a:bodyPr rtlCol="0" anchor="ctr"/>
+          <a:lstStyle/>
+          <a:p>
+            <a:pPr algn="ctr"/>
+            <a:r>
+              <a:rPr kumimoji="1" lang="en-US" altLang="ja-JP"/>
+              <a:t>Loop A</a:t>
+            </a:r>
+            <a:endParaRPr kumimoji="1" lang="ja-JP" altLang="en-US"/>
+          </a:p>
+        </p:txBody>
+      </p:sp>
+      <p:sp>
+        <p:nvSpPr>
+          <p:cNvPr id="8" name="正方形/長方形 7">
+            <a:extLst>
+              <a:ext uri="{FF2B5EF4-FFF2-40B4-BE49-F238E27FC236}">
+                <a16:creationId xmlns:a16="http://schemas.microsoft.com/office/drawing/2014/main" id="{2F429AE2-F87D-DF81-F95C-2F825F187465}"/>
+              </a:ext>
+            </a:extLst>
+          </p:cNvPr>
+          <p:cNvSpPr/>
+          <p:nvPr/>
+        </p:nvSpPr>
+        <p:spPr>
+          <a:xfrm>
+            <a:off x="4562063" y="3071191"/>
+            <a:ext cx="675855" cy="685800"/>
+          </a:xfrm>
+          <a:prstGeom prst="rect">
+            <a:avLst/>
+          </a:prstGeom>
+          <a:solidFill>
+            <a:schemeClr val="accent1">
+              <a:lumMod val="40000"/>
+              <a:lumOff val="60000"/>
+            </a:schemeClr>
+          </a:solidFill>
+        </p:spPr>
+        <p:style>
+          <a:lnRef idx="2">
+            <a:schemeClr val="accent1">
+              <a:shade val="15000"/>
+            </a:schemeClr>
+          </a:lnRef>
+          <a:fillRef idx="1">
+            <a:schemeClr val="accent1"/>
+          </a:fillRef>
+          <a:effectRef idx="0">
+            <a:schemeClr val="accent1"/>
+          </a:effectRef>
+          <a:fontRef idx="minor">
+            <a:schemeClr val="lt1"/>
+          </a:fontRef>
+        </p:style>
+        <p:txBody>
+          <a:bodyPr rtlCol="0" anchor="ctr"/>
+          <a:lstStyle/>
+          <a:p>
+            <a:pPr algn="ctr"/>
+            <a:endParaRPr kumimoji="1" lang="ja-JP" altLang="en-US"/>
+          </a:p>
+        </p:txBody>
+      </p:sp>
+      <p:sp>
+        <p:nvSpPr>
+          <p:cNvPr id="9" name="テキスト ボックス 8">
+            <a:extLst>
+              <a:ext uri="{FF2B5EF4-FFF2-40B4-BE49-F238E27FC236}">
+                <a16:creationId xmlns:a16="http://schemas.microsoft.com/office/drawing/2014/main" id="{2F3D73EF-DC35-5572-C685-493ECFBA1615}"/>
+              </a:ext>
+            </a:extLst>
+          </p:cNvPr>
+          <p:cNvSpPr txBox="1"/>
+          <p:nvPr/>
+        </p:nvSpPr>
+        <p:spPr>
+          <a:xfrm>
+            <a:off x="646044" y="3229425"/>
+            <a:ext cx="1828800" cy="646331"/>
+          </a:xfrm>
+          <a:prstGeom prst="rect">
+            <a:avLst/>
+          </a:prstGeom>
+          <a:noFill/>
+        </p:spPr>
+        <p:txBody>
+          <a:bodyPr wrap="square" rtlCol="0">
+            <a:spAutoFit/>
+          </a:bodyPr>
+          <a:lstStyle/>
+          <a:p>
+            <a:r>
+              <a:rPr lang="en-US" altLang="ja-JP"/>
+              <a:t>Realtime Edit</a:t>
+            </a:r>
+            <a:r>
+              <a:rPr lang="ja-JP" altLang="en-US"/>
+              <a:t>時の</a:t>
+            </a:r>
+            <a:r>
+              <a:rPr kumimoji="1" lang="en-US" altLang="ja-JP"/>
+              <a:t>Loop</a:t>
+            </a:r>
+            <a:endParaRPr kumimoji="1" lang="ja-JP" altLang="en-US"/>
+          </a:p>
+        </p:txBody>
+      </p:sp>
+      <p:sp>
+        <p:nvSpPr>
+          <p:cNvPr id="11" name="正方形/長方形 10">
+            <a:extLst>
+              <a:ext uri="{FF2B5EF4-FFF2-40B4-BE49-F238E27FC236}">
+                <a16:creationId xmlns:a16="http://schemas.microsoft.com/office/drawing/2014/main" id="{7684D909-BA42-D371-3006-1CF448BD6BF4}"/>
+              </a:ext>
+            </a:extLst>
+          </p:cNvPr>
+          <p:cNvSpPr/>
+          <p:nvPr/>
+        </p:nvSpPr>
+        <p:spPr>
+          <a:xfrm>
+            <a:off x="5237922" y="4229100"/>
+            <a:ext cx="1292086" cy="685800"/>
+          </a:xfrm>
+          <a:prstGeom prst="rect">
+            <a:avLst/>
+          </a:prstGeom>
+          <a:solidFill>
+            <a:schemeClr val="accent6">
+              <a:lumMod val="40000"/>
+              <a:lumOff val="60000"/>
+            </a:schemeClr>
+          </a:solidFill>
+          <a:ln>
+            <a:solidFill>
+              <a:schemeClr val="tx1"/>
+            </a:solidFill>
+          </a:ln>
+        </p:spPr>
+        <p:style>
+          <a:lnRef idx="2">
+            <a:schemeClr val="accent1">
+              <a:shade val="15000"/>
+            </a:schemeClr>
+          </a:lnRef>
+          <a:fillRef idx="1">
+            <a:schemeClr val="accent1"/>
+          </a:fillRef>
+          <a:effectRef idx="0">
+            <a:schemeClr val="accent1"/>
+          </a:effectRef>
+          <a:fontRef idx="minor">
+            <a:schemeClr val="lt1"/>
+          </a:fontRef>
+        </p:style>
+        <p:txBody>
+          <a:bodyPr rtlCol="0" anchor="ctr"/>
+          <a:lstStyle/>
+          <a:p>
+            <a:pPr algn="ctr"/>
+            <a:r>
+              <a:rPr kumimoji="1" lang="en-US" altLang="ja-JP"/>
+              <a:t>Loop A’</a:t>
+            </a:r>
+            <a:endParaRPr kumimoji="1" lang="ja-JP" altLang="en-US"/>
+          </a:p>
+        </p:txBody>
+      </p:sp>
+      <p:sp>
+        <p:nvSpPr>
+          <p:cNvPr id="14" name="正方形/長方形 13">
+            <a:extLst>
+              <a:ext uri="{FF2B5EF4-FFF2-40B4-BE49-F238E27FC236}">
+                <a16:creationId xmlns:a16="http://schemas.microsoft.com/office/drawing/2014/main" id="{62C0E06A-E06C-228B-7355-500CFF04A9FB}"/>
+              </a:ext>
+            </a:extLst>
+          </p:cNvPr>
+          <p:cNvSpPr/>
+          <p:nvPr/>
+        </p:nvSpPr>
+        <p:spPr>
+          <a:xfrm>
+            <a:off x="4562062" y="4229100"/>
+            <a:ext cx="675858" cy="685800"/>
+          </a:xfrm>
+          <a:prstGeom prst="rect">
+            <a:avLst/>
+          </a:prstGeom>
+          <a:solidFill>
+            <a:schemeClr val="accent6">
+              <a:lumMod val="20000"/>
+              <a:lumOff val="80000"/>
+            </a:schemeClr>
+          </a:solidFill>
+          <a:ln>
+            <a:solidFill>
+              <a:schemeClr val="accent6">
+                <a:lumMod val="60000"/>
+                <a:lumOff val="40000"/>
+              </a:schemeClr>
+            </a:solidFill>
+          </a:ln>
+        </p:spPr>
+        <p:style>
+          <a:lnRef idx="2">
+            <a:schemeClr val="accent1">
+              <a:shade val="15000"/>
+            </a:schemeClr>
+          </a:lnRef>
+          <a:fillRef idx="1">
+            <a:schemeClr val="accent1"/>
+          </a:fillRef>
+          <a:effectRef idx="0">
+            <a:schemeClr val="accent1"/>
+          </a:effectRef>
+          <a:fontRef idx="minor">
+            <a:schemeClr val="lt1"/>
+          </a:fontRef>
+        </p:style>
+        <p:txBody>
+          <a:bodyPr rtlCol="0" anchor="ctr"/>
+          <a:lstStyle/>
+          <a:p>
+            <a:pPr algn="ctr"/>
+            <a:endParaRPr kumimoji="1" lang="ja-JP" altLang="en-US"/>
+          </a:p>
+        </p:txBody>
+      </p:sp>
+      <p:cxnSp>
+        <p:nvCxnSpPr>
+          <p:cNvPr id="13" name="直線コネクタ 12">
+            <a:extLst>
+              <a:ext uri="{FF2B5EF4-FFF2-40B4-BE49-F238E27FC236}">
+                <a16:creationId xmlns:a16="http://schemas.microsoft.com/office/drawing/2014/main" id="{E28DF308-D9A5-9705-67D3-DD6E7C0BA3BF}"/>
+              </a:ext>
+            </a:extLst>
+          </p:cNvPr>
+          <p:cNvCxnSpPr/>
+          <p:nvPr/>
+        </p:nvCxnSpPr>
+        <p:spPr>
+          <a:xfrm>
+            <a:off x="5237922" y="2753139"/>
+            <a:ext cx="0" cy="2484782"/>
+          </a:xfrm>
+          <a:prstGeom prst="line">
+            <a:avLst/>
+          </a:prstGeom>
+          <a:ln w="19050">
+            <a:solidFill>
+              <a:schemeClr val="tx1"/>
+            </a:solidFill>
+            <a:prstDash val="dash"/>
+          </a:ln>
+        </p:spPr>
+        <p:style>
+          <a:lnRef idx="1">
+            <a:schemeClr val="accent1"/>
+          </a:lnRef>
+          <a:fillRef idx="0">
+            <a:schemeClr val="accent1"/>
+          </a:fillRef>
+          <a:effectRef idx="0">
+            <a:schemeClr val="accent1"/>
+          </a:effectRef>
+          <a:fontRef idx="minor">
+            <a:schemeClr val="tx1"/>
+          </a:fontRef>
+        </p:style>
+      </p:cxnSp>
+      <p:sp>
+        <p:nvSpPr>
+          <p:cNvPr id="15" name="テキスト ボックス 14">
+            <a:extLst>
+              <a:ext uri="{FF2B5EF4-FFF2-40B4-BE49-F238E27FC236}">
+                <a16:creationId xmlns:a16="http://schemas.microsoft.com/office/drawing/2014/main" id="{35D3BB48-A5E5-1722-1D35-5616F39E02BB}"/>
+              </a:ext>
+            </a:extLst>
+          </p:cNvPr>
+          <p:cNvSpPr txBox="1"/>
+          <p:nvPr/>
+        </p:nvSpPr>
+        <p:spPr>
+          <a:xfrm>
+            <a:off x="4114806" y="5729909"/>
+            <a:ext cx="2425140" cy="523220"/>
+          </a:xfrm>
+          <a:prstGeom prst="rect">
+            <a:avLst/>
+          </a:prstGeom>
+          <a:noFill/>
+        </p:spPr>
+        <p:txBody>
+          <a:bodyPr wrap="square" rtlCol="0">
+            <a:spAutoFit/>
+          </a:bodyPr>
+          <a:lstStyle/>
+          <a:p>
+            <a:r>
+              <a:rPr kumimoji="1" lang="ja-JP" altLang="en-US" sz="1400" b="1"/>
+              <a:t>この時点（小節頭ではない</a:t>
+            </a:r>
+            <a:r>
+              <a:rPr kumimoji="1" lang="en-US" altLang="ja-JP" sz="1400" b="1"/>
+              <a:t>)</a:t>
+            </a:r>
+            <a:r>
+              <a:rPr kumimoji="1" lang="ja-JP" altLang="en-US" sz="1400" b="1"/>
+              <a:t>でデータ入力</a:t>
+            </a:r>
+          </a:p>
+        </p:txBody>
+      </p:sp>
+      <p:sp>
+        <p:nvSpPr>
+          <p:cNvPr id="16" name="テキスト ボックス 15">
+            <a:extLst>
+              <a:ext uri="{FF2B5EF4-FFF2-40B4-BE49-F238E27FC236}">
+                <a16:creationId xmlns:a16="http://schemas.microsoft.com/office/drawing/2014/main" id="{C790716C-CBDC-16CF-13E2-5C1EB10C6A2A}"/>
+              </a:ext>
+            </a:extLst>
+          </p:cNvPr>
+          <p:cNvSpPr txBox="1"/>
+          <p:nvPr/>
+        </p:nvSpPr>
+        <p:spPr>
+          <a:xfrm>
+            <a:off x="4899989" y="2491049"/>
+            <a:ext cx="2156794" cy="276999"/>
+          </a:xfrm>
+          <a:prstGeom prst="rect">
+            <a:avLst/>
+          </a:prstGeom>
+          <a:noFill/>
+        </p:spPr>
+        <p:txBody>
+          <a:bodyPr wrap="square" rtlCol="0">
+            <a:spAutoFit/>
+          </a:bodyPr>
+          <a:lstStyle/>
+          <a:p>
+            <a:r>
+              <a:rPr kumimoji="1" lang="en-US" altLang="ja-JP" sz="1200">
+                <a:solidFill>
+                  <a:srgbClr val="FF0000"/>
+                </a:solidFill>
+              </a:rPr>
+              <a:t>Instance2</a:t>
+            </a:r>
+            <a:r>
+              <a:rPr kumimoji="1" lang="ja-JP" altLang="en-US" sz="1200">
+                <a:solidFill>
+                  <a:srgbClr val="FF0000"/>
+                </a:solidFill>
+              </a:rPr>
+              <a:t>はここで解放指示</a:t>
+            </a:r>
+          </a:p>
+        </p:txBody>
+      </p:sp>
+      <p:sp>
+        <p:nvSpPr>
+          <p:cNvPr id="17" name="テキスト ボックス 16">
+            <a:extLst>
+              <a:ext uri="{FF2B5EF4-FFF2-40B4-BE49-F238E27FC236}">
+                <a16:creationId xmlns:a16="http://schemas.microsoft.com/office/drawing/2014/main" id="{4A13F57B-155E-EF62-6D5A-E637E1D379ED}"/>
+              </a:ext>
+            </a:extLst>
+          </p:cNvPr>
+          <p:cNvSpPr txBox="1"/>
+          <p:nvPr/>
+        </p:nvSpPr>
+        <p:spPr>
+          <a:xfrm>
+            <a:off x="2638838" y="2799162"/>
+            <a:ext cx="1023733" cy="276999"/>
+          </a:xfrm>
+          <a:prstGeom prst="rect">
+            <a:avLst/>
+          </a:prstGeom>
+          <a:noFill/>
+        </p:spPr>
+        <p:txBody>
+          <a:bodyPr wrap="square" rtlCol="0">
+            <a:spAutoFit/>
+          </a:bodyPr>
+          <a:lstStyle/>
+          <a:p>
+            <a:r>
+              <a:rPr kumimoji="1" lang="en-US" altLang="ja-JP" sz="1200" b="1">
+                <a:solidFill>
+                  <a:srgbClr val="0070C0"/>
+                </a:solidFill>
+              </a:rPr>
+              <a:t>Instance1</a:t>
+            </a:r>
+            <a:endParaRPr kumimoji="1" lang="ja-JP" altLang="en-US" sz="1200" b="1">
+              <a:solidFill>
+                <a:srgbClr val="0070C0"/>
+              </a:solidFill>
+            </a:endParaRPr>
+          </a:p>
+        </p:txBody>
+      </p:sp>
+      <p:sp>
+        <p:nvSpPr>
+          <p:cNvPr id="18" name="テキスト ボックス 17">
+            <a:extLst>
+              <a:ext uri="{FF2B5EF4-FFF2-40B4-BE49-F238E27FC236}">
+                <a16:creationId xmlns:a16="http://schemas.microsoft.com/office/drawing/2014/main" id="{57713D9A-5AA6-DC2B-BEA1-97CD48CC23B7}"/>
+              </a:ext>
+            </a:extLst>
+          </p:cNvPr>
+          <p:cNvSpPr txBox="1"/>
+          <p:nvPr/>
+        </p:nvSpPr>
+        <p:spPr>
+          <a:xfrm>
+            <a:off x="4388124" y="2789222"/>
+            <a:ext cx="1023733" cy="276999"/>
+          </a:xfrm>
+          <a:prstGeom prst="rect">
+            <a:avLst/>
+          </a:prstGeom>
+          <a:noFill/>
+        </p:spPr>
+        <p:txBody>
+          <a:bodyPr wrap="square" rtlCol="0">
+            <a:spAutoFit/>
+          </a:bodyPr>
+          <a:lstStyle/>
+          <a:p>
+            <a:r>
+              <a:rPr kumimoji="1" lang="en-US" altLang="ja-JP" sz="1200" b="1">
+                <a:solidFill>
+                  <a:srgbClr val="0070C0"/>
+                </a:solidFill>
+              </a:rPr>
+              <a:t>Instance2</a:t>
+            </a:r>
+            <a:endParaRPr kumimoji="1" lang="ja-JP" altLang="en-US" sz="1200" b="1">
+              <a:solidFill>
+                <a:srgbClr val="0070C0"/>
+              </a:solidFill>
+            </a:endParaRPr>
+          </a:p>
+        </p:txBody>
+      </p:sp>
+      <p:sp>
+        <p:nvSpPr>
+          <p:cNvPr id="19" name="テキスト ボックス 18">
+            <a:extLst>
+              <a:ext uri="{FF2B5EF4-FFF2-40B4-BE49-F238E27FC236}">
+                <a16:creationId xmlns:a16="http://schemas.microsoft.com/office/drawing/2014/main" id="{9E20C6D4-E6C7-824A-88AE-1D35DB21C4A7}"/>
+              </a:ext>
+            </a:extLst>
+          </p:cNvPr>
+          <p:cNvSpPr txBox="1"/>
+          <p:nvPr/>
+        </p:nvSpPr>
+        <p:spPr>
+          <a:xfrm>
+            <a:off x="5277675" y="3945547"/>
+            <a:ext cx="1023733" cy="276999"/>
+          </a:xfrm>
+          <a:prstGeom prst="rect">
+            <a:avLst/>
+          </a:prstGeom>
+          <a:noFill/>
+        </p:spPr>
+        <p:txBody>
+          <a:bodyPr wrap="square" rtlCol="0">
+            <a:spAutoFit/>
+          </a:bodyPr>
+          <a:lstStyle/>
+          <a:p>
+            <a:r>
+              <a:rPr kumimoji="1" lang="en-US" altLang="ja-JP" sz="1200" b="1">
+                <a:solidFill>
+                  <a:srgbClr val="0070C0"/>
+                </a:solidFill>
+              </a:rPr>
+              <a:t>Instance3</a:t>
+            </a:r>
+            <a:endParaRPr kumimoji="1" lang="ja-JP" altLang="en-US" sz="1200" b="1">
+              <a:solidFill>
+                <a:srgbClr val="0070C0"/>
+              </a:solidFill>
+            </a:endParaRPr>
+          </a:p>
+        </p:txBody>
+      </p:sp>
+      <p:sp>
+        <p:nvSpPr>
+          <p:cNvPr id="20" name="テキスト ボックス 19">
+            <a:extLst>
+              <a:ext uri="{FF2B5EF4-FFF2-40B4-BE49-F238E27FC236}">
+                <a16:creationId xmlns:a16="http://schemas.microsoft.com/office/drawing/2014/main" id="{3FDEA68F-6625-E5AE-230D-6D99EB133B63}"/>
+              </a:ext>
+            </a:extLst>
+          </p:cNvPr>
+          <p:cNvSpPr txBox="1"/>
+          <p:nvPr/>
+        </p:nvSpPr>
+        <p:spPr>
+          <a:xfrm>
+            <a:off x="4572000" y="5215918"/>
+            <a:ext cx="1967946" cy="461665"/>
+          </a:xfrm>
+          <a:prstGeom prst="rect">
+            <a:avLst/>
+          </a:prstGeom>
+          <a:noFill/>
+        </p:spPr>
+        <p:txBody>
+          <a:bodyPr wrap="square" rtlCol="0">
+            <a:spAutoFit/>
+          </a:bodyPr>
+          <a:lstStyle/>
+          <a:p>
+            <a:r>
+              <a:rPr kumimoji="1" lang="en-US" altLang="ja-JP" sz="1200">
+                <a:solidFill>
+                  <a:srgbClr val="FF0000"/>
+                </a:solidFill>
+              </a:rPr>
+              <a:t>Instance3</a:t>
+            </a:r>
+            <a:r>
+              <a:rPr kumimoji="1" lang="ja-JP" altLang="en-US" sz="1200">
+                <a:solidFill>
+                  <a:srgbClr val="FF0000"/>
+                </a:solidFill>
+              </a:rPr>
+              <a:t>は入力タイミングまで早送りして生成</a:t>
+            </a:r>
+          </a:p>
+        </p:txBody>
+      </p:sp>
+      <p:sp>
+        <p:nvSpPr>
+          <p:cNvPr id="21" name="正方形/長方形 20">
+            <a:extLst>
+              <a:ext uri="{FF2B5EF4-FFF2-40B4-BE49-F238E27FC236}">
+                <a16:creationId xmlns:a16="http://schemas.microsoft.com/office/drawing/2014/main" id="{B76F8B27-E060-52BA-6AE9-BF45D8402F1F}"/>
+              </a:ext>
+            </a:extLst>
+          </p:cNvPr>
+          <p:cNvSpPr/>
+          <p:nvPr/>
+        </p:nvSpPr>
+        <p:spPr>
+          <a:xfrm>
+            <a:off x="6530010" y="4229100"/>
+            <a:ext cx="1967947" cy="685800"/>
+          </a:xfrm>
+          <a:prstGeom prst="rect">
+            <a:avLst/>
+          </a:prstGeom>
+          <a:solidFill>
+            <a:schemeClr val="accent6">
+              <a:lumMod val="40000"/>
+              <a:lumOff val="60000"/>
+            </a:schemeClr>
+          </a:solidFill>
+        </p:spPr>
+        <p:style>
+          <a:lnRef idx="2">
+            <a:schemeClr val="accent1">
+              <a:shade val="15000"/>
+            </a:schemeClr>
+          </a:lnRef>
+          <a:fillRef idx="1">
+            <a:schemeClr val="accent1"/>
+          </a:fillRef>
+          <a:effectRef idx="0">
+            <a:schemeClr val="accent1"/>
+          </a:effectRef>
+          <a:fontRef idx="minor">
+            <a:schemeClr val="lt1"/>
+          </a:fontRef>
+        </p:style>
+        <p:txBody>
+          <a:bodyPr rtlCol="0" anchor="ctr"/>
+          <a:lstStyle/>
+          <a:p>
+            <a:pPr algn="ctr"/>
+            <a:r>
+              <a:rPr kumimoji="1" lang="en-US" altLang="ja-JP"/>
+              <a:t>Loop A’</a:t>
+            </a:r>
+            <a:endParaRPr kumimoji="1" lang="ja-JP" altLang="en-US"/>
+          </a:p>
+        </p:txBody>
+      </p:sp>
+      <p:sp>
+        <p:nvSpPr>
+          <p:cNvPr id="22" name="テキスト ボックス 21">
+            <a:extLst>
+              <a:ext uri="{FF2B5EF4-FFF2-40B4-BE49-F238E27FC236}">
+                <a16:creationId xmlns:a16="http://schemas.microsoft.com/office/drawing/2014/main" id="{CDDC59D7-BF19-ECB1-0E4B-7205E4F1E223}"/>
+              </a:ext>
+            </a:extLst>
+          </p:cNvPr>
+          <p:cNvSpPr txBox="1"/>
+          <p:nvPr/>
+        </p:nvSpPr>
+        <p:spPr>
+          <a:xfrm>
+            <a:off x="7603435" y="392704"/>
+            <a:ext cx="3945834" cy="646331"/>
+          </a:xfrm>
+          <a:prstGeom prst="rect">
+            <a:avLst/>
+          </a:prstGeom>
+          <a:noFill/>
+        </p:spPr>
+        <p:txBody>
+          <a:bodyPr wrap="square" rtlCol="0">
+            <a:spAutoFit/>
+          </a:bodyPr>
+          <a:lstStyle/>
+          <a:p>
+            <a:r>
+              <a:rPr lang="en-US" altLang="ja-JP"/>
+              <a:t>Realtime Edit </a:t>
+            </a:r>
+            <a:r>
+              <a:rPr lang="ja-JP" altLang="en-US"/>
+              <a:t>時の</a:t>
+            </a:r>
+            <a:r>
+              <a:rPr lang="en-US" altLang="ja-JP"/>
+              <a:t> PhraseLoop</a:t>
+            </a:r>
+            <a:r>
+              <a:rPr lang="ja-JP" altLang="en-US"/>
+              <a:t>処理</a:t>
+            </a:r>
+            <a:endParaRPr lang="en-US" altLang="ja-JP"/>
+          </a:p>
+          <a:p>
+            <a:r>
+              <a:rPr kumimoji="1" lang="ja-JP" altLang="en-US"/>
+              <a:t>書法</a:t>
+            </a:r>
+            <a:r>
+              <a:rPr lang="en-US" altLang="ja-JP"/>
+              <a:t>: [RT:xxx]</a:t>
+            </a:r>
+            <a:endParaRPr kumimoji="1" lang="ja-JP" altLang="en-US"/>
+          </a:p>
+        </p:txBody>
+      </p:sp>
+      <p:sp>
+        <p:nvSpPr>
+          <p:cNvPr id="23" name="テキスト ボックス 22">
+            <a:extLst>
+              <a:ext uri="{FF2B5EF4-FFF2-40B4-BE49-F238E27FC236}">
+                <a16:creationId xmlns:a16="http://schemas.microsoft.com/office/drawing/2014/main" id="{F428B83D-1C51-B95B-28C3-91384BBF7BF3}"/>
+              </a:ext>
+            </a:extLst>
+          </p:cNvPr>
+          <p:cNvSpPr txBox="1"/>
+          <p:nvPr/>
+        </p:nvSpPr>
+        <p:spPr>
+          <a:xfrm>
+            <a:off x="6341163" y="1225813"/>
+            <a:ext cx="2156794" cy="276999"/>
+          </a:xfrm>
+          <a:prstGeom prst="rect">
+            <a:avLst/>
+          </a:prstGeom>
+          <a:noFill/>
+        </p:spPr>
+        <p:txBody>
+          <a:bodyPr wrap="square" rtlCol="0">
+            <a:spAutoFit/>
+          </a:bodyPr>
+          <a:lstStyle/>
+          <a:p>
+            <a:r>
+              <a:rPr kumimoji="1" lang="ja-JP" altLang="en-US" sz="1200">
+                <a:solidFill>
+                  <a:srgbClr val="FF0000"/>
+                </a:solidFill>
+              </a:rPr>
+              <a:t>小節区切りで次の</a:t>
+            </a:r>
+            <a:r>
+              <a:rPr kumimoji="1" lang="en-US" altLang="ja-JP" sz="1200">
+                <a:solidFill>
+                  <a:srgbClr val="FF0000"/>
+                </a:solidFill>
+              </a:rPr>
+              <a:t> Loop</a:t>
+            </a:r>
+            <a:endParaRPr kumimoji="1" lang="ja-JP" altLang="en-US" sz="1200">
+              <a:solidFill>
+                <a:srgbClr val="FF0000"/>
+              </a:solidFill>
+            </a:endParaRPr>
+          </a:p>
+        </p:txBody>
+      </p:sp>
+      <p:sp>
+        <p:nvSpPr>
+          <p:cNvPr id="24" name="テキスト ボックス 23">
+            <a:extLst>
+              <a:ext uri="{FF2B5EF4-FFF2-40B4-BE49-F238E27FC236}">
+                <a16:creationId xmlns:a16="http://schemas.microsoft.com/office/drawing/2014/main" id="{9D079932-5D40-160C-916D-5577C66AAEB3}"/>
+              </a:ext>
+            </a:extLst>
+          </p:cNvPr>
+          <p:cNvSpPr txBox="1"/>
+          <p:nvPr/>
+        </p:nvSpPr>
+        <p:spPr>
+          <a:xfrm>
+            <a:off x="8001001" y="5073857"/>
+            <a:ext cx="3791777" cy="1477328"/>
+          </a:xfrm>
+          <a:prstGeom prst="rect">
+            <a:avLst/>
+          </a:prstGeom>
+          <a:noFill/>
+        </p:spPr>
+        <p:txBody>
+          <a:bodyPr wrap="square" rtlCol="0">
+            <a:spAutoFit/>
+          </a:bodyPr>
+          <a:lstStyle/>
+          <a:p>
+            <a:r>
+              <a:rPr kumimoji="1" lang="en-US" altLang="ja-JP"/>
+              <a:t>Loop A’</a:t>
+            </a:r>
+            <a:r>
+              <a:rPr kumimoji="1" lang="ja-JP" altLang="en-US"/>
+              <a:t>条件</a:t>
+            </a:r>
+            <a:endParaRPr kumimoji="1" lang="en-US" altLang="ja-JP"/>
+          </a:p>
+          <a:p>
+            <a:pPr marL="285750" indent="-285750">
+              <a:buFont typeface="Arial" panose="020B0604020202020204" pitchFamily="34" charset="0"/>
+              <a:buChar char="•"/>
+            </a:pPr>
+            <a:r>
+              <a:rPr kumimoji="1" lang="en-US" altLang="ja-JP"/>
+              <a:t>Loop A</a:t>
+            </a:r>
+            <a:r>
+              <a:rPr kumimoji="1" lang="ja-JP" altLang="en-US"/>
+              <a:t>と小節数が同じ</a:t>
+            </a:r>
+            <a:endParaRPr kumimoji="1" lang="en-US" altLang="ja-JP"/>
+          </a:p>
+          <a:p>
+            <a:pPr marL="285750" indent="-285750">
+              <a:buFont typeface="Arial" panose="020B0604020202020204" pitchFamily="34" charset="0"/>
+              <a:buChar char="•"/>
+            </a:pPr>
+            <a:r>
+              <a:rPr kumimoji="1" lang="en-US" altLang="ja-JP"/>
+              <a:t>A</a:t>
+            </a:r>
+            <a:r>
+              <a:rPr kumimoji="1" lang="ja-JP" altLang="en-US"/>
+              <a:t>も</a:t>
+            </a:r>
+            <a:r>
+              <a:rPr kumimoji="1" lang="en-US" altLang="ja-JP"/>
+              <a:t>A’</a:t>
+            </a:r>
+            <a:r>
+              <a:rPr kumimoji="1" lang="ja-JP" altLang="en-US"/>
+              <a:t>も中身は空ではない</a:t>
+            </a:r>
+            <a:endParaRPr kumimoji="1" lang="en-US" altLang="ja-JP"/>
+          </a:p>
+          <a:p>
+            <a:pPr marL="285750" indent="-285750">
+              <a:buFont typeface="Arial" panose="020B0604020202020204" pitchFamily="34" charset="0"/>
+              <a:buChar char="•"/>
+            </a:pPr>
+            <a:r>
+              <a:rPr lang="en-US" altLang="ja-JP"/>
+              <a:t>variation</a:t>
+            </a:r>
+            <a:r>
+              <a:rPr lang="ja-JP" altLang="en-US"/>
+              <a:t>指示の場合、現在該当</a:t>
+            </a:r>
+            <a:r>
+              <a:rPr lang="en-US" altLang="ja-JP"/>
+              <a:t>variation</a:t>
+            </a:r>
+            <a:r>
+              <a:rPr lang="ja-JP" altLang="en-US"/>
+              <a:t>なら</a:t>
+            </a:r>
+            <a:r>
+              <a:rPr lang="en-US" altLang="ja-JP"/>
+              <a:t>RT</a:t>
+            </a:r>
+            <a:r>
+              <a:rPr lang="ja-JP" altLang="en-US"/>
+              <a:t>の処理になる</a:t>
+            </a:r>
+            <a:endParaRPr lang="en-US" altLang="ja-JP"/>
+          </a:p>
+        </p:txBody>
+      </p:sp>
+      <p:cxnSp>
+        <p:nvCxnSpPr>
+          <p:cNvPr id="25" name="直線矢印コネクタ 24">
+            <a:extLst>
+              <a:ext uri="{FF2B5EF4-FFF2-40B4-BE49-F238E27FC236}">
+                <a16:creationId xmlns:a16="http://schemas.microsoft.com/office/drawing/2014/main" id="{16BFCCA3-8F00-DF74-8AF9-807ACFB75142}"/>
+              </a:ext>
+            </a:extLst>
+          </p:cNvPr>
+          <p:cNvCxnSpPr>
+            <a:cxnSpLocks/>
+          </p:cNvCxnSpPr>
+          <p:nvPr/>
+        </p:nvCxnSpPr>
+        <p:spPr>
+          <a:xfrm>
+            <a:off x="2638838" y="1039035"/>
+            <a:ext cx="919371" cy="0"/>
+          </a:xfrm>
+          <a:prstGeom prst="straightConnector1">
+            <a:avLst/>
+          </a:prstGeom>
+          <a:ln w="38100">
+            <a:solidFill>
+              <a:schemeClr val="tx1"/>
+            </a:solidFill>
+            <a:tailEnd type="triangle"/>
+          </a:ln>
+        </p:spPr>
+        <p:style>
+          <a:lnRef idx="1">
+            <a:schemeClr val="accent1"/>
+          </a:lnRef>
+          <a:fillRef idx="0">
+            <a:schemeClr val="accent1"/>
+          </a:fillRef>
+          <a:effectRef idx="0">
+            <a:schemeClr val="accent1"/>
+          </a:effectRef>
+          <a:fontRef idx="minor">
+            <a:schemeClr val="tx1"/>
+          </a:fontRef>
+        </p:style>
+      </p:cxnSp>
+      <p:sp>
+        <p:nvSpPr>
+          <p:cNvPr id="26" name="テキスト ボックス 25">
+            <a:extLst>
+              <a:ext uri="{FF2B5EF4-FFF2-40B4-BE49-F238E27FC236}">
+                <a16:creationId xmlns:a16="http://schemas.microsoft.com/office/drawing/2014/main" id="{1B861A0B-F530-8DC0-7045-8507FEFCF5FA}"/>
+              </a:ext>
+            </a:extLst>
+          </p:cNvPr>
+          <p:cNvSpPr txBox="1"/>
+          <p:nvPr/>
+        </p:nvSpPr>
+        <p:spPr>
+          <a:xfrm>
+            <a:off x="2638838" y="704886"/>
+            <a:ext cx="810040" cy="369332"/>
+          </a:xfrm>
+          <a:prstGeom prst="rect">
+            <a:avLst/>
+          </a:prstGeom>
+          <a:noFill/>
+        </p:spPr>
+        <p:txBody>
+          <a:bodyPr wrap="square" rtlCol="0">
+            <a:spAutoFit/>
+          </a:bodyPr>
+          <a:lstStyle/>
+          <a:p>
+            <a:pPr algn="ctr"/>
+            <a:r>
+              <a:rPr lang="en-US" altLang="ja-JP"/>
+              <a:t>time</a:t>
+            </a:r>
+            <a:endParaRPr kumimoji="1" lang="ja-JP" altLang="en-US"/>
+          </a:p>
+        </p:txBody>
+      </p:sp>
+      <p:sp>
+        <p:nvSpPr>
+          <p:cNvPr id="27" name="テキスト ボックス 26">
+            <a:extLst>
+              <a:ext uri="{FF2B5EF4-FFF2-40B4-BE49-F238E27FC236}">
+                <a16:creationId xmlns:a16="http://schemas.microsoft.com/office/drawing/2014/main" id="{13127F22-6828-77D8-34D7-9A726BFD8C0A}"/>
+              </a:ext>
+            </a:extLst>
+          </p:cNvPr>
+          <p:cNvSpPr txBox="1"/>
+          <p:nvPr/>
+        </p:nvSpPr>
+        <p:spPr>
+          <a:xfrm>
+            <a:off x="248480" y="5234373"/>
+            <a:ext cx="3309715" cy="830997"/>
+          </a:xfrm>
+          <a:prstGeom prst="rect">
+            <a:avLst/>
+          </a:prstGeom>
+          <a:solidFill>
+            <a:srgbClr val="2AFEFF"/>
+          </a:solidFill>
+          <a:ln>
+            <a:noFill/>
+          </a:ln>
+        </p:spPr>
+        <p:txBody>
+          <a:bodyPr wrap="square" rtlCol="0">
+            <a:spAutoFit/>
+          </a:bodyPr>
+          <a:lstStyle/>
+          <a:p>
+            <a:r>
+              <a:rPr kumimoji="1" lang="en-US" altLang="ja-JP" sz="1600">
+                <a:latin typeface="+mj-lt"/>
+              </a:rPr>
+              <a:t>&lt;</a:t>
+            </a:r>
+            <a:r>
+              <a:rPr kumimoji="1" lang="ja-JP" altLang="en-US" sz="1600">
+                <a:latin typeface="+mj-lt"/>
+              </a:rPr>
+              <a:t>用法</a:t>
+            </a:r>
+            <a:r>
+              <a:rPr kumimoji="1" lang="en-US" altLang="ja-JP" sz="1600">
+                <a:latin typeface="+mj-lt"/>
+              </a:rPr>
+              <a:t>&gt;</a:t>
+            </a:r>
+          </a:p>
+          <a:p>
+            <a:r>
+              <a:rPr lang="ja-JP" altLang="en-US" sz="1600">
+                <a:latin typeface="+mj-lt"/>
+              </a:rPr>
+              <a:t>今再生中の</a:t>
+            </a:r>
+            <a:r>
+              <a:rPr lang="en-US" altLang="ja-JP" sz="1600">
+                <a:latin typeface="+mj-lt"/>
+              </a:rPr>
+              <a:t>Phrase</a:t>
+            </a:r>
+            <a:r>
+              <a:rPr lang="ja-JP" altLang="en-US" sz="1600">
+                <a:latin typeface="+mj-lt"/>
+              </a:rPr>
+              <a:t>を修正して、今の</a:t>
+            </a:r>
+            <a:r>
+              <a:rPr lang="en-US" altLang="ja-JP" sz="1600">
+                <a:latin typeface="+mj-lt"/>
+              </a:rPr>
+              <a:t>Loop</a:t>
+            </a:r>
+            <a:r>
+              <a:rPr lang="ja-JP" altLang="en-US" sz="1600">
+                <a:latin typeface="+mj-lt"/>
+              </a:rPr>
+              <a:t>中に反映させたい</a:t>
+            </a:r>
+            <a:endParaRPr kumimoji="1" lang="ja-JP" altLang="en-US" sz="1600">
+              <a:latin typeface="+mj-lt"/>
+            </a:endParaRPr>
+          </a:p>
+        </p:txBody>
+      </p:sp>
+    </p:spTree>
+    <p:extLst>
+      <p:ext uri="{BB962C8B-B14F-4D97-AF65-F5344CB8AC3E}">
+        <p14:creationId xmlns:p14="http://schemas.microsoft.com/office/powerpoint/2010/main" val="427524023"/>
+      </p:ext>
+    </p:extLst>
+  </p:cSld>
+  <p:clrMapOvr>
+    <a:masterClrMapping/>
+  </p:clrMapOvr>
+</p:sld>
+</file>
+
 <file path=ppt/slides/slide2.xml><?xml version="1.0" encoding="utf-8"?>
 <p:sld xmlns:a="http://schemas.openxmlformats.org/drawingml/2006/main" xmlns:r="http://schemas.openxmlformats.org/officeDocument/2006/relationships" xmlns:p="http://schemas.openxmlformats.org/presentationml/2006/main">
   <p:cSld>
@@ -12282,6 +15387,1338 @@
     <p:extLst>
       <p:ext uri="{BB962C8B-B14F-4D97-AF65-F5344CB8AC3E}">
         <p14:creationId xmlns:p14="http://schemas.microsoft.com/office/powerpoint/2010/main" val="641730019"/>
+      </p:ext>
+    </p:extLst>
+  </p:cSld>
+  <p:clrMapOvr>
+    <a:masterClrMapping/>
+  </p:clrMapOvr>
+</p:sld>
+</file>
+
+<file path=ppt/slides/slide20.xml><?xml version="1.0" encoding="utf-8"?>
+<p:sld xmlns:a="http://schemas.openxmlformats.org/drawingml/2006/main" xmlns:r="http://schemas.openxmlformats.org/officeDocument/2006/relationships" xmlns:p="http://schemas.openxmlformats.org/presentationml/2006/main">
+  <p:cSld>
+    <p:spTree>
+      <p:nvGrpSpPr>
+        <p:cNvPr id="1" name=""/>
+        <p:cNvGrpSpPr/>
+        <p:nvPr/>
+      </p:nvGrpSpPr>
+      <p:grpSpPr>
+        <a:xfrm>
+          <a:off x="0" y="0"/>
+          <a:ext cx="0" cy="0"/>
+          <a:chOff x="0" y="0"/>
+          <a:chExt cx="0" cy="0"/>
+        </a:xfrm>
+      </p:grpSpPr>
+      <p:sp>
+        <p:nvSpPr>
+          <p:cNvPr id="2" name="正方形/長方形 1">
+            <a:extLst>
+              <a:ext uri="{FF2B5EF4-FFF2-40B4-BE49-F238E27FC236}">
+                <a16:creationId xmlns:a16="http://schemas.microsoft.com/office/drawing/2014/main" id="{744E7DF7-D403-82E5-31BC-545A9370CF7F}"/>
+              </a:ext>
+            </a:extLst>
+          </p:cNvPr>
+          <p:cNvSpPr/>
+          <p:nvPr/>
+        </p:nvSpPr>
+        <p:spPr>
+          <a:xfrm>
+            <a:off x="2604053" y="1570382"/>
+            <a:ext cx="1967947" cy="685800"/>
+          </a:xfrm>
+          <a:prstGeom prst="rect">
+            <a:avLst/>
+          </a:prstGeom>
+          <a:solidFill>
+            <a:schemeClr val="accent1">
+              <a:lumMod val="40000"/>
+              <a:lumOff val="60000"/>
+            </a:schemeClr>
+          </a:solidFill>
+        </p:spPr>
+        <p:style>
+          <a:lnRef idx="2">
+            <a:schemeClr val="accent1">
+              <a:shade val="15000"/>
+            </a:schemeClr>
+          </a:lnRef>
+          <a:fillRef idx="1">
+            <a:schemeClr val="accent1"/>
+          </a:fillRef>
+          <a:effectRef idx="0">
+            <a:schemeClr val="accent1"/>
+          </a:effectRef>
+          <a:fontRef idx="minor">
+            <a:schemeClr val="lt1"/>
+          </a:fontRef>
+        </p:style>
+        <p:txBody>
+          <a:bodyPr rtlCol="0" anchor="ctr"/>
+          <a:lstStyle/>
+          <a:p>
+            <a:pPr algn="ctr"/>
+            <a:r>
+              <a:rPr kumimoji="1" lang="en-US" altLang="ja-JP"/>
+              <a:t>Loop A</a:t>
+            </a:r>
+            <a:endParaRPr kumimoji="1" lang="ja-JP" altLang="en-US"/>
+          </a:p>
+        </p:txBody>
+      </p:sp>
+      <p:sp>
+        <p:nvSpPr>
+          <p:cNvPr id="3" name="正方形/長方形 2">
+            <a:extLst>
+              <a:ext uri="{FF2B5EF4-FFF2-40B4-BE49-F238E27FC236}">
+                <a16:creationId xmlns:a16="http://schemas.microsoft.com/office/drawing/2014/main" id="{53AA318B-28BB-36CD-C3FF-B899F4C4F640}"/>
+              </a:ext>
+            </a:extLst>
+          </p:cNvPr>
+          <p:cNvSpPr/>
+          <p:nvPr/>
+        </p:nvSpPr>
+        <p:spPr>
+          <a:xfrm>
+            <a:off x="4562062" y="1570382"/>
+            <a:ext cx="1967947" cy="685800"/>
+          </a:xfrm>
+          <a:prstGeom prst="rect">
+            <a:avLst/>
+          </a:prstGeom>
+          <a:solidFill>
+            <a:schemeClr val="accent1">
+              <a:lumMod val="40000"/>
+              <a:lumOff val="60000"/>
+            </a:schemeClr>
+          </a:solidFill>
+        </p:spPr>
+        <p:style>
+          <a:lnRef idx="2">
+            <a:schemeClr val="accent1">
+              <a:shade val="15000"/>
+            </a:schemeClr>
+          </a:lnRef>
+          <a:fillRef idx="1">
+            <a:schemeClr val="accent1"/>
+          </a:fillRef>
+          <a:effectRef idx="0">
+            <a:schemeClr val="accent1"/>
+          </a:effectRef>
+          <a:fontRef idx="minor">
+            <a:schemeClr val="lt1"/>
+          </a:fontRef>
+        </p:style>
+        <p:txBody>
+          <a:bodyPr rtlCol="0" anchor="ctr"/>
+          <a:lstStyle/>
+          <a:p>
+            <a:pPr algn="ctr"/>
+            <a:r>
+              <a:rPr kumimoji="1" lang="en-US" altLang="ja-JP"/>
+              <a:t>Loop A</a:t>
+            </a:r>
+            <a:endParaRPr kumimoji="1" lang="ja-JP" altLang="en-US"/>
+          </a:p>
+        </p:txBody>
+      </p:sp>
+      <p:sp>
+        <p:nvSpPr>
+          <p:cNvPr id="4" name="正方形/長方形 3">
+            <a:extLst>
+              <a:ext uri="{FF2B5EF4-FFF2-40B4-BE49-F238E27FC236}">
+                <a16:creationId xmlns:a16="http://schemas.microsoft.com/office/drawing/2014/main" id="{59CADE7D-ABDC-AD68-919F-8F54F5880D12}"/>
+              </a:ext>
+            </a:extLst>
+          </p:cNvPr>
+          <p:cNvSpPr/>
+          <p:nvPr/>
+        </p:nvSpPr>
+        <p:spPr>
+          <a:xfrm>
+            <a:off x="6530010" y="1570382"/>
+            <a:ext cx="1967947" cy="685800"/>
+          </a:xfrm>
+          <a:prstGeom prst="rect">
+            <a:avLst/>
+          </a:prstGeom>
+          <a:solidFill>
+            <a:schemeClr val="accent2">
+              <a:lumMod val="40000"/>
+              <a:lumOff val="60000"/>
+            </a:schemeClr>
+          </a:solidFill>
+        </p:spPr>
+        <p:style>
+          <a:lnRef idx="2">
+            <a:schemeClr val="accent1">
+              <a:shade val="15000"/>
+            </a:schemeClr>
+          </a:lnRef>
+          <a:fillRef idx="1">
+            <a:schemeClr val="accent1"/>
+          </a:fillRef>
+          <a:effectRef idx="0">
+            <a:schemeClr val="accent1"/>
+          </a:effectRef>
+          <a:fontRef idx="minor">
+            <a:schemeClr val="lt1"/>
+          </a:fontRef>
+        </p:style>
+        <p:txBody>
+          <a:bodyPr rtlCol="0" anchor="ctr"/>
+          <a:lstStyle/>
+          <a:p>
+            <a:pPr algn="ctr"/>
+            <a:r>
+              <a:rPr kumimoji="1" lang="en-US" altLang="ja-JP"/>
+              <a:t>Loop B</a:t>
+            </a:r>
+            <a:endParaRPr kumimoji="1" lang="ja-JP" altLang="en-US"/>
+          </a:p>
+        </p:txBody>
+      </p:sp>
+      <p:sp>
+        <p:nvSpPr>
+          <p:cNvPr id="5" name="正方形/長方形 4">
+            <a:extLst>
+              <a:ext uri="{FF2B5EF4-FFF2-40B4-BE49-F238E27FC236}">
+                <a16:creationId xmlns:a16="http://schemas.microsoft.com/office/drawing/2014/main" id="{52364590-653A-3C6F-2578-6F3010260A73}"/>
+              </a:ext>
+            </a:extLst>
+          </p:cNvPr>
+          <p:cNvSpPr/>
+          <p:nvPr/>
+        </p:nvSpPr>
+        <p:spPr>
+          <a:xfrm>
+            <a:off x="8497957" y="1570382"/>
+            <a:ext cx="1967947" cy="685800"/>
+          </a:xfrm>
+          <a:prstGeom prst="rect">
+            <a:avLst/>
+          </a:prstGeom>
+          <a:solidFill>
+            <a:schemeClr val="accent2">
+              <a:lumMod val="40000"/>
+              <a:lumOff val="60000"/>
+            </a:schemeClr>
+          </a:solidFill>
+        </p:spPr>
+        <p:style>
+          <a:lnRef idx="2">
+            <a:schemeClr val="accent1">
+              <a:shade val="15000"/>
+            </a:schemeClr>
+          </a:lnRef>
+          <a:fillRef idx="1">
+            <a:schemeClr val="accent1"/>
+          </a:fillRef>
+          <a:effectRef idx="0">
+            <a:schemeClr val="accent1"/>
+          </a:effectRef>
+          <a:fontRef idx="minor">
+            <a:schemeClr val="lt1"/>
+          </a:fontRef>
+        </p:style>
+        <p:txBody>
+          <a:bodyPr rtlCol="0" anchor="ctr"/>
+          <a:lstStyle/>
+          <a:p>
+            <a:pPr algn="ctr"/>
+            <a:r>
+              <a:rPr kumimoji="1" lang="en-US" altLang="ja-JP"/>
+              <a:t>Loop B</a:t>
+            </a:r>
+            <a:endParaRPr kumimoji="1" lang="ja-JP" altLang="en-US"/>
+          </a:p>
+        </p:txBody>
+      </p:sp>
+      <p:sp>
+        <p:nvSpPr>
+          <p:cNvPr id="6" name="テキスト ボックス 5">
+            <a:extLst>
+              <a:ext uri="{FF2B5EF4-FFF2-40B4-BE49-F238E27FC236}">
+                <a16:creationId xmlns:a16="http://schemas.microsoft.com/office/drawing/2014/main" id="{51EECE68-57DE-9CB2-B504-66DABEC37950}"/>
+              </a:ext>
+            </a:extLst>
+          </p:cNvPr>
+          <p:cNvSpPr txBox="1"/>
+          <p:nvPr/>
+        </p:nvSpPr>
+        <p:spPr>
+          <a:xfrm>
+            <a:off x="979006" y="1728616"/>
+            <a:ext cx="1421295" cy="369332"/>
+          </a:xfrm>
+          <a:prstGeom prst="rect">
+            <a:avLst/>
+          </a:prstGeom>
+          <a:noFill/>
+        </p:spPr>
+        <p:txBody>
+          <a:bodyPr wrap="square" rtlCol="0">
+            <a:spAutoFit/>
+          </a:bodyPr>
+          <a:lstStyle/>
+          <a:p>
+            <a:r>
+              <a:rPr kumimoji="1" lang="ja-JP" altLang="en-US"/>
+              <a:t>通常の</a:t>
+            </a:r>
+            <a:r>
+              <a:rPr kumimoji="1" lang="en-US" altLang="ja-JP"/>
+              <a:t>Loop</a:t>
+            </a:r>
+            <a:endParaRPr kumimoji="1" lang="ja-JP" altLang="en-US"/>
+          </a:p>
+        </p:txBody>
+      </p:sp>
+      <p:sp>
+        <p:nvSpPr>
+          <p:cNvPr id="7" name="正方形/長方形 6">
+            <a:extLst>
+              <a:ext uri="{FF2B5EF4-FFF2-40B4-BE49-F238E27FC236}">
+                <a16:creationId xmlns:a16="http://schemas.microsoft.com/office/drawing/2014/main" id="{C5850C76-3AD8-9296-3393-BC1897E9AD34}"/>
+              </a:ext>
+            </a:extLst>
+          </p:cNvPr>
+          <p:cNvSpPr/>
+          <p:nvPr/>
+        </p:nvSpPr>
+        <p:spPr>
+          <a:xfrm>
+            <a:off x="2604053" y="3071191"/>
+            <a:ext cx="1967947" cy="685800"/>
+          </a:xfrm>
+          <a:prstGeom prst="rect">
+            <a:avLst/>
+          </a:prstGeom>
+          <a:solidFill>
+            <a:schemeClr val="accent1">
+              <a:lumMod val="40000"/>
+              <a:lumOff val="60000"/>
+            </a:schemeClr>
+          </a:solidFill>
+        </p:spPr>
+        <p:style>
+          <a:lnRef idx="2">
+            <a:schemeClr val="accent1">
+              <a:shade val="15000"/>
+            </a:schemeClr>
+          </a:lnRef>
+          <a:fillRef idx="1">
+            <a:schemeClr val="accent1"/>
+          </a:fillRef>
+          <a:effectRef idx="0">
+            <a:schemeClr val="accent1"/>
+          </a:effectRef>
+          <a:fontRef idx="minor">
+            <a:schemeClr val="lt1"/>
+          </a:fontRef>
+        </p:style>
+        <p:txBody>
+          <a:bodyPr rtlCol="0" anchor="ctr"/>
+          <a:lstStyle/>
+          <a:p>
+            <a:pPr algn="ctr"/>
+            <a:r>
+              <a:rPr kumimoji="1" lang="en-US" altLang="ja-JP"/>
+              <a:t>Loop A</a:t>
+            </a:r>
+            <a:endParaRPr kumimoji="1" lang="ja-JP" altLang="en-US"/>
+          </a:p>
+        </p:txBody>
+      </p:sp>
+      <p:sp>
+        <p:nvSpPr>
+          <p:cNvPr id="8" name="正方形/長方形 7">
+            <a:extLst>
+              <a:ext uri="{FF2B5EF4-FFF2-40B4-BE49-F238E27FC236}">
+                <a16:creationId xmlns:a16="http://schemas.microsoft.com/office/drawing/2014/main" id="{2F429AE2-F87D-DF81-F95C-2F825F187465}"/>
+              </a:ext>
+            </a:extLst>
+          </p:cNvPr>
+          <p:cNvSpPr/>
+          <p:nvPr/>
+        </p:nvSpPr>
+        <p:spPr>
+          <a:xfrm>
+            <a:off x="4562062" y="3071191"/>
+            <a:ext cx="1958007" cy="685800"/>
+          </a:xfrm>
+          <a:prstGeom prst="rect">
+            <a:avLst/>
+          </a:prstGeom>
+          <a:solidFill>
+            <a:schemeClr val="accent1">
+              <a:lumMod val="40000"/>
+              <a:lumOff val="60000"/>
+            </a:schemeClr>
+          </a:solidFill>
+        </p:spPr>
+        <p:style>
+          <a:lnRef idx="2">
+            <a:schemeClr val="accent1">
+              <a:shade val="15000"/>
+            </a:schemeClr>
+          </a:lnRef>
+          <a:fillRef idx="1">
+            <a:schemeClr val="accent1"/>
+          </a:fillRef>
+          <a:effectRef idx="0">
+            <a:schemeClr val="accent1"/>
+          </a:effectRef>
+          <a:fontRef idx="minor">
+            <a:schemeClr val="lt1"/>
+          </a:fontRef>
+        </p:style>
+        <p:txBody>
+          <a:bodyPr rtlCol="0" anchor="ctr"/>
+          <a:lstStyle/>
+          <a:p>
+            <a:pPr algn="ctr"/>
+            <a:r>
+              <a:rPr kumimoji="1" lang="en-US" altLang="ja-JP"/>
+              <a:t>Loop A</a:t>
+            </a:r>
+            <a:endParaRPr kumimoji="1" lang="ja-JP" altLang="en-US"/>
+          </a:p>
+        </p:txBody>
+      </p:sp>
+      <p:sp>
+        <p:nvSpPr>
+          <p:cNvPr id="9" name="テキスト ボックス 8">
+            <a:extLst>
+              <a:ext uri="{FF2B5EF4-FFF2-40B4-BE49-F238E27FC236}">
+                <a16:creationId xmlns:a16="http://schemas.microsoft.com/office/drawing/2014/main" id="{2F3D73EF-DC35-5572-C685-493ECFBA1615}"/>
+              </a:ext>
+            </a:extLst>
+          </p:cNvPr>
+          <p:cNvSpPr txBox="1"/>
+          <p:nvPr/>
+        </p:nvSpPr>
+        <p:spPr>
+          <a:xfrm>
+            <a:off x="646044" y="3229425"/>
+            <a:ext cx="1828800" cy="646331"/>
+          </a:xfrm>
+          <a:prstGeom prst="rect">
+            <a:avLst/>
+          </a:prstGeom>
+          <a:noFill/>
+        </p:spPr>
+        <p:txBody>
+          <a:bodyPr wrap="square" rtlCol="0">
+            <a:spAutoFit/>
+          </a:bodyPr>
+          <a:lstStyle/>
+          <a:p>
+            <a:r>
+              <a:rPr lang="en-US" altLang="ja-JP"/>
+              <a:t>Realtime Edit</a:t>
+            </a:r>
+            <a:r>
+              <a:rPr lang="ja-JP" altLang="en-US"/>
+              <a:t>時の</a:t>
+            </a:r>
+            <a:r>
+              <a:rPr kumimoji="1" lang="en-US" altLang="ja-JP"/>
+              <a:t>Loop</a:t>
+            </a:r>
+            <a:endParaRPr kumimoji="1" lang="ja-JP" altLang="en-US"/>
+          </a:p>
+        </p:txBody>
+      </p:sp>
+      <p:sp>
+        <p:nvSpPr>
+          <p:cNvPr id="11" name="正方形/長方形 10">
+            <a:extLst>
+              <a:ext uri="{FF2B5EF4-FFF2-40B4-BE49-F238E27FC236}">
+                <a16:creationId xmlns:a16="http://schemas.microsoft.com/office/drawing/2014/main" id="{7684D909-BA42-D371-3006-1CF448BD6BF4}"/>
+              </a:ext>
+            </a:extLst>
+          </p:cNvPr>
+          <p:cNvSpPr/>
+          <p:nvPr/>
+        </p:nvSpPr>
+        <p:spPr>
+          <a:xfrm>
+            <a:off x="6147360" y="4229100"/>
+            <a:ext cx="1366622" cy="685800"/>
+          </a:xfrm>
+          <a:prstGeom prst="rect">
+            <a:avLst/>
+          </a:prstGeom>
+          <a:solidFill>
+            <a:schemeClr val="accent6">
+              <a:lumMod val="40000"/>
+              <a:lumOff val="60000"/>
+            </a:schemeClr>
+          </a:solidFill>
+          <a:ln>
+            <a:solidFill>
+              <a:schemeClr val="tx1"/>
+            </a:solidFill>
+          </a:ln>
+        </p:spPr>
+        <p:style>
+          <a:lnRef idx="2">
+            <a:schemeClr val="accent1">
+              <a:shade val="15000"/>
+            </a:schemeClr>
+          </a:lnRef>
+          <a:fillRef idx="1">
+            <a:schemeClr val="accent1"/>
+          </a:fillRef>
+          <a:effectRef idx="0">
+            <a:schemeClr val="accent1"/>
+          </a:effectRef>
+          <a:fontRef idx="minor">
+            <a:schemeClr val="lt1"/>
+          </a:fontRef>
+        </p:style>
+        <p:txBody>
+          <a:bodyPr rtlCol="0" anchor="ctr"/>
+          <a:lstStyle/>
+          <a:p>
+            <a:pPr algn="ctr"/>
+            <a:r>
+              <a:rPr kumimoji="1" lang="en-US" altLang="ja-JP"/>
+              <a:t>Loop X</a:t>
+            </a:r>
+            <a:endParaRPr kumimoji="1" lang="ja-JP" altLang="en-US"/>
+          </a:p>
+        </p:txBody>
+      </p:sp>
+      <p:sp>
+        <p:nvSpPr>
+          <p:cNvPr id="15" name="テキスト ボックス 14">
+            <a:extLst>
+              <a:ext uri="{FF2B5EF4-FFF2-40B4-BE49-F238E27FC236}">
+                <a16:creationId xmlns:a16="http://schemas.microsoft.com/office/drawing/2014/main" id="{35D3BB48-A5E5-1722-1D35-5616F39E02BB}"/>
+              </a:ext>
+            </a:extLst>
+          </p:cNvPr>
+          <p:cNvSpPr txBox="1"/>
+          <p:nvPr/>
+        </p:nvSpPr>
+        <p:spPr>
+          <a:xfrm>
+            <a:off x="4403038" y="5357022"/>
+            <a:ext cx="2285994" cy="523220"/>
+          </a:xfrm>
+          <a:prstGeom prst="rect">
+            <a:avLst/>
+          </a:prstGeom>
+          <a:noFill/>
+        </p:spPr>
+        <p:txBody>
+          <a:bodyPr wrap="square" rtlCol="0">
+            <a:spAutoFit/>
+          </a:bodyPr>
+          <a:lstStyle/>
+          <a:p>
+            <a:r>
+              <a:rPr lang="en-US" altLang="ja-JP" sz="1400" b="1"/>
+              <a:t>Loop A </a:t>
+            </a:r>
+            <a:r>
+              <a:rPr lang="ja-JP" altLang="en-US" sz="1400" b="1"/>
+              <a:t>の最後の小節頭で</a:t>
+            </a:r>
+            <a:r>
+              <a:rPr lang="en-US" altLang="ja-JP" sz="1400" b="1"/>
+              <a:t> Loop X </a:t>
+            </a:r>
+            <a:r>
+              <a:rPr lang="ja-JP" altLang="en-US" sz="1400" b="1"/>
+              <a:t>再生指示</a:t>
+            </a:r>
+            <a:endParaRPr kumimoji="1" lang="ja-JP" altLang="en-US" sz="1400" b="1"/>
+          </a:p>
+        </p:txBody>
+      </p:sp>
+      <p:sp>
+        <p:nvSpPr>
+          <p:cNvPr id="16" name="テキスト ボックス 15">
+            <a:extLst>
+              <a:ext uri="{FF2B5EF4-FFF2-40B4-BE49-F238E27FC236}">
+                <a16:creationId xmlns:a16="http://schemas.microsoft.com/office/drawing/2014/main" id="{C790716C-CBDC-16CF-13E2-5C1EB10C6A2A}"/>
+              </a:ext>
+            </a:extLst>
+          </p:cNvPr>
+          <p:cNvSpPr txBox="1"/>
+          <p:nvPr/>
+        </p:nvSpPr>
+        <p:spPr>
+          <a:xfrm>
+            <a:off x="6520069" y="3297032"/>
+            <a:ext cx="2156794" cy="276999"/>
+          </a:xfrm>
+          <a:prstGeom prst="rect">
+            <a:avLst/>
+          </a:prstGeom>
+          <a:noFill/>
+        </p:spPr>
+        <p:txBody>
+          <a:bodyPr wrap="square" rtlCol="0">
+            <a:spAutoFit/>
+          </a:bodyPr>
+          <a:lstStyle/>
+          <a:p>
+            <a:r>
+              <a:rPr kumimoji="1" lang="en-US" altLang="ja-JP" sz="1200">
+                <a:solidFill>
+                  <a:srgbClr val="FF0000"/>
+                </a:solidFill>
+              </a:rPr>
+              <a:t>Instance2</a:t>
+            </a:r>
+            <a:r>
+              <a:rPr kumimoji="1" lang="ja-JP" altLang="en-US" sz="1200">
+                <a:solidFill>
+                  <a:srgbClr val="FF0000"/>
+                </a:solidFill>
+              </a:rPr>
+              <a:t>は最後まで再生</a:t>
+            </a:r>
+          </a:p>
+        </p:txBody>
+      </p:sp>
+      <p:sp>
+        <p:nvSpPr>
+          <p:cNvPr id="17" name="テキスト ボックス 16">
+            <a:extLst>
+              <a:ext uri="{FF2B5EF4-FFF2-40B4-BE49-F238E27FC236}">
+                <a16:creationId xmlns:a16="http://schemas.microsoft.com/office/drawing/2014/main" id="{4A13F57B-155E-EF62-6D5A-E637E1D379ED}"/>
+              </a:ext>
+            </a:extLst>
+          </p:cNvPr>
+          <p:cNvSpPr txBox="1"/>
+          <p:nvPr/>
+        </p:nvSpPr>
+        <p:spPr>
+          <a:xfrm>
+            <a:off x="2638838" y="2799162"/>
+            <a:ext cx="1023733" cy="276999"/>
+          </a:xfrm>
+          <a:prstGeom prst="rect">
+            <a:avLst/>
+          </a:prstGeom>
+          <a:noFill/>
+        </p:spPr>
+        <p:txBody>
+          <a:bodyPr wrap="square" rtlCol="0">
+            <a:spAutoFit/>
+          </a:bodyPr>
+          <a:lstStyle/>
+          <a:p>
+            <a:r>
+              <a:rPr kumimoji="1" lang="en-US" altLang="ja-JP" sz="1200" b="1">
+                <a:solidFill>
+                  <a:srgbClr val="0070C0"/>
+                </a:solidFill>
+              </a:rPr>
+              <a:t>Instance1</a:t>
+            </a:r>
+            <a:endParaRPr kumimoji="1" lang="ja-JP" altLang="en-US" sz="1200" b="1">
+              <a:solidFill>
+                <a:srgbClr val="0070C0"/>
+              </a:solidFill>
+            </a:endParaRPr>
+          </a:p>
+        </p:txBody>
+      </p:sp>
+      <p:sp>
+        <p:nvSpPr>
+          <p:cNvPr id="18" name="テキスト ボックス 17">
+            <a:extLst>
+              <a:ext uri="{FF2B5EF4-FFF2-40B4-BE49-F238E27FC236}">
+                <a16:creationId xmlns:a16="http://schemas.microsoft.com/office/drawing/2014/main" id="{57713D9A-5AA6-DC2B-BEA1-97CD48CC23B7}"/>
+              </a:ext>
+            </a:extLst>
+          </p:cNvPr>
+          <p:cNvSpPr txBox="1"/>
+          <p:nvPr/>
+        </p:nvSpPr>
+        <p:spPr>
+          <a:xfrm>
+            <a:off x="4606785" y="2799161"/>
+            <a:ext cx="1023733" cy="276999"/>
+          </a:xfrm>
+          <a:prstGeom prst="rect">
+            <a:avLst/>
+          </a:prstGeom>
+          <a:noFill/>
+        </p:spPr>
+        <p:txBody>
+          <a:bodyPr wrap="square" rtlCol="0">
+            <a:spAutoFit/>
+          </a:bodyPr>
+          <a:lstStyle/>
+          <a:p>
+            <a:r>
+              <a:rPr kumimoji="1" lang="en-US" altLang="ja-JP" sz="1200" b="1">
+                <a:solidFill>
+                  <a:srgbClr val="0070C0"/>
+                </a:solidFill>
+              </a:rPr>
+              <a:t>Instance2</a:t>
+            </a:r>
+            <a:endParaRPr kumimoji="1" lang="ja-JP" altLang="en-US" sz="1200" b="1">
+              <a:solidFill>
+                <a:srgbClr val="0070C0"/>
+              </a:solidFill>
+            </a:endParaRPr>
+          </a:p>
+        </p:txBody>
+      </p:sp>
+      <p:sp>
+        <p:nvSpPr>
+          <p:cNvPr id="19" name="テキスト ボックス 18">
+            <a:extLst>
+              <a:ext uri="{FF2B5EF4-FFF2-40B4-BE49-F238E27FC236}">
+                <a16:creationId xmlns:a16="http://schemas.microsoft.com/office/drawing/2014/main" id="{9E20C6D4-E6C7-824A-88AE-1D35DB21C4A7}"/>
+              </a:ext>
+            </a:extLst>
+          </p:cNvPr>
+          <p:cNvSpPr txBox="1"/>
+          <p:nvPr/>
+        </p:nvSpPr>
+        <p:spPr>
+          <a:xfrm>
+            <a:off x="5584133" y="4930600"/>
+            <a:ext cx="1023733" cy="276999"/>
+          </a:xfrm>
+          <a:prstGeom prst="rect">
+            <a:avLst/>
+          </a:prstGeom>
+          <a:noFill/>
+        </p:spPr>
+        <p:txBody>
+          <a:bodyPr wrap="square" rtlCol="0">
+            <a:spAutoFit/>
+          </a:bodyPr>
+          <a:lstStyle/>
+          <a:p>
+            <a:r>
+              <a:rPr kumimoji="1" lang="en-US" altLang="ja-JP" sz="1200" b="1">
+                <a:solidFill>
+                  <a:srgbClr val="0070C0"/>
+                </a:solidFill>
+              </a:rPr>
+              <a:t>Instance3</a:t>
+            </a:r>
+            <a:endParaRPr kumimoji="1" lang="ja-JP" altLang="en-US" sz="1200" b="1">
+              <a:solidFill>
+                <a:srgbClr val="0070C0"/>
+              </a:solidFill>
+            </a:endParaRPr>
+          </a:p>
+        </p:txBody>
+      </p:sp>
+      <p:sp>
+        <p:nvSpPr>
+          <p:cNvPr id="20" name="テキスト ボックス 19">
+            <a:extLst>
+              <a:ext uri="{FF2B5EF4-FFF2-40B4-BE49-F238E27FC236}">
+                <a16:creationId xmlns:a16="http://schemas.microsoft.com/office/drawing/2014/main" id="{3FDEA68F-6625-E5AE-230D-6D99EB133B63}"/>
+              </a:ext>
+            </a:extLst>
+          </p:cNvPr>
+          <p:cNvSpPr txBox="1"/>
+          <p:nvPr/>
+        </p:nvSpPr>
+        <p:spPr>
+          <a:xfrm>
+            <a:off x="5536097" y="3787242"/>
+            <a:ext cx="1366622" cy="461665"/>
+          </a:xfrm>
+          <a:prstGeom prst="rect">
+            <a:avLst/>
+          </a:prstGeom>
+          <a:noFill/>
+        </p:spPr>
+        <p:txBody>
+          <a:bodyPr wrap="square" rtlCol="0">
+            <a:spAutoFit/>
+          </a:bodyPr>
+          <a:lstStyle/>
+          <a:p>
+            <a:r>
+              <a:rPr kumimoji="1" lang="en-US" altLang="ja-JP" sz="1200">
+                <a:solidFill>
+                  <a:srgbClr val="FF0000"/>
+                </a:solidFill>
+              </a:rPr>
+              <a:t>Instance2</a:t>
+            </a:r>
+            <a:r>
+              <a:rPr lang="ja-JP" altLang="en-US" sz="1200">
+                <a:solidFill>
+                  <a:srgbClr val="FF0000"/>
+                </a:solidFill>
+              </a:rPr>
+              <a:t>と</a:t>
+            </a:r>
+            <a:r>
+              <a:rPr lang="en-US" altLang="ja-JP" sz="1200">
+                <a:solidFill>
+                  <a:srgbClr val="FF0000"/>
+                </a:solidFill>
+              </a:rPr>
+              <a:t>3</a:t>
+            </a:r>
+            <a:r>
+              <a:rPr lang="ja-JP" altLang="en-US" sz="1200">
+                <a:solidFill>
+                  <a:srgbClr val="FF0000"/>
+                </a:solidFill>
+              </a:rPr>
+              <a:t>は同時に存在する</a:t>
+            </a:r>
+            <a:endParaRPr kumimoji="1" lang="ja-JP" altLang="en-US" sz="1200">
+              <a:solidFill>
+                <a:srgbClr val="FF0000"/>
+              </a:solidFill>
+            </a:endParaRPr>
+          </a:p>
+        </p:txBody>
+      </p:sp>
+      <p:sp>
+        <p:nvSpPr>
+          <p:cNvPr id="22" name="テキスト ボックス 21">
+            <a:extLst>
+              <a:ext uri="{FF2B5EF4-FFF2-40B4-BE49-F238E27FC236}">
+                <a16:creationId xmlns:a16="http://schemas.microsoft.com/office/drawing/2014/main" id="{CDDC59D7-BF19-ECB1-0E4B-7205E4F1E223}"/>
+              </a:ext>
+            </a:extLst>
+          </p:cNvPr>
+          <p:cNvSpPr txBox="1"/>
+          <p:nvPr/>
+        </p:nvSpPr>
+        <p:spPr>
+          <a:xfrm>
+            <a:off x="7603435" y="392704"/>
+            <a:ext cx="3945834" cy="646331"/>
+          </a:xfrm>
+          <a:prstGeom prst="rect">
+            <a:avLst/>
+          </a:prstGeom>
+          <a:noFill/>
+        </p:spPr>
+        <p:txBody>
+          <a:bodyPr wrap="square" rtlCol="0">
+            <a:spAutoFit/>
+          </a:bodyPr>
+          <a:lstStyle/>
+          <a:p>
+            <a:r>
+              <a:rPr lang="en-US" altLang="ja-JP"/>
+              <a:t>Auftakt (</a:t>
+            </a:r>
+            <a:r>
+              <a:rPr lang="ja-JP" altLang="en-US"/>
+              <a:t>弱起</a:t>
+            </a:r>
+            <a:r>
+              <a:rPr lang="en-US" altLang="ja-JP"/>
+              <a:t>)</a:t>
+            </a:r>
+            <a:r>
+              <a:rPr lang="ja-JP" altLang="en-US"/>
+              <a:t>時の</a:t>
+            </a:r>
+            <a:r>
+              <a:rPr lang="en-US" altLang="ja-JP"/>
+              <a:t> PhraseLoop</a:t>
+            </a:r>
+            <a:r>
+              <a:rPr lang="ja-JP" altLang="en-US"/>
+              <a:t>処理</a:t>
+            </a:r>
+            <a:endParaRPr lang="en-US" altLang="ja-JP"/>
+          </a:p>
+          <a:p>
+            <a:r>
+              <a:rPr kumimoji="1" lang="ja-JP" altLang="en-US"/>
+              <a:t>書法</a:t>
+            </a:r>
+            <a:r>
+              <a:rPr lang="en-US" altLang="ja-JP"/>
+              <a:t>: [An:xxx] n:n</a:t>
+            </a:r>
+            <a:r>
+              <a:rPr lang="ja-JP" altLang="en-US"/>
+              <a:t>拍以降から開始</a:t>
+            </a:r>
+            <a:endParaRPr kumimoji="1" lang="ja-JP" altLang="en-US"/>
+          </a:p>
+        </p:txBody>
+      </p:sp>
+      <p:sp>
+        <p:nvSpPr>
+          <p:cNvPr id="23" name="テキスト ボックス 22">
+            <a:extLst>
+              <a:ext uri="{FF2B5EF4-FFF2-40B4-BE49-F238E27FC236}">
+                <a16:creationId xmlns:a16="http://schemas.microsoft.com/office/drawing/2014/main" id="{F428B83D-1C51-B95B-28C3-91384BBF7BF3}"/>
+              </a:ext>
+            </a:extLst>
+          </p:cNvPr>
+          <p:cNvSpPr txBox="1"/>
+          <p:nvPr/>
+        </p:nvSpPr>
+        <p:spPr>
+          <a:xfrm>
+            <a:off x="6341163" y="1225813"/>
+            <a:ext cx="2156794" cy="276999"/>
+          </a:xfrm>
+          <a:prstGeom prst="rect">
+            <a:avLst/>
+          </a:prstGeom>
+          <a:noFill/>
+        </p:spPr>
+        <p:txBody>
+          <a:bodyPr wrap="square" rtlCol="0">
+            <a:spAutoFit/>
+          </a:bodyPr>
+          <a:lstStyle/>
+          <a:p>
+            <a:r>
+              <a:rPr kumimoji="1" lang="ja-JP" altLang="en-US" sz="1200">
+                <a:solidFill>
+                  <a:srgbClr val="FF0000"/>
+                </a:solidFill>
+              </a:rPr>
+              <a:t>小節区切りで次の</a:t>
+            </a:r>
+            <a:r>
+              <a:rPr kumimoji="1" lang="en-US" altLang="ja-JP" sz="1200">
+                <a:solidFill>
+                  <a:srgbClr val="FF0000"/>
+                </a:solidFill>
+              </a:rPr>
+              <a:t> Loop</a:t>
+            </a:r>
+            <a:endParaRPr kumimoji="1" lang="ja-JP" altLang="en-US" sz="1200">
+              <a:solidFill>
+                <a:srgbClr val="FF0000"/>
+              </a:solidFill>
+            </a:endParaRPr>
+          </a:p>
+        </p:txBody>
+      </p:sp>
+      <p:sp>
+        <p:nvSpPr>
+          <p:cNvPr id="24" name="テキスト ボックス 23">
+            <a:extLst>
+              <a:ext uri="{FF2B5EF4-FFF2-40B4-BE49-F238E27FC236}">
+                <a16:creationId xmlns:a16="http://schemas.microsoft.com/office/drawing/2014/main" id="{9D079932-5D40-160C-916D-5577C66AAEB3}"/>
+              </a:ext>
+            </a:extLst>
+          </p:cNvPr>
+          <p:cNvSpPr txBox="1"/>
+          <p:nvPr/>
+        </p:nvSpPr>
+        <p:spPr>
+          <a:xfrm>
+            <a:off x="8676863" y="5069099"/>
+            <a:ext cx="3041371" cy="1200329"/>
+          </a:xfrm>
+          <a:prstGeom prst="rect">
+            <a:avLst/>
+          </a:prstGeom>
+          <a:noFill/>
+        </p:spPr>
+        <p:txBody>
+          <a:bodyPr wrap="square" rtlCol="0">
+            <a:spAutoFit/>
+          </a:bodyPr>
+          <a:lstStyle/>
+          <a:p>
+            <a:r>
+              <a:rPr kumimoji="1" lang="en-US" altLang="ja-JP"/>
+              <a:t>Loop </a:t>
+            </a:r>
+            <a:r>
+              <a:rPr kumimoji="1" lang="ja-JP" altLang="en-US"/>
+              <a:t>条件</a:t>
+            </a:r>
+            <a:endParaRPr kumimoji="1" lang="en-US" altLang="ja-JP"/>
+          </a:p>
+          <a:p>
+            <a:pPr marL="285750" indent="-285750">
+              <a:buFont typeface="Arial" panose="020B0604020202020204" pitchFamily="34" charset="0"/>
+              <a:buChar char="•"/>
+            </a:pPr>
+            <a:r>
+              <a:rPr kumimoji="1" lang="en-US" altLang="ja-JP"/>
+              <a:t>Loop A/X</a:t>
+            </a:r>
+            <a:r>
+              <a:rPr kumimoji="1" lang="ja-JP" altLang="en-US"/>
+              <a:t>とも</a:t>
+            </a:r>
+            <a:r>
+              <a:rPr kumimoji="1" lang="en-US" altLang="ja-JP"/>
+              <a:t>2</a:t>
+            </a:r>
+            <a:r>
+              <a:rPr kumimoji="1" lang="ja-JP" altLang="en-US"/>
+              <a:t>小節以上</a:t>
+            </a:r>
+            <a:endParaRPr kumimoji="1" lang="en-US" altLang="ja-JP"/>
+          </a:p>
+          <a:p>
+            <a:pPr marL="285750" indent="-285750">
+              <a:buFont typeface="Arial" panose="020B0604020202020204" pitchFamily="34" charset="0"/>
+              <a:buChar char="•"/>
+            </a:pPr>
+            <a:r>
+              <a:rPr lang="en-US" altLang="ja-JP"/>
+              <a:t>Loop X </a:t>
+            </a:r>
+            <a:r>
+              <a:rPr lang="ja-JP" altLang="en-US"/>
+              <a:t>の開始は、弱起の小節の頭として指示</a:t>
+            </a:r>
+            <a:endParaRPr kumimoji="1" lang="en-US" altLang="ja-JP"/>
+          </a:p>
+        </p:txBody>
+      </p:sp>
+      <p:sp>
+        <p:nvSpPr>
+          <p:cNvPr id="12" name="正方形/長方形 11">
+            <a:extLst>
+              <a:ext uri="{FF2B5EF4-FFF2-40B4-BE49-F238E27FC236}">
+                <a16:creationId xmlns:a16="http://schemas.microsoft.com/office/drawing/2014/main" id="{0ACD5B7E-CBA2-8FFB-EEAD-C2BF8D88DEC5}"/>
+              </a:ext>
+            </a:extLst>
+          </p:cNvPr>
+          <p:cNvSpPr/>
+          <p:nvPr/>
+        </p:nvSpPr>
+        <p:spPr>
+          <a:xfrm>
+            <a:off x="5536096" y="4229100"/>
+            <a:ext cx="611261" cy="685800"/>
+          </a:xfrm>
+          <a:prstGeom prst="rect">
+            <a:avLst/>
+          </a:prstGeom>
+          <a:solidFill>
+            <a:schemeClr val="accent6">
+              <a:lumMod val="20000"/>
+              <a:lumOff val="80000"/>
+            </a:schemeClr>
+          </a:solidFill>
+          <a:ln>
+            <a:solidFill>
+              <a:schemeClr val="accent6">
+                <a:lumMod val="60000"/>
+                <a:lumOff val="40000"/>
+              </a:schemeClr>
+            </a:solidFill>
+          </a:ln>
+        </p:spPr>
+        <p:style>
+          <a:lnRef idx="2">
+            <a:schemeClr val="accent1">
+              <a:shade val="15000"/>
+            </a:schemeClr>
+          </a:lnRef>
+          <a:fillRef idx="1">
+            <a:schemeClr val="accent1"/>
+          </a:fillRef>
+          <a:effectRef idx="0">
+            <a:schemeClr val="accent1"/>
+          </a:effectRef>
+          <a:fontRef idx="minor">
+            <a:schemeClr val="lt1"/>
+          </a:fontRef>
+        </p:style>
+        <p:txBody>
+          <a:bodyPr rtlCol="0" anchor="ctr"/>
+          <a:lstStyle/>
+          <a:p>
+            <a:pPr algn="ctr"/>
+            <a:endParaRPr kumimoji="1" lang="ja-JP" altLang="en-US"/>
+          </a:p>
+        </p:txBody>
+      </p:sp>
+      <p:cxnSp>
+        <p:nvCxnSpPr>
+          <p:cNvPr id="25" name="直線矢印コネクタ 24">
+            <a:extLst>
+              <a:ext uri="{FF2B5EF4-FFF2-40B4-BE49-F238E27FC236}">
+                <a16:creationId xmlns:a16="http://schemas.microsoft.com/office/drawing/2014/main" id="{F8F06AC8-FD85-1036-8B43-3728AFD1AEBF}"/>
+              </a:ext>
+            </a:extLst>
+          </p:cNvPr>
+          <p:cNvCxnSpPr>
+            <a:cxnSpLocks/>
+          </p:cNvCxnSpPr>
+          <p:nvPr/>
+        </p:nvCxnSpPr>
+        <p:spPr>
+          <a:xfrm>
+            <a:off x="2638838" y="1039035"/>
+            <a:ext cx="919371" cy="0"/>
+          </a:xfrm>
+          <a:prstGeom prst="straightConnector1">
+            <a:avLst/>
+          </a:prstGeom>
+          <a:ln w="38100">
+            <a:solidFill>
+              <a:schemeClr val="tx1"/>
+            </a:solidFill>
+            <a:tailEnd type="triangle"/>
+          </a:ln>
+        </p:spPr>
+        <p:style>
+          <a:lnRef idx="1">
+            <a:schemeClr val="accent1"/>
+          </a:lnRef>
+          <a:fillRef idx="0">
+            <a:schemeClr val="accent1"/>
+          </a:fillRef>
+          <a:effectRef idx="0">
+            <a:schemeClr val="accent1"/>
+          </a:effectRef>
+          <a:fontRef idx="minor">
+            <a:schemeClr val="tx1"/>
+          </a:fontRef>
+        </p:style>
+      </p:cxnSp>
+      <p:sp>
+        <p:nvSpPr>
+          <p:cNvPr id="26" name="テキスト ボックス 25">
+            <a:extLst>
+              <a:ext uri="{FF2B5EF4-FFF2-40B4-BE49-F238E27FC236}">
+                <a16:creationId xmlns:a16="http://schemas.microsoft.com/office/drawing/2014/main" id="{1805AE37-AB40-352A-C1C7-E468130B3D14}"/>
+              </a:ext>
+            </a:extLst>
+          </p:cNvPr>
+          <p:cNvSpPr txBox="1"/>
+          <p:nvPr/>
+        </p:nvSpPr>
+        <p:spPr>
+          <a:xfrm>
+            <a:off x="2638838" y="704886"/>
+            <a:ext cx="810040" cy="369332"/>
+          </a:xfrm>
+          <a:prstGeom prst="rect">
+            <a:avLst/>
+          </a:prstGeom>
+          <a:noFill/>
+        </p:spPr>
+        <p:txBody>
+          <a:bodyPr wrap="square" rtlCol="0">
+            <a:spAutoFit/>
+          </a:bodyPr>
+          <a:lstStyle/>
+          <a:p>
+            <a:pPr algn="ctr"/>
+            <a:r>
+              <a:rPr lang="en-US" altLang="ja-JP"/>
+              <a:t>time</a:t>
+            </a:r>
+            <a:endParaRPr kumimoji="1" lang="ja-JP" altLang="en-US"/>
+          </a:p>
+        </p:txBody>
+      </p:sp>
+      <p:cxnSp>
+        <p:nvCxnSpPr>
+          <p:cNvPr id="10" name="直線コネクタ 9">
+            <a:extLst>
+              <a:ext uri="{FF2B5EF4-FFF2-40B4-BE49-F238E27FC236}">
+                <a16:creationId xmlns:a16="http://schemas.microsoft.com/office/drawing/2014/main" id="{23AED743-7EC7-15FB-DB34-CB15DE817655}"/>
+              </a:ext>
+            </a:extLst>
+          </p:cNvPr>
+          <p:cNvCxnSpPr/>
+          <p:nvPr/>
+        </p:nvCxnSpPr>
+        <p:spPr>
+          <a:xfrm>
+            <a:off x="5546035" y="2722817"/>
+            <a:ext cx="0" cy="2484782"/>
+          </a:xfrm>
+          <a:prstGeom prst="line">
+            <a:avLst/>
+          </a:prstGeom>
+          <a:ln w="19050">
+            <a:solidFill>
+              <a:schemeClr val="tx1"/>
+            </a:solidFill>
+            <a:prstDash val="dash"/>
+          </a:ln>
+        </p:spPr>
+        <p:style>
+          <a:lnRef idx="1">
+            <a:schemeClr val="accent1"/>
+          </a:lnRef>
+          <a:fillRef idx="0">
+            <a:schemeClr val="accent1"/>
+          </a:fillRef>
+          <a:effectRef idx="0">
+            <a:schemeClr val="accent1"/>
+          </a:effectRef>
+          <a:fontRef idx="minor">
+            <a:schemeClr val="tx1"/>
+          </a:fontRef>
+        </p:style>
+      </p:cxnSp>
+      <p:sp>
+        <p:nvSpPr>
+          <p:cNvPr id="27" name="正方形/長方形 26">
+            <a:extLst>
+              <a:ext uri="{FF2B5EF4-FFF2-40B4-BE49-F238E27FC236}">
+                <a16:creationId xmlns:a16="http://schemas.microsoft.com/office/drawing/2014/main" id="{957A9DE4-6D83-3D30-E026-2F072877B57E}"/>
+              </a:ext>
+            </a:extLst>
+          </p:cNvPr>
+          <p:cNvSpPr/>
+          <p:nvPr/>
+        </p:nvSpPr>
+        <p:spPr>
+          <a:xfrm>
+            <a:off x="7513983" y="4229100"/>
+            <a:ext cx="1967947" cy="685800"/>
+          </a:xfrm>
+          <a:prstGeom prst="rect">
+            <a:avLst/>
+          </a:prstGeom>
+          <a:solidFill>
+            <a:schemeClr val="accent2">
+              <a:lumMod val="40000"/>
+              <a:lumOff val="60000"/>
+            </a:schemeClr>
+          </a:solidFill>
+        </p:spPr>
+        <p:style>
+          <a:lnRef idx="2">
+            <a:schemeClr val="accent1">
+              <a:shade val="15000"/>
+            </a:schemeClr>
+          </a:lnRef>
+          <a:fillRef idx="1">
+            <a:schemeClr val="accent1"/>
+          </a:fillRef>
+          <a:effectRef idx="0">
+            <a:schemeClr val="accent1"/>
+          </a:effectRef>
+          <a:fontRef idx="minor">
+            <a:schemeClr val="lt1"/>
+          </a:fontRef>
+        </p:style>
+        <p:txBody>
+          <a:bodyPr rtlCol="0" anchor="ctr"/>
+          <a:lstStyle/>
+          <a:p>
+            <a:pPr algn="ctr"/>
+            <a:r>
+              <a:rPr kumimoji="1" lang="en-US" altLang="ja-JP"/>
+              <a:t>Loop B</a:t>
+            </a:r>
+            <a:endParaRPr kumimoji="1" lang="ja-JP" altLang="en-US"/>
+          </a:p>
+        </p:txBody>
+      </p:sp>
+      <p:sp>
+        <p:nvSpPr>
+          <p:cNvPr id="28" name="テキスト ボックス 27">
+            <a:extLst>
+              <a:ext uri="{FF2B5EF4-FFF2-40B4-BE49-F238E27FC236}">
+                <a16:creationId xmlns:a16="http://schemas.microsoft.com/office/drawing/2014/main" id="{2DEE213D-4259-41D1-4397-6314CFAD575B}"/>
+              </a:ext>
+            </a:extLst>
+          </p:cNvPr>
+          <p:cNvSpPr txBox="1"/>
+          <p:nvPr/>
+        </p:nvSpPr>
+        <p:spPr>
+          <a:xfrm>
+            <a:off x="248480" y="5234373"/>
+            <a:ext cx="3309715" cy="830997"/>
+          </a:xfrm>
+          <a:prstGeom prst="rect">
+            <a:avLst/>
+          </a:prstGeom>
+          <a:solidFill>
+            <a:srgbClr val="2AFEFF"/>
+          </a:solidFill>
+          <a:ln>
+            <a:noFill/>
+          </a:ln>
+        </p:spPr>
+        <p:txBody>
+          <a:bodyPr wrap="square" rtlCol="0">
+            <a:spAutoFit/>
+          </a:bodyPr>
+          <a:lstStyle/>
+          <a:p>
+            <a:r>
+              <a:rPr kumimoji="1" lang="en-US" altLang="ja-JP" sz="1600">
+                <a:latin typeface="+mj-lt"/>
+              </a:rPr>
+              <a:t>&lt;</a:t>
+            </a:r>
+            <a:r>
+              <a:rPr kumimoji="1" lang="ja-JP" altLang="en-US" sz="1600">
+                <a:latin typeface="+mj-lt"/>
+              </a:rPr>
+              <a:t>用法</a:t>
+            </a:r>
+            <a:r>
+              <a:rPr kumimoji="1" lang="en-US" altLang="ja-JP" sz="1600">
+                <a:latin typeface="+mj-lt"/>
+              </a:rPr>
+              <a:t>&gt;</a:t>
+            </a:r>
+          </a:p>
+          <a:p>
+            <a:r>
+              <a:rPr kumimoji="1" lang="ja-JP" altLang="en-US" sz="1600">
+                <a:latin typeface="+mj-lt"/>
+              </a:rPr>
+              <a:t>弱起の</a:t>
+            </a:r>
+            <a:r>
+              <a:rPr kumimoji="1" lang="en-US" altLang="ja-JP" sz="1600">
+                <a:latin typeface="+mj-lt"/>
+              </a:rPr>
+              <a:t>Phrase</a:t>
+            </a:r>
+            <a:r>
+              <a:rPr kumimoji="1" lang="ja-JP" altLang="en-US" sz="1600">
+                <a:latin typeface="+mj-lt"/>
+              </a:rPr>
+              <a:t>を小節区切りではなく</a:t>
+            </a:r>
+            <a:r>
+              <a:rPr kumimoji="1" lang="en-US" altLang="ja-JP" sz="1600">
+                <a:latin typeface="+mj-lt"/>
+              </a:rPr>
+              <a:t>Phrase</a:t>
+            </a:r>
+            <a:r>
+              <a:rPr kumimoji="1" lang="ja-JP" altLang="en-US" sz="1600">
+                <a:latin typeface="+mj-lt"/>
+              </a:rPr>
+              <a:t>先頭から入力したい</a:t>
+            </a:r>
+          </a:p>
+        </p:txBody>
+      </p:sp>
+    </p:spTree>
+    <p:extLst>
+      <p:ext uri="{BB962C8B-B14F-4D97-AF65-F5344CB8AC3E}">
+        <p14:creationId xmlns:p14="http://schemas.microsoft.com/office/powerpoint/2010/main" val="3607609490"/>
       </p:ext>
     </p:extLst>
   </p:cSld>

--- a/doc/design.pptx
+++ b/doc/design.pptx
@@ -279,7 +279,7 @@
           <a:p>
             <a:fld id="{D6C33A7A-5ABB-BC4F-84D2-CC4D1B9660F6}" type="datetimeFigureOut">
               <a:rPr lang="ja-JP" altLang="en-US"/>
-              <a:t>2024/3/10</a:t>
+              <a:t>2024/7/16</a:t>
             </a:fld>
             <a:endParaRPr kumimoji="1" lang="ja-JP" altLang="en-US"/>
           </a:p>
@@ -509,7 +509,7 @@
           <a:p>
             <a:fld id="{D6C33A7A-5ABB-BC4F-84D2-CC4D1B9660F6}" type="datetimeFigureOut">
               <a:rPr lang="ja-JP" altLang="en-US"/>
-              <a:t>2024/3/10</a:t>
+              <a:t>2024/7/16</a:t>
             </a:fld>
             <a:endParaRPr kumimoji="1" lang="ja-JP" altLang="en-US"/>
           </a:p>
@@ -749,7 +749,7 @@
           <a:p>
             <a:fld id="{D6C33A7A-5ABB-BC4F-84D2-CC4D1B9660F6}" type="datetimeFigureOut">
               <a:rPr lang="ja-JP" altLang="en-US"/>
-              <a:t>2024/3/10</a:t>
+              <a:t>2024/7/16</a:t>
             </a:fld>
             <a:endParaRPr kumimoji="1" lang="ja-JP" altLang="en-US"/>
           </a:p>
@@ -979,7 +979,7 @@
           <a:p>
             <a:fld id="{D6C33A7A-5ABB-BC4F-84D2-CC4D1B9660F6}" type="datetimeFigureOut">
               <a:rPr lang="ja-JP" altLang="en-US"/>
-              <a:t>2024/3/10</a:t>
+              <a:t>2024/7/16</a:t>
             </a:fld>
             <a:endParaRPr kumimoji="1" lang="ja-JP" altLang="en-US"/>
           </a:p>
@@ -1254,7 +1254,7 @@
           <a:p>
             <a:fld id="{D6C33A7A-5ABB-BC4F-84D2-CC4D1B9660F6}" type="datetimeFigureOut">
               <a:rPr lang="ja-JP" altLang="en-US"/>
-              <a:t>2024/3/10</a:t>
+              <a:t>2024/7/16</a:t>
             </a:fld>
             <a:endParaRPr kumimoji="1" lang="ja-JP" altLang="en-US"/>
           </a:p>
@@ -1583,7 +1583,7 @@
           <a:p>
             <a:fld id="{D6C33A7A-5ABB-BC4F-84D2-CC4D1B9660F6}" type="datetimeFigureOut">
               <a:rPr lang="ja-JP" altLang="en-US"/>
-              <a:t>2024/3/10</a:t>
+              <a:t>2024/7/16</a:t>
             </a:fld>
             <a:endParaRPr kumimoji="1" lang="ja-JP" altLang="en-US"/>
           </a:p>
@@ -2059,7 +2059,7 @@
           <a:p>
             <a:fld id="{D6C33A7A-5ABB-BC4F-84D2-CC4D1B9660F6}" type="datetimeFigureOut">
               <a:rPr lang="ja-JP" altLang="en-US"/>
-              <a:t>2024/3/10</a:t>
+              <a:t>2024/7/16</a:t>
             </a:fld>
             <a:endParaRPr kumimoji="1" lang="ja-JP" altLang="en-US"/>
           </a:p>
@@ -2200,7 +2200,7 @@
           <a:p>
             <a:fld id="{D6C33A7A-5ABB-BC4F-84D2-CC4D1B9660F6}" type="datetimeFigureOut">
               <a:rPr lang="ja-JP" altLang="en-US"/>
-              <a:t>2024/3/10</a:t>
+              <a:t>2024/7/16</a:t>
             </a:fld>
             <a:endParaRPr kumimoji="1" lang="ja-JP" altLang="en-US"/>
           </a:p>
@@ -2313,7 +2313,7 @@
           <a:p>
             <a:fld id="{D6C33A7A-5ABB-BC4F-84D2-CC4D1B9660F6}" type="datetimeFigureOut">
               <a:rPr lang="ja-JP" altLang="en-US"/>
-              <a:t>2024/3/10</a:t>
+              <a:t>2024/7/16</a:t>
             </a:fld>
             <a:endParaRPr kumimoji="1" lang="ja-JP" altLang="en-US"/>
           </a:p>
@@ -2656,7 +2656,7 @@
           <a:p>
             <a:fld id="{D6C33A7A-5ABB-BC4F-84D2-CC4D1B9660F6}" type="datetimeFigureOut">
               <a:rPr lang="ja-JP" altLang="en-US"/>
-              <a:t>2024/3/10</a:t>
+              <a:t>2024/7/16</a:t>
             </a:fld>
             <a:endParaRPr kumimoji="1" lang="ja-JP" altLang="en-US"/>
           </a:p>
@@ -2944,7 +2944,7 @@
           <a:p>
             <a:fld id="{D6C33A7A-5ABB-BC4F-84D2-CC4D1B9660F6}" type="datetimeFigureOut">
               <a:rPr lang="ja-JP" altLang="en-US"/>
-              <a:t>2024/3/10</a:t>
+              <a:t>2024/7/16</a:t>
             </a:fld>
             <a:endParaRPr kumimoji="1" lang="ja-JP" altLang="en-US"/>
           </a:p>
@@ -3217,7 +3217,7 @@
           <a:p>
             <a:fld id="{D6C33A7A-5ABB-BC4F-84D2-CC4D1B9660F6}" type="datetimeFigureOut">
               <a:rPr lang="ja-JP" altLang="en-US"/>
-              <a:t>2024/3/10</a:t>
+              <a:t>2024/7/16</a:t>
             </a:fld>
             <a:endParaRPr kumimoji="1" lang="ja-JP" altLang="en-US"/>
           </a:p>
@@ -10795,7 +10795,7 @@
         </p:nvSpPr>
         <p:spPr>
           <a:xfrm>
-            <a:off x="1198180" y="1860331"/>
+            <a:off x="1198180" y="1428672"/>
             <a:ext cx="9333186" cy="1429407"/>
           </a:xfrm>
           <a:prstGeom prst="rect">
@@ -10853,7 +10853,7 @@
         </p:nvSpPr>
         <p:spPr>
           <a:xfrm>
-            <a:off x="1198180" y="4288221"/>
+            <a:off x="1198180" y="3042745"/>
             <a:ext cx="9333186" cy="1429407"/>
           </a:xfrm>
           <a:prstGeom prst="rect">
@@ -10903,10 +10903,10 @@
       </p:sp>
       <p:sp>
         <p:nvSpPr>
-          <p:cNvPr id="6" name="角丸四角形 5">
-            <a:extLst>
-              <a:ext uri="{FF2B5EF4-FFF2-40B4-BE49-F238E27FC236}">
-                <a16:creationId xmlns:a16="http://schemas.microsoft.com/office/drawing/2014/main" id="{B622C9F8-DAA7-8C91-34FA-FCB93FC54866}"/>
+          <p:cNvPr id="9" name="下矢印 8">
+            <a:extLst>
+              <a:ext uri="{FF2B5EF4-FFF2-40B4-BE49-F238E27FC236}">
+                <a16:creationId xmlns:a16="http://schemas.microsoft.com/office/drawing/2014/main" id="{FC7ABC37-CCE5-1FD3-6F82-8CA65172D319}"/>
               </a:ext>
             </a:extLst>
           </p:cNvPr>
@@ -10915,136 +10915,20 @@
         </p:nvSpPr>
         <p:spPr>
           <a:xfrm>
-            <a:off x="4487919" y="1140372"/>
-            <a:ext cx="2543502" cy="5065986"/>
-          </a:xfrm>
-          <a:prstGeom prst="roundRect">
-            <a:avLst/>
-          </a:prstGeom>
-          <a:noFill/>
-          <a:ln w="19050">
-            <a:prstDash val="dash"/>
+            <a:off x="5475890" y="1932458"/>
+            <a:ext cx="662152" cy="1629103"/>
+          </a:xfrm>
+          <a:prstGeom prst="downArrow">
+            <a:avLst/>
+          </a:prstGeom>
+          <a:solidFill>
+            <a:srgbClr val="00B050"/>
+          </a:solidFill>
+          <a:ln>
+            <a:solidFill>
+              <a:schemeClr val="tx1"/>
+            </a:solidFill>
           </a:ln>
-        </p:spPr>
-        <p:style>
-          <a:lnRef idx="2">
-            <a:schemeClr val="accent1">
-              <a:shade val="50000"/>
-            </a:schemeClr>
-          </a:lnRef>
-          <a:fillRef idx="1">
-            <a:schemeClr val="accent1"/>
-          </a:fillRef>
-          <a:effectRef idx="0">
-            <a:schemeClr val="accent1"/>
-          </a:effectRef>
-          <a:fontRef idx="minor">
-            <a:schemeClr val="lt1"/>
-          </a:fontRef>
-        </p:style>
-        <p:txBody>
-          <a:bodyPr rtlCol="0" anchor="t"/>
-          <a:lstStyle/>
-          <a:p>
-            <a:pPr algn="ctr"/>
-            <a:r>
-              <a:rPr kumimoji="1" lang="en-US" altLang="ja-JP">
-                <a:solidFill>
-                  <a:schemeClr val="tx1"/>
-                </a:solidFill>
-              </a:rPr>
-              <a:t>Play Message</a:t>
-            </a:r>
-            <a:endParaRPr kumimoji="1" lang="ja-JP" altLang="en-US">
-              <a:solidFill>
-                <a:schemeClr val="tx1"/>
-              </a:solidFill>
-            </a:endParaRPr>
-          </a:p>
-        </p:txBody>
-      </p:sp>
-      <p:sp>
-        <p:nvSpPr>
-          <p:cNvPr id="8" name="角丸四角形 7">
-            <a:extLst>
-              <a:ext uri="{FF2B5EF4-FFF2-40B4-BE49-F238E27FC236}">
-                <a16:creationId xmlns:a16="http://schemas.microsoft.com/office/drawing/2014/main" id="{CA1B7898-340B-E2C8-1F8A-5AC12FCEA7FC}"/>
-              </a:ext>
-            </a:extLst>
-          </p:cNvPr>
-          <p:cNvSpPr/>
-          <p:nvPr/>
-        </p:nvSpPr>
-        <p:spPr>
-          <a:xfrm>
-            <a:off x="7357243" y="1140372"/>
-            <a:ext cx="2543502" cy="5065986"/>
-          </a:xfrm>
-          <a:prstGeom prst="roundRect">
-            <a:avLst/>
-          </a:prstGeom>
-          <a:noFill/>
-          <a:ln w="19050">
-            <a:prstDash val="dash"/>
-          </a:ln>
-        </p:spPr>
-        <p:style>
-          <a:lnRef idx="2">
-            <a:schemeClr val="accent1">
-              <a:shade val="50000"/>
-            </a:schemeClr>
-          </a:lnRef>
-          <a:fillRef idx="1">
-            <a:schemeClr val="accent1"/>
-          </a:fillRef>
-          <a:effectRef idx="0">
-            <a:schemeClr val="accent1"/>
-          </a:effectRef>
-          <a:fontRef idx="minor">
-            <a:schemeClr val="lt1"/>
-          </a:fontRef>
-        </p:style>
-        <p:txBody>
-          <a:bodyPr rtlCol="0" anchor="t"/>
-          <a:lstStyle/>
-          <a:p>
-            <a:pPr algn="ctr"/>
-            <a:r>
-              <a:rPr kumimoji="1" lang="en-US" altLang="ja-JP">
-                <a:solidFill>
-                  <a:schemeClr val="tx1"/>
-                </a:solidFill>
-              </a:rPr>
-              <a:t>GUI Message</a:t>
-            </a:r>
-            <a:endParaRPr kumimoji="1" lang="ja-JP" altLang="en-US">
-              <a:solidFill>
-                <a:schemeClr val="tx1"/>
-              </a:solidFill>
-            </a:endParaRPr>
-          </a:p>
-        </p:txBody>
-      </p:sp>
-      <p:sp>
-        <p:nvSpPr>
-          <p:cNvPr id="9" name="下矢印 8">
-            <a:extLst>
-              <a:ext uri="{FF2B5EF4-FFF2-40B4-BE49-F238E27FC236}">
-                <a16:creationId xmlns:a16="http://schemas.microsoft.com/office/drawing/2014/main" id="{FC7ABC37-CCE5-1FD3-6F82-8CA65172D319}"/>
-              </a:ext>
-            </a:extLst>
-          </p:cNvPr>
-          <p:cNvSpPr/>
-          <p:nvPr/>
-        </p:nvSpPr>
-        <p:spPr>
-          <a:xfrm>
-            <a:off x="5428594" y="3042745"/>
-            <a:ext cx="662152" cy="1629103"/>
-          </a:xfrm>
-          <a:prstGeom prst="downArrow">
-            <a:avLst/>
-          </a:prstGeom>
         </p:spPr>
         <p:style>
           <a:lnRef idx="2">
@@ -11085,12 +10969,20 @@
         </p:nvSpPr>
         <p:spPr>
           <a:xfrm rot="10800000">
-            <a:off x="8297918" y="2984939"/>
+            <a:off x="7851674" y="1932458"/>
             <a:ext cx="662152" cy="1629103"/>
           </a:xfrm>
           <a:prstGeom prst="downArrow">
             <a:avLst/>
           </a:prstGeom>
+          <a:solidFill>
+            <a:schemeClr val="accent2"/>
+          </a:solidFill>
+          <a:ln>
+            <a:solidFill>
+              <a:schemeClr val="tx1"/>
+            </a:solidFill>
+          </a:ln>
         </p:spPr>
         <p:style>
           <a:lnRef idx="2">
@@ -11119,10 +11011,10 @@
       </p:sp>
       <p:sp>
         <p:nvSpPr>
-          <p:cNvPr id="11" name="テキスト ボックス 10">
-            <a:extLst>
-              <a:ext uri="{FF2B5EF4-FFF2-40B4-BE49-F238E27FC236}">
-                <a16:creationId xmlns:a16="http://schemas.microsoft.com/office/drawing/2014/main" id="{0343B68E-3F5A-8EA2-8095-4F9EA6B38D8A}"/>
+          <p:cNvPr id="12" name="テキスト ボックス 11">
+            <a:extLst>
+              <a:ext uri="{FF2B5EF4-FFF2-40B4-BE49-F238E27FC236}">
+                <a16:creationId xmlns:a16="http://schemas.microsoft.com/office/drawing/2014/main" id="{6209FCBF-0D8A-D7F1-4C6D-A674D9E73A8F}"/>
               </a:ext>
             </a:extLst>
           </p:cNvPr>
@@ -11131,8 +11023,8 @@
         </p:nvSpPr>
         <p:spPr>
           <a:xfrm>
-            <a:off x="5097517" y="4671848"/>
-            <a:ext cx="1429407" cy="369332"/>
+            <a:off x="7797743" y="1543388"/>
+            <a:ext cx="906517" cy="369332"/>
           </a:xfrm>
           <a:prstGeom prst="rect">
             <a:avLst/>
@@ -11147,7 +11039,7 @@
           <a:p>
             <a:r>
               <a:rPr lang="en-US" altLang="ja-JP"/>
-              <a:t>Vec&lt;u16&gt;</a:t>
+              <a:t>String</a:t>
             </a:r>
             <a:endParaRPr kumimoji="1" lang="ja-JP" altLang="en-US"/>
           </a:p>
@@ -11155,10 +11047,10 @@
       </p:sp>
       <p:sp>
         <p:nvSpPr>
-          <p:cNvPr id="12" name="テキスト ボックス 11">
-            <a:extLst>
-              <a:ext uri="{FF2B5EF4-FFF2-40B4-BE49-F238E27FC236}">
-                <a16:creationId xmlns:a16="http://schemas.microsoft.com/office/drawing/2014/main" id="{6209FCBF-0D8A-D7F1-4C6D-A674D9E73A8F}"/>
+          <p:cNvPr id="2" name="テキスト ボックス 1">
+            <a:extLst>
+              <a:ext uri="{FF2B5EF4-FFF2-40B4-BE49-F238E27FC236}">
+                <a16:creationId xmlns:a16="http://schemas.microsoft.com/office/drawing/2014/main" id="{4141A13C-CD39-AD93-9352-DF68AE5E5B04}"/>
               </a:ext>
             </a:extLst>
           </p:cNvPr>
@@ -11167,8 +11059,8 @@
         </p:nvSpPr>
         <p:spPr>
           <a:xfrm>
-            <a:off x="8175735" y="2615607"/>
-            <a:ext cx="906517" cy="369332"/>
+            <a:off x="4582512" y="1509915"/>
+            <a:ext cx="2448909" cy="338554"/>
           </a:xfrm>
           <a:prstGeom prst="rect">
             <a:avLst/>
@@ -11182,19 +11074,30 @@
           <a:lstStyle/>
           <a:p>
             <a:r>
-              <a:rPr lang="en-US" altLang="ja-JP"/>
-              <a:t>String</a:t>
-            </a:r>
-            <a:endParaRPr kumimoji="1" lang="ja-JP" altLang="en-US"/>
-          </a:p>
-        </p:txBody>
-      </p:sp>
-      <p:sp>
-        <p:nvSpPr>
-          <p:cNvPr id="2" name="テキスト ボックス 1">
-            <a:extLst>
-              <a:ext uri="{FF2B5EF4-FFF2-40B4-BE49-F238E27FC236}">
-                <a16:creationId xmlns:a16="http://schemas.microsoft.com/office/drawing/2014/main" id="{4141A13C-CD39-AD93-9352-DF68AE5E5B04}"/>
+              <a:rPr kumimoji="1" lang="en-US" altLang="ja-JP" sz="1600"/>
+              <a:t>format</a:t>
+            </a:r>
+            <a:r>
+              <a:rPr lang="en-US" altLang="ja-JP" sz="1600"/>
+              <a:t>: </a:t>
+            </a:r>
+            <a:r>
+              <a:rPr kumimoji="1" lang="en-US" altLang="ja-JP" sz="1600"/>
+              <a:t>lpnlib.rs</a:t>
+            </a:r>
+            <a:r>
+              <a:rPr kumimoji="1" lang="ja-JP" altLang="en-US" sz="1600"/>
+              <a:t>に記載</a:t>
+            </a:r>
+          </a:p>
+        </p:txBody>
+      </p:sp>
+      <p:sp>
+        <p:nvSpPr>
+          <p:cNvPr id="3" name="テキスト ボックス 2">
+            <a:extLst>
+              <a:ext uri="{FF2B5EF4-FFF2-40B4-BE49-F238E27FC236}">
+                <a16:creationId xmlns:a16="http://schemas.microsoft.com/office/drawing/2014/main" id="{D70361F5-A6A4-C800-7734-E18BFEF50263}"/>
               </a:ext>
             </a:extLst>
           </p:cNvPr>
@@ -11203,8 +11106,8 @@
         </p:nvSpPr>
         <p:spPr>
           <a:xfrm>
-            <a:off x="4487919" y="2301766"/>
-            <a:ext cx="2448909" cy="338554"/>
+            <a:off x="7357243" y="4750336"/>
+            <a:ext cx="2543502" cy="830997"/>
           </a:xfrm>
           <a:prstGeom prst="rect">
             <a:avLst/>
@@ -11219,29 +11122,39 @@
           <a:p>
             <a:r>
               <a:rPr kumimoji="1" lang="en-US" altLang="ja-JP" sz="1600"/>
-              <a:t>format</a:t>
-            </a:r>
-            <a:r>
-              <a:rPr lang="en-US" altLang="ja-JP" sz="1600"/>
-              <a:t>: </a:t>
+              <a:t>format: “n______”</a:t>
+            </a:r>
+          </a:p>
+          <a:p>
+            <a:r>
+              <a:rPr kumimoji="1" lang="ja-JP" altLang="en-US" sz="1600"/>
+              <a:t>冒頭の</a:t>
             </a:r>
             <a:r>
               <a:rPr kumimoji="1" lang="en-US" altLang="ja-JP" sz="1600"/>
-              <a:t>lpnlib.rs</a:t>
+              <a:t>n</a:t>
             </a:r>
             <a:r>
               <a:rPr kumimoji="1" lang="ja-JP" altLang="en-US" sz="1600"/>
-              <a:t>に記載</a:t>
-            </a:r>
-          </a:p>
-        </p:txBody>
-      </p:sp>
-      <p:sp>
-        <p:nvSpPr>
-          <p:cNvPr id="3" name="テキスト ボックス 2">
-            <a:extLst>
-              <a:ext uri="{FF2B5EF4-FFF2-40B4-BE49-F238E27FC236}">
-                <a16:creationId xmlns:a16="http://schemas.microsoft.com/office/drawing/2014/main" id="{D70361F5-A6A4-C800-7734-E18BFEF50263}"/>
+              <a:t>が</a:t>
+            </a:r>
+            <a:r>
+              <a:rPr kumimoji="1" lang="en-US" altLang="ja-JP" sz="1600"/>
+              <a:t>indicator </a:t>
+            </a:r>
+            <a:r>
+              <a:rPr kumimoji="1" lang="ja-JP" altLang="en-US" sz="1600"/>
+              <a:t>の位置などを表す</a:t>
+            </a:r>
+          </a:p>
+        </p:txBody>
+      </p:sp>
+      <p:sp>
+        <p:nvSpPr>
+          <p:cNvPr id="7" name="テキスト ボックス 6">
+            <a:extLst>
+              <a:ext uri="{FF2B5EF4-FFF2-40B4-BE49-F238E27FC236}">
+                <a16:creationId xmlns:a16="http://schemas.microsoft.com/office/drawing/2014/main" id="{92B28E96-BE76-C5A8-E844-0A5692B7F400}"/>
               </a:ext>
             </a:extLst>
           </p:cNvPr>
@@ -11250,8 +11163,8 @@
         </p:nvSpPr>
         <p:spPr>
           <a:xfrm>
-            <a:off x="7357243" y="4750336"/>
-            <a:ext cx="2543502" cy="830997"/>
+            <a:off x="2152103" y="3047750"/>
+            <a:ext cx="3048001" cy="369332"/>
           </a:xfrm>
           <a:prstGeom prst="rect">
             <a:avLst/>
@@ -11265,40 +11178,19 @@
           <a:lstStyle/>
           <a:p>
             <a:r>
-              <a:rPr kumimoji="1" lang="en-US" altLang="ja-JP" sz="1600"/>
-              <a:t>format: “n______”</a:t>
-            </a:r>
-          </a:p>
-          <a:p>
-            <a:r>
-              <a:rPr kumimoji="1" lang="ja-JP" altLang="en-US" sz="1600"/>
-              <a:t>冒頭の</a:t>
-            </a:r>
-            <a:r>
-              <a:rPr kumimoji="1" lang="en-US" altLang="ja-JP" sz="1600"/>
-              <a:t>n</a:t>
-            </a:r>
-            <a:r>
-              <a:rPr kumimoji="1" lang="ja-JP" altLang="en-US" sz="1600"/>
-              <a:t>が</a:t>
-            </a:r>
-            <a:r>
-              <a:rPr kumimoji="1" lang="en-US" altLang="ja-JP" sz="1600"/>
-              <a:t>indicator </a:t>
-            </a:r>
-            <a:r>
-              <a:rPr kumimoji="1" lang="ja-JP" altLang="en-US" sz="1600"/>
-              <a:t>の位置などを表す</a:t>
-            </a:r>
-          </a:p>
-        </p:txBody>
-      </p:sp>
-      <p:sp>
-        <p:nvSpPr>
-          <p:cNvPr id="7" name="テキスト ボックス 6">
-            <a:extLst>
-              <a:ext uri="{FF2B5EF4-FFF2-40B4-BE49-F238E27FC236}">
-                <a16:creationId xmlns:a16="http://schemas.microsoft.com/office/drawing/2014/main" id="{92B28E96-BE76-C5A8-E844-0A5692B7F400}"/>
+              <a:rPr kumimoji="1" lang="en-US" altLang="ja-JP"/>
+              <a:t>for ElapseStack::periodic()</a:t>
+            </a:r>
+            <a:endParaRPr kumimoji="1" lang="ja-JP" altLang="en-US"/>
+          </a:p>
+        </p:txBody>
+      </p:sp>
+      <p:sp>
+        <p:nvSpPr>
+          <p:cNvPr id="13" name="テキスト ボックス 12">
+            <a:extLst>
+              <a:ext uri="{FF2B5EF4-FFF2-40B4-BE49-F238E27FC236}">
+                <a16:creationId xmlns:a16="http://schemas.microsoft.com/office/drawing/2014/main" id="{D2488643-FFFC-1F6D-0F95-4C85F61DB7B7}"/>
               </a:ext>
             </a:extLst>
           </p:cNvPr>
@@ -11307,8 +11199,8 @@
         </p:nvSpPr>
         <p:spPr>
           <a:xfrm>
-            <a:off x="4309241" y="6278461"/>
-            <a:ext cx="3048001" cy="369332"/>
+            <a:off x="7913739" y="372513"/>
+            <a:ext cx="1062858" cy="369332"/>
           </a:xfrm>
           <a:prstGeom prst="rect">
             <a:avLst/>
@@ -11323,7 +11215,7 @@
           <a:p>
             <a:r>
               <a:rPr kumimoji="1" lang="en-US" altLang="ja-JP"/>
-              <a:t>for ElapseStack::periodic()</a:t>
+              <a:t>ui_hndr</a:t>
             </a:r>
             <a:endParaRPr kumimoji="1" lang="ja-JP" altLang="en-US"/>
           </a:p>
@@ -11331,10 +11223,10 @@
       </p:sp>
       <p:sp>
         <p:nvSpPr>
-          <p:cNvPr id="13" name="テキスト ボックス 12">
-            <a:extLst>
-              <a:ext uri="{FF2B5EF4-FFF2-40B4-BE49-F238E27FC236}">
-                <a16:creationId xmlns:a16="http://schemas.microsoft.com/office/drawing/2014/main" id="{D2488643-FFFC-1F6D-0F95-4C85F61DB7B7}"/>
+          <p:cNvPr id="14" name="テキスト ボックス 13">
+            <a:extLst>
+              <a:ext uri="{FF2B5EF4-FFF2-40B4-BE49-F238E27FC236}">
+                <a16:creationId xmlns:a16="http://schemas.microsoft.com/office/drawing/2014/main" id="{725298DA-F87C-66A8-4854-D202CCC7A756}"/>
               </a:ext>
             </a:extLst>
           </p:cNvPr>
@@ -11343,8 +11235,8 @@
         </p:nvSpPr>
         <p:spPr>
           <a:xfrm>
-            <a:off x="8550823" y="724649"/>
-            <a:ext cx="1062858" cy="369332"/>
+            <a:off x="5544864" y="385162"/>
+            <a:ext cx="1391964" cy="369332"/>
           </a:xfrm>
           <a:prstGeom prst="rect">
             <a:avLst/>
@@ -11358,8 +11250,12 @@
           <a:lstStyle/>
           <a:p>
             <a:r>
+              <a:rPr lang="en-US" altLang="ja-JP"/>
+              <a:t>msg</a:t>
+            </a:r>
+            <a:r>
               <a:rPr kumimoji="1" lang="en-US" altLang="ja-JP"/>
-              <a:t>ui_hndr</a:t>
+              <a:t>_hndr</a:t>
             </a:r>
             <a:endParaRPr kumimoji="1" lang="ja-JP" altLang="en-US"/>
           </a:p>
@@ -11367,10 +11263,10 @@
       </p:sp>
       <p:sp>
         <p:nvSpPr>
-          <p:cNvPr id="14" name="テキスト ボックス 13">
-            <a:extLst>
-              <a:ext uri="{FF2B5EF4-FFF2-40B4-BE49-F238E27FC236}">
-                <a16:creationId xmlns:a16="http://schemas.microsoft.com/office/drawing/2014/main" id="{725298DA-F87C-66A8-4854-D202CCC7A756}"/>
+          <p:cNvPr id="15" name="テキスト ボックス 14">
+            <a:extLst>
+              <a:ext uri="{FF2B5EF4-FFF2-40B4-BE49-F238E27FC236}">
+                <a16:creationId xmlns:a16="http://schemas.microsoft.com/office/drawing/2014/main" id="{5FA1E93E-D97F-A281-DB96-D588B5486149}"/>
               </a:ext>
             </a:extLst>
           </p:cNvPr>
@@ -11379,8 +11275,8 @@
         </p:nvSpPr>
         <p:spPr>
           <a:xfrm>
-            <a:off x="5544864" y="724649"/>
-            <a:ext cx="1391964" cy="369332"/>
+            <a:off x="9198392" y="3354698"/>
+            <a:ext cx="1062858" cy="369332"/>
           </a:xfrm>
           <a:prstGeom prst="rect">
             <a:avLst/>
@@ -11394,12 +11290,8 @@
           <a:lstStyle/>
           <a:p>
             <a:r>
-              <a:rPr lang="en-US" altLang="ja-JP"/>
-              <a:t>msg</a:t>
-            </a:r>
-            <a:r>
               <a:rPr kumimoji="1" lang="en-US" altLang="ja-JP"/>
-              <a:t>_hndr</a:t>
+              <a:t>ui_hndr</a:t>
             </a:r>
             <a:endParaRPr kumimoji="1" lang="ja-JP" altLang="en-US"/>
           </a:p>
@@ -11407,10 +11299,10 @@
       </p:sp>
       <p:sp>
         <p:nvSpPr>
-          <p:cNvPr id="15" name="テキスト ボックス 14">
-            <a:extLst>
-              <a:ext uri="{FF2B5EF4-FFF2-40B4-BE49-F238E27FC236}">
-                <a16:creationId xmlns:a16="http://schemas.microsoft.com/office/drawing/2014/main" id="{5FA1E93E-D97F-A281-DB96-D588B5486149}"/>
+          <p:cNvPr id="16" name="テキスト ボックス 15">
+            <a:extLst>
+              <a:ext uri="{FF2B5EF4-FFF2-40B4-BE49-F238E27FC236}">
+                <a16:creationId xmlns:a16="http://schemas.microsoft.com/office/drawing/2014/main" id="{17B5C196-3AEE-1F72-C040-D5FF2BBB753D}"/>
               </a:ext>
             </a:extLst>
           </p:cNvPr>
@@ -11419,8 +11311,8 @@
         </p:nvSpPr>
         <p:spPr>
           <a:xfrm>
-            <a:off x="8628993" y="6278461"/>
-            <a:ext cx="1062858" cy="369332"/>
+            <a:off x="5044966" y="4704941"/>
+            <a:ext cx="1429407" cy="369332"/>
           </a:xfrm>
           <a:prstGeom prst="rect">
             <a:avLst/>
@@ -11433,11 +11325,709 @@
           </a:bodyPr>
           <a:lstStyle/>
           <a:p>
+            <a:pPr algn="ctr"/>
+            <a:r>
+              <a:rPr lang="en-US" altLang="ja-JP"/>
+              <a:t>ElpsMsg</a:t>
+            </a:r>
+            <a:endParaRPr kumimoji="1" lang="ja-JP" altLang="en-US"/>
+          </a:p>
+        </p:txBody>
+      </p:sp>
+      <p:sp>
+        <p:nvSpPr>
+          <p:cNvPr id="17" name="正方形/長方形 16">
+            <a:extLst>
+              <a:ext uri="{FF2B5EF4-FFF2-40B4-BE49-F238E27FC236}">
+                <a16:creationId xmlns:a16="http://schemas.microsoft.com/office/drawing/2014/main" id="{3D24E145-00D3-932E-7347-674FA4106745}"/>
+              </a:ext>
+            </a:extLst>
+          </p:cNvPr>
+          <p:cNvSpPr/>
+          <p:nvPr/>
+        </p:nvSpPr>
+        <p:spPr>
+          <a:xfrm>
+            <a:off x="1198180" y="4656818"/>
+            <a:ext cx="9333186" cy="1429407"/>
+          </a:xfrm>
+          <a:prstGeom prst="rect">
+            <a:avLst/>
+          </a:prstGeom>
+          <a:solidFill>
+            <a:srgbClr val="2AFEFF"/>
+          </a:solidFill>
+          <a:ln w="19050">
+            <a:solidFill>
+              <a:schemeClr val="tx1"/>
+            </a:solidFill>
+          </a:ln>
+        </p:spPr>
+        <p:style>
+          <a:lnRef idx="2">
+            <a:schemeClr val="accent6"/>
+          </a:lnRef>
+          <a:fillRef idx="1">
+            <a:schemeClr val="lt1"/>
+          </a:fillRef>
+          <a:effectRef idx="0">
+            <a:schemeClr val="accent6"/>
+          </a:effectRef>
+          <a:fontRef idx="minor">
+            <a:schemeClr val="dk1"/>
+          </a:fontRef>
+        </p:style>
+        <p:txBody>
+          <a:bodyPr rtlCol="0" anchor="ctr"/>
+          <a:lstStyle/>
+          <a:p>
+            <a:r>
+              <a:rPr kumimoji="1" lang="en-US" altLang="ja-JP" sz="3200"/>
+              <a:t>MIDIRx Thread</a:t>
+            </a:r>
+            <a:endParaRPr kumimoji="1" lang="ja-JP" altLang="en-US" sz="3200"/>
+          </a:p>
+        </p:txBody>
+      </p:sp>
+      <p:sp>
+        <p:nvSpPr>
+          <p:cNvPr id="6" name="角丸四角形 5">
+            <a:extLst>
+              <a:ext uri="{FF2B5EF4-FFF2-40B4-BE49-F238E27FC236}">
+                <a16:creationId xmlns:a16="http://schemas.microsoft.com/office/drawing/2014/main" id="{B622C9F8-DAA7-8C91-34FA-FCB93FC54866}"/>
+              </a:ext>
+            </a:extLst>
+          </p:cNvPr>
+          <p:cNvSpPr/>
+          <p:nvPr/>
+        </p:nvSpPr>
+        <p:spPr>
+          <a:xfrm>
+            <a:off x="4582511" y="751715"/>
+            <a:ext cx="2448909" cy="2941274"/>
+          </a:xfrm>
+          <a:prstGeom prst="roundRect">
+            <a:avLst/>
+          </a:prstGeom>
+          <a:noFill/>
+          <a:ln w="19050">
+            <a:prstDash val="dash"/>
+          </a:ln>
+        </p:spPr>
+        <p:style>
+          <a:lnRef idx="2">
+            <a:schemeClr val="accent1">
+              <a:shade val="50000"/>
+            </a:schemeClr>
+          </a:lnRef>
+          <a:fillRef idx="1">
+            <a:schemeClr val="accent1"/>
+          </a:fillRef>
+          <a:effectRef idx="0">
+            <a:schemeClr val="accent1"/>
+          </a:effectRef>
+          <a:fontRef idx="minor">
+            <a:schemeClr val="lt1"/>
+          </a:fontRef>
+        </p:style>
+        <p:txBody>
+          <a:bodyPr rtlCol="0" anchor="t"/>
+          <a:lstStyle/>
+          <a:p>
+            <a:pPr algn="ctr"/>
+            <a:r>
+              <a:rPr kumimoji="1" lang="en-US" altLang="ja-JP">
+                <a:solidFill>
+                  <a:schemeClr val="tx1"/>
+                </a:solidFill>
+              </a:rPr>
+              <a:t>Play Message</a:t>
+            </a:r>
+            <a:endParaRPr kumimoji="1" lang="ja-JP" altLang="en-US">
+              <a:solidFill>
+                <a:schemeClr val="tx1"/>
+              </a:solidFill>
+            </a:endParaRPr>
+          </a:p>
+        </p:txBody>
+      </p:sp>
+      <p:sp>
+        <p:nvSpPr>
+          <p:cNvPr id="8" name="角丸四角形 7">
+            <a:extLst>
+              <a:ext uri="{FF2B5EF4-FFF2-40B4-BE49-F238E27FC236}">
+                <a16:creationId xmlns:a16="http://schemas.microsoft.com/office/drawing/2014/main" id="{CA1B7898-340B-E2C8-1F8A-5AC12FCEA7FC}"/>
+              </a:ext>
+            </a:extLst>
+          </p:cNvPr>
+          <p:cNvSpPr/>
+          <p:nvPr/>
+        </p:nvSpPr>
+        <p:spPr>
+          <a:xfrm>
+            <a:off x="7357243" y="751714"/>
+            <a:ext cx="1841149" cy="2962447"/>
+          </a:xfrm>
+          <a:prstGeom prst="roundRect">
+            <a:avLst/>
+          </a:prstGeom>
+          <a:noFill/>
+          <a:ln w="19050">
+            <a:prstDash val="dash"/>
+          </a:ln>
+        </p:spPr>
+        <p:style>
+          <a:lnRef idx="2">
+            <a:schemeClr val="accent1">
+              <a:shade val="50000"/>
+            </a:schemeClr>
+          </a:lnRef>
+          <a:fillRef idx="1">
+            <a:schemeClr val="accent1"/>
+          </a:fillRef>
+          <a:effectRef idx="0">
+            <a:schemeClr val="accent1"/>
+          </a:effectRef>
+          <a:fontRef idx="minor">
+            <a:schemeClr val="lt1"/>
+          </a:fontRef>
+        </p:style>
+        <p:txBody>
+          <a:bodyPr rtlCol="0" anchor="t"/>
+          <a:lstStyle/>
+          <a:p>
+            <a:pPr algn="ctr"/>
+            <a:r>
+              <a:rPr kumimoji="1" lang="en-US" altLang="ja-JP">
+                <a:solidFill>
+                  <a:schemeClr val="tx1"/>
+                </a:solidFill>
+              </a:rPr>
+              <a:t>GUI Message</a:t>
+            </a:r>
+            <a:endParaRPr kumimoji="1" lang="ja-JP" altLang="en-US">
+              <a:solidFill>
+                <a:schemeClr val="tx1"/>
+              </a:solidFill>
+            </a:endParaRPr>
+          </a:p>
+        </p:txBody>
+      </p:sp>
+      <p:sp>
+        <p:nvSpPr>
+          <p:cNvPr id="19" name="下矢印 18">
+            <a:extLst>
+              <a:ext uri="{FF2B5EF4-FFF2-40B4-BE49-F238E27FC236}">
+                <a16:creationId xmlns:a16="http://schemas.microsoft.com/office/drawing/2014/main" id="{CD667384-BD5C-3983-F9D4-BDBC399F7274}"/>
+              </a:ext>
+            </a:extLst>
+          </p:cNvPr>
+          <p:cNvSpPr/>
+          <p:nvPr/>
+        </p:nvSpPr>
+        <p:spPr>
+          <a:xfrm rot="10800000">
+            <a:off x="5475889" y="4026605"/>
+            <a:ext cx="662152" cy="941321"/>
+          </a:xfrm>
+          <a:prstGeom prst="downArrow">
+            <a:avLst/>
+          </a:prstGeom>
+          <a:solidFill>
+            <a:srgbClr val="00B050"/>
+          </a:solidFill>
+          <a:ln>
+            <a:solidFill>
+              <a:schemeClr val="tx1"/>
+            </a:solidFill>
+          </a:ln>
+        </p:spPr>
+        <p:style>
+          <a:lnRef idx="2">
+            <a:schemeClr val="accent2">
+              <a:shade val="50000"/>
+            </a:schemeClr>
+          </a:lnRef>
+          <a:fillRef idx="1">
+            <a:schemeClr val="accent2"/>
+          </a:fillRef>
+          <a:effectRef idx="0">
+            <a:schemeClr val="accent2"/>
+          </a:effectRef>
+          <a:fontRef idx="minor">
+            <a:schemeClr val="lt1"/>
+          </a:fontRef>
+        </p:style>
+        <p:txBody>
+          <a:bodyPr rtlCol="0" anchor="ctr"/>
+          <a:lstStyle/>
+          <a:p>
+            <a:pPr algn="ctr"/>
+            <a:endParaRPr kumimoji="1" lang="ja-JP" altLang="en-US"/>
+          </a:p>
+        </p:txBody>
+      </p:sp>
+      <p:sp>
+        <p:nvSpPr>
+          <p:cNvPr id="21" name="下矢印 20">
+            <a:extLst>
+              <a:ext uri="{FF2B5EF4-FFF2-40B4-BE49-F238E27FC236}">
+                <a16:creationId xmlns:a16="http://schemas.microsoft.com/office/drawing/2014/main" id="{9CD36CFB-7D4F-958D-09D0-2F0FB0524BB0}"/>
+              </a:ext>
+            </a:extLst>
+          </p:cNvPr>
+          <p:cNvSpPr/>
+          <p:nvPr/>
+        </p:nvSpPr>
+        <p:spPr>
+          <a:xfrm>
+            <a:off x="1526059" y="2648895"/>
+            <a:ext cx="662152" cy="780105"/>
+          </a:xfrm>
+          <a:prstGeom prst="downArrow">
+            <a:avLst/>
+          </a:prstGeom>
+          <a:solidFill>
+            <a:srgbClr val="00B050"/>
+          </a:solidFill>
+          <a:ln>
+            <a:solidFill>
+              <a:schemeClr val="tx1"/>
+            </a:solidFill>
+          </a:ln>
+        </p:spPr>
+        <p:style>
+          <a:lnRef idx="2">
+            <a:schemeClr val="accent2">
+              <a:shade val="50000"/>
+            </a:schemeClr>
+          </a:lnRef>
+          <a:fillRef idx="1">
+            <a:schemeClr val="accent2"/>
+          </a:fillRef>
+          <a:effectRef idx="0">
+            <a:schemeClr val="accent2"/>
+          </a:effectRef>
+          <a:fontRef idx="minor">
+            <a:schemeClr val="lt1"/>
+          </a:fontRef>
+        </p:style>
+        <p:txBody>
+          <a:bodyPr rtlCol="0" anchor="ctr"/>
+          <a:lstStyle/>
+          <a:p>
+            <a:pPr algn="ctr"/>
+            <a:endParaRPr kumimoji="1" lang="ja-JP" altLang="en-US"/>
+          </a:p>
+        </p:txBody>
+      </p:sp>
+      <p:sp>
+        <p:nvSpPr>
+          <p:cNvPr id="22" name="下矢印 21">
+            <a:extLst>
+              <a:ext uri="{FF2B5EF4-FFF2-40B4-BE49-F238E27FC236}">
+                <a16:creationId xmlns:a16="http://schemas.microsoft.com/office/drawing/2014/main" id="{0997FAEF-BFEB-2637-9BED-C549695B2809}"/>
+              </a:ext>
+            </a:extLst>
+          </p:cNvPr>
+          <p:cNvSpPr/>
+          <p:nvPr/>
+        </p:nvSpPr>
+        <p:spPr>
+          <a:xfrm>
+            <a:off x="1511375" y="4298193"/>
+            <a:ext cx="662152" cy="780105"/>
+          </a:xfrm>
+          <a:prstGeom prst="downArrow">
+            <a:avLst/>
+          </a:prstGeom>
+          <a:solidFill>
+            <a:srgbClr val="00B0F0"/>
+          </a:solidFill>
+          <a:ln>
+            <a:solidFill>
+              <a:schemeClr val="tx1"/>
+            </a:solidFill>
+          </a:ln>
+        </p:spPr>
+        <p:style>
+          <a:lnRef idx="2">
+            <a:schemeClr val="accent2">
+              <a:shade val="50000"/>
+            </a:schemeClr>
+          </a:lnRef>
+          <a:fillRef idx="1">
+            <a:schemeClr val="accent2"/>
+          </a:fillRef>
+          <a:effectRef idx="0">
+            <a:schemeClr val="accent2"/>
+          </a:effectRef>
+          <a:fontRef idx="minor">
+            <a:schemeClr val="lt1"/>
+          </a:fontRef>
+        </p:style>
+        <p:txBody>
+          <a:bodyPr rtlCol="0" anchor="ctr"/>
+          <a:lstStyle/>
+          <a:p>
+            <a:pPr algn="ctr"/>
+            <a:endParaRPr kumimoji="1" lang="ja-JP" altLang="en-US"/>
+          </a:p>
+        </p:txBody>
+      </p:sp>
+      <p:sp>
+        <p:nvSpPr>
+          <p:cNvPr id="23" name="テキスト ボックス 22">
+            <a:extLst>
+              <a:ext uri="{FF2B5EF4-FFF2-40B4-BE49-F238E27FC236}">
+                <a16:creationId xmlns:a16="http://schemas.microsoft.com/office/drawing/2014/main" id="{6E9D6BF9-53A8-0CC1-B3B8-610DE12922A9}"/>
+              </a:ext>
+            </a:extLst>
+          </p:cNvPr>
+          <p:cNvSpPr txBox="1"/>
+          <p:nvPr/>
+        </p:nvSpPr>
+        <p:spPr>
+          <a:xfrm>
+            <a:off x="1292952" y="2331217"/>
+            <a:ext cx="2090859" cy="307777"/>
+          </a:xfrm>
+          <a:prstGeom prst="rect">
+            <a:avLst/>
+          </a:prstGeom>
+          <a:noFill/>
+        </p:spPr>
+        <p:txBody>
+          <a:bodyPr wrap="square" rtlCol="0">
+            <a:spAutoFit/>
+          </a:bodyPr>
+          <a:lstStyle/>
+          <a:p>
+            <a:r>
+              <a:rPr lang="en" altLang="ja-JP" sz="1400" b="0">
+                <a:solidFill>
+                  <a:schemeClr val="bg2">
+                    <a:lumMod val="50000"/>
+                  </a:schemeClr>
+                </a:solidFill>
+                <a:effectLst/>
+                <a:latin typeface="JetBrains Mono" panose="02000009000000000000" pitchFamily="49" charset="0"/>
+              </a:rPr>
+              <a:t>thread::spawn</a:t>
+            </a:r>
+          </a:p>
+        </p:txBody>
+      </p:sp>
+      <p:sp>
+        <p:nvSpPr>
+          <p:cNvPr id="24" name="テキスト ボックス 23">
+            <a:extLst>
+              <a:ext uri="{FF2B5EF4-FFF2-40B4-BE49-F238E27FC236}">
+                <a16:creationId xmlns:a16="http://schemas.microsoft.com/office/drawing/2014/main" id="{6BA6962F-6BD0-79FE-3EDA-A79DFC1A7D9B}"/>
+              </a:ext>
+            </a:extLst>
+          </p:cNvPr>
+          <p:cNvSpPr txBox="1"/>
+          <p:nvPr/>
+        </p:nvSpPr>
+        <p:spPr>
+          <a:xfrm>
+            <a:off x="1377793" y="3990335"/>
+            <a:ext cx="2090859" cy="307777"/>
+          </a:xfrm>
+          <a:prstGeom prst="rect">
+            <a:avLst/>
+          </a:prstGeom>
+          <a:noFill/>
+        </p:spPr>
+        <p:txBody>
+          <a:bodyPr wrap="square" rtlCol="0">
+            <a:spAutoFit/>
+          </a:bodyPr>
+          <a:lstStyle/>
+          <a:p>
+            <a:r>
+              <a:rPr lang="en" altLang="ja-JP" sz="1400" b="0">
+                <a:solidFill>
+                  <a:schemeClr val="bg2">
+                    <a:lumMod val="50000"/>
+                  </a:schemeClr>
+                </a:solidFill>
+                <a:effectLst/>
+                <a:latin typeface="JetBrains Mono" panose="02000009000000000000" pitchFamily="49" charset="0"/>
+              </a:rPr>
+              <a:t>thread::spawn</a:t>
+            </a:r>
+          </a:p>
+        </p:txBody>
+      </p:sp>
+      <p:sp>
+        <p:nvSpPr>
+          <p:cNvPr id="25" name="テキスト ボックス 24">
+            <a:extLst>
+              <a:ext uri="{FF2B5EF4-FFF2-40B4-BE49-F238E27FC236}">
+                <a16:creationId xmlns:a16="http://schemas.microsoft.com/office/drawing/2014/main" id="{21BEF776-346C-8C22-1E84-AE7321C64F4D}"/>
+              </a:ext>
+            </a:extLst>
+          </p:cNvPr>
+          <p:cNvSpPr txBox="1"/>
+          <p:nvPr/>
+        </p:nvSpPr>
+        <p:spPr>
+          <a:xfrm>
+            <a:off x="2174837" y="4686699"/>
+            <a:ext cx="3048001" cy="369332"/>
+          </a:xfrm>
+          <a:prstGeom prst="rect">
+            <a:avLst/>
+          </a:prstGeom>
+          <a:noFill/>
+        </p:spPr>
+        <p:txBody>
+          <a:bodyPr wrap="square" rtlCol="0">
+            <a:spAutoFit/>
+          </a:bodyPr>
+          <a:lstStyle/>
+          <a:p>
             <a:r>
               <a:rPr kumimoji="1" lang="en-US" altLang="ja-JP"/>
-              <a:t>ui_hndr</a:t>
+              <a:t>for MIDIRx::periodic()</a:t>
             </a:r>
             <a:endParaRPr kumimoji="1" lang="ja-JP" altLang="en-US"/>
+          </a:p>
+        </p:txBody>
+      </p:sp>
+      <p:sp>
+        <p:nvSpPr>
+          <p:cNvPr id="26" name="角丸四角形 25">
+            <a:extLst>
+              <a:ext uri="{FF2B5EF4-FFF2-40B4-BE49-F238E27FC236}">
+                <a16:creationId xmlns:a16="http://schemas.microsoft.com/office/drawing/2014/main" id="{35F0DF7C-1AB6-B475-B74F-01375D77EAD9}"/>
+              </a:ext>
+            </a:extLst>
+          </p:cNvPr>
+          <p:cNvSpPr/>
+          <p:nvPr/>
+        </p:nvSpPr>
+        <p:spPr>
+          <a:xfrm>
+            <a:off x="5044966" y="3919123"/>
+            <a:ext cx="1534943" cy="1897216"/>
+          </a:xfrm>
+          <a:prstGeom prst="roundRect">
+            <a:avLst/>
+          </a:prstGeom>
+          <a:noFill/>
+          <a:ln w="19050">
+            <a:prstDash val="dash"/>
+          </a:ln>
+        </p:spPr>
+        <p:style>
+          <a:lnRef idx="2">
+            <a:schemeClr val="accent1">
+              <a:shade val="50000"/>
+            </a:schemeClr>
+          </a:lnRef>
+          <a:fillRef idx="1">
+            <a:schemeClr val="accent1"/>
+          </a:fillRef>
+          <a:effectRef idx="0">
+            <a:schemeClr val="accent1"/>
+          </a:effectRef>
+          <a:fontRef idx="minor">
+            <a:schemeClr val="lt1"/>
+          </a:fontRef>
+        </p:style>
+        <p:txBody>
+          <a:bodyPr rtlCol="0" anchor="b"/>
+          <a:lstStyle/>
+          <a:p>
+            <a:pPr algn="ctr"/>
+            <a:r>
+              <a:rPr lang="en-US" altLang="ja-JP">
+                <a:solidFill>
+                  <a:schemeClr val="tx1"/>
+                </a:solidFill>
+              </a:rPr>
+              <a:t>MIDI Rx</a:t>
+            </a:r>
+            <a:r>
+              <a:rPr kumimoji="1" lang="en-US" altLang="ja-JP">
+                <a:solidFill>
+                  <a:schemeClr val="tx1"/>
+                </a:solidFill>
+              </a:rPr>
+              <a:t> Message</a:t>
+            </a:r>
+            <a:endParaRPr kumimoji="1" lang="ja-JP" altLang="en-US">
+              <a:solidFill>
+                <a:schemeClr val="tx1"/>
+              </a:solidFill>
+            </a:endParaRPr>
+          </a:p>
+        </p:txBody>
+      </p:sp>
+      <p:sp>
+        <p:nvSpPr>
+          <p:cNvPr id="11" name="角丸四角形 10">
+            <a:extLst>
+              <a:ext uri="{FF2B5EF4-FFF2-40B4-BE49-F238E27FC236}">
+                <a16:creationId xmlns:a16="http://schemas.microsoft.com/office/drawing/2014/main" id="{783D9179-AF28-AF4D-218E-BF91B51655EE}"/>
+              </a:ext>
+            </a:extLst>
+          </p:cNvPr>
+          <p:cNvSpPr/>
+          <p:nvPr/>
+        </p:nvSpPr>
+        <p:spPr>
+          <a:xfrm>
+            <a:off x="7420521" y="3890842"/>
+            <a:ext cx="1534943" cy="1897217"/>
+          </a:xfrm>
+          <a:prstGeom prst="roundRect">
+            <a:avLst/>
+          </a:prstGeom>
+          <a:noFill/>
+          <a:ln w="19050">
+            <a:prstDash val="dash"/>
+          </a:ln>
+        </p:spPr>
+        <p:style>
+          <a:lnRef idx="2">
+            <a:schemeClr val="accent1">
+              <a:shade val="50000"/>
+            </a:schemeClr>
+          </a:lnRef>
+          <a:fillRef idx="1">
+            <a:schemeClr val="accent1"/>
+          </a:fillRef>
+          <a:effectRef idx="0">
+            <a:schemeClr val="accent1"/>
+          </a:effectRef>
+          <a:fontRef idx="minor">
+            <a:schemeClr val="lt1"/>
+          </a:fontRef>
+        </p:style>
+        <p:txBody>
+          <a:bodyPr rtlCol="0" anchor="b"/>
+          <a:lstStyle/>
+          <a:p>
+            <a:pPr algn="ctr"/>
+            <a:r>
+              <a:rPr lang="en-US" altLang="ja-JP">
+                <a:solidFill>
+                  <a:schemeClr val="tx1"/>
+                </a:solidFill>
+              </a:rPr>
+              <a:t>MIDI Rx</a:t>
+            </a:r>
+            <a:r>
+              <a:rPr kumimoji="1" lang="en-US" altLang="ja-JP">
+                <a:solidFill>
+                  <a:schemeClr val="tx1"/>
+                </a:solidFill>
+              </a:rPr>
+              <a:t> Control</a:t>
+            </a:r>
+            <a:endParaRPr kumimoji="1" lang="ja-JP" altLang="en-US">
+              <a:solidFill>
+                <a:schemeClr val="tx1"/>
+              </a:solidFill>
+            </a:endParaRPr>
+          </a:p>
+        </p:txBody>
+      </p:sp>
+      <p:sp>
+        <p:nvSpPr>
+          <p:cNvPr id="18" name="下矢印 17">
+            <a:extLst>
+              <a:ext uri="{FF2B5EF4-FFF2-40B4-BE49-F238E27FC236}">
+                <a16:creationId xmlns:a16="http://schemas.microsoft.com/office/drawing/2014/main" id="{C215B7F9-7A82-C58D-4CAC-F5C2E898B824}"/>
+              </a:ext>
+            </a:extLst>
+          </p:cNvPr>
+          <p:cNvSpPr/>
+          <p:nvPr/>
+        </p:nvSpPr>
+        <p:spPr>
+          <a:xfrm>
+            <a:off x="7851952" y="4109502"/>
+            <a:ext cx="662152" cy="946529"/>
+          </a:xfrm>
+          <a:prstGeom prst="downArrow">
+            <a:avLst/>
+          </a:prstGeom>
+          <a:solidFill>
+            <a:srgbClr val="00B0F0"/>
+          </a:solidFill>
+          <a:ln>
+            <a:solidFill>
+              <a:schemeClr val="tx1"/>
+            </a:solidFill>
+          </a:ln>
+        </p:spPr>
+        <p:style>
+          <a:lnRef idx="2">
+            <a:schemeClr val="accent2">
+              <a:shade val="50000"/>
+            </a:schemeClr>
+          </a:lnRef>
+          <a:fillRef idx="1">
+            <a:schemeClr val="accent2"/>
+          </a:fillRef>
+          <a:effectRef idx="0">
+            <a:schemeClr val="accent2"/>
+          </a:effectRef>
+          <a:fontRef idx="minor">
+            <a:schemeClr val="lt1"/>
+          </a:fontRef>
+        </p:style>
+        <p:txBody>
+          <a:bodyPr rtlCol="0" anchor="ctr"/>
+          <a:lstStyle/>
+          <a:p>
+            <a:pPr algn="ctr"/>
+            <a:endParaRPr kumimoji="1" lang="ja-JP" altLang="en-US"/>
+          </a:p>
+        </p:txBody>
+      </p:sp>
+      <p:sp>
+        <p:nvSpPr>
+          <p:cNvPr id="20" name="テキスト ボックス 19">
+            <a:extLst>
+              <a:ext uri="{FF2B5EF4-FFF2-40B4-BE49-F238E27FC236}">
+                <a16:creationId xmlns:a16="http://schemas.microsoft.com/office/drawing/2014/main" id="{B3818564-A062-8493-E6B7-1E5FEF90B390}"/>
+              </a:ext>
+            </a:extLst>
+          </p:cNvPr>
+          <p:cNvSpPr txBox="1"/>
+          <p:nvPr/>
+        </p:nvSpPr>
+        <p:spPr>
+          <a:xfrm>
+            <a:off x="4965271" y="5808329"/>
+            <a:ext cx="2261457" cy="307777"/>
+          </a:xfrm>
+          <a:prstGeom prst="rect">
+            <a:avLst/>
+          </a:prstGeom>
+          <a:noFill/>
+        </p:spPr>
+        <p:txBody>
+          <a:bodyPr wrap="square" rtlCol="0">
+            <a:spAutoFit/>
+          </a:bodyPr>
+          <a:lstStyle/>
+          <a:p>
+            <a:r>
+              <a:rPr kumimoji="1" lang="ja-JP" altLang="en-US" sz="1400"/>
+              <a:t>受信した</a:t>
+            </a:r>
+            <a:r>
+              <a:rPr kumimoji="1" lang="en-US" altLang="ja-JP" sz="1400"/>
+              <a:t>MIDI Data</a:t>
+            </a:r>
+            <a:endParaRPr kumimoji="1" lang="ja-JP" altLang="en-US" sz="1400"/>
           </a:p>
         </p:txBody>
       </p:sp>

--- a/doc/design.pptx
+++ b/doc/design.pptx
@@ -279,7 +279,7 @@
           <a:p>
             <a:fld id="{D6C33A7A-5ABB-BC4F-84D2-CC4D1B9660F6}" type="datetimeFigureOut">
               <a:rPr lang="ja-JP" altLang="en-US"/>
-              <a:t>2024/7/16</a:t>
+              <a:t>2024/10/13</a:t>
             </a:fld>
             <a:endParaRPr kumimoji="1" lang="ja-JP" altLang="en-US"/>
           </a:p>
@@ -509,7 +509,7 @@
           <a:p>
             <a:fld id="{D6C33A7A-5ABB-BC4F-84D2-CC4D1B9660F6}" type="datetimeFigureOut">
               <a:rPr lang="ja-JP" altLang="en-US"/>
-              <a:t>2024/7/16</a:t>
+              <a:t>2024/10/13</a:t>
             </a:fld>
             <a:endParaRPr kumimoji="1" lang="ja-JP" altLang="en-US"/>
           </a:p>
@@ -749,7 +749,7 @@
           <a:p>
             <a:fld id="{D6C33A7A-5ABB-BC4F-84D2-CC4D1B9660F6}" type="datetimeFigureOut">
               <a:rPr lang="ja-JP" altLang="en-US"/>
-              <a:t>2024/7/16</a:t>
+              <a:t>2024/10/13</a:t>
             </a:fld>
             <a:endParaRPr kumimoji="1" lang="ja-JP" altLang="en-US"/>
           </a:p>
@@ -979,7 +979,7 @@
           <a:p>
             <a:fld id="{D6C33A7A-5ABB-BC4F-84D2-CC4D1B9660F6}" type="datetimeFigureOut">
               <a:rPr lang="ja-JP" altLang="en-US"/>
-              <a:t>2024/7/16</a:t>
+              <a:t>2024/10/13</a:t>
             </a:fld>
             <a:endParaRPr kumimoji="1" lang="ja-JP" altLang="en-US"/>
           </a:p>
@@ -1254,7 +1254,7 @@
           <a:p>
             <a:fld id="{D6C33A7A-5ABB-BC4F-84D2-CC4D1B9660F6}" type="datetimeFigureOut">
               <a:rPr lang="ja-JP" altLang="en-US"/>
-              <a:t>2024/7/16</a:t>
+              <a:t>2024/10/13</a:t>
             </a:fld>
             <a:endParaRPr kumimoji="1" lang="ja-JP" altLang="en-US"/>
           </a:p>
@@ -1583,7 +1583,7 @@
           <a:p>
             <a:fld id="{D6C33A7A-5ABB-BC4F-84D2-CC4D1B9660F6}" type="datetimeFigureOut">
               <a:rPr lang="ja-JP" altLang="en-US"/>
-              <a:t>2024/7/16</a:t>
+              <a:t>2024/10/13</a:t>
             </a:fld>
             <a:endParaRPr kumimoji="1" lang="ja-JP" altLang="en-US"/>
           </a:p>
@@ -2059,7 +2059,7 @@
           <a:p>
             <a:fld id="{D6C33A7A-5ABB-BC4F-84D2-CC4D1B9660F6}" type="datetimeFigureOut">
               <a:rPr lang="ja-JP" altLang="en-US"/>
-              <a:t>2024/7/16</a:t>
+              <a:t>2024/10/13</a:t>
             </a:fld>
             <a:endParaRPr kumimoji="1" lang="ja-JP" altLang="en-US"/>
           </a:p>
@@ -2200,7 +2200,7 @@
           <a:p>
             <a:fld id="{D6C33A7A-5ABB-BC4F-84D2-CC4D1B9660F6}" type="datetimeFigureOut">
               <a:rPr lang="ja-JP" altLang="en-US"/>
-              <a:t>2024/7/16</a:t>
+              <a:t>2024/10/13</a:t>
             </a:fld>
             <a:endParaRPr kumimoji="1" lang="ja-JP" altLang="en-US"/>
           </a:p>
@@ -2313,7 +2313,7 @@
           <a:p>
             <a:fld id="{D6C33A7A-5ABB-BC4F-84D2-CC4D1B9660F6}" type="datetimeFigureOut">
               <a:rPr lang="ja-JP" altLang="en-US"/>
-              <a:t>2024/7/16</a:t>
+              <a:t>2024/10/13</a:t>
             </a:fld>
             <a:endParaRPr kumimoji="1" lang="ja-JP" altLang="en-US"/>
           </a:p>
@@ -2656,7 +2656,7 @@
           <a:p>
             <a:fld id="{D6C33A7A-5ABB-BC4F-84D2-CC4D1B9660F6}" type="datetimeFigureOut">
               <a:rPr lang="ja-JP" altLang="en-US"/>
-              <a:t>2024/7/16</a:t>
+              <a:t>2024/10/13</a:t>
             </a:fld>
             <a:endParaRPr kumimoji="1" lang="ja-JP" altLang="en-US"/>
           </a:p>
@@ -2944,7 +2944,7 @@
           <a:p>
             <a:fld id="{D6C33A7A-5ABB-BC4F-84D2-CC4D1B9660F6}" type="datetimeFigureOut">
               <a:rPr lang="ja-JP" altLang="en-US"/>
-              <a:t>2024/7/16</a:t>
+              <a:t>2024/10/13</a:t>
             </a:fld>
             <a:endParaRPr kumimoji="1" lang="ja-JP" altLang="en-US"/>
           </a:p>
@@ -3217,7 +3217,7 @@
           <a:p>
             <a:fld id="{D6C33A7A-5ABB-BC4F-84D2-CC4D1B9660F6}" type="datetimeFigureOut">
               <a:rPr lang="ja-JP" altLang="en-US"/>
-              <a:t>2024/7/16</a:t>
+              <a:t>2024/10/13</a:t>
             </a:fld>
             <a:endParaRPr kumimoji="1" lang="ja-JP" altLang="en-US"/>
           </a:p>
@@ -17601,8 +17601,8 @@
         </p:nvSpPr>
         <p:spPr>
           <a:xfrm>
-            <a:off x="7610153" y="1271757"/>
-            <a:ext cx="4185746" cy="4771691"/>
+            <a:off x="7610153" y="1025781"/>
+            <a:ext cx="4185746" cy="5312597"/>
           </a:xfrm>
           <a:prstGeom prst="rect">
             <a:avLst/>
@@ -17664,8 +17664,8 @@
         </p:nvSpPr>
         <p:spPr>
           <a:xfrm>
-            <a:off x="320563" y="1261241"/>
-            <a:ext cx="7015658" cy="4025461"/>
+            <a:off x="320563" y="1025781"/>
+            <a:ext cx="7015658" cy="4745012"/>
           </a:xfrm>
           <a:prstGeom prst="rect">
             <a:avLst/>
@@ -17723,7 +17723,7 @@
         </p:nvSpPr>
         <p:spPr>
           <a:xfrm>
-            <a:off x="2364827" y="2033779"/>
+            <a:off x="2364827" y="2439131"/>
             <a:ext cx="1734207" cy="646331"/>
           </a:xfrm>
           <a:prstGeom prst="rect">
@@ -17776,7 +17776,7 @@
         </p:nvSpPr>
         <p:spPr>
           <a:xfrm>
-            <a:off x="504498" y="2028552"/>
+            <a:off x="504498" y="2433904"/>
             <a:ext cx="1408386" cy="646331"/>
           </a:xfrm>
           <a:prstGeom prst="rect">
@@ -17818,7 +17818,7 @@
         </p:nvSpPr>
         <p:spPr>
           <a:xfrm>
-            <a:off x="5173722" y="2028552"/>
+            <a:off x="5173722" y="2433904"/>
             <a:ext cx="1734207" cy="646331"/>
           </a:xfrm>
           <a:prstGeom prst="rect">
@@ -17871,7 +17871,7 @@
         </p:nvSpPr>
         <p:spPr>
           <a:xfrm>
-            <a:off x="7982617" y="2028552"/>
+            <a:off x="7982617" y="2433904"/>
             <a:ext cx="1734207" cy="646331"/>
           </a:xfrm>
           <a:prstGeom prst="rect">
@@ -17927,7 +17927,7 @@
         </p:nvCxnSpPr>
         <p:spPr>
           <a:xfrm>
-            <a:off x="1912884" y="2351718"/>
+            <a:off x="1912884" y="2757070"/>
             <a:ext cx="451943" cy="5227"/>
           </a:xfrm>
           <a:prstGeom prst="straightConnector1">
@@ -17974,7 +17974,7 @@
         </p:nvCxnSpPr>
         <p:spPr>
           <a:xfrm flipV="1">
-            <a:off x="4099034" y="2351718"/>
+            <a:off x="4099034" y="2757070"/>
             <a:ext cx="1074688" cy="5227"/>
           </a:xfrm>
           <a:prstGeom prst="straightConnector1">
@@ -18021,7 +18021,7 @@
         </p:nvCxnSpPr>
         <p:spPr>
           <a:xfrm>
-            <a:off x="6907929" y="2351718"/>
+            <a:off x="6907929" y="2757070"/>
             <a:ext cx="1074688" cy="0"/>
           </a:xfrm>
           <a:prstGeom prst="straightConnector1">
@@ -18064,7 +18064,7 @@
         </p:nvSpPr>
         <p:spPr>
           <a:xfrm>
-            <a:off x="840828" y="662152"/>
+            <a:off x="840828" y="445106"/>
             <a:ext cx="2921875" cy="369332"/>
           </a:xfrm>
           <a:prstGeom prst="rect">
@@ -18103,7 +18103,7 @@
         </p:nvSpPr>
         <p:spPr>
           <a:xfrm>
-            <a:off x="4137137" y="1972151"/>
+            <a:off x="4137137" y="2377503"/>
             <a:ext cx="998481" cy="369332"/>
           </a:xfrm>
           <a:prstGeom prst="rect">
@@ -18140,7 +18140,7 @@
         </p:nvSpPr>
         <p:spPr>
           <a:xfrm>
-            <a:off x="6872778" y="2002213"/>
+            <a:off x="6872778" y="2407565"/>
             <a:ext cx="1074688" cy="369332"/>
           </a:xfrm>
           <a:prstGeom prst="rect">
@@ -18177,7 +18177,7 @@
         </p:nvSpPr>
         <p:spPr>
           <a:xfrm>
-            <a:off x="2364827" y="4030745"/>
+            <a:off x="2364827" y="4436097"/>
             <a:ext cx="1734207" cy="646331"/>
           </a:xfrm>
           <a:prstGeom prst="rect">
@@ -18230,7 +18230,7 @@
         </p:nvSpPr>
         <p:spPr>
           <a:xfrm>
-            <a:off x="320563" y="3887018"/>
+            <a:off x="320563" y="4292370"/>
             <a:ext cx="1587063" cy="923330"/>
           </a:xfrm>
           <a:prstGeom prst="rect">
@@ -18279,7 +18279,7 @@
         </p:nvSpPr>
         <p:spPr>
           <a:xfrm>
-            <a:off x="5173721" y="4036028"/>
+            <a:off x="5173721" y="4441380"/>
             <a:ext cx="1734207" cy="646331"/>
           </a:xfrm>
           <a:prstGeom prst="rect">
@@ -18336,7 +18336,7 @@
         </p:nvCxnSpPr>
         <p:spPr>
           <a:xfrm>
-            <a:off x="1907626" y="4348683"/>
+            <a:off x="1907626" y="4754035"/>
             <a:ext cx="457201" cy="5228"/>
           </a:xfrm>
           <a:prstGeom prst="straightConnector1">
@@ -18383,7 +18383,7 @@
         </p:nvCxnSpPr>
         <p:spPr>
           <a:xfrm>
-            <a:off x="4099034" y="4353911"/>
+            <a:off x="4099034" y="4759263"/>
             <a:ext cx="1074687" cy="5283"/>
           </a:xfrm>
           <a:prstGeom prst="straightConnector1">
@@ -18426,7 +18426,7 @@
         </p:nvSpPr>
         <p:spPr>
           <a:xfrm>
-            <a:off x="4137136" y="3997405"/>
+            <a:off x="4137136" y="4402757"/>
             <a:ext cx="998481" cy="369332"/>
           </a:xfrm>
           <a:prstGeom prst="rect">
@@ -18466,7 +18466,7 @@
         </p:nvCxnSpPr>
         <p:spPr>
           <a:xfrm flipV="1">
-            <a:off x="5508404" y="2674883"/>
+            <a:off x="5508404" y="3080235"/>
             <a:ext cx="532422" cy="335425"/>
           </a:xfrm>
           <a:prstGeom prst="straightConnector1">
@@ -18509,7 +18509,7 @@
         </p:nvSpPr>
         <p:spPr>
           <a:xfrm>
-            <a:off x="4137136" y="2855151"/>
+            <a:off x="4137136" y="3260503"/>
             <a:ext cx="1404450" cy="369332"/>
           </a:xfrm>
           <a:prstGeom prst="rect">
@@ -18546,7 +18546,7 @@
         </p:nvSpPr>
         <p:spPr>
           <a:xfrm>
-            <a:off x="2411800" y="2853652"/>
+            <a:off x="2411800" y="3259004"/>
             <a:ext cx="1246132" cy="369332"/>
           </a:xfrm>
           <a:prstGeom prst="rect">
@@ -18587,7 +18587,7 @@
         </p:nvCxnSpPr>
         <p:spPr>
           <a:xfrm>
-            <a:off x="3657932" y="3038318"/>
+            <a:off x="3657932" y="3443670"/>
             <a:ext cx="479204" cy="1499"/>
           </a:xfrm>
           <a:prstGeom prst="straightConnector1">
@@ -18632,7 +18632,7 @@
         </p:nvCxnSpPr>
         <p:spPr>
           <a:xfrm flipV="1">
-            <a:off x="6907928" y="2674883"/>
+            <a:off x="6907928" y="3080235"/>
             <a:ext cx="1493784" cy="1374228"/>
           </a:xfrm>
           <a:prstGeom prst="straightConnector1">
@@ -18678,7 +18678,7 @@
         </p:nvCxnSpPr>
         <p:spPr>
           <a:xfrm>
-            <a:off x="9716824" y="2351717"/>
+            <a:off x="9716824" y="2757069"/>
             <a:ext cx="991416" cy="0"/>
           </a:xfrm>
           <a:prstGeom prst="straightConnector1">
@@ -18721,7 +18721,7 @@
         </p:nvSpPr>
         <p:spPr>
           <a:xfrm>
-            <a:off x="10708240" y="2028551"/>
+            <a:off x="10708240" y="2433903"/>
             <a:ext cx="784494" cy="646331"/>
           </a:xfrm>
           <a:prstGeom prst="rect">
@@ -18776,7 +18776,7 @@
         </p:nvCxnSpPr>
         <p:spPr>
           <a:xfrm flipV="1">
-            <a:off x="9427458" y="2680110"/>
+            <a:off x="9427458" y="3085462"/>
             <a:ext cx="1191464" cy="790974"/>
           </a:xfrm>
           <a:prstGeom prst="straightConnector1">
@@ -18819,7 +18819,7 @@
         </p:nvSpPr>
         <p:spPr>
           <a:xfrm>
-            <a:off x="8177878" y="3342148"/>
+            <a:off x="8177878" y="3747500"/>
             <a:ext cx="1404450" cy="369332"/>
           </a:xfrm>
           <a:prstGeom prst="rect">
@@ -18856,7 +18856,7 @@
         </p:nvSpPr>
         <p:spPr>
           <a:xfrm>
-            <a:off x="2421818" y="3357700"/>
+            <a:off x="2421818" y="3763052"/>
             <a:ext cx="1246132" cy="369332"/>
           </a:xfrm>
           <a:prstGeom prst="rect">
@@ -18896,7 +18896,7 @@
         </p:nvCxnSpPr>
         <p:spPr>
           <a:xfrm flipV="1">
-            <a:off x="3667950" y="3533183"/>
+            <a:off x="3667950" y="3938535"/>
             <a:ext cx="4733762" cy="9183"/>
           </a:xfrm>
           <a:prstGeom prst="straightConnector1">
@@ -18939,7 +18939,7 @@
         </p:nvSpPr>
         <p:spPr>
           <a:xfrm>
-            <a:off x="6837315" y="3900885"/>
+            <a:off x="6837315" y="4306237"/>
             <a:ext cx="1455013" cy="369332"/>
           </a:xfrm>
           <a:prstGeom prst="rect">
@@ -18976,7 +18976,7 @@
         </p:nvSpPr>
         <p:spPr>
           <a:xfrm>
-            <a:off x="472966" y="1359676"/>
+            <a:off x="396101" y="5315926"/>
             <a:ext cx="735724" cy="369332"/>
           </a:xfrm>
           <a:prstGeom prst="rect">
@@ -19020,7 +19020,7 @@
         </p:nvSpPr>
         <p:spPr>
           <a:xfrm>
-            <a:off x="10551093" y="1359676"/>
+            <a:off x="10708240" y="5893905"/>
             <a:ext cx="1079934" cy="369332"/>
           </a:xfrm>
           <a:prstGeom prst="rect">
@@ -19067,7 +19067,7 @@
         </p:nvCxnSpPr>
         <p:spPr>
           <a:xfrm flipV="1">
-            <a:off x="3667950" y="3222668"/>
+            <a:off x="3667950" y="3628020"/>
             <a:ext cx="479204" cy="319698"/>
           </a:xfrm>
           <a:prstGeom prst="straightConnector1">
@@ -19110,7 +19110,7 @@
         </p:nvSpPr>
         <p:spPr>
           <a:xfrm>
-            <a:off x="2923522" y="3163307"/>
+            <a:off x="2923522" y="3568659"/>
             <a:ext cx="1103251" cy="307777"/>
           </a:xfrm>
           <a:prstGeom prst="rect">
@@ -19154,7 +19154,7 @@
         </p:nvSpPr>
         <p:spPr>
           <a:xfrm>
-            <a:off x="3876846" y="3520351"/>
+            <a:off x="3876846" y="3925703"/>
             <a:ext cx="814549" cy="307777"/>
           </a:xfrm>
           <a:prstGeom prst="rect">
@@ -19190,7 +19190,7 @@
         </p:nvSpPr>
         <p:spPr>
           <a:xfrm>
-            <a:off x="8314186" y="4034645"/>
+            <a:off x="8314186" y="4439997"/>
             <a:ext cx="1734207" cy="646331"/>
           </a:xfrm>
           <a:prstGeom prst="rect">
@@ -19247,7 +19247,7 @@
         </p:nvCxnSpPr>
         <p:spPr>
           <a:xfrm flipV="1">
-            <a:off x="6907928" y="4357811"/>
+            <a:off x="6907928" y="4763163"/>
             <a:ext cx="1406258" cy="1383"/>
           </a:xfrm>
           <a:prstGeom prst="straightConnector1">
@@ -19292,7 +19292,7 @@
         </p:nvCxnSpPr>
         <p:spPr>
           <a:xfrm flipV="1">
-            <a:off x="7315765" y="4683659"/>
+            <a:off x="7315765" y="5089011"/>
             <a:ext cx="1910865" cy="1052012"/>
           </a:xfrm>
           <a:prstGeom prst="straightConnector1">
@@ -19337,7 +19337,7 @@
         </p:nvCxnSpPr>
         <p:spPr>
           <a:xfrm>
-            <a:off x="10042197" y="4366737"/>
+            <a:off x="10042197" y="4772089"/>
             <a:ext cx="1986749" cy="0"/>
           </a:xfrm>
           <a:prstGeom prst="straightConnector1">
@@ -19377,13 +19377,14 @@
           </p:cNvPr>
           <p:cNvCxnSpPr>
             <a:cxnSpLocks/>
+            <a:stCxn id="46" idx="3"/>
           </p:cNvCxnSpPr>
           <p:nvPr/>
         </p:nvCxnSpPr>
         <p:spPr>
           <a:xfrm>
-            <a:off x="11672405" y="2351717"/>
-            <a:ext cx="356541" cy="0"/>
+            <a:off x="11492734" y="2757069"/>
+            <a:ext cx="536212" cy="0"/>
           </a:xfrm>
           <a:prstGeom prst="straightConnector1">
             <a:avLst/>
@@ -19427,7 +19428,7 @@
         </p:nvCxnSpPr>
         <p:spPr>
           <a:xfrm>
-            <a:off x="9268814" y="3669073"/>
+            <a:off x="9268814" y="4074425"/>
             <a:ext cx="313514" cy="361672"/>
           </a:xfrm>
           <a:prstGeom prst="straightConnector1">
@@ -19470,7 +19471,7 @@
         </p:nvSpPr>
         <p:spPr>
           <a:xfrm>
-            <a:off x="7861564" y="5365442"/>
+            <a:off x="7861564" y="5770794"/>
             <a:ext cx="2283372" cy="307777"/>
           </a:xfrm>
           <a:prstGeom prst="rect">
@@ -19506,7 +19507,7 @@
         </p:nvSpPr>
         <p:spPr>
           <a:xfrm>
-            <a:off x="6045341" y="5563701"/>
+            <a:off x="6045341" y="5969053"/>
             <a:ext cx="1408386" cy="369332"/>
           </a:xfrm>
           <a:prstGeom prst="rect">
@@ -19541,7 +19542,378 @@
         </p:nvSpPr>
         <p:spPr>
           <a:xfrm>
-            <a:off x="9636999" y="2023234"/>
+            <a:off x="9636999" y="2428586"/>
+            <a:ext cx="1074688" cy="369332"/>
+          </a:xfrm>
+          <a:prstGeom prst="rect">
+            <a:avLst/>
+          </a:prstGeom>
+          <a:noFill/>
+        </p:spPr>
+        <p:txBody>
+          <a:bodyPr wrap="square" rtlCol="0">
+            <a:spAutoFit/>
+          </a:bodyPr>
+          <a:lstStyle/>
+          <a:p>
+            <a:pPr algn="ctr"/>
+            <a:r>
+              <a:rPr kumimoji="1" lang="en-US" altLang="ja-JP"/>
+              <a:t>MIDIlike</a:t>
+            </a:r>
+            <a:endParaRPr kumimoji="1" lang="ja-JP" altLang="en-US"/>
+          </a:p>
+        </p:txBody>
+      </p:sp>
+      <p:sp>
+        <p:nvSpPr>
+          <p:cNvPr id="10" name="テキスト ボックス 9">
+            <a:extLst>
+              <a:ext uri="{FF2B5EF4-FFF2-40B4-BE49-F238E27FC236}">
+                <a16:creationId xmlns:a16="http://schemas.microsoft.com/office/drawing/2014/main" id="{5E1917C3-0390-3CF2-052A-A1311D4A6AC0}"/>
+              </a:ext>
+            </a:extLst>
+          </p:cNvPr>
+          <p:cNvSpPr txBox="1"/>
+          <p:nvPr/>
+        </p:nvSpPr>
+        <p:spPr>
+          <a:xfrm>
+            <a:off x="3495236" y="1236888"/>
+            <a:ext cx="2003032" cy="646331"/>
+          </a:xfrm>
+          <a:prstGeom prst="rect">
+            <a:avLst/>
+          </a:prstGeom>
+          <a:noFill/>
+        </p:spPr>
+        <p:txBody>
+          <a:bodyPr wrap="square" rtlCol="0">
+            <a:spAutoFit/>
+          </a:bodyPr>
+          <a:lstStyle/>
+          <a:p>
+            <a:r>
+              <a:rPr lang="en-US" altLang="ja-JP"/>
+              <a:t>Dynamic Pattern</a:t>
+            </a:r>
+            <a:endParaRPr kumimoji="1" lang="en-US" altLang="ja-JP"/>
+          </a:p>
+          <a:p>
+            <a:r>
+              <a:rPr lang="en-US" altLang="ja-JP"/>
+              <a:t>[Cls(,,)]</a:t>
+            </a:r>
+            <a:endParaRPr kumimoji="1" lang="ja-JP" altLang="en-US"/>
+          </a:p>
+        </p:txBody>
+      </p:sp>
+      <p:sp>
+        <p:nvSpPr>
+          <p:cNvPr id="22" name="正方形/長方形 21">
+            <a:extLst>
+              <a:ext uri="{FF2B5EF4-FFF2-40B4-BE49-F238E27FC236}">
+                <a16:creationId xmlns:a16="http://schemas.microsoft.com/office/drawing/2014/main" id="{C5966069-73EE-0C6F-5F5F-35E9F4B448FA}"/>
+              </a:ext>
+            </a:extLst>
+          </p:cNvPr>
+          <p:cNvSpPr/>
+          <p:nvPr/>
+        </p:nvSpPr>
+        <p:spPr>
+          <a:xfrm>
+            <a:off x="5655910" y="1381422"/>
+            <a:ext cx="1454699" cy="509804"/>
+          </a:xfrm>
+          <a:prstGeom prst="rect">
+            <a:avLst/>
+          </a:prstGeom>
+          <a:ln>
+            <a:solidFill>
+              <a:schemeClr val="tx1"/>
+            </a:solidFill>
+          </a:ln>
+        </p:spPr>
+        <p:style>
+          <a:lnRef idx="2">
+            <a:schemeClr val="accent6"/>
+          </a:lnRef>
+          <a:fillRef idx="1">
+            <a:schemeClr val="lt1"/>
+          </a:fillRef>
+          <a:effectRef idx="0">
+            <a:schemeClr val="accent6"/>
+          </a:effectRef>
+          <a:fontRef idx="minor">
+            <a:schemeClr val="dk1"/>
+          </a:fontRef>
+        </p:style>
+        <p:txBody>
+          <a:bodyPr rtlCol="0" anchor="ctr"/>
+          <a:lstStyle/>
+          <a:p>
+            <a:pPr algn="ctr"/>
+            <a:r>
+              <a:rPr lang="en" altLang="ja-JP" b="0">
+                <a:solidFill>
+                  <a:schemeClr val="tx1"/>
+                </a:solidFill>
+                <a:effectLst/>
+              </a:rPr>
+              <a:t>treat_dp</a:t>
+            </a:r>
+          </a:p>
+        </p:txBody>
+      </p:sp>
+      <p:cxnSp>
+        <p:nvCxnSpPr>
+          <p:cNvPr id="24" name="直線矢印コネクタ 23">
+            <a:extLst>
+              <a:ext uri="{FF2B5EF4-FFF2-40B4-BE49-F238E27FC236}">
+                <a16:creationId xmlns:a16="http://schemas.microsoft.com/office/drawing/2014/main" id="{77AD57D2-D19C-9D87-B94A-5CF546EF8D72}"/>
+              </a:ext>
+            </a:extLst>
+          </p:cNvPr>
+          <p:cNvCxnSpPr>
+            <a:cxnSpLocks/>
+            <a:stCxn id="4" idx="0"/>
+            <a:endCxn id="22" idx="2"/>
+          </p:cNvCxnSpPr>
+          <p:nvPr/>
+        </p:nvCxnSpPr>
+        <p:spPr>
+          <a:xfrm flipV="1">
+            <a:off x="6040826" y="1891226"/>
+            <a:ext cx="342434" cy="542678"/>
+          </a:xfrm>
+          <a:prstGeom prst="straightConnector1">
+            <a:avLst/>
+          </a:prstGeom>
+          <a:ln w="19050">
+            <a:solidFill>
+              <a:schemeClr val="tx1"/>
+            </a:solidFill>
+            <a:headEnd type="none" w="med" len="med"/>
+            <a:tailEnd type="arrow" w="med" len="med"/>
+          </a:ln>
+        </p:spPr>
+        <p:style>
+          <a:lnRef idx="1">
+            <a:schemeClr val="accent1"/>
+          </a:lnRef>
+          <a:fillRef idx="0">
+            <a:schemeClr val="accent1"/>
+          </a:fillRef>
+          <a:effectRef idx="0">
+            <a:schemeClr val="accent1"/>
+          </a:effectRef>
+          <a:fontRef idx="minor">
+            <a:schemeClr val="tx1"/>
+          </a:fontRef>
+        </p:style>
+      </p:cxnSp>
+      <p:sp>
+        <p:nvSpPr>
+          <p:cNvPr id="29" name="テキスト ボックス 28">
+            <a:extLst>
+              <a:ext uri="{FF2B5EF4-FFF2-40B4-BE49-F238E27FC236}">
+                <a16:creationId xmlns:a16="http://schemas.microsoft.com/office/drawing/2014/main" id="{58E86C60-53A0-FC60-0175-BFF511216E20}"/>
+              </a:ext>
+            </a:extLst>
+          </p:cNvPr>
+          <p:cNvSpPr txBox="1"/>
+          <p:nvPr/>
+        </p:nvSpPr>
+        <p:spPr>
+          <a:xfrm>
+            <a:off x="4833345" y="1969027"/>
+            <a:ext cx="1404450" cy="307777"/>
+          </a:xfrm>
+          <a:prstGeom prst="rect">
+            <a:avLst/>
+          </a:prstGeom>
+          <a:noFill/>
+        </p:spPr>
+        <p:txBody>
+          <a:bodyPr wrap="square" rtlCol="0">
+            <a:spAutoFit/>
+          </a:bodyPr>
+          <a:lstStyle/>
+          <a:p>
+            <a:pPr algn="ctr"/>
+            <a:r>
+              <a:rPr lang="en-US" altLang="ja-JP" sz="1400"/>
+              <a:t>(base_note)</a:t>
+            </a:r>
+            <a:endParaRPr kumimoji="1" lang="ja-JP" altLang="en-US" sz="1400"/>
+          </a:p>
+        </p:txBody>
+      </p:sp>
+      <p:sp>
+        <p:nvSpPr>
+          <p:cNvPr id="34" name="正方形/長方形 33">
+            <a:extLst>
+              <a:ext uri="{FF2B5EF4-FFF2-40B4-BE49-F238E27FC236}">
+                <a16:creationId xmlns:a16="http://schemas.microsoft.com/office/drawing/2014/main" id="{211FAA10-49AE-A43E-F0B9-B7BA41528124}"/>
+              </a:ext>
+            </a:extLst>
+          </p:cNvPr>
+          <p:cNvSpPr/>
+          <p:nvPr/>
+        </p:nvSpPr>
+        <p:spPr>
+          <a:xfrm>
+            <a:off x="7977714" y="1311602"/>
+            <a:ext cx="1734208" cy="646331"/>
+          </a:xfrm>
+          <a:prstGeom prst="rect">
+            <a:avLst/>
+          </a:prstGeom>
+          <a:ln>
+            <a:solidFill>
+              <a:schemeClr val="tx1"/>
+            </a:solidFill>
+          </a:ln>
+        </p:spPr>
+        <p:style>
+          <a:lnRef idx="2">
+            <a:schemeClr val="accent6"/>
+          </a:lnRef>
+          <a:fillRef idx="1">
+            <a:schemeClr val="lt1"/>
+          </a:fillRef>
+          <a:effectRef idx="0">
+            <a:schemeClr val="accent6"/>
+          </a:effectRef>
+          <a:fontRef idx="minor">
+            <a:schemeClr val="dk1"/>
+          </a:fontRef>
+        </p:style>
+        <p:txBody>
+          <a:bodyPr rtlCol="0" anchor="ctr"/>
+          <a:lstStyle/>
+          <a:p>
+            <a:pPr algn="ctr"/>
+            <a:r>
+              <a:rPr lang="en" altLang="ja-JP" b="0">
+                <a:solidFill>
+                  <a:schemeClr val="tx1"/>
+                </a:solidFill>
+                <a:effectLst/>
+              </a:rPr>
+              <a:t>play_cluster</a:t>
+            </a:r>
+          </a:p>
+        </p:txBody>
+      </p:sp>
+      <p:cxnSp>
+        <p:nvCxnSpPr>
+          <p:cNvPr id="35" name="直線矢印コネクタ 34">
+            <a:extLst>
+              <a:ext uri="{FF2B5EF4-FFF2-40B4-BE49-F238E27FC236}">
+                <a16:creationId xmlns:a16="http://schemas.microsoft.com/office/drawing/2014/main" id="{8C3727B1-4EE9-C434-1E57-3B33AA374F19}"/>
+              </a:ext>
+            </a:extLst>
+          </p:cNvPr>
+          <p:cNvCxnSpPr>
+            <a:cxnSpLocks/>
+            <a:stCxn id="22" idx="3"/>
+            <a:endCxn id="34" idx="1"/>
+          </p:cNvCxnSpPr>
+          <p:nvPr/>
+        </p:nvCxnSpPr>
+        <p:spPr>
+          <a:xfrm flipV="1">
+            <a:off x="7110609" y="1634768"/>
+            <a:ext cx="867105" cy="1556"/>
+          </a:xfrm>
+          <a:prstGeom prst="straightConnector1">
+            <a:avLst/>
+          </a:prstGeom>
+          <a:ln w="19050">
+            <a:solidFill>
+              <a:schemeClr val="tx1"/>
+            </a:solidFill>
+            <a:headEnd type="none" w="med" len="med"/>
+            <a:tailEnd type="arrow" w="med" len="med"/>
+          </a:ln>
+        </p:spPr>
+        <p:style>
+          <a:lnRef idx="1">
+            <a:schemeClr val="accent1"/>
+          </a:lnRef>
+          <a:fillRef idx="0">
+            <a:schemeClr val="accent1"/>
+          </a:fillRef>
+          <a:effectRef idx="0">
+            <a:schemeClr val="accent1"/>
+          </a:effectRef>
+          <a:fontRef idx="minor">
+            <a:schemeClr val="tx1"/>
+          </a:fontRef>
+        </p:style>
+      </p:cxnSp>
+      <p:cxnSp>
+        <p:nvCxnSpPr>
+          <p:cNvPr id="45" name="直線矢印コネクタ 44">
+            <a:extLst>
+              <a:ext uri="{FF2B5EF4-FFF2-40B4-BE49-F238E27FC236}">
+                <a16:creationId xmlns:a16="http://schemas.microsoft.com/office/drawing/2014/main" id="{62EBB92B-E140-FCB7-0E7B-7AA384A904A9}"/>
+              </a:ext>
+            </a:extLst>
+          </p:cNvPr>
+          <p:cNvCxnSpPr>
+            <a:cxnSpLocks/>
+            <a:stCxn id="34" idx="3"/>
+          </p:cNvCxnSpPr>
+          <p:nvPr/>
+        </p:nvCxnSpPr>
+        <p:spPr>
+          <a:xfrm>
+            <a:off x="9711922" y="1634768"/>
+            <a:ext cx="996318" cy="727114"/>
+          </a:xfrm>
+          <a:prstGeom prst="straightConnector1">
+            <a:avLst/>
+          </a:prstGeom>
+          <a:ln w="19050">
+            <a:solidFill>
+              <a:schemeClr val="tx1"/>
+            </a:solidFill>
+            <a:headEnd type="none" w="med" len="med"/>
+            <a:tailEnd type="arrow" w="med" len="med"/>
+          </a:ln>
+        </p:spPr>
+        <p:style>
+          <a:lnRef idx="1">
+            <a:schemeClr val="accent1"/>
+          </a:lnRef>
+          <a:fillRef idx="0">
+            <a:schemeClr val="accent1"/>
+          </a:fillRef>
+          <a:effectRef idx="0">
+            <a:schemeClr val="accent1"/>
+          </a:effectRef>
+          <a:fontRef idx="minor">
+            <a:schemeClr val="tx1"/>
+          </a:fontRef>
+        </p:style>
+      </p:cxnSp>
+      <p:sp>
+        <p:nvSpPr>
+          <p:cNvPr id="61" name="テキスト ボックス 60">
+            <a:extLst>
+              <a:ext uri="{FF2B5EF4-FFF2-40B4-BE49-F238E27FC236}">
+                <a16:creationId xmlns:a16="http://schemas.microsoft.com/office/drawing/2014/main" id="{064AFD15-42CC-4124-A756-DDEC03554CB9}"/>
+              </a:ext>
+            </a:extLst>
+          </p:cNvPr>
+          <p:cNvSpPr txBox="1"/>
+          <p:nvPr/>
+        </p:nvSpPr>
+        <p:spPr>
+          <a:xfrm>
+            <a:off x="9770415" y="1414092"/>
             <a:ext cx="1074688" cy="369332"/>
           </a:xfrm>
           <a:prstGeom prst="rect">
